--- a/그래프모델링.pptx
+++ b/그래프모델링.pptx
@@ -109,6 +109,11 @@
       </a:defRPr>
     </a:lvl9pPr>
   </p:defaultTextStyle>
+  <p:extLst>
+    <p:ext uri="{EFAFB233-063F-42B5-8137-9DF3F51BA10A}">
+      <p15:sldGuideLst xmlns:p15="http://schemas.microsoft.com/office/powerpoint/2012/main"/>
+    </p:ext>
+  </p:extLst>
 </p:presentation>
 </file>
 
@@ -259,7 +264,7 @@
           <a:p>
             <a:fld id="{6C510B8C-81DC-452A-8BA2-C42E018654E1}" type="datetimeFigureOut">
               <a:rPr lang="ko-KR" altLang="en-US" smtClean="0"/>
-              <a:t>2019-10-06</a:t>
+              <a:t>2019-10-07</a:t>
             </a:fld>
             <a:endParaRPr lang="ko-KR" altLang="en-US"/>
           </a:p>
@@ -457,7 +462,7 @@
           <a:p>
             <a:fld id="{6C510B8C-81DC-452A-8BA2-C42E018654E1}" type="datetimeFigureOut">
               <a:rPr lang="ko-KR" altLang="en-US" smtClean="0"/>
-              <a:t>2019-10-06</a:t>
+              <a:t>2019-10-07</a:t>
             </a:fld>
             <a:endParaRPr lang="ko-KR" altLang="en-US"/>
           </a:p>
@@ -665,7 +670,7 @@
           <a:p>
             <a:fld id="{6C510B8C-81DC-452A-8BA2-C42E018654E1}" type="datetimeFigureOut">
               <a:rPr lang="ko-KR" altLang="en-US" smtClean="0"/>
-              <a:t>2019-10-06</a:t>
+              <a:t>2019-10-07</a:t>
             </a:fld>
             <a:endParaRPr lang="ko-KR" altLang="en-US"/>
           </a:p>
@@ -863,7 +868,7 @@
           <a:p>
             <a:fld id="{6C510B8C-81DC-452A-8BA2-C42E018654E1}" type="datetimeFigureOut">
               <a:rPr lang="ko-KR" altLang="en-US" smtClean="0"/>
-              <a:t>2019-10-06</a:t>
+              <a:t>2019-10-07</a:t>
             </a:fld>
             <a:endParaRPr lang="ko-KR" altLang="en-US"/>
           </a:p>
@@ -1138,7 +1143,7 @@
           <a:p>
             <a:fld id="{6C510B8C-81DC-452A-8BA2-C42E018654E1}" type="datetimeFigureOut">
               <a:rPr lang="ko-KR" altLang="en-US" smtClean="0"/>
-              <a:t>2019-10-06</a:t>
+              <a:t>2019-10-07</a:t>
             </a:fld>
             <a:endParaRPr lang="ko-KR" altLang="en-US"/>
           </a:p>
@@ -1403,7 +1408,7 @@
           <a:p>
             <a:fld id="{6C510B8C-81DC-452A-8BA2-C42E018654E1}" type="datetimeFigureOut">
               <a:rPr lang="ko-KR" altLang="en-US" smtClean="0"/>
-              <a:t>2019-10-06</a:t>
+              <a:t>2019-10-07</a:t>
             </a:fld>
             <a:endParaRPr lang="ko-KR" altLang="en-US"/>
           </a:p>
@@ -1815,7 +1820,7 @@
           <a:p>
             <a:fld id="{6C510B8C-81DC-452A-8BA2-C42E018654E1}" type="datetimeFigureOut">
               <a:rPr lang="ko-KR" altLang="en-US" smtClean="0"/>
-              <a:t>2019-10-06</a:t>
+              <a:t>2019-10-07</a:t>
             </a:fld>
             <a:endParaRPr lang="ko-KR" altLang="en-US"/>
           </a:p>
@@ -1956,7 +1961,7 @@
           <a:p>
             <a:fld id="{6C510B8C-81DC-452A-8BA2-C42E018654E1}" type="datetimeFigureOut">
               <a:rPr lang="ko-KR" altLang="en-US" smtClean="0"/>
-              <a:t>2019-10-06</a:t>
+              <a:t>2019-10-07</a:t>
             </a:fld>
             <a:endParaRPr lang="ko-KR" altLang="en-US"/>
           </a:p>
@@ -2069,7 +2074,7 @@
           <a:p>
             <a:fld id="{6C510B8C-81DC-452A-8BA2-C42E018654E1}" type="datetimeFigureOut">
               <a:rPr lang="ko-KR" altLang="en-US" smtClean="0"/>
-              <a:t>2019-10-06</a:t>
+              <a:t>2019-10-07</a:t>
             </a:fld>
             <a:endParaRPr lang="ko-KR" altLang="en-US"/>
           </a:p>
@@ -2380,7 +2385,7 @@
           <a:p>
             <a:fld id="{6C510B8C-81DC-452A-8BA2-C42E018654E1}" type="datetimeFigureOut">
               <a:rPr lang="ko-KR" altLang="en-US" smtClean="0"/>
-              <a:t>2019-10-06</a:t>
+              <a:t>2019-10-07</a:t>
             </a:fld>
             <a:endParaRPr lang="ko-KR" altLang="en-US"/>
           </a:p>
@@ -2668,7 +2673,7 @@
           <a:p>
             <a:fld id="{6C510B8C-81DC-452A-8BA2-C42E018654E1}" type="datetimeFigureOut">
               <a:rPr lang="ko-KR" altLang="en-US" smtClean="0"/>
-              <a:t>2019-10-06</a:t>
+              <a:t>2019-10-07</a:t>
             </a:fld>
             <a:endParaRPr lang="ko-KR" altLang="en-US"/>
           </a:p>
@@ -2909,7 +2914,7 @@
           <a:p>
             <a:fld id="{6C510B8C-81DC-452A-8BA2-C42E018654E1}" type="datetimeFigureOut">
               <a:rPr lang="ko-KR" altLang="en-US" smtClean="0"/>
-              <a:t>2019-10-06</a:t>
+              <a:t>2019-10-07</a:t>
             </a:fld>
             <a:endParaRPr lang="ko-KR" altLang="en-US"/>
           </a:p>
@@ -3326,8 +3331,8 @@
           <a:chExt cx="0" cy="0"/>
         </a:xfrm>
       </p:grpSpPr>
-      <mc:AlternateContent xmlns:mc="http://schemas.openxmlformats.org/markup-compatibility/2006">
-        <mc:Choice xmlns:a14="http://schemas.microsoft.com/office/drawing/2010/main" Requires="a14">
+      <mc:AlternateContent xmlns:mc="http://schemas.openxmlformats.org/markup-compatibility/2006" xmlns:a14="http://schemas.microsoft.com/office/drawing/2010/main">
+        <mc:Choice Requires="a14">
           <p:graphicFrame>
             <p:nvGraphicFramePr>
               <p:cNvPr id="5" name="표 4">
@@ -5640,7 +5645,7 @@
             </a:graphic>
           </p:graphicFrame>
         </mc:Choice>
-        <mc:Fallback>
+        <mc:Fallback xmlns="">
           <p:graphicFrame>
             <p:nvGraphicFramePr>
               <p:cNvPr id="5" name="표 4">
@@ -7662,8 +7667,8 @@
           <a:chExt cx="0" cy="0"/>
         </a:xfrm>
       </p:grpSpPr>
-      <mc:AlternateContent xmlns:mc="http://schemas.openxmlformats.org/markup-compatibility/2006">
-        <mc:Choice xmlns:a14="http://schemas.microsoft.com/office/drawing/2010/main" Requires="a14">
+      <mc:AlternateContent xmlns:mc="http://schemas.openxmlformats.org/markup-compatibility/2006" xmlns:a14="http://schemas.microsoft.com/office/drawing/2010/main">
+        <mc:Choice Requires="a14">
           <p:graphicFrame>
             <p:nvGraphicFramePr>
               <p:cNvPr id="5" name="표 4">
@@ -9976,7 +9981,7 @@
             </a:graphic>
           </p:graphicFrame>
         </mc:Choice>
-        <mc:Fallback>
+        <mc:Fallback xmlns="">
           <p:graphicFrame>
             <p:nvGraphicFramePr>
               <p:cNvPr id="5" name="표 4">
@@ -13277,7 +13282,7 @@
                 <a:latin typeface="나눔스퀘어 Bold" panose="020B0600000101010101" pitchFamily="50" charset="-127"/>
                 <a:ea typeface="나눔스퀘어 Bold" panose="020B0600000101010101" pitchFamily="50" charset="-127"/>
               </a:rPr>
-              <a:t>가 생성됨</a:t>
+              <a:t> 생성</a:t>
             </a:r>
             <a:endParaRPr lang="en-US" altLang="ko-KR" dirty="0">
               <a:latin typeface="나눔스퀘어 Bold" panose="020B0600000101010101" pitchFamily="50" charset="-127"/>
@@ -13345,14 +13350,7 @@
                 <a:latin typeface="나눔스퀘어 Bold" panose="020B0600000101010101" pitchFamily="50" charset="-127"/>
                 <a:ea typeface="나눔스퀘어 Bold" panose="020B0600000101010101" pitchFamily="50" charset="-127"/>
               </a:rPr>
-              <a:t>가 </a:t>
-            </a:r>
-            <a:r>
-              <a:rPr lang="ko-KR" altLang="en-US" dirty="0" err="1">
-                <a:latin typeface="나눔스퀘어 Bold" panose="020B0600000101010101" pitchFamily="50" charset="-127"/>
-                <a:ea typeface="나눔스퀘어 Bold" panose="020B0600000101010101" pitchFamily="50" charset="-127"/>
-              </a:rPr>
-              <a:t>행해짐</a:t>
+              <a:t>가 수행</a:t>
             </a:r>
             <a:endParaRPr lang="en-US" altLang="ko-KR" dirty="0">
               <a:latin typeface="나눔스퀘어 Bold" panose="020B0600000101010101" pitchFamily="50" charset="-127"/>
@@ -13420,7 +13418,7 @@
                 <a:latin typeface="나눔스퀘어 Bold" panose="020B0600000101010101" pitchFamily="50" charset="-127"/>
                 <a:ea typeface="나눔스퀘어 Bold" panose="020B0600000101010101" pitchFamily="50" charset="-127"/>
               </a:rPr>
-              <a:t>가</a:t>
+              <a:t>간의</a:t>
             </a:r>
             <a:r>
               <a:rPr lang="en-US" altLang="ko-KR" dirty="0">
@@ -13434,7 +13432,7 @@
                 <a:latin typeface="나눔스퀘어 Bold" panose="020B0600000101010101" pitchFamily="50" charset="-127"/>
                 <a:ea typeface="나눔스퀘어 Bold" panose="020B0600000101010101" pitchFamily="50" charset="-127"/>
               </a:rPr>
-              <a:t>관련됨</a:t>
+              <a:t>관계 발생</a:t>
             </a:r>
             <a:endParaRPr lang="en-US" altLang="ko-KR" dirty="0">
               <a:latin typeface="나눔스퀘어 Bold" panose="020B0600000101010101" pitchFamily="50" charset="-127"/>

--- a/그래프모델링.pptx
+++ b/그래프모델링.pptx
@@ -11,6 +11,8 @@
     <p:sldId id="259" r:id="rId5"/>
     <p:sldId id="260" r:id="rId6"/>
     <p:sldId id="261" r:id="rId7"/>
+    <p:sldId id="263" r:id="rId8"/>
+    <p:sldId id="262" r:id="rId9"/>
   </p:sldIdLst>
   <p:sldSz cx="12192000" cy="6858000"/>
   <p:notesSz cx="6858000" cy="9144000"/>
@@ -3802,17 +3804,7 @@
                               <a:latin typeface="나눔스퀘어 Bold" panose="020B0600000101010101" pitchFamily="50" charset="-127"/>
                               <a:ea typeface="나눔스퀘어 Bold" panose="020B0600000101010101" pitchFamily="50" charset="-127"/>
                             </a:rPr>
-                            <a:t>이 </a:t>
-                          </a:r>
-                          <a:r>
-                            <a:rPr lang="ko-KR" altLang="en-US" sz="1200" b="0" dirty="0" err="1">
-                              <a:solidFill>
-                                <a:schemeClr val="tx1"/>
-                              </a:solidFill>
-                              <a:latin typeface="나눔스퀘어 Bold" panose="020B0600000101010101" pitchFamily="50" charset="-127"/>
-                              <a:ea typeface="나눔스퀘어 Bold" panose="020B0600000101010101" pitchFamily="50" charset="-127"/>
-                            </a:rPr>
-                            <a:t>름</a:t>
+                            <a:t>이 름</a:t>
                           </a:r>
                           <a:endParaRPr lang="en-US" altLang="ko-KR" sz="1200" b="0" dirty="0">
                             <a:solidFill>
@@ -4553,27 +4545,8 @@
                               <a:latin typeface="나눔스퀘어 Bold" panose="020B0600000101010101" pitchFamily="50" charset="-127"/>
                               <a:ea typeface="나눔스퀘어 Bold" panose="020B0600000101010101" pitchFamily="50" charset="-127"/>
                             </a:rPr>
-                            <a:t> </a:t>
-                          </a:r>
-                          <a:r>
-                            <a:rPr lang="ko-KR" altLang="en-US" sz="1200" b="0" i="0" u="none" strike="noStrike" dirty="0" err="1">
-                              <a:solidFill>
-                                <a:srgbClr val="000000"/>
-                              </a:solidFill>
-                              <a:effectLst/>
-                              <a:latin typeface="나눔스퀘어 Bold" panose="020B0600000101010101" pitchFamily="50" charset="-127"/>
-                              <a:ea typeface="나눔스퀘어 Bold" panose="020B0600000101010101" pitchFamily="50" charset="-127"/>
-                            </a:rPr>
-                            <a:t>페이션트모니터</a:t>
-                          </a:r>
-                          <a:endParaRPr lang="ko-KR" altLang="en-US" sz="1200" b="0" i="0" u="none" strike="noStrike" dirty="0">
-                            <a:solidFill>
-                              <a:srgbClr val="000000"/>
-                            </a:solidFill>
-                            <a:effectLst/>
-                            <a:latin typeface="나눔스퀘어 Bold" panose="020B0600000101010101" pitchFamily="50" charset="-127"/>
-                            <a:ea typeface="나눔스퀘어 Bold" panose="020B0600000101010101" pitchFamily="50" charset="-127"/>
-                          </a:endParaRPr>
+                            <a:t> 페이션트모니터</a:t>
+                          </a:r>
                         </a:p>
                       </a:txBody>
                       <a:tcPr marL="9525" marR="9525" marT="9525" marB="0" anchor="ctr"/>
@@ -4987,7 +4960,7 @@
                         <a:p>
                           <a:pPr algn="ctr" fontAlgn="ctr"/>
                           <a:r>
-                            <a:rPr lang="ko-KR" altLang="en-US" sz="1200" b="0" i="0" u="none" strike="noStrike" dirty="0" err="1">
+                            <a:rPr lang="ko-KR" altLang="en-US" sz="1200" b="0" i="0" u="none" strike="noStrike" dirty="0">
                               <a:solidFill>
                                 <a:srgbClr val="000000"/>
                               </a:solidFill>
@@ -4997,14 +4970,6 @@
                             </a:rPr>
                             <a:t>스마트워치</a:t>
                           </a:r>
-                          <a:endParaRPr lang="ko-KR" altLang="en-US" sz="1200" b="0" i="0" u="none" strike="noStrike" dirty="0">
-                            <a:solidFill>
-                              <a:srgbClr val="000000"/>
-                            </a:solidFill>
-                            <a:effectLst/>
-                            <a:latin typeface="나눔스퀘어 Bold" panose="020B0600000101010101" pitchFamily="50" charset="-127"/>
-                            <a:ea typeface="나눔스퀘어 Bold" panose="020B0600000101010101" pitchFamily="50" charset="-127"/>
-                          </a:endParaRPr>
                         </a:p>
                       </a:txBody>
                       <a:tcPr marL="9525" marR="9525" marT="9525" marB="0" anchor="ctr"/>
@@ -7619,7 +7584,7 @@
         </p:blipFill>
         <p:spPr bwMode="auto">
           <a:xfrm>
-            <a:off x="367838" y="3691610"/>
+            <a:off x="517393" y="3624498"/>
             <a:ext cx="2839819" cy="2839819"/>
           </a:xfrm>
           <a:prstGeom prst="rect">
@@ -8138,17 +8103,7 @@
                               <a:latin typeface="나눔스퀘어 Bold" panose="020B0600000101010101" pitchFamily="50" charset="-127"/>
                               <a:ea typeface="나눔스퀘어 Bold" panose="020B0600000101010101" pitchFamily="50" charset="-127"/>
                             </a:rPr>
-                            <a:t>이 </a:t>
-                          </a:r>
-                          <a:r>
-                            <a:rPr lang="ko-KR" altLang="en-US" sz="1200" b="0" dirty="0" err="1">
-                              <a:solidFill>
-                                <a:schemeClr val="tx1"/>
-                              </a:solidFill>
-                              <a:latin typeface="나눔스퀘어 Bold" panose="020B0600000101010101" pitchFamily="50" charset="-127"/>
-                              <a:ea typeface="나눔스퀘어 Bold" panose="020B0600000101010101" pitchFamily="50" charset="-127"/>
-                            </a:rPr>
-                            <a:t>름</a:t>
+                            <a:t>이 름</a:t>
                           </a:r>
                           <a:endParaRPr lang="en-US" altLang="ko-KR" sz="1200" b="0" dirty="0">
                             <a:solidFill>
@@ -8458,7 +8413,7 @@
                         <a:p>
                           <a:pPr algn="ctr" fontAlgn="ctr"/>
                           <a:r>
-                            <a:rPr lang="ko-KR" altLang="en-US" sz="1200" b="0" i="0" u="none" strike="noStrike" dirty="0" err="1">
+                            <a:rPr lang="ko-KR" altLang="en-US" sz="1200" b="0" i="0" u="none" strike="noStrike" dirty="0">
                               <a:solidFill>
                                 <a:srgbClr val="000000"/>
                               </a:solidFill>
@@ -8468,14 +8423,6 @@
                             </a:rPr>
                             <a:t>페이션트모니터</a:t>
                           </a:r>
-                          <a:endParaRPr lang="ko-KR" altLang="en-US" sz="1200" b="0" i="0" u="none" strike="noStrike" dirty="0">
-                            <a:solidFill>
-                              <a:srgbClr val="000000"/>
-                            </a:solidFill>
-                            <a:effectLst/>
-                            <a:latin typeface="나눔스퀘어 Bold" panose="020B0600000101010101" pitchFamily="50" charset="-127"/>
-                            <a:ea typeface="나눔스퀘어 Bold" panose="020B0600000101010101" pitchFamily="50" charset="-127"/>
-                          </a:endParaRPr>
                         </a:p>
                       </a:txBody>
                       <a:tcPr marL="9525" marR="9525" marT="9525" marB="0" anchor="ctr"/>
@@ -9323,7 +9270,7 @@
                         <a:p>
                           <a:pPr algn="ctr" fontAlgn="ctr"/>
                           <a:r>
-                            <a:rPr lang="ko-KR" altLang="en-US" sz="1200" b="0" i="0" u="none" strike="noStrike" dirty="0" err="1">
+                            <a:rPr lang="ko-KR" altLang="en-US" sz="1200" b="0" i="0" u="none" strike="noStrike" dirty="0">
                               <a:solidFill>
                                 <a:srgbClr val="000000"/>
                               </a:solidFill>
@@ -9333,14 +9280,6 @@
                             </a:rPr>
                             <a:t>스마트워치</a:t>
                           </a:r>
-                          <a:endParaRPr lang="ko-KR" altLang="en-US" sz="1200" b="0" i="0" u="none" strike="noStrike" dirty="0">
-                            <a:solidFill>
-                              <a:srgbClr val="000000"/>
-                            </a:solidFill>
-                            <a:effectLst/>
-                            <a:latin typeface="나눔스퀘어 Bold" panose="020B0600000101010101" pitchFamily="50" charset="-127"/>
-                            <a:ea typeface="나눔스퀘어 Bold" panose="020B0600000101010101" pitchFamily="50" charset="-127"/>
-                          </a:endParaRPr>
                         </a:p>
                       </a:txBody>
                       <a:tcPr marL="9525" marR="9525" marT="9525" marB="0" anchor="ctr"/>
@@ -16853,7 +16792,7 @@
               <a:t>: </a:t>
             </a:r>
             <a:r>
-              <a:rPr lang="ko-KR" altLang="en-US" sz="1400" dirty="0" err="1">
+              <a:rPr lang="ko-KR" altLang="en-US" sz="1400" dirty="0">
                 <a:latin typeface="나눔스퀘어 Bold" panose="020B0600000101010101" pitchFamily="50" charset="-127"/>
                 <a:ea typeface="나눔스퀘어 Bold" panose="020B0600000101010101" pitchFamily="50" charset="-127"/>
               </a:rPr>
@@ -16952,6 +16891,2361 @@
     <p:extLst>
       <p:ext uri="{BB962C8B-B14F-4D97-AF65-F5344CB8AC3E}">
         <p14:creationId xmlns:p14="http://schemas.microsoft.com/office/powerpoint/2010/main" val="453028778"/>
+      </p:ext>
+    </p:extLst>
+  </p:cSld>
+  <p:clrMapOvr>
+    <a:masterClrMapping/>
+  </p:clrMapOvr>
+</p:sld>
+</file>
+
+<file path=ppt/slides/slide7.xml><?xml version="1.0" encoding="utf-8"?>
+<p:sld xmlns:a="http://schemas.openxmlformats.org/drawingml/2006/main" xmlns:r="http://schemas.openxmlformats.org/officeDocument/2006/relationships" xmlns:p="http://schemas.openxmlformats.org/presentationml/2006/main">
+  <p:cSld>
+    <p:spTree>
+      <p:nvGrpSpPr>
+        <p:cNvPr id="1" name=""/>
+        <p:cNvGrpSpPr/>
+        <p:nvPr/>
+      </p:nvGrpSpPr>
+      <p:grpSpPr>
+        <a:xfrm>
+          <a:off x="0" y="0"/>
+          <a:ext cx="0" cy="0"/>
+          <a:chOff x="0" y="0"/>
+          <a:chExt cx="0" cy="0"/>
+        </a:xfrm>
+      </p:grpSpPr>
+      <p:grpSp>
+        <p:nvGrpSpPr>
+          <p:cNvPr id="25" name="그룹 24">
+            <a:extLst>
+              <a:ext uri="{FF2B5EF4-FFF2-40B4-BE49-F238E27FC236}">
+                <a16:creationId xmlns:a16="http://schemas.microsoft.com/office/drawing/2014/main" id="{FBD30096-A4E8-4E76-9A3C-8DDBB4D288A6}"/>
+              </a:ext>
+            </a:extLst>
+          </p:cNvPr>
+          <p:cNvGrpSpPr/>
+          <p:nvPr/>
+        </p:nvGrpSpPr>
+        <p:grpSpPr>
+          <a:xfrm>
+            <a:off x="5530964" y="1083950"/>
+            <a:ext cx="720000" cy="720000"/>
+            <a:chOff x="990598" y="3506949"/>
+            <a:chExt cx="900000" cy="900000"/>
+          </a:xfrm>
+        </p:grpSpPr>
+        <p:sp>
+          <p:nvSpPr>
+            <p:cNvPr id="26" name="타원 25">
+              <a:extLst>
+                <a:ext uri="{FF2B5EF4-FFF2-40B4-BE49-F238E27FC236}">
+                  <a16:creationId xmlns:a16="http://schemas.microsoft.com/office/drawing/2014/main" id="{3C8B7A28-45EB-4608-A38C-A07A145B0085}"/>
+                </a:ext>
+              </a:extLst>
+            </p:cNvPr>
+            <p:cNvSpPr/>
+            <p:nvPr/>
+          </p:nvSpPr>
+          <p:spPr>
+            <a:xfrm>
+              <a:off x="990598" y="3506949"/>
+              <a:ext cx="900000" cy="900000"/>
+            </a:xfrm>
+            <a:prstGeom prst="ellipse">
+              <a:avLst/>
+            </a:prstGeom>
+            <a:solidFill>
+              <a:srgbClr val="92D050"/>
+            </a:solidFill>
+            <a:ln w="31750">
+              <a:solidFill>
+                <a:srgbClr val="00B050"/>
+              </a:solidFill>
+            </a:ln>
+          </p:spPr>
+          <p:style>
+            <a:lnRef idx="2">
+              <a:schemeClr val="accent1">
+                <a:shade val="50000"/>
+              </a:schemeClr>
+            </a:lnRef>
+            <a:fillRef idx="1">
+              <a:schemeClr val="accent1"/>
+            </a:fillRef>
+            <a:effectRef idx="0">
+              <a:schemeClr val="accent1"/>
+            </a:effectRef>
+            <a:fontRef idx="minor">
+              <a:schemeClr val="lt1"/>
+            </a:fontRef>
+          </p:style>
+          <p:txBody>
+            <a:bodyPr vert="horz" rtlCol="0" anchor="ctr"/>
+            <a:lstStyle/>
+            <a:p>
+              <a:pPr algn="ctr"/>
+              <a:endParaRPr lang="ko-KR" altLang="en-US" sz="1600"/>
+            </a:p>
+          </p:txBody>
+        </p:sp>
+        <p:sp>
+          <p:nvSpPr>
+            <p:cNvPr id="27" name="TextBox 26">
+              <a:extLst>
+                <a:ext uri="{FF2B5EF4-FFF2-40B4-BE49-F238E27FC236}">
+                  <a16:creationId xmlns:a16="http://schemas.microsoft.com/office/drawing/2014/main" id="{9F59F7D9-28E7-4530-B417-69AA8B5B6C98}"/>
+                </a:ext>
+              </a:extLst>
+            </p:cNvPr>
+            <p:cNvSpPr txBox="1"/>
+            <p:nvPr/>
+          </p:nvSpPr>
+          <p:spPr>
+            <a:xfrm>
+              <a:off x="1025546" y="3759295"/>
+              <a:ext cx="846874" cy="384721"/>
+            </a:xfrm>
+            <a:prstGeom prst="rect">
+              <a:avLst/>
+            </a:prstGeom>
+            <a:noFill/>
+          </p:spPr>
+          <p:txBody>
+            <a:bodyPr vert="horz" wrap="square" rtlCol="0">
+              <a:spAutoFit/>
+            </a:bodyPr>
+            <a:lstStyle/>
+            <a:p>
+              <a:pPr algn="ctr"/>
+              <a:r>
+                <a:rPr lang="en-US" altLang="ko-KR" sz="1400" b="1" dirty="0">
+                  <a:solidFill>
+                    <a:schemeClr val="bg1"/>
+                  </a:solidFill>
+                </a:rPr>
+                <a:t>Maud</a:t>
+              </a:r>
+              <a:endParaRPr lang="ko-KR" altLang="en-US" sz="1400" b="1" dirty="0">
+                <a:solidFill>
+                  <a:schemeClr val="bg1"/>
+                </a:solidFill>
+              </a:endParaRPr>
+            </a:p>
+          </p:txBody>
+        </p:sp>
+      </p:grpSp>
+      <p:grpSp>
+        <p:nvGrpSpPr>
+          <p:cNvPr id="28" name="그룹 27">
+            <a:extLst>
+              <a:ext uri="{FF2B5EF4-FFF2-40B4-BE49-F238E27FC236}">
+                <a16:creationId xmlns:a16="http://schemas.microsoft.com/office/drawing/2014/main" id="{24A2B74C-D494-4156-9613-6040F6B84A54}"/>
+              </a:ext>
+            </a:extLst>
+          </p:cNvPr>
+          <p:cNvGrpSpPr/>
+          <p:nvPr/>
+        </p:nvGrpSpPr>
+        <p:grpSpPr>
+          <a:xfrm>
+            <a:off x="6863284" y="3829525"/>
+            <a:ext cx="720000" cy="720000"/>
+            <a:chOff x="990598" y="3506949"/>
+            <a:chExt cx="616307" cy="600000"/>
+          </a:xfrm>
+        </p:grpSpPr>
+        <p:sp>
+          <p:nvSpPr>
+            <p:cNvPr id="29" name="타원 28">
+              <a:extLst>
+                <a:ext uri="{FF2B5EF4-FFF2-40B4-BE49-F238E27FC236}">
+                  <a16:creationId xmlns:a16="http://schemas.microsoft.com/office/drawing/2014/main" id="{4C749EC9-FEDA-4961-87A4-93596A2EFB69}"/>
+                </a:ext>
+              </a:extLst>
+            </p:cNvPr>
+            <p:cNvSpPr/>
+            <p:nvPr/>
+          </p:nvSpPr>
+          <p:spPr>
+            <a:xfrm>
+              <a:off x="990598" y="3506949"/>
+              <a:ext cx="616307" cy="600000"/>
+            </a:xfrm>
+            <a:prstGeom prst="ellipse">
+              <a:avLst/>
+            </a:prstGeom>
+            <a:solidFill>
+              <a:schemeClr val="accent2"/>
+            </a:solidFill>
+            <a:ln w="31750">
+              <a:solidFill>
+                <a:srgbClr val="FF0000"/>
+              </a:solidFill>
+            </a:ln>
+          </p:spPr>
+          <p:style>
+            <a:lnRef idx="2">
+              <a:schemeClr val="accent1">
+                <a:shade val="50000"/>
+              </a:schemeClr>
+            </a:lnRef>
+            <a:fillRef idx="1">
+              <a:schemeClr val="accent1"/>
+            </a:fillRef>
+            <a:effectRef idx="0">
+              <a:schemeClr val="accent1"/>
+            </a:effectRef>
+            <a:fontRef idx="minor">
+              <a:schemeClr val="lt1"/>
+            </a:fontRef>
+          </p:style>
+          <p:txBody>
+            <a:bodyPr vert="horz" rtlCol="0" anchor="ctr"/>
+            <a:lstStyle/>
+            <a:p>
+              <a:pPr algn="ctr"/>
+              <a:endParaRPr lang="ko-KR" altLang="en-US" sz="1600"/>
+            </a:p>
+          </p:txBody>
+        </p:sp>
+        <p:sp>
+          <p:nvSpPr>
+            <p:cNvPr id="30" name="TextBox 29">
+              <a:extLst>
+                <a:ext uri="{FF2B5EF4-FFF2-40B4-BE49-F238E27FC236}">
+                  <a16:creationId xmlns:a16="http://schemas.microsoft.com/office/drawing/2014/main" id="{0B5C6BBB-434F-428E-843A-64257E42E138}"/>
+                </a:ext>
+              </a:extLst>
+            </p:cNvPr>
+            <p:cNvSpPr txBox="1"/>
+            <p:nvPr/>
+          </p:nvSpPr>
+          <p:spPr>
+            <a:xfrm>
+              <a:off x="1037784" y="3588941"/>
+              <a:ext cx="521935" cy="436017"/>
+            </a:xfrm>
+            <a:prstGeom prst="rect">
+              <a:avLst/>
+            </a:prstGeom>
+            <a:noFill/>
+          </p:spPr>
+          <p:txBody>
+            <a:bodyPr vert="horz" wrap="square" rtlCol="0" anchor="ctr" anchorCtr="0">
+              <a:spAutoFit/>
+            </a:bodyPr>
+            <a:lstStyle/>
+            <a:p>
+              <a:pPr algn="ctr"/>
+              <a:r>
+                <a:rPr lang="en-US" altLang="ko-KR" sz="1400" b="1" dirty="0">
+                  <a:solidFill>
+                    <a:schemeClr val="bg1"/>
+                  </a:solidFill>
+                </a:rPr>
+                <a:t>data_924</a:t>
+              </a:r>
+              <a:endParaRPr lang="ko-KR" altLang="en-US" sz="1400" b="1" dirty="0">
+                <a:solidFill>
+                  <a:schemeClr val="bg1"/>
+                </a:solidFill>
+              </a:endParaRPr>
+            </a:p>
+          </p:txBody>
+        </p:sp>
+      </p:grpSp>
+      <p:grpSp>
+        <p:nvGrpSpPr>
+          <p:cNvPr id="31" name="그룹 30">
+            <a:extLst>
+              <a:ext uri="{FF2B5EF4-FFF2-40B4-BE49-F238E27FC236}">
+                <a16:creationId xmlns:a16="http://schemas.microsoft.com/office/drawing/2014/main" id="{F1A163B9-1002-455C-95CE-9BD50AF9A613}"/>
+              </a:ext>
+            </a:extLst>
+          </p:cNvPr>
+          <p:cNvGrpSpPr/>
+          <p:nvPr/>
+        </p:nvGrpSpPr>
+        <p:grpSpPr>
+          <a:xfrm>
+            <a:off x="3861656" y="3804205"/>
+            <a:ext cx="1107062" cy="720000"/>
+            <a:chOff x="830862" y="3506949"/>
+            <a:chExt cx="947625" cy="600000"/>
+          </a:xfrm>
+        </p:grpSpPr>
+        <p:sp>
+          <p:nvSpPr>
+            <p:cNvPr id="32" name="타원 31">
+              <a:extLst>
+                <a:ext uri="{FF2B5EF4-FFF2-40B4-BE49-F238E27FC236}">
+                  <a16:creationId xmlns:a16="http://schemas.microsoft.com/office/drawing/2014/main" id="{F1419822-8B87-4464-9C2D-61DC4355B33F}"/>
+                </a:ext>
+              </a:extLst>
+            </p:cNvPr>
+            <p:cNvSpPr/>
+            <p:nvPr/>
+          </p:nvSpPr>
+          <p:spPr>
+            <a:xfrm>
+              <a:off x="990598" y="3506949"/>
+              <a:ext cx="616307" cy="600000"/>
+            </a:xfrm>
+            <a:prstGeom prst="ellipse">
+              <a:avLst/>
+            </a:prstGeom>
+            <a:solidFill>
+              <a:srgbClr val="00B0F0"/>
+            </a:solidFill>
+            <a:ln w="31750">
+              <a:solidFill>
+                <a:srgbClr val="0070C0"/>
+              </a:solidFill>
+            </a:ln>
+          </p:spPr>
+          <p:style>
+            <a:lnRef idx="2">
+              <a:schemeClr val="accent1">
+                <a:shade val="50000"/>
+              </a:schemeClr>
+            </a:lnRef>
+            <a:fillRef idx="1">
+              <a:schemeClr val="accent1"/>
+            </a:fillRef>
+            <a:effectRef idx="0">
+              <a:schemeClr val="accent1"/>
+            </a:effectRef>
+            <a:fontRef idx="minor">
+              <a:schemeClr val="lt1"/>
+            </a:fontRef>
+          </p:style>
+          <p:txBody>
+            <a:bodyPr vert="horz" rtlCol="0" anchor="ctr"/>
+            <a:lstStyle/>
+            <a:p>
+              <a:pPr algn="ctr"/>
+              <a:endParaRPr lang="ko-KR" altLang="en-US" sz="1600"/>
+            </a:p>
+          </p:txBody>
+        </p:sp>
+        <p:sp>
+          <p:nvSpPr>
+            <p:cNvPr id="33" name="TextBox 32">
+              <a:extLst>
+                <a:ext uri="{FF2B5EF4-FFF2-40B4-BE49-F238E27FC236}">
+                  <a16:creationId xmlns:a16="http://schemas.microsoft.com/office/drawing/2014/main" id="{12B3DECF-7C47-4B64-B101-AFC86883C297}"/>
+                </a:ext>
+              </a:extLst>
+            </p:cNvPr>
+            <p:cNvSpPr txBox="1"/>
+            <p:nvPr/>
+          </p:nvSpPr>
+          <p:spPr>
+            <a:xfrm>
+              <a:off x="830862" y="3703634"/>
+              <a:ext cx="947625" cy="248831"/>
+            </a:xfrm>
+            <a:prstGeom prst="rect">
+              <a:avLst/>
+            </a:prstGeom>
+            <a:noFill/>
+          </p:spPr>
+          <p:txBody>
+            <a:bodyPr vert="horz" wrap="square" rtlCol="0">
+              <a:spAutoFit/>
+            </a:bodyPr>
+            <a:lstStyle/>
+            <a:p>
+              <a:pPr algn="ctr"/>
+              <a:r>
+                <a:rPr lang="ko-KR" altLang="en-US" sz="1400" b="1" dirty="0">
+                  <a:solidFill>
+                    <a:schemeClr val="bg1"/>
+                  </a:solidFill>
+                </a:rPr>
+                <a:t>구  매</a:t>
+              </a:r>
+            </a:p>
+          </p:txBody>
+        </p:sp>
+      </p:grpSp>
+      <p:cxnSp>
+        <p:nvCxnSpPr>
+          <p:cNvPr id="38" name="직선 화살표 연결선 37">
+            <a:extLst>
+              <a:ext uri="{FF2B5EF4-FFF2-40B4-BE49-F238E27FC236}">
+                <a16:creationId xmlns:a16="http://schemas.microsoft.com/office/drawing/2014/main" id="{E1846788-0E34-4B8D-B376-0CAE42A69DAE}"/>
+              </a:ext>
+            </a:extLst>
+          </p:cNvPr>
+          <p:cNvCxnSpPr>
+            <a:cxnSpLocks/>
+            <a:endCxn id="26" idx="3"/>
+          </p:cNvCxnSpPr>
+          <p:nvPr/>
+        </p:nvCxnSpPr>
+        <p:spPr>
+          <a:xfrm flipV="1">
+            <a:off x="5162943" y="1698508"/>
+            <a:ext cx="473463" cy="876414"/>
+          </a:xfrm>
+          <a:prstGeom prst="straightConnector1">
+            <a:avLst/>
+          </a:prstGeom>
+          <a:ln w="28575">
+            <a:solidFill>
+              <a:schemeClr val="tx1"/>
+            </a:solidFill>
+            <a:tailEnd type="triangle" w="lg" len="lg"/>
+          </a:ln>
+        </p:spPr>
+        <p:style>
+          <a:lnRef idx="1">
+            <a:schemeClr val="accent1"/>
+          </a:lnRef>
+          <a:fillRef idx="0">
+            <a:schemeClr val="accent1"/>
+          </a:fillRef>
+          <a:effectRef idx="0">
+            <a:schemeClr val="accent1"/>
+          </a:effectRef>
+          <a:fontRef idx="minor">
+            <a:schemeClr val="tx1"/>
+          </a:fontRef>
+        </p:style>
+      </p:cxnSp>
+      <p:cxnSp>
+        <p:nvCxnSpPr>
+          <p:cNvPr id="39" name="직선 화살표 연결선 38">
+            <a:extLst>
+              <a:ext uri="{FF2B5EF4-FFF2-40B4-BE49-F238E27FC236}">
+                <a16:creationId xmlns:a16="http://schemas.microsoft.com/office/drawing/2014/main" id="{B79F1F5D-2D0B-48A4-B5CB-98D9064D5AF0}"/>
+              </a:ext>
+            </a:extLst>
+          </p:cNvPr>
+          <p:cNvCxnSpPr>
+            <a:cxnSpLocks/>
+            <a:stCxn id="67" idx="0"/>
+            <a:endCxn id="26" idx="5"/>
+          </p:cNvCxnSpPr>
+          <p:nvPr/>
+        </p:nvCxnSpPr>
+        <p:spPr>
+          <a:xfrm flipH="1" flipV="1">
+            <a:off x="6145522" y="1698508"/>
+            <a:ext cx="1178701" cy="393833"/>
+          </a:xfrm>
+          <a:prstGeom prst="straightConnector1">
+            <a:avLst/>
+          </a:prstGeom>
+          <a:ln w="28575">
+            <a:solidFill>
+              <a:schemeClr val="tx1"/>
+            </a:solidFill>
+            <a:tailEnd type="triangle" w="lg" len="lg"/>
+          </a:ln>
+        </p:spPr>
+        <p:style>
+          <a:lnRef idx="1">
+            <a:schemeClr val="accent1"/>
+          </a:lnRef>
+          <a:fillRef idx="0">
+            <a:schemeClr val="accent1"/>
+          </a:fillRef>
+          <a:effectRef idx="0">
+            <a:schemeClr val="accent1"/>
+          </a:effectRef>
+          <a:fontRef idx="minor">
+            <a:schemeClr val="tx1"/>
+          </a:fontRef>
+        </p:style>
+      </p:cxnSp>
+      <p:cxnSp>
+        <p:nvCxnSpPr>
+          <p:cNvPr id="40" name="직선 화살표 연결선 39">
+            <a:extLst>
+              <a:ext uri="{FF2B5EF4-FFF2-40B4-BE49-F238E27FC236}">
+                <a16:creationId xmlns:a16="http://schemas.microsoft.com/office/drawing/2014/main" id="{48FD5D49-8D73-4661-B03F-1800F3913891}"/>
+              </a:ext>
+            </a:extLst>
+          </p:cNvPr>
+          <p:cNvCxnSpPr>
+            <a:cxnSpLocks/>
+          </p:cNvCxnSpPr>
+          <p:nvPr/>
+        </p:nvCxnSpPr>
+        <p:spPr>
+          <a:xfrm flipV="1">
+            <a:off x="4768267" y="3364254"/>
+            <a:ext cx="1114433" cy="675973"/>
+          </a:xfrm>
+          <a:prstGeom prst="straightConnector1">
+            <a:avLst/>
+          </a:prstGeom>
+          <a:ln w="28575">
+            <a:solidFill>
+              <a:schemeClr val="tx1"/>
+            </a:solidFill>
+            <a:tailEnd type="triangle" w="lg" len="lg"/>
+          </a:ln>
+        </p:spPr>
+        <p:style>
+          <a:lnRef idx="1">
+            <a:schemeClr val="accent1"/>
+          </a:lnRef>
+          <a:fillRef idx="0">
+            <a:schemeClr val="accent1"/>
+          </a:fillRef>
+          <a:effectRef idx="0">
+            <a:schemeClr val="accent1"/>
+          </a:effectRef>
+          <a:fontRef idx="minor">
+            <a:schemeClr val="tx1"/>
+          </a:fontRef>
+        </p:style>
+      </p:cxnSp>
+      <p:grpSp>
+        <p:nvGrpSpPr>
+          <p:cNvPr id="37" name="그룹 36">
+            <a:extLst>
+              <a:ext uri="{FF2B5EF4-FFF2-40B4-BE49-F238E27FC236}">
+                <a16:creationId xmlns:a16="http://schemas.microsoft.com/office/drawing/2014/main" id="{AE6638E2-322D-4171-AE42-76A834F6EBD6}"/>
+              </a:ext>
+            </a:extLst>
+          </p:cNvPr>
+          <p:cNvGrpSpPr/>
+          <p:nvPr/>
+        </p:nvGrpSpPr>
+        <p:grpSpPr>
+          <a:xfrm>
+            <a:off x="5841076" y="2958701"/>
+            <a:ext cx="720000" cy="720000"/>
+            <a:chOff x="990598" y="3506949"/>
+            <a:chExt cx="900000" cy="900000"/>
+          </a:xfrm>
+        </p:grpSpPr>
+        <p:sp>
+          <p:nvSpPr>
+            <p:cNvPr id="41" name="타원 40">
+              <a:extLst>
+                <a:ext uri="{FF2B5EF4-FFF2-40B4-BE49-F238E27FC236}">
+                  <a16:creationId xmlns:a16="http://schemas.microsoft.com/office/drawing/2014/main" id="{41014043-D415-4BB8-87F4-8FC349B917B6}"/>
+                </a:ext>
+              </a:extLst>
+            </p:cNvPr>
+            <p:cNvSpPr/>
+            <p:nvPr/>
+          </p:nvSpPr>
+          <p:spPr>
+            <a:xfrm>
+              <a:off x="990598" y="3506949"/>
+              <a:ext cx="900000" cy="900000"/>
+            </a:xfrm>
+            <a:prstGeom prst="ellipse">
+              <a:avLst/>
+            </a:prstGeom>
+            <a:solidFill>
+              <a:srgbClr val="92D050"/>
+            </a:solidFill>
+            <a:ln w="31750">
+              <a:solidFill>
+                <a:srgbClr val="00B050"/>
+              </a:solidFill>
+            </a:ln>
+          </p:spPr>
+          <p:style>
+            <a:lnRef idx="2">
+              <a:schemeClr val="accent1">
+                <a:shade val="50000"/>
+              </a:schemeClr>
+            </a:lnRef>
+            <a:fillRef idx="1">
+              <a:schemeClr val="accent1"/>
+            </a:fillRef>
+            <a:effectRef idx="0">
+              <a:schemeClr val="accent1"/>
+            </a:effectRef>
+            <a:fontRef idx="minor">
+              <a:schemeClr val="lt1"/>
+            </a:fontRef>
+          </p:style>
+          <p:txBody>
+            <a:bodyPr vert="horz" rtlCol="0" anchor="ctr"/>
+            <a:lstStyle/>
+            <a:p>
+              <a:pPr algn="ctr"/>
+              <a:endParaRPr lang="ko-KR" altLang="en-US" sz="1600"/>
+            </a:p>
+          </p:txBody>
+        </p:sp>
+        <p:sp>
+          <p:nvSpPr>
+            <p:cNvPr id="42" name="TextBox 41">
+              <a:extLst>
+                <a:ext uri="{FF2B5EF4-FFF2-40B4-BE49-F238E27FC236}">
+                  <a16:creationId xmlns:a16="http://schemas.microsoft.com/office/drawing/2014/main" id="{F4FD08E3-275E-41F9-9DEB-FA34D66F6DCB}"/>
+                </a:ext>
+              </a:extLst>
+            </p:cNvPr>
+            <p:cNvSpPr txBox="1"/>
+            <p:nvPr/>
+          </p:nvSpPr>
+          <p:spPr>
+            <a:xfrm>
+              <a:off x="1025546" y="3759295"/>
+              <a:ext cx="846874" cy="384721"/>
+            </a:xfrm>
+            <a:prstGeom prst="rect">
+              <a:avLst/>
+            </a:prstGeom>
+            <a:noFill/>
+          </p:spPr>
+          <p:txBody>
+            <a:bodyPr vert="horz" wrap="square" rtlCol="0">
+              <a:spAutoFit/>
+            </a:bodyPr>
+            <a:lstStyle/>
+            <a:p>
+              <a:pPr algn="ctr"/>
+              <a:r>
+                <a:rPr lang="en-US" altLang="ko-KR" sz="1400" b="1" dirty="0">
+                  <a:solidFill>
+                    <a:schemeClr val="bg1"/>
+                  </a:solidFill>
+                </a:rPr>
+                <a:t>Leo</a:t>
+              </a:r>
+              <a:endParaRPr lang="ko-KR" altLang="en-US" sz="1400" b="1" dirty="0">
+                <a:solidFill>
+                  <a:schemeClr val="bg1"/>
+                </a:solidFill>
+              </a:endParaRPr>
+            </a:p>
+          </p:txBody>
+        </p:sp>
+      </p:grpSp>
+      <p:grpSp>
+        <p:nvGrpSpPr>
+          <p:cNvPr id="43" name="그룹 42">
+            <a:extLst>
+              <a:ext uri="{FF2B5EF4-FFF2-40B4-BE49-F238E27FC236}">
+                <a16:creationId xmlns:a16="http://schemas.microsoft.com/office/drawing/2014/main" id="{587CFB7C-B78B-40F1-8D8A-7F5C9CF8D9E2}"/>
+              </a:ext>
+            </a:extLst>
+          </p:cNvPr>
+          <p:cNvGrpSpPr/>
+          <p:nvPr/>
+        </p:nvGrpSpPr>
+        <p:grpSpPr>
+          <a:xfrm>
+            <a:off x="5907621" y="4263794"/>
+            <a:ext cx="720000" cy="720000"/>
+            <a:chOff x="990598" y="3506949"/>
+            <a:chExt cx="900000" cy="900000"/>
+          </a:xfrm>
+        </p:grpSpPr>
+        <p:sp>
+          <p:nvSpPr>
+            <p:cNvPr id="44" name="타원 43">
+              <a:extLst>
+                <a:ext uri="{FF2B5EF4-FFF2-40B4-BE49-F238E27FC236}">
+                  <a16:creationId xmlns:a16="http://schemas.microsoft.com/office/drawing/2014/main" id="{8BC41977-45D3-4747-9D37-43B6A51427A8}"/>
+                </a:ext>
+              </a:extLst>
+            </p:cNvPr>
+            <p:cNvSpPr/>
+            <p:nvPr/>
+          </p:nvSpPr>
+          <p:spPr>
+            <a:xfrm>
+              <a:off x="990598" y="3506949"/>
+              <a:ext cx="900000" cy="900000"/>
+            </a:xfrm>
+            <a:prstGeom prst="ellipse">
+              <a:avLst/>
+            </a:prstGeom>
+            <a:solidFill>
+              <a:srgbClr val="92D050"/>
+            </a:solidFill>
+            <a:ln w="31750">
+              <a:solidFill>
+                <a:srgbClr val="00B050"/>
+              </a:solidFill>
+            </a:ln>
+          </p:spPr>
+          <p:style>
+            <a:lnRef idx="2">
+              <a:schemeClr val="accent1">
+                <a:shade val="50000"/>
+              </a:schemeClr>
+            </a:lnRef>
+            <a:fillRef idx="1">
+              <a:schemeClr val="accent1"/>
+            </a:fillRef>
+            <a:effectRef idx="0">
+              <a:schemeClr val="accent1"/>
+            </a:effectRef>
+            <a:fontRef idx="minor">
+              <a:schemeClr val="lt1"/>
+            </a:fontRef>
+          </p:style>
+          <p:txBody>
+            <a:bodyPr vert="horz" rtlCol="0" anchor="ctr"/>
+            <a:lstStyle/>
+            <a:p>
+              <a:pPr algn="ctr"/>
+              <a:endParaRPr lang="ko-KR" altLang="en-US" sz="1600"/>
+            </a:p>
+          </p:txBody>
+        </p:sp>
+        <p:sp>
+          <p:nvSpPr>
+            <p:cNvPr id="45" name="TextBox 44">
+              <a:extLst>
+                <a:ext uri="{FF2B5EF4-FFF2-40B4-BE49-F238E27FC236}">
+                  <a16:creationId xmlns:a16="http://schemas.microsoft.com/office/drawing/2014/main" id="{D384F7C6-01DA-4EE5-967A-707005BC405C}"/>
+                </a:ext>
+              </a:extLst>
+            </p:cNvPr>
+            <p:cNvSpPr txBox="1"/>
+            <p:nvPr/>
+          </p:nvSpPr>
+          <p:spPr>
+            <a:xfrm>
+              <a:off x="1025546" y="3759295"/>
+              <a:ext cx="846874" cy="384721"/>
+            </a:xfrm>
+            <a:prstGeom prst="rect">
+              <a:avLst/>
+            </a:prstGeom>
+            <a:noFill/>
+          </p:spPr>
+          <p:txBody>
+            <a:bodyPr vert="horz" wrap="square" rtlCol="0">
+              <a:spAutoFit/>
+            </a:bodyPr>
+            <a:lstStyle/>
+            <a:p>
+              <a:pPr algn="ctr"/>
+              <a:r>
+                <a:rPr lang="en-US" altLang="ko-KR" sz="1400" b="1" dirty="0">
+                  <a:solidFill>
+                    <a:schemeClr val="bg1"/>
+                  </a:solidFill>
+                </a:rPr>
+                <a:t>Eva</a:t>
+              </a:r>
+              <a:endParaRPr lang="ko-KR" altLang="en-US" sz="1400" b="1" dirty="0">
+                <a:solidFill>
+                  <a:schemeClr val="bg1"/>
+                </a:solidFill>
+              </a:endParaRPr>
+            </a:p>
+          </p:txBody>
+        </p:sp>
+      </p:grpSp>
+      <p:grpSp>
+        <p:nvGrpSpPr>
+          <p:cNvPr id="46" name="그룹 45">
+            <a:extLst>
+              <a:ext uri="{FF2B5EF4-FFF2-40B4-BE49-F238E27FC236}">
+                <a16:creationId xmlns:a16="http://schemas.microsoft.com/office/drawing/2014/main" id="{CCE09472-874A-488F-8051-D22AC19AFAA1}"/>
+              </a:ext>
+            </a:extLst>
+          </p:cNvPr>
+          <p:cNvGrpSpPr/>
+          <p:nvPr/>
+        </p:nvGrpSpPr>
+        <p:grpSpPr>
+          <a:xfrm>
+            <a:off x="7924631" y="3238671"/>
+            <a:ext cx="1107062" cy="720000"/>
+            <a:chOff x="838848" y="3506949"/>
+            <a:chExt cx="947625" cy="600000"/>
+          </a:xfrm>
+        </p:grpSpPr>
+        <p:sp>
+          <p:nvSpPr>
+            <p:cNvPr id="52" name="타원 51">
+              <a:extLst>
+                <a:ext uri="{FF2B5EF4-FFF2-40B4-BE49-F238E27FC236}">
+                  <a16:creationId xmlns:a16="http://schemas.microsoft.com/office/drawing/2014/main" id="{A9791E7F-7449-438D-8442-3B60AEC257C5}"/>
+                </a:ext>
+              </a:extLst>
+            </p:cNvPr>
+            <p:cNvSpPr/>
+            <p:nvPr/>
+          </p:nvSpPr>
+          <p:spPr>
+            <a:xfrm>
+              <a:off x="990598" y="3506949"/>
+              <a:ext cx="616307" cy="600000"/>
+            </a:xfrm>
+            <a:prstGeom prst="ellipse">
+              <a:avLst/>
+            </a:prstGeom>
+            <a:solidFill>
+              <a:srgbClr val="00B0F0"/>
+            </a:solidFill>
+            <a:ln w="31750">
+              <a:solidFill>
+                <a:srgbClr val="0070C0"/>
+              </a:solidFill>
+            </a:ln>
+          </p:spPr>
+          <p:style>
+            <a:lnRef idx="2">
+              <a:schemeClr val="accent1">
+                <a:shade val="50000"/>
+              </a:schemeClr>
+            </a:lnRef>
+            <a:fillRef idx="1">
+              <a:schemeClr val="accent1"/>
+            </a:fillRef>
+            <a:effectRef idx="0">
+              <a:schemeClr val="accent1"/>
+            </a:effectRef>
+            <a:fontRef idx="minor">
+              <a:schemeClr val="lt1"/>
+            </a:fontRef>
+          </p:style>
+          <p:txBody>
+            <a:bodyPr vert="horz" rtlCol="0" anchor="ctr"/>
+            <a:lstStyle/>
+            <a:p>
+              <a:pPr algn="ctr"/>
+              <a:endParaRPr lang="ko-KR" altLang="en-US" sz="1600"/>
+            </a:p>
+          </p:txBody>
+        </p:sp>
+        <p:sp>
+          <p:nvSpPr>
+            <p:cNvPr id="53" name="TextBox 52">
+              <a:extLst>
+                <a:ext uri="{FF2B5EF4-FFF2-40B4-BE49-F238E27FC236}">
+                  <a16:creationId xmlns:a16="http://schemas.microsoft.com/office/drawing/2014/main" id="{3D61C0C5-4E36-4897-8680-AD3D85D2C2CB}"/>
+                </a:ext>
+              </a:extLst>
+            </p:cNvPr>
+            <p:cNvSpPr txBox="1"/>
+            <p:nvPr/>
+          </p:nvSpPr>
+          <p:spPr>
+            <a:xfrm>
+              <a:off x="838848" y="3697340"/>
+              <a:ext cx="947625" cy="256481"/>
+            </a:xfrm>
+            <a:prstGeom prst="rect">
+              <a:avLst/>
+            </a:prstGeom>
+            <a:noFill/>
+          </p:spPr>
+          <p:txBody>
+            <a:bodyPr vert="horz" wrap="square" rtlCol="0">
+              <a:spAutoFit/>
+            </a:bodyPr>
+            <a:lstStyle/>
+            <a:p>
+              <a:pPr algn="ctr"/>
+              <a:r>
+                <a:rPr lang="ko-KR" altLang="en-US" sz="1400" b="1" dirty="0">
+                  <a:solidFill>
+                    <a:schemeClr val="bg1"/>
+                  </a:solidFill>
+                </a:rPr>
+                <a:t>배  포</a:t>
+              </a:r>
+            </a:p>
+          </p:txBody>
+        </p:sp>
+      </p:grpSp>
+      <p:grpSp>
+        <p:nvGrpSpPr>
+          <p:cNvPr id="54" name="그룹 53">
+            <a:extLst>
+              <a:ext uri="{FF2B5EF4-FFF2-40B4-BE49-F238E27FC236}">
+                <a16:creationId xmlns:a16="http://schemas.microsoft.com/office/drawing/2014/main" id="{DD3BCF35-15C8-4B32-BB11-D75801C96605}"/>
+              </a:ext>
+            </a:extLst>
+          </p:cNvPr>
+          <p:cNvGrpSpPr/>
+          <p:nvPr/>
+        </p:nvGrpSpPr>
+        <p:grpSpPr>
+          <a:xfrm>
+            <a:off x="7728665" y="4305067"/>
+            <a:ext cx="1107062" cy="720000"/>
+            <a:chOff x="830861" y="3506949"/>
+            <a:chExt cx="947625" cy="600000"/>
+          </a:xfrm>
+        </p:grpSpPr>
+        <p:sp>
+          <p:nvSpPr>
+            <p:cNvPr id="55" name="타원 54">
+              <a:extLst>
+                <a:ext uri="{FF2B5EF4-FFF2-40B4-BE49-F238E27FC236}">
+                  <a16:creationId xmlns:a16="http://schemas.microsoft.com/office/drawing/2014/main" id="{0427FCC6-262A-44CB-8635-CC18970FB8F0}"/>
+                </a:ext>
+              </a:extLst>
+            </p:cNvPr>
+            <p:cNvSpPr/>
+            <p:nvPr/>
+          </p:nvSpPr>
+          <p:spPr>
+            <a:xfrm>
+              <a:off x="990598" y="3506949"/>
+              <a:ext cx="616307" cy="600000"/>
+            </a:xfrm>
+            <a:prstGeom prst="ellipse">
+              <a:avLst/>
+            </a:prstGeom>
+            <a:solidFill>
+              <a:srgbClr val="00B0F0"/>
+            </a:solidFill>
+            <a:ln w="31750">
+              <a:solidFill>
+                <a:srgbClr val="0070C0"/>
+              </a:solidFill>
+            </a:ln>
+          </p:spPr>
+          <p:style>
+            <a:lnRef idx="2">
+              <a:schemeClr val="accent1">
+                <a:shade val="50000"/>
+              </a:schemeClr>
+            </a:lnRef>
+            <a:fillRef idx="1">
+              <a:schemeClr val="accent1"/>
+            </a:fillRef>
+            <a:effectRef idx="0">
+              <a:schemeClr val="accent1"/>
+            </a:effectRef>
+            <a:fontRef idx="minor">
+              <a:schemeClr val="lt1"/>
+            </a:fontRef>
+          </p:style>
+          <p:txBody>
+            <a:bodyPr vert="horz" rtlCol="0" anchor="ctr"/>
+            <a:lstStyle/>
+            <a:p>
+              <a:pPr algn="ctr"/>
+              <a:endParaRPr lang="ko-KR" altLang="en-US" sz="1600"/>
+            </a:p>
+          </p:txBody>
+        </p:sp>
+        <p:sp>
+          <p:nvSpPr>
+            <p:cNvPr id="56" name="TextBox 55">
+              <a:extLst>
+                <a:ext uri="{FF2B5EF4-FFF2-40B4-BE49-F238E27FC236}">
+                  <a16:creationId xmlns:a16="http://schemas.microsoft.com/office/drawing/2014/main" id="{87C6F57B-2C3E-402B-94BF-957A75220648}"/>
+                </a:ext>
+              </a:extLst>
+            </p:cNvPr>
+            <p:cNvSpPr txBox="1"/>
+            <p:nvPr/>
+          </p:nvSpPr>
+          <p:spPr>
+            <a:xfrm>
+              <a:off x="830861" y="3689564"/>
+              <a:ext cx="947625" cy="256481"/>
+            </a:xfrm>
+            <a:prstGeom prst="rect">
+              <a:avLst/>
+            </a:prstGeom>
+            <a:noFill/>
+          </p:spPr>
+          <p:txBody>
+            <a:bodyPr vert="horz" wrap="square" rtlCol="0">
+              <a:spAutoFit/>
+            </a:bodyPr>
+            <a:lstStyle/>
+            <a:p>
+              <a:pPr algn="ctr"/>
+              <a:r>
+                <a:rPr lang="ko-KR" altLang="en-US" sz="1400" b="1" dirty="0">
+                  <a:solidFill>
+                    <a:schemeClr val="bg1"/>
+                  </a:solidFill>
+                </a:rPr>
+                <a:t>판 매</a:t>
+              </a:r>
+            </a:p>
+          </p:txBody>
+        </p:sp>
+      </p:grpSp>
+      <p:grpSp>
+        <p:nvGrpSpPr>
+          <p:cNvPr id="57" name="그룹 56">
+            <a:extLst>
+              <a:ext uri="{FF2B5EF4-FFF2-40B4-BE49-F238E27FC236}">
+                <a16:creationId xmlns:a16="http://schemas.microsoft.com/office/drawing/2014/main" id="{3654E795-D052-4F75-851B-135556C8309A}"/>
+              </a:ext>
+            </a:extLst>
+          </p:cNvPr>
+          <p:cNvGrpSpPr/>
+          <p:nvPr/>
+        </p:nvGrpSpPr>
+        <p:grpSpPr>
+          <a:xfrm>
+            <a:off x="5301029" y="1959826"/>
+            <a:ext cx="1107062" cy="720000"/>
+            <a:chOff x="830862" y="3506949"/>
+            <a:chExt cx="947625" cy="600000"/>
+          </a:xfrm>
+        </p:grpSpPr>
+        <p:sp>
+          <p:nvSpPr>
+            <p:cNvPr id="58" name="타원 57">
+              <a:extLst>
+                <a:ext uri="{FF2B5EF4-FFF2-40B4-BE49-F238E27FC236}">
+                  <a16:creationId xmlns:a16="http://schemas.microsoft.com/office/drawing/2014/main" id="{CD7F609A-E3A9-4D13-8821-588E8CDA9D8E}"/>
+                </a:ext>
+              </a:extLst>
+            </p:cNvPr>
+            <p:cNvSpPr/>
+            <p:nvPr/>
+          </p:nvSpPr>
+          <p:spPr>
+            <a:xfrm>
+              <a:off x="990598" y="3506949"/>
+              <a:ext cx="616307" cy="600000"/>
+            </a:xfrm>
+            <a:prstGeom prst="ellipse">
+              <a:avLst/>
+            </a:prstGeom>
+            <a:solidFill>
+              <a:srgbClr val="00B0F0"/>
+            </a:solidFill>
+            <a:ln w="31750">
+              <a:solidFill>
+                <a:srgbClr val="0070C0"/>
+              </a:solidFill>
+            </a:ln>
+          </p:spPr>
+          <p:style>
+            <a:lnRef idx="2">
+              <a:schemeClr val="accent1">
+                <a:shade val="50000"/>
+              </a:schemeClr>
+            </a:lnRef>
+            <a:fillRef idx="1">
+              <a:schemeClr val="accent1"/>
+            </a:fillRef>
+            <a:effectRef idx="0">
+              <a:schemeClr val="accent1"/>
+            </a:effectRef>
+            <a:fontRef idx="minor">
+              <a:schemeClr val="lt1"/>
+            </a:fontRef>
+          </p:style>
+          <p:txBody>
+            <a:bodyPr vert="horz" rtlCol="0" anchor="ctr"/>
+            <a:lstStyle/>
+            <a:p>
+              <a:pPr algn="ctr"/>
+              <a:endParaRPr lang="ko-KR" altLang="en-US" sz="1600"/>
+            </a:p>
+          </p:txBody>
+        </p:sp>
+        <p:sp>
+          <p:nvSpPr>
+            <p:cNvPr id="59" name="TextBox 58">
+              <a:extLst>
+                <a:ext uri="{FF2B5EF4-FFF2-40B4-BE49-F238E27FC236}">
+                  <a16:creationId xmlns:a16="http://schemas.microsoft.com/office/drawing/2014/main" id="{9F9CD8B8-4B42-4A3F-8B13-DC1374AB31D3}"/>
+                </a:ext>
+              </a:extLst>
+            </p:cNvPr>
+            <p:cNvSpPr txBox="1"/>
+            <p:nvPr/>
+          </p:nvSpPr>
+          <p:spPr>
+            <a:xfrm>
+              <a:off x="830862" y="3703634"/>
+              <a:ext cx="947625" cy="256481"/>
+            </a:xfrm>
+            <a:prstGeom prst="rect">
+              <a:avLst/>
+            </a:prstGeom>
+            <a:noFill/>
+          </p:spPr>
+          <p:txBody>
+            <a:bodyPr vert="horz" wrap="square" rtlCol="0">
+              <a:spAutoFit/>
+            </a:bodyPr>
+            <a:lstStyle/>
+            <a:p>
+              <a:pPr algn="ctr"/>
+              <a:r>
+                <a:rPr lang="ko-KR" altLang="en-US" sz="1400" b="1" dirty="0">
+                  <a:solidFill>
+                    <a:schemeClr val="bg1"/>
+                  </a:solidFill>
+                </a:rPr>
+                <a:t>수 정</a:t>
+              </a:r>
+            </a:p>
+          </p:txBody>
+        </p:sp>
+      </p:grpSp>
+      <p:grpSp>
+        <p:nvGrpSpPr>
+          <p:cNvPr id="60" name="그룹 59">
+            <a:extLst>
+              <a:ext uri="{FF2B5EF4-FFF2-40B4-BE49-F238E27FC236}">
+                <a16:creationId xmlns:a16="http://schemas.microsoft.com/office/drawing/2014/main" id="{D8710862-5C9C-429D-94D0-23B505214B84}"/>
+              </a:ext>
+            </a:extLst>
+          </p:cNvPr>
+          <p:cNvGrpSpPr/>
+          <p:nvPr/>
+        </p:nvGrpSpPr>
+        <p:grpSpPr>
+          <a:xfrm>
+            <a:off x="4810964" y="4623794"/>
+            <a:ext cx="720000" cy="720000"/>
+            <a:chOff x="990598" y="3506949"/>
+            <a:chExt cx="616307" cy="600000"/>
+          </a:xfrm>
+        </p:grpSpPr>
+        <p:sp>
+          <p:nvSpPr>
+            <p:cNvPr id="61" name="타원 60">
+              <a:extLst>
+                <a:ext uri="{FF2B5EF4-FFF2-40B4-BE49-F238E27FC236}">
+                  <a16:creationId xmlns:a16="http://schemas.microsoft.com/office/drawing/2014/main" id="{D8410AAC-666B-4F4E-96BE-E9590081294E}"/>
+                </a:ext>
+              </a:extLst>
+            </p:cNvPr>
+            <p:cNvSpPr/>
+            <p:nvPr/>
+          </p:nvSpPr>
+          <p:spPr>
+            <a:xfrm>
+              <a:off x="990598" y="3506949"/>
+              <a:ext cx="616307" cy="600000"/>
+            </a:xfrm>
+            <a:prstGeom prst="ellipse">
+              <a:avLst/>
+            </a:prstGeom>
+            <a:solidFill>
+              <a:schemeClr val="accent2"/>
+            </a:solidFill>
+            <a:ln w="31750">
+              <a:solidFill>
+                <a:srgbClr val="FF0000"/>
+              </a:solidFill>
+            </a:ln>
+          </p:spPr>
+          <p:style>
+            <a:lnRef idx="2">
+              <a:schemeClr val="accent1">
+                <a:shade val="50000"/>
+              </a:schemeClr>
+            </a:lnRef>
+            <a:fillRef idx="1">
+              <a:schemeClr val="accent1"/>
+            </a:fillRef>
+            <a:effectRef idx="0">
+              <a:schemeClr val="accent1"/>
+            </a:effectRef>
+            <a:fontRef idx="minor">
+              <a:schemeClr val="lt1"/>
+            </a:fontRef>
+          </p:style>
+          <p:txBody>
+            <a:bodyPr vert="horz" rtlCol="0" anchor="ctr"/>
+            <a:lstStyle/>
+            <a:p>
+              <a:pPr algn="ctr"/>
+              <a:endParaRPr lang="ko-KR" altLang="en-US" sz="1600"/>
+            </a:p>
+          </p:txBody>
+        </p:sp>
+        <p:sp>
+          <p:nvSpPr>
+            <p:cNvPr id="62" name="TextBox 61">
+              <a:extLst>
+                <a:ext uri="{FF2B5EF4-FFF2-40B4-BE49-F238E27FC236}">
+                  <a16:creationId xmlns:a16="http://schemas.microsoft.com/office/drawing/2014/main" id="{43BC4B5D-25CF-48A7-904A-F6397A4612A9}"/>
+                </a:ext>
+              </a:extLst>
+            </p:cNvPr>
+            <p:cNvSpPr txBox="1"/>
+            <p:nvPr/>
+          </p:nvSpPr>
+          <p:spPr>
+            <a:xfrm>
+              <a:off x="1037784" y="3588941"/>
+              <a:ext cx="521935" cy="436017"/>
+            </a:xfrm>
+            <a:prstGeom prst="rect">
+              <a:avLst/>
+            </a:prstGeom>
+            <a:noFill/>
+          </p:spPr>
+          <p:txBody>
+            <a:bodyPr vert="horz" wrap="square" rtlCol="0" anchor="ctr" anchorCtr="0">
+              <a:spAutoFit/>
+            </a:bodyPr>
+            <a:lstStyle/>
+            <a:p>
+              <a:pPr algn="ctr"/>
+              <a:r>
+                <a:rPr lang="en-US" altLang="ko-KR" sz="1400" b="1" dirty="0">
+                  <a:solidFill>
+                    <a:schemeClr val="bg1"/>
+                  </a:solidFill>
+                </a:rPr>
+                <a:t>data_126</a:t>
+              </a:r>
+              <a:endParaRPr lang="ko-KR" altLang="en-US" sz="1400" b="1" dirty="0">
+                <a:solidFill>
+                  <a:schemeClr val="bg1"/>
+                </a:solidFill>
+              </a:endParaRPr>
+            </a:p>
+          </p:txBody>
+        </p:sp>
+      </p:grpSp>
+      <p:grpSp>
+        <p:nvGrpSpPr>
+          <p:cNvPr id="63" name="그룹 62">
+            <a:extLst>
+              <a:ext uri="{FF2B5EF4-FFF2-40B4-BE49-F238E27FC236}">
+                <a16:creationId xmlns:a16="http://schemas.microsoft.com/office/drawing/2014/main" id="{25AFCDBE-4D26-4A12-883E-A9B2C7CF9B9C}"/>
+              </a:ext>
+            </a:extLst>
+          </p:cNvPr>
+          <p:cNvGrpSpPr/>
+          <p:nvPr/>
+        </p:nvGrpSpPr>
+        <p:grpSpPr>
+          <a:xfrm>
+            <a:off x="4695791" y="2577102"/>
+            <a:ext cx="720000" cy="720000"/>
+            <a:chOff x="990598" y="3506949"/>
+            <a:chExt cx="616307" cy="600000"/>
+          </a:xfrm>
+        </p:grpSpPr>
+        <p:sp>
+          <p:nvSpPr>
+            <p:cNvPr id="64" name="타원 63">
+              <a:extLst>
+                <a:ext uri="{FF2B5EF4-FFF2-40B4-BE49-F238E27FC236}">
+                  <a16:creationId xmlns:a16="http://schemas.microsoft.com/office/drawing/2014/main" id="{31D17331-4D8B-4CB7-8FB7-366D0859D480}"/>
+                </a:ext>
+              </a:extLst>
+            </p:cNvPr>
+            <p:cNvSpPr/>
+            <p:nvPr/>
+          </p:nvSpPr>
+          <p:spPr>
+            <a:xfrm>
+              <a:off x="990598" y="3506949"/>
+              <a:ext cx="616307" cy="600000"/>
+            </a:xfrm>
+            <a:prstGeom prst="ellipse">
+              <a:avLst/>
+            </a:prstGeom>
+            <a:solidFill>
+              <a:schemeClr val="accent2"/>
+            </a:solidFill>
+            <a:ln w="31750">
+              <a:solidFill>
+                <a:srgbClr val="FF0000"/>
+              </a:solidFill>
+            </a:ln>
+          </p:spPr>
+          <p:style>
+            <a:lnRef idx="2">
+              <a:schemeClr val="accent1">
+                <a:shade val="50000"/>
+              </a:schemeClr>
+            </a:lnRef>
+            <a:fillRef idx="1">
+              <a:schemeClr val="accent1"/>
+            </a:fillRef>
+            <a:effectRef idx="0">
+              <a:schemeClr val="accent1"/>
+            </a:effectRef>
+            <a:fontRef idx="minor">
+              <a:schemeClr val="lt1"/>
+            </a:fontRef>
+          </p:style>
+          <p:txBody>
+            <a:bodyPr vert="horz" rtlCol="0" anchor="ctr"/>
+            <a:lstStyle/>
+            <a:p>
+              <a:pPr algn="ctr"/>
+              <a:endParaRPr lang="ko-KR" altLang="en-US" sz="1600"/>
+            </a:p>
+          </p:txBody>
+        </p:sp>
+        <p:sp>
+          <p:nvSpPr>
+            <p:cNvPr id="65" name="TextBox 64">
+              <a:extLst>
+                <a:ext uri="{FF2B5EF4-FFF2-40B4-BE49-F238E27FC236}">
+                  <a16:creationId xmlns:a16="http://schemas.microsoft.com/office/drawing/2014/main" id="{098AF3FD-9ABD-49B4-A83D-C7B6BB3315D5}"/>
+                </a:ext>
+              </a:extLst>
+            </p:cNvPr>
+            <p:cNvSpPr txBox="1"/>
+            <p:nvPr/>
+          </p:nvSpPr>
+          <p:spPr>
+            <a:xfrm>
+              <a:off x="1037784" y="3588941"/>
+              <a:ext cx="521935" cy="436017"/>
+            </a:xfrm>
+            <a:prstGeom prst="rect">
+              <a:avLst/>
+            </a:prstGeom>
+            <a:noFill/>
+          </p:spPr>
+          <p:txBody>
+            <a:bodyPr vert="horz" wrap="square" rtlCol="0" anchor="ctr" anchorCtr="0">
+              <a:spAutoFit/>
+            </a:bodyPr>
+            <a:lstStyle/>
+            <a:p>
+              <a:pPr algn="ctr"/>
+              <a:r>
+                <a:rPr lang="en-US" altLang="ko-KR" sz="1400" b="1" dirty="0">
+                  <a:solidFill>
+                    <a:schemeClr val="bg1"/>
+                  </a:solidFill>
+                </a:rPr>
+                <a:t>data_821</a:t>
+              </a:r>
+              <a:endParaRPr lang="ko-KR" altLang="en-US" sz="1400" b="1" dirty="0">
+                <a:solidFill>
+                  <a:schemeClr val="bg1"/>
+                </a:solidFill>
+              </a:endParaRPr>
+            </a:p>
+          </p:txBody>
+        </p:sp>
+      </p:grpSp>
+      <p:grpSp>
+        <p:nvGrpSpPr>
+          <p:cNvPr id="66" name="그룹 65">
+            <a:extLst>
+              <a:ext uri="{FF2B5EF4-FFF2-40B4-BE49-F238E27FC236}">
+                <a16:creationId xmlns:a16="http://schemas.microsoft.com/office/drawing/2014/main" id="{7F3952CB-9130-4DE3-A5CF-F3102246B5B4}"/>
+              </a:ext>
+            </a:extLst>
+          </p:cNvPr>
+          <p:cNvGrpSpPr/>
+          <p:nvPr/>
+        </p:nvGrpSpPr>
+        <p:grpSpPr>
+          <a:xfrm>
+            <a:off x="6964223" y="2092341"/>
+            <a:ext cx="720000" cy="720000"/>
+            <a:chOff x="990598" y="3506949"/>
+            <a:chExt cx="616307" cy="600000"/>
+          </a:xfrm>
+        </p:grpSpPr>
+        <p:sp>
+          <p:nvSpPr>
+            <p:cNvPr id="67" name="타원 66">
+              <a:extLst>
+                <a:ext uri="{FF2B5EF4-FFF2-40B4-BE49-F238E27FC236}">
+                  <a16:creationId xmlns:a16="http://schemas.microsoft.com/office/drawing/2014/main" id="{B99F4AC3-742E-482F-B0E1-AE71AD6C65A8}"/>
+                </a:ext>
+              </a:extLst>
+            </p:cNvPr>
+            <p:cNvSpPr/>
+            <p:nvPr/>
+          </p:nvSpPr>
+          <p:spPr>
+            <a:xfrm>
+              <a:off x="990598" y="3506949"/>
+              <a:ext cx="616307" cy="600000"/>
+            </a:xfrm>
+            <a:prstGeom prst="ellipse">
+              <a:avLst/>
+            </a:prstGeom>
+            <a:solidFill>
+              <a:schemeClr val="accent2"/>
+            </a:solidFill>
+            <a:ln w="31750">
+              <a:solidFill>
+                <a:srgbClr val="FF0000"/>
+              </a:solidFill>
+            </a:ln>
+          </p:spPr>
+          <p:style>
+            <a:lnRef idx="2">
+              <a:schemeClr val="accent1">
+                <a:shade val="50000"/>
+              </a:schemeClr>
+            </a:lnRef>
+            <a:fillRef idx="1">
+              <a:schemeClr val="accent1"/>
+            </a:fillRef>
+            <a:effectRef idx="0">
+              <a:schemeClr val="accent1"/>
+            </a:effectRef>
+            <a:fontRef idx="minor">
+              <a:schemeClr val="lt1"/>
+            </a:fontRef>
+          </p:style>
+          <p:txBody>
+            <a:bodyPr vert="horz" rtlCol="0" anchor="ctr"/>
+            <a:lstStyle/>
+            <a:p>
+              <a:pPr algn="ctr"/>
+              <a:endParaRPr lang="ko-KR" altLang="en-US" sz="1600"/>
+            </a:p>
+          </p:txBody>
+        </p:sp>
+        <p:sp>
+          <p:nvSpPr>
+            <p:cNvPr id="68" name="TextBox 67">
+              <a:extLst>
+                <a:ext uri="{FF2B5EF4-FFF2-40B4-BE49-F238E27FC236}">
+                  <a16:creationId xmlns:a16="http://schemas.microsoft.com/office/drawing/2014/main" id="{BD768876-2FEB-4ADA-A4C4-D61188DFDFB6}"/>
+                </a:ext>
+              </a:extLst>
+            </p:cNvPr>
+            <p:cNvSpPr txBox="1"/>
+            <p:nvPr/>
+          </p:nvSpPr>
+          <p:spPr>
+            <a:xfrm>
+              <a:off x="1037784" y="3588941"/>
+              <a:ext cx="521935" cy="436017"/>
+            </a:xfrm>
+            <a:prstGeom prst="rect">
+              <a:avLst/>
+            </a:prstGeom>
+            <a:noFill/>
+          </p:spPr>
+          <p:txBody>
+            <a:bodyPr vert="horz" wrap="square" rtlCol="0" anchor="ctr" anchorCtr="0">
+              <a:spAutoFit/>
+            </a:bodyPr>
+            <a:lstStyle/>
+            <a:p>
+              <a:pPr algn="ctr"/>
+              <a:r>
+                <a:rPr lang="en-US" altLang="ko-KR" sz="1400" b="1" dirty="0">
+                  <a:solidFill>
+                    <a:schemeClr val="bg1"/>
+                  </a:solidFill>
+                </a:rPr>
+                <a:t>data_248</a:t>
+              </a:r>
+              <a:endParaRPr lang="ko-KR" altLang="en-US" sz="1400" b="1" dirty="0">
+                <a:solidFill>
+                  <a:schemeClr val="bg1"/>
+                </a:solidFill>
+              </a:endParaRPr>
+            </a:p>
+          </p:txBody>
+        </p:sp>
+      </p:grpSp>
+      <p:cxnSp>
+        <p:nvCxnSpPr>
+          <p:cNvPr id="69" name="직선 화살표 연결선 68">
+            <a:extLst>
+              <a:ext uri="{FF2B5EF4-FFF2-40B4-BE49-F238E27FC236}">
+                <a16:creationId xmlns:a16="http://schemas.microsoft.com/office/drawing/2014/main" id="{63C2201A-CF62-4471-AD50-647351EA8FF8}"/>
+              </a:ext>
+            </a:extLst>
+          </p:cNvPr>
+          <p:cNvCxnSpPr>
+            <a:cxnSpLocks/>
+            <a:endCxn id="42" idx="3"/>
+          </p:cNvCxnSpPr>
+          <p:nvPr/>
+        </p:nvCxnSpPr>
+        <p:spPr>
+          <a:xfrm flipH="1" flipV="1">
+            <a:off x="6546533" y="3314467"/>
+            <a:ext cx="1555380" cy="276861"/>
+          </a:xfrm>
+          <a:prstGeom prst="straightConnector1">
+            <a:avLst/>
+          </a:prstGeom>
+          <a:ln w="28575">
+            <a:solidFill>
+              <a:schemeClr val="tx1"/>
+            </a:solidFill>
+            <a:tailEnd type="triangle" w="lg" len="lg"/>
+          </a:ln>
+        </p:spPr>
+        <p:style>
+          <a:lnRef idx="1">
+            <a:schemeClr val="accent1"/>
+          </a:lnRef>
+          <a:fillRef idx="0">
+            <a:schemeClr val="accent1"/>
+          </a:fillRef>
+          <a:effectRef idx="0">
+            <a:schemeClr val="accent1"/>
+          </a:effectRef>
+          <a:fontRef idx="minor">
+            <a:schemeClr val="tx1"/>
+          </a:fontRef>
+        </p:style>
+      </p:cxnSp>
+      <p:cxnSp>
+        <p:nvCxnSpPr>
+          <p:cNvPr id="70" name="직선 화살표 연결선 69">
+            <a:extLst>
+              <a:ext uri="{FF2B5EF4-FFF2-40B4-BE49-F238E27FC236}">
+                <a16:creationId xmlns:a16="http://schemas.microsoft.com/office/drawing/2014/main" id="{739DA6F8-986A-410F-8C15-497CDAC9F531}"/>
+              </a:ext>
+            </a:extLst>
+          </p:cNvPr>
+          <p:cNvCxnSpPr>
+            <a:cxnSpLocks/>
+            <a:stCxn id="45" idx="1"/>
+          </p:cNvCxnSpPr>
+          <p:nvPr/>
+        </p:nvCxnSpPr>
+        <p:spPr>
+          <a:xfrm flipH="1">
+            <a:off x="5475839" y="4619560"/>
+            <a:ext cx="459740" cy="192547"/>
+          </a:xfrm>
+          <a:prstGeom prst="straightConnector1">
+            <a:avLst/>
+          </a:prstGeom>
+          <a:ln w="28575">
+            <a:solidFill>
+              <a:schemeClr val="tx1"/>
+            </a:solidFill>
+            <a:tailEnd type="triangle" w="lg" len="lg"/>
+          </a:ln>
+        </p:spPr>
+        <p:style>
+          <a:lnRef idx="1">
+            <a:schemeClr val="accent1"/>
+          </a:lnRef>
+          <a:fillRef idx="0">
+            <a:schemeClr val="accent1"/>
+          </a:fillRef>
+          <a:effectRef idx="0">
+            <a:schemeClr val="accent1"/>
+          </a:effectRef>
+          <a:fontRef idx="minor">
+            <a:schemeClr val="tx1"/>
+          </a:fontRef>
+        </p:style>
+      </p:cxnSp>
+      <p:cxnSp>
+        <p:nvCxnSpPr>
+          <p:cNvPr id="71" name="직선 화살표 연결선 70">
+            <a:extLst>
+              <a:ext uri="{FF2B5EF4-FFF2-40B4-BE49-F238E27FC236}">
+                <a16:creationId xmlns:a16="http://schemas.microsoft.com/office/drawing/2014/main" id="{E6D4F164-59A1-4C8A-8E95-B8E161AFE0DA}"/>
+              </a:ext>
+            </a:extLst>
+          </p:cNvPr>
+          <p:cNvCxnSpPr>
+            <a:cxnSpLocks/>
+          </p:cNvCxnSpPr>
+          <p:nvPr/>
+        </p:nvCxnSpPr>
+        <p:spPr>
+          <a:xfrm>
+            <a:off x="7583284" y="4338824"/>
+            <a:ext cx="341348" cy="185381"/>
+          </a:xfrm>
+          <a:prstGeom prst="straightConnector1">
+            <a:avLst/>
+          </a:prstGeom>
+          <a:ln w="28575">
+            <a:solidFill>
+              <a:schemeClr val="tx1"/>
+            </a:solidFill>
+            <a:tailEnd type="triangle" w="lg" len="lg"/>
+          </a:ln>
+        </p:spPr>
+        <p:style>
+          <a:lnRef idx="1">
+            <a:schemeClr val="accent1"/>
+          </a:lnRef>
+          <a:fillRef idx="0">
+            <a:schemeClr val="accent1"/>
+          </a:fillRef>
+          <a:effectRef idx="0">
+            <a:schemeClr val="accent1"/>
+          </a:effectRef>
+          <a:fontRef idx="minor">
+            <a:schemeClr val="tx1"/>
+          </a:fontRef>
+        </p:style>
+      </p:cxnSp>
+      <p:cxnSp>
+        <p:nvCxnSpPr>
+          <p:cNvPr id="72" name="직선 화살표 연결선 71">
+            <a:extLst>
+              <a:ext uri="{FF2B5EF4-FFF2-40B4-BE49-F238E27FC236}">
+                <a16:creationId xmlns:a16="http://schemas.microsoft.com/office/drawing/2014/main" id="{52D10C0E-3603-443A-A26F-DC2A23C958E7}"/>
+              </a:ext>
+            </a:extLst>
+          </p:cNvPr>
+          <p:cNvCxnSpPr>
+            <a:cxnSpLocks/>
+          </p:cNvCxnSpPr>
+          <p:nvPr/>
+        </p:nvCxnSpPr>
+        <p:spPr>
+          <a:xfrm flipH="1" flipV="1">
+            <a:off x="6344655" y="3647498"/>
+            <a:ext cx="603983" cy="405950"/>
+          </a:xfrm>
+          <a:prstGeom prst="straightConnector1">
+            <a:avLst/>
+          </a:prstGeom>
+          <a:ln w="28575">
+            <a:solidFill>
+              <a:schemeClr val="tx1"/>
+            </a:solidFill>
+            <a:tailEnd type="triangle" w="lg" len="lg"/>
+          </a:ln>
+        </p:spPr>
+        <p:style>
+          <a:lnRef idx="1">
+            <a:schemeClr val="accent1"/>
+          </a:lnRef>
+          <a:fillRef idx="0">
+            <a:schemeClr val="accent1"/>
+          </a:fillRef>
+          <a:effectRef idx="0">
+            <a:schemeClr val="accent1"/>
+          </a:effectRef>
+          <a:fontRef idx="minor">
+            <a:schemeClr val="tx1"/>
+          </a:fontRef>
+        </p:style>
+      </p:cxnSp>
+      <p:cxnSp>
+        <p:nvCxnSpPr>
+          <p:cNvPr id="73" name="직선 화살표 연결선 72">
+            <a:extLst>
+              <a:ext uri="{FF2B5EF4-FFF2-40B4-BE49-F238E27FC236}">
+                <a16:creationId xmlns:a16="http://schemas.microsoft.com/office/drawing/2014/main" id="{518C8124-B1D0-4815-97D2-4ECDD7A74595}"/>
+              </a:ext>
+            </a:extLst>
+          </p:cNvPr>
+          <p:cNvCxnSpPr>
+            <a:cxnSpLocks/>
+            <a:endCxn id="41" idx="3"/>
+          </p:cNvCxnSpPr>
+          <p:nvPr/>
+        </p:nvCxnSpPr>
+        <p:spPr>
+          <a:xfrm flipV="1">
+            <a:off x="5285297" y="3573259"/>
+            <a:ext cx="661221" cy="1046300"/>
+          </a:xfrm>
+          <a:prstGeom prst="straightConnector1">
+            <a:avLst/>
+          </a:prstGeom>
+          <a:ln w="28575">
+            <a:solidFill>
+              <a:schemeClr val="tx1"/>
+            </a:solidFill>
+            <a:tailEnd type="triangle" w="lg" len="lg"/>
+          </a:ln>
+        </p:spPr>
+        <p:style>
+          <a:lnRef idx="1">
+            <a:schemeClr val="accent1"/>
+          </a:lnRef>
+          <a:fillRef idx="0">
+            <a:schemeClr val="accent1"/>
+          </a:fillRef>
+          <a:effectRef idx="0">
+            <a:schemeClr val="accent1"/>
+          </a:effectRef>
+          <a:fontRef idx="minor">
+            <a:schemeClr val="tx1"/>
+          </a:fontRef>
+        </p:style>
+      </p:cxnSp>
+      <p:cxnSp>
+        <p:nvCxnSpPr>
+          <p:cNvPr id="74" name="직선 화살표 연결선 73">
+            <a:extLst>
+              <a:ext uri="{FF2B5EF4-FFF2-40B4-BE49-F238E27FC236}">
+                <a16:creationId xmlns:a16="http://schemas.microsoft.com/office/drawing/2014/main" id="{D496883C-7949-4549-B1A2-AF20781264D7}"/>
+              </a:ext>
+            </a:extLst>
+          </p:cNvPr>
+          <p:cNvCxnSpPr>
+            <a:cxnSpLocks/>
+            <a:stCxn id="41" idx="0"/>
+            <a:endCxn id="58" idx="3"/>
+          </p:cNvCxnSpPr>
+          <p:nvPr/>
+        </p:nvCxnSpPr>
+        <p:spPr>
+          <a:xfrm flipH="1" flipV="1">
+            <a:off x="5593082" y="2574384"/>
+            <a:ext cx="607994" cy="384317"/>
+          </a:xfrm>
+          <a:prstGeom prst="straightConnector1">
+            <a:avLst/>
+          </a:prstGeom>
+          <a:ln w="28575">
+            <a:solidFill>
+              <a:schemeClr val="tx1"/>
+            </a:solidFill>
+            <a:tailEnd type="triangle" w="lg" len="lg"/>
+          </a:ln>
+        </p:spPr>
+        <p:style>
+          <a:lnRef idx="1">
+            <a:schemeClr val="accent1"/>
+          </a:lnRef>
+          <a:fillRef idx="0">
+            <a:schemeClr val="accent1"/>
+          </a:fillRef>
+          <a:effectRef idx="0">
+            <a:schemeClr val="accent1"/>
+          </a:effectRef>
+          <a:fontRef idx="minor">
+            <a:schemeClr val="tx1"/>
+          </a:fontRef>
+        </p:style>
+      </p:cxnSp>
+      <p:cxnSp>
+        <p:nvCxnSpPr>
+          <p:cNvPr id="75" name="직선 화살표 연결선 74">
+            <a:extLst>
+              <a:ext uri="{FF2B5EF4-FFF2-40B4-BE49-F238E27FC236}">
+                <a16:creationId xmlns:a16="http://schemas.microsoft.com/office/drawing/2014/main" id="{2B7F1FFD-A417-4C92-8475-8906EDA6A8EC}"/>
+              </a:ext>
+            </a:extLst>
+          </p:cNvPr>
+          <p:cNvCxnSpPr>
+            <a:cxnSpLocks/>
+          </p:cNvCxnSpPr>
+          <p:nvPr/>
+        </p:nvCxnSpPr>
+        <p:spPr>
+          <a:xfrm>
+            <a:off x="7535196" y="2749943"/>
+            <a:ext cx="566717" cy="747837"/>
+          </a:xfrm>
+          <a:prstGeom prst="straightConnector1">
+            <a:avLst/>
+          </a:prstGeom>
+          <a:ln w="28575">
+            <a:solidFill>
+              <a:schemeClr val="tx1"/>
+            </a:solidFill>
+            <a:tailEnd type="triangle" w="lg" len="lg"/>
+          </a:ln>
+        </p:spPr>
+        <p:style>
+          <a:lnRef idx="1">
+            <a:schemeClr val="accent1"/>
+          </a:lnRef>
+          <a:fillRef idx="0">
+            <a:schemeClr val="accent1"/>
+          </a:fillRef>
+          <a:effectRef idx="0">
+            <a:schemeClr val="accent1"/>
+          </a:effectRef>
+          <a:fontRef idx="minor">
+            <a:schemeClr val="tx1"/>
+          </a:fontRef>
+        </p:style>
+      </p:cxnSp>
+      <p:cxnSp>
+        <p:nvCxnSpPr>
+          <p:cNvPr id="76" name="직선 화살표 연결선 75">
+            <a:extLst>
+              <a:ext uri="{FF2B5EF4-FFF2-40B4-BE49-F238E27FC236}">
+                <a16:creationId xmlns:a16="http://schemas.microsoft.com/office/drawing/2014/main" id="{FE3EAD7C-550D-4910-921D-BBBFCD1522F3}"/>
+              </a:ext>
+            </a:extLst>
+          </p:cNvPr>
+          <p:cNvCxnSpPr>
+            <a:cxnSpLocks/>
+            <a:endCxn id="52" idx="3"/>
+          </p:cNvCxnSpPr>
+          <p:nvPr/>
+        </p:nvCxnSpPr>
+        <p:spPr>
+          <a:xfrm flipV="1">
+            <a:off x="7626137" y="3853229"/>
+            <a:ext cx="581218" cy="219858"/>
+          </a:xfrm>
+          <a:prstGeom prst="straightConnector1">
+            <a:avLst/>
+          </a:prstGeom>
+          <a:ln w="28575">
+            <a:solidFill>
+              <a:schemeClr val="tx1"/>
+            </a:solidFill>
+            <a:tailEnd type="triangle" w="lg" len="lg"/>
+          </a:ln>
+        </p:spPr>
+        <p:style>
+          <a:lnRef idx="1">
+            <a:schemeClr val="accent1"/>
+          </a:lnRef>
+          <a:fillRef idx="0">
+            <a:schemeClr val="accent1"/>
+          </a:fillRef>
+          <a:effectRef idx="0">
+            <a:schemeClr val="accent1"/>
+          </a:effectRef>
+          <a:fontRef idx="minor">
+            <a:schemeClr val="tx1"/>
+          </a:fontRef>
+        </p:style>
+      </p:cxnSp>
+      <p:cxnSp>
+        <p:nvCxnSpPr>
+          <p:cNvPr id="78" name="직선 화살표 연결선 77">
+            <a:extLst>
+              <a:ext uri="{FF2B5EF4-FFF2-40B4-BE49-F238E27FC236}">
+                <a16:creationId xmlns:a16="http://schemas.microsoft.com/office/drawing/2014/main" id="{C079ADDD-8F1E-4C69-9117-9D0F1EAD94F9}"/>
+              </a:ext>
+            </a:extLst>
+          </p:cNvPr>
+          <p:cNvCxnSpPr>
+            <a:cxnSpLocks/>
+            <a:stCxn id="44" idx="6"/>
+            <a:endCxn id="29" idx="2"/>
+          </p:cNvCxnSpPr>
+          <p:nvPr/>
+        </p:nvCxnSpPr>
+        <p:spPr>
+          <a:xfrm flipV="1">
+            <a:off x="6627621" y="4189525"/>
+            <a:ext cx="235663" cy="434269"/>
+          </a:xfrm>
+          <a:prstGeom prst="straightConnector1">
+            <a:avLst/>
+          </a:prstGeom>
+          <a:ln w="28575">
+            <a:solidFill>
+              <a:schemeClr val="tx1"/>
+            </a:solidFill>
+            <a:tailEnd type="triangle" w="lg" len="lg"/>
+          </a:ln>
+        </p:spPr>
+        <p:style>
+          <a:lnRef idx="1">
+            <a:schemeClr val="accent1"/>
+          </a:lnRef>
+          <a:fillRef idx="0">
+            <a:schemeClr val="accent1"/>
+          </a:fillRef>
+          <a:effectRef idx="0">
+            <a:schemeClr val="accent1"/>
+          </a:effectRef>
+          <a:fontRef idx="minor">
+            <a:schemeClr val="tx1"/>
+          </a:fontRef>
+        </p:style>
+      </p:cxnSp>
+      <p:cxnSp>
+        <p:nvCxnSpPr>
+          <p:cNvPr id="82" name="직선 화살표 연결선 81">
+            <a:extLst>
+              <a:ext uri="{FF2B5EF4-FFF2-40B4-BE49-F238E27FC236}">
+                <a16:creationId xmlns:a16="http://schemas.microsoft.com/office/drawing/2014/main" id="{6AA056DC-1D5D-4108-BD1B-A4483159FA6A}"/>
+              </a:ext>
+            </a:extLst>
+          </p:cNvPr>
+          <p:cNvCxnSpPr>
+            <a:cxnSpLocks/>
+            <a:stCxn id="44" idx="1"/>
+            <a:endCxn id="64" idx="4"/>
+          </p:cNvCxnSpPr>
+          <p:nvPr/>
+        </p:nvCxnSpPr>
+        <p:spPr>
+          <a:xfrm flipH="1" flipV="1">
+            <a:off x="5055791" y="3297102"/>
+            <a:ext cx="957272" cy="1072134"/>
+          </a:xfrm>
+          <a:prstGeom prst="straightConnector1">
+            <a:avLst/>
+          </a:prstGeom>
+          <a:ln w="28575">
+            <a:solidFill>
+              <a:schemeClr val="tx1"/>
+            </a:solidFill>
+            <a:tailEnd type="triangle" w="lg" len="lg"/>
+          </a:ln>
+        </p:spPr>
+        <p:style>
+          <a:lnRef idx="1">
+            <a:schemeClr val="accent1"/>
+          </a:lnRef>
+          <a:fillRef idx="0">
+            <a:schemeClr val="accent1"/>
+          </a:fillRef>
+          <a:effectRef idx="0">
+            <a:schemeClr val="accent1"/>
+          </a:effectRef>
+          <a:fontRef idx="minor">
+            <a:schemeClr val="tx1"/>
+          </a:fontRef>
+        </p:style>
+      </p:cxnSp>
+      <p:cxnSp>
+        <p:nvCxnSpPr>
+          <p:cNvPr id="85" name="직선 화살표 연결선 84">
+            <a:extLst>
+              <a:ext uri="{FF2B5EF4-FFF2-40B4-BE49-F238E27FC236}">
+                <a16:creationId xmlns:a16="http://schemas.microsoft.com/office/drawing/2014/main" id="{91086C58-491E-4D08-BFA5-0C1C8A01E6C9}"/>
+              </a:ext>
+            </a:extLst>
+          </p:cNvPr>
+          <p:cNvCxnSpPr>
+            <a:cxnSpLocks/>
+            <a:stCxn id="29" idx="0"/>
+          </p:cNvCxnSpPr>
+          <p:nvPr/>
+        </p:nvCxnSpPr>
+        <p:spPr>
+          <a:xfrm flipH="1" flipV="1">
+            <a:off x="6215796" y="2368685"/>
+            <a:ext cx="1007488" cy="1460840"/>
+          </a:xfrm>
+          <a:prstGeom prst="straightConnector1">
+            <a:avLst/>
+          </a:prstGeom>
+          <a:ln w="28575">
+            <a:solidFill>
+              <a:schemeClr val="tx1"/>
+            </a:solidFill>
+            <a:tailEnd type="triangle" w="lg" len="lg"/>
+          </a:ln>
+        </p:spPr>
+        <p:style>
+          <a:lnRef idx="1">
+            <a:schemeClr val="accent1"/>
+          </a:lnRef>
+          <a:fillRef idx="0">
+            <a:schemeClr val="accent1"/>
+          </a:fillRef>
+          <a:effectRef idx="0">
+            <a:schemeClr val="accent1"/>
+          </a:effectRef>
+          <a:fontRef idx="minor">
+            <a:schemeClr val="tx1"/>
+          </a:fontRef>
+        </p:style>
+      </p:cxnSp>
+      <p:cxnSp>
+        <p:nvCxnSpPr>
+          <p:cNvPr id="87" name="직선 화살표 연결선 86">
+            <a:extLst>
+              <a:ext uri="{FF2B5EF4-FFF2-40B4-BE49-F238E27FC236}">
+                <a16:creationId xmlns:a16="http://schemas.microsoft.com/office/drawing/2014/main" id="{5DF096B0-F247-4534-ACB2-57044B80E31D}"/>
+              </a:ext>
+            </a:extLst>
+          </p:cNvPr>
+          <p:cNvCxnSpPr>
+            <a:cxnSpLocks/>
+            <a:stCxn id="67" idx="2"/>
+            <a:endCxn id="58" idx="7"/>
+          </p:cNvCxnSpPr>
+          <p:nvPr/>
+        </p:nvCxnSpPr>
+        <p:spPr>
+          <a:xfrm flipH="1" flipV="1">
+            <a:off x="6102198" y="2065268"/>
+            <a:ext cx="862025" cy="387073"/>
+          </a:xfrm>
+          <a:prstGeom prst="straightConnector1">
+            <a:avLst/>
+          </a:prstGeom>
+          <a:ln w="28575">
+            <a:solidFill>
+              <a:schemeClr val="tx1"/>
+            </a:solidFill>
+            <a:tailEnd type="triangle" w="lg" len="lg"/>
+          </a:ln>
+        </p:spPr>
+        <p:style>
+          <a:lnRef idx="1">
+            <a:schemeClr val="accent1"/>
+          </a:lnRef>
+          <a:fillRef idx="0">
+            <a:schemeClr val="accent1"/>
+          </a:fillRef>
+          <a:effectRef idx="0">
+            <a:schemeClr val="accent1"/>
+          </a:effectRef>
+          <a:fontRef idx="minor">
+            <a:schemeClr val="tx1"/>
+          </a:fontRef>
+        </p:style>
+      </p:cxnSp>
+      <p:cxnSp>
+        <p:nvCxnSpPr>
+          <p:cNvPr id="91" name="직선 화살표 연결선 90">
+            <a:extLst>
+              <a:ext uri="{FF2B5EF4-FFF2-40B4-BE49-F238E27FC236}">
+                <a16:creationId xmlns:a16="http://schemas.microsoft.com/office/drawing/2014/main" id="{655EBFE2-ADF2-4EF1-91CE-A18C2096EEA6}"/>
+              </a:ext>
+            </a:extLst>
+          </p:cNvPr>
+          <p:cNvCxnSpPr>
+            <a:cxnSpLocks/>
+            <a:stCxn id="64" idx="3"/>
+            <a:endCxn id="32" idx="0"/>
+          </p:cNvCxnSpPr>
+          <p:nvPr/>
+        </p:nvCxnSpPr>
+        <p:spPr>
+          <a:xfrm flipH="1">
+            <a:off x="4408267" y="3191660"/>
+            <a:ext cx="392966" cy="612545"/>
+          </a:xfrm>
+          <a:prstGeom prst="straightConnector1">
+            <a:avLst/>
+          </a:prstGeom>
+          <a:ln w="28575">
+            <a:solidFill>
+              <a:schemeClr val="tx1"/>
+            </a:solidFill>
+            <a:tailEnd type="triangle" w="lg" len="lg"/>
+          </a:ln>
+        </p:spPr>
+        <p:style>
+          <a:lnRef idx="1">
+            <a:schemeClr val="accent1"/>
+          </a:lnRef>
+          <a:fillRef idx="0">
+            <a:schemeClr val="accent1"/>
+          </a:fillRef>
+          <a:effectRef idx="0">
+            <a:schemeClr val="accent1"/>
+          </a:effectRef>
+          <a:fontRef idx="minor">
+            <a:schemeClr val="tx1"/>
+          </a:fontRef>
+        </p:style>
+      </p:cxnSp>
+      <p:cxnSp>
+        <p:nvCxnSpPr>
+          <p:cNvPr id="94" name="직선 화살표 연결선 93">
+            <a:extLst>
+              <a:ext uri="{FF2B5EF4-FFF2-40B4-BE49-F238E27FC236}">
+                <a16:creationId xmlns:a16="http://schemas.microsoft.com/office/drawing/2014/main" id="{D989C476-860C-4FE0-AB4C-62B486A3AC2A}"/>
+              </a:ext>
+            </a:extLst>
+          </p:cNvPr>
+          <p:cNvCxnSpPr>
+            <a:cxnSpLocks/>
+            <a:stCxn id="67" idx="4"/>
+            <a:endCxn id="55" idx="1"/>
+          </p:cNvCxnSpPr>
+          <p:nvPr/>
+        </p:nvCxnSpPr>
+        <p:spPr>
+          <a:xfrm>
+            <a:off x="7324223" y="2812341"/>
+            <a:ext cx="696497" cy="1598168"/>
+          </a:xfrm>
+          <a:prstGeom prst="straightConnector1">
+            <a:avLst/>
+          </a:prstGeom>
+          <a:ln w="28575">
+            <a:solidFill>
+              <a:schemeClr val="tx1"/>
+            </a:solidFill>
+            <a:tailEnd type="triangle" w="lg" len="lg"/>
+          </a:ln>
+        </p:spPr>
+        <p:style>
+          <a:lnRef idx="1">
+            <a:schemeClr val="accent1"/>
+          </a:lnRef>
+          <a:fillRef idx="0">
+            <a:schemeClr val="accent1"/>
+          </a:fillRef>
+          <a:effectRef idx="0">
+            <a:schemeClr val="accent1"/>
+          </a:effectRef>
+          <a:fontRef idx="minor">
+            <a:schemeClr val="tx1"/>
+          </a:fontRef>
+        </p:style>
+      </p:cxnSp>
+      <p:cxnSp>
+        <p:nvCxnSpPr>
+          <p:cNvPr id="97" name="직선 화살표 연결선 96">
+            <a:extLst>
+              <a:ext uri="{FF2B5EF4-FFF2-40B4-BE49-F238E27FC236}">
+                <a16:creationId xmlns:a16="http://schemas.microsoft.com/office/drawing/2014/main" id="{23E0FE55-2A71-45C0-BC24-45EB76DE8202}"/>
+              </a:ext>
+            </a:extLst>
+          </p:cNvPr>
+          <p:cNvCxnSpPr>
+            <a:cxnSpLocks/>
+            <a:stCxn id="44" idx="0"/>
+          </p:cNvCxnSpPr>
+          <p:nvPr/>
+        </p:nvCxnSpPr>
+        <p:spPr>
+          <a:xfrm flipV="1">
+            <a:off x="6267621" y="2784482"/>
+            <a:ext cx="948595" cy="1479312"/>
+          </a:xfrm>
+          <a:prstGeom prst="straightConnector1">
+            <a:avLst/>
+          </a:prstGeom>
+          <a:ln w="28575">
+            <a:solidFill>
+              <a:schemeClr val="tx1"/>
+            </a:solidFill>
+            <a:tailEnd type="triangle" w="lg" len="lg"/>
+          </a:ln>
+        </p:spPr>
+        <p:style>
+          <a:lnRef idx="1">
+            <a:schemeClr val="accent1"/>
+          </a:lnRef>
+          <a:fillRef idx="0">
+            <a:schemeClr val="accent1"/>
+          </a:fillRef>
+          <a:effectRef idx="0">
+            <a:schemeClr val="accent1"/>
+          </a:effectRef>
+          <a:fontRef idx="minor">
+            <a:schemeClr val="tx1"/>
+          </a:fontRef>
+        </p:style>
+      </p:cxnSp>
+    </p:spTree>
+    <p:extLst>
+      <p:ext uri="{BB962C8B-B14F-4D97-AF65-F5344CB8AC3E}">
+        <p14:creationId xmlns:p14="http://schemas.microsoft.com/office/powerpoint/2010/main" val="4271083616"/>
+      </p:ext>
+    </p:extLst>
+  </p:cSld>
+  <p:clrMapOvr>
+    <a:masterClrMapping/>
+  </p:clrMapOvr>
+</p:sld>
+</file>
+
+<file path=ppt/slides/slide8.xml><?xml version="1.0" encoding="utf-8"?>
+<p:sld xmlns:a="http://schemas.openxmlformats.org/drawingml/2006/main" xmlns:r="http://schemas.openxmlformats.org/officeDocument/2006/relationships" xmlns:p="http://schemas.openxmlformats.org/presentationml/2006/main">
+  <p:cSld>
+    <p:spTree>
+      <p:nvGrpSpPr>
+        <p:cNvPr id="1" name=""/>
+        <p:cNvGrpSpPr/>
+        <p:nvPr/>
+      </p:nvGrpSpPr>
+      <p:grpSpPr>
+        <a:xfrm>
+          <a:off x="0" y="0"/>
+          <a:ext cx="0" cy="0"/>
+          <a:chOff x="0" y="0"/>
+          <a:chExt cx="0" cy="0"/>
+        </a:xfrm>
+      </p:grpSpPr>
+      <p:pic>
+        <p:nvPicPr>
+          <p:cNvPr id="1034" name="Picture 10" descr="database icon에 대한 이미지 검색결과">
+            <a:extLst>
+              <a:ext uri="{FF2B5EF4-FFF2-40B4-BE49-F238E27FC236}">
+                <a16:creationId xmlns:a16="http://schemas.microsoft.com/office/drawing/2014/main" id="{059C38C4-671D-4CF4-BFCA-AD0DC56166D2}"/>
+              </a:ext>
+            </a:extLst>
+          </p:cNvPr>
+          <p:cNvPicPr>
+            <a:picLocks noChangeAspect="1" noChangeArrowheads="1"/>
+          </p:cNvPicPr>
+          <p:nvPr/>
+        </p:nvPicPr>
+        <p:blipFill>
+          <a:blip r:embed="rId2">
+            <a:alphaModFix amt="50000"/>
+            <a:extLst>
+              <a:ext uri="{28A0092B-C50C-407E-A947-70E740481C1C}">
+                <a14:useLocalDpi xmlns:a14="http://schemas.microsoft.com/office/drawing/2010/main" val="0"/>
+              </a:ext>
+            </a:extLst>
+          </a:blip>
+          <a:srcRect/>
+          <a:stretch>
+            <a:fillRect/>
+          </a:stretch>
+        </p:blipFill>
+        <p:spPr bwMode="auto">
+          <a:xfrm>
+            <a:off x="7664320" y="1754127"/>
+            <a:ext cx="3581400" cy="3581400"/>
+          </a:xfrm>
+          <a:prstGeom prst="rect">
+            <a:avLst/>
+          </a:prstGeom>
+          <a:noFill/>
+          <a:extLst>
+            <a:ext uri="{909E8E84-426E-40DD-AFC4-6F175D3DCCD1}">
+              <a14:hiddenFill xmlns:a14="http://schemas.microsoft.com/office/drawing/2010/main">
+                <a:solidFill>
+                  <a:srgbClr val="FFFFFF"/>
+                </a:solidFill>
+              </a14:hiddenFill>
+            </a:ext>
+          </a:extLst>
+        </p:spPr>
+      </p:pic>
+      <p:pic>
+        <p:nvPicPr>
+          <p:cNvPr id="1026" name="Picture 2" descr="neo4j에 대한 이미지 검색결과">
+            <a:extLst>
+              <a:ext uri="{FF2B5EF4-FFF2-40B4-BE49-F238E27FC236}">
+                <a16:creationId xmlns:a16="http://schemas.microsoft.com/office/drawing/2014/main" id="{64648787-C722-4C8E-8FC2-41CB373827B4}"/>
+              </a:ext>
+            </a:extLst>
+          </p:cNvPr>
+          <p:cNvPicPr>
+            <a:picLocks noChangeAspect="1" noChangeArrowheads="1"/>
+          </p:cNvPicPr>
+          <p:nvPr/>
+        </p:nvPicPr>
+        <p:blipFill>
+          <a:blip r:embed="rId3">
+            <a:extLst>
+              <a:ext uri="{28A0092B-C50C-407E-A947-70E740481C1C}">
+                <a14:useLocalDpi xmlns:a14="http://schemas.microsoft.com/office/drawing/2010/main" val="0"/>
+              </a:ext>
+            </a:extLst>
+          </a:blip>
+          <a:srcRect/>
+          <a:stretch>
+            <a:fillRect/>
+          </a:stretch>
+        </p:blipFill>
+        <p:spPr bwMode="auto">
+          <a:xfrm>
+            <a:off x="7224228" y="2369730"/>
+            <a:ext cx="4396877" cy="2292657"/>
+          </a:xfrm>
+          <a:prstGeom prst="rect">
+            <a:avLst/>
+          </a:prstGeom>
+          <a:noFill/>
+          <a:extLst>
+            <a:ext uri="{909E8E84-426E-40DD-AFC4-6F175D3DCCD1}">
+              <a14:hiddenFill xmlns:a14="http://schemas.microsoft.com/office/drawing/2010/main">
+                <a:solidFill>
+                  <a:srgbClr val="FFFFFF"/>
+                </a:solidFill>
+              </a14:hiddenFill>
+            </a:ext>
+          </a:extLst>
+        </p:spPr>
+      </p:pic>
+      <p:sp>
+        <p:nvSpPr>
+          <p:cNvPr id="8" name="화살표: 오른쪽 7">
+            <a:extLst>
+              <a:ext uri="{FF2B5EF4-FFF2-40B4-BE49-F238E27FC236}">
+                <a16:creationId xmlns:a16="http://schemas.microsoft.com/office/drawing/2014/main" id="{6E501949-E099-488C-9C6A-BC4B0A90A2BA}"/>
+              </a:ext>
+            </a:extLst>
+          </p:cNvPr>
+          <p:cNvSpPr/>
+          <p:nvPr/>
+        </p:nvSpPr>
+        <p:spPr>
+          <a:xfrm>
+            <a:off x="4897578" y="3023119"/>
+            <a:ext cx="1951265" cy="998375"/>
+          </a:xfrm>
+          <a:prstGeom prst="rightArrow">
+            <a:avLst>
+              <a:gd name="adj1" fmla="val 50000"/>
+              <a:gd name="adj2" fmla="val 84880"/>
+            </a:avLst>
+          </a:prstGeom>
+          <a:solidFill>
+            <a:schemeClr val="accent5"/>
+          </a:solidFill>
+          <a:ln w="50800">
+            <a:solidFill>
+              <a:schemeClr val="accent1"/>
+            </a:solidFill>
+          </a:ln>
+        </p:spPr>
+        <p:style>
+          <a:lnRef idx="2">
+            <a:schemeClr val="accent1">
+              <a:shade val="50000"/>
+            </a:schemeClr>
+          </a:lnRef>
+          <a:fillRef idx="1">
+            <a:schemeClr val="accent1"/>
+          </a:fillRef>
+          <a:effectRef idx="0">
+            <a:schemeClr val="accent1"/>
+          </a:effectRef>
+          <a:fontRef idx="minor">
+            <a:schemeClr val="lt1"/>
+          </a:fontRef>
+        </p:style>
+        <p:txBody>
+          <a:bodyPr rtlCol="0" anchor="ctr"/>
+          <a:lstStyle/>
+          <a:p>
+            <a:pPr algn="ctr"/>
+            <a:endParaRPr lang="ko-KR" altLang="en-US"/>
+          </a:p>
+        </p:txBody>
+      </p:sp>
+      <p:pic>
+        <p:nvPicPr>
+          <p:cNvPr id="9" name="그림 8">
+            <a:extLst>
+              <a:ext uri="{FF2B5EF4-FFF2-40B4-BE49-F238E27FC236}">
+                <a16:creationId xmlns:a16="http://schemas.microsoft.com/office/drawing/2014/main" id="{02929CAC-80B8-4BE4-8E88-AA70E787C7AD}"/>
+              </a:ext>
+            </a:extLst>
+          </p:cNvPr>
+          <p:cNvPicPr>
+            <a:picLocks noChangeAspect="1"/>
+          </p:cNvPicPr>
+          <p:nvPr/>
+        </p:nvPicPr>
+        <p:blipFill>
+          <a:blip r:embed="rId4"/>
+          <a:stretch>
+            <a:fillRect/>
+          </a:stretch>
+        </p:blipFill>
+        <p:spPr>
+          <a:xfrm>
+            <a:off x="570895" y="2015173"/>
+            <a:ext cx="3748572" cy="3081454"/>
+          </a:xfrm>
+          <a:prstGeom prst="rect">
+            <a:avLst/>
+          </a:prstGeom>
+        </p:spPr>
+      </p:pic>
+    </p:spTree>
+    <p:extLst>
+      <p:ext uri="{BB962C8B-B14F-4D97-AF65-F5344CB8AC3E}">
+        <p14:creationId xmlns:p14="http://schemas.microsoft.com/office/powerpoint/2010/main" val="216381531"/>
       </p:ext>
     </p:extLst>
   </p:cSld>

--- a/그래프모델링.pptx
+++ b/그래프모델링.pptx
@@ -11,6 +11,8 @@
     <p:sldId id="259" r:id="rId5"/>
     <p:sldId id="260" r:id="rId6"/>
     <p:sldId id="261" r:id="rId7"/>
+    <p:sldId id="263" r:id="rId8"/>
+    <p:sldId id="262" r:id="rId9"/>
   </p:sldIdLst>
   <p:sldSz cx="12192000" cy="6858000"/>
   <p:notesSz cx="6858000" cy="9144000"/>
@@ -109,6 +111,11 @@
       </a:defRPr>
     </a:lvl9pPr>
   </p:defaultTextStyle>
+  <p:extLst>
+    <p:ext uri="{EFAFB233-063F-42B5-8137-9DF3F51BA10A}">
+      <p15:sldGuideLst xmlns:p15="http://schemas.microsoft.com/office/powerpoint/2012/main"/>
+    </p:ext>
+  </p:extLst>
 </p:presentation>
 </file>
 
@@ -259,7 +266,7 @@
           <a:p>
             <a:fld id="{6C510B8C-81DC-452A-8BA2-C42E018654E1}" type="datetimeFigureOut">
               <a:rPr lang="ko-KR" altLang="en-US" smtClean="0"/>
-              <a:t>2019-10-06</a:t>
+              <a:t>2019-10-07</a:t>
             </a:fld>
             <a:endParaRPr lang="ko-KR" altLang="en-US"/>
           </a:p>
@@ -457,7 +464,7 @@
           <a:p>
             <a:fld id="{6C510B8C-81DC-452A-8BA2-C42E018654E1}" type="datetimeFigureOut">
               <a:rPr lang="ko-KR" altLang="en-US" smtClean="0"/>
-              <a:t>2019-10-06</a:t>
+              <a:t>2019-10-07</a:t>
             </a:fld>
             <a:endParaRPr lang="ko-KR" altLang="en-US"/>
           </a:p>
@@ -665,7 +672,7 @@
           <a:p>
             <a:fld id="{6C510B8C-81DC-452A-8BA2-C42E018654E1}" type="datetimeFigureOut">
               <a:rPr lang="ko-KR" altLang="en-US" smtClean="0"/>
-              <a:t>2019-10-06</a:t>
+              <a:t>2019-10-07</a:t>
             </a:fld>
             <a:endParaRPr lang="ko-KR" altLang="en-US"/>
           </a:p>
@@ -863,7 +870,7 @@
           <a:p>
             <a:fld id="{6C510B8C-81DC-452A-8BA2-C42E018654E1}" type="datetimeFigureOut">
               <a:rPr lang="ko-KR" altLang="en-US" smtClean="0"/>
-              <a:t>2019-10-06</a:t>
+              <a:t>2019-10-07</a:t>
             </a:fld>
             <a:endParaRPr lang="ko-KR" altLang="en-US"/>
           </a:p>
@@ -1138,7 +1145,7 @@
           <a:p>
             <a:fld id="{6C510B8C-81DC-452A-8BA2-C42E018654E1}" type="datetimeFigureOut">
               <a:rPr lang="ko-KR" altLang="en-US" smtClean="0"/>
-              <a:t>2019-10-06</a:t>
+              <a:t>2019-10-07</a:t>
             </a:fld>
             <a:endParaRPr lang="ko-KR" altLang="en-US"/>
           </a:p>
@@ -1403,7 +1410,7 @@
           <a:p>
             <a:fld id="{6C510B8C-81DC-452A-8BA2-C42E018654E1}" type="datetimeFigureOut">
               <a:rPr lang="ko-KR" altLang="en-US" smtClean="0"/>
-              <a:t>2019-10-06</a:t>
+              <a:t>2019-10-07</a:t>
             </a:fld>
             <a:endParaRPr lang="ko-KR" altLang="en-US"/>
           </a:p>
@@ -1815,7 +1822,7 @@
           <a:p>
             <a:fld id="{6C510B8C-81DC-452A-8BA2-C42E018654E1}" type="datetimeFigureOut">
               <a:rPr lang="ko-KR" altLang="en-US" smtClean="0"/>
-              <a:t>2019-10-06</a:t>
+              <a:t>2019-10-07</a:t>
             </a:fld>
             <a:endParaRPr lang="ko-KR" altLang="en-US"/>
           </a:p>
@@ -1956,7 +1963,7 @@
           <a:p>
             <a:fld id="{6C510B8C-81DC-452A-8BA2-C42E018654E1}" type="datetimeFigureOut">
               <a:rPr lang="ko-KR" altLang="en-US" smtClean="0"/>
-              <a:t>2019-10-06</a:t>
+              <a:t>2019-10-07</a:t>
             </a:fld>
             <a:endParaRPr lang="ko-KR" altLang="en-US"/>
           </a:p>
@@ -2069,7 +2076,7 @@
           <a:p>
             <a:fld id="{6C510B8C-81DC-452A-8BA2-C42E018654E1}" type="datetimeFigureOut">
               <a:rPr lang="ko-KR" altLang="en-US" smtClean="0"/>
-              <a:t>2019-10-06</a:t>
+              <a:t>2019-10-07</a:t>
             </a:fld>
             <a:endParaRPr lang="ko-KR" altLang="en-US"/>
           </a:p>
@@ -2380,7 +2387,7 @@
           <a:p>
             <a:fld id="{6C510B8C-81DC-452A-8BA2-C42E018654E1}" type="datetimeFigureOut">
               <a:rPr lang="ko-KR" altLang="en-US" smtClean="0"/>
-              <a:t>2019-10-06</a:t>
+              <a:t>2019-10-07</a:t>
             </a:fld>
             <a:endParaRPr lang="ko-KR" altLang="en-US"/>
           </a:p>
@@ -2668,7 +2675,7 @@
           <a:p>
             <a:fld id="{6C510B8C-81DC-452A-8BA2-C42E018654E1}" type="datetimeFigureOut">
               <a:rPr lang="ko-KR" altLang="en-US" smtClean="0"/>
-              <a:t>2019-10-06</a:t>
+              <a:t>2019-10-07</a:t>
             </a:fld>
             <a:endParaRPr lang="ko-KR" altLang="en-US"/>
           </a:p>
@@ -2909,7 +2916,7 @@
           <a:p>
             <a:fld id="{6C510B8C-81DC-452A-8BA2-C42E018654E1}" type="datetimeFigureOut">
               <a:rPr lang="ko-KR" altLang="en-US" smtClean="0"/>
-              <a:t>2019-10-06</a:t>
+              <a:t>2019-10-07</a:t>
             </a:fld>
             <a:endParaRPr lang="ko-KR" altLang="en-US"/>
           </a:p>
@@ -3326,8 +3333,8 @@
           <a:chExt cx="0" cy="0"/>
         </a:xfrm>
       </p:grpSpPr>
-      <mc:AlternateContent xmlns:mc="http://schemas.openxmlformats.org/markup-compatibility/2006">
-        <mc:Choice xmlns:a14="http://schemas.microsoft.com/office/drawing/2010/main" Requires="a14">
+      <mc:AlternateContent xmlns:mc="http://schemas.openxmlformats.org/markup-compatibility/2006" xmlns:a14="http://schemas.microsoft.com/office/drawing/2010/main">
+        <mc:Choice Requires="a14">
           <p:graphicFrame>
             <p:nvGraphicFramePr>
               <p:cNvPr id="5" name="표 4">
@@ -3797,17 +3804,7 @@
                               <a:latin typeface="나눔스퀘어 Bold" panose="020B0600000101010101" pitchFamily="50" charset="-127"/>
                               <a:ea typeface="나눔스퀘어 Bold" panose="020B0600000101010101" pitchFamily="50" charset="-127"/>
                             </a:rPr>
-                            <a:t>이 </a:t>
-                          </a:r>
-                          <a:r>
-                            <a:rPr lang="ko-KR" altLang="en-US" sz="1200" b="0" dirty="0" err="1">
-                              <a:solidFill>
-                                <a:schemeClr val="tx1"/>
-                              </a:solidFill>
-                              <a:latin typeface="나눔스퀘어 Bold" panose="020B0600000101010101" pitchFamily="50" charset="-127"/>
-                              <a:ea typeface="나눔스퀘어 Bold" panose="020B0600000101010101" pitchFamily="50" charset="-127"/>
-                            </a:rPr>
-                            <a:t>름</a:t>
+                            <a:t>이 름</a:t>
                           </a:r>
                           <a:endParaRPr lang="en-US" altLang="ko-KR" sz="1200" b="0" dirty="0">
                             <a:solidFill>
@@ -4548,27 +4545,8 @@
                               <a:latin typeface="나눔스퀘어 Bold" panose="020B0600000101010101" pitchFamily="50" charset="-127"/>
                               <a:ea typeface="나눔스퀘어 Bold" panose="020B0600000101010101" pitchFamily="50" charset="-127"/>
                             </a:rPr>
-                            <a:t> </a:t>
-                          </a:r>
-                          <a:r>
-                            <a:rPr lang="ko-KR" altLang="en-US" sz="1200" b="0" i="0" u="none" strike="noStrike" dirty="0" err="1">
-                              <a:solidFill>
-                                <a:srgbClr val="000000"/>
-                              </a:solidFill>
-                              <a:effectLst/>
-                              <a:latin typeface="나눔스퀘어 Bold" panose="020B0600000101010101" pitchFamily="50" charset="-127"/>
-                              <a:ea typeface="나눔스퀘어 Bold" panose="020B0600000101010101" pitchFamily="50" charset="-127"/>
-                            </a:rPr>
-                            <a:t>페이션트모니터</a:t>
-                          </a:r>
-                          <a:endParaRPr lang="ko-KR" altLang="en-US" sz="1200" b="0" i="0" u="none" strike="noStrike" dirty="0">
-                            <a:solidFill>
-                              <a:srgbClr val="000000"/>
-                            </a:solidFill>
-                            <a:effectLst/>
-                            <a:latin typeface="나눔스퀘어 Bold" panose="020B0600000101010101" pitchFamily="50" charset="-127"/>
-                            <a:ea typeface="나눔스퀘어 Bold" panose="020B0600000101010101" pitchFamily="50" charset="-127"/>
-                          </a:endParaRPr>
+                            <a:t> 페이션트모니터</a:t>
+                          </a:r>
                         </a:p>
                       </a:txBody>
                       <a:tcPr marL="9525" marR="9525" marT="9525" marB="0" anchor="ctr"/>
@@ -4982,7 +4960,7 @@
                         <a:p>
                           <a:pPr algn="ctr" fontAlgn="ctr"/>
                           <a:r>
-                            <a:rPr lang="ko-KR" altLang="en-US" sz="1200" b="0" i="0" u="none" strike="noStrike" dirty="0" err="1">
+                            <a:rPr lang="ko-KR" altLang="en-US" sz="1200" b="0" i="0" u="none" strike="noStrike" dirty="0">
                               <a:solidFill>
                                 <a:srgbClr val="000000"/>
                               </a:solidFill>
@@ -4992,14 +4970,6 @@
                             </a:rPr>
                             <a:t>스마트워치</a:t>
                           </a:r>
-                          <a:endParaRPr lang="ko-KR" altLang="en-US" sz="1200" b="0" i="0" u="none" strike="noStrike" dirty="0">
-                            <a:solidFill>
-                              <a:srgbClr val="000000"/>
-                            </a:solidFill>
-                            <a:effectLst/>
-                            <a:latin typeface="나눔스퀘어 Bold" panose="020B0600000101010101" pitchFamily="50" charset="-127"/>
-                            <a:ea typeface="나눔스퀘어 Bold" panose="020B0600000101010101" pitchFamily="50" charset="-127"/>
-                          </a:endParaRPr>
                         </a:p>
                       </a:txBody>
                       <a:tcPr marL="9525" marR="9525" marT="9525" marB="0" anchor="ctr"/>
@@ -5640,7 +5610,7 @@
             </a:graphic>
           </p:graphicFrame>
         </mc:Choice>
-        <mc:Fallback>
+        <mc:Fallback xmlns="">
           <p:graphicFrame>
             <p:nvGraphicFramePr>
               <p:cNvPr id="5" name="표 4">
@@ -7614,7 +7584,7 @@
         </p:blipFill>
         <p:spPr bwMode="auto">
           <a:xfrm>
-            <a:off x="367838" y="3691610"/>
+            <a:off x="517393" y="3624498"/>
             <a:ext cx="2839819" cy="2839819"/>
           </a:xfrm>
           <a:prstGeom prst="rect">
@@ -7662,8 +7632,8 @@
           <a:chExt cx="0" cy="0"/>
         </a:xfrm>
       </p:grpSpPr>
-      <mc:AlternateContent xmlns:mc="http://schemas.openxmlformats.org/markup-compatibility/2006">
-        <mc:Choice xmlns:a14="http://schemas.microsoft.com/office/drawing/2010/main" Requires="a14">
+      <mc:AlternateContent xmlns:mc="http://schemas.openxmlformats.org/markup-compatibility/2006" xmlns:a14="http://schemas.microsoft.com/office/drawing/2010/main">
+        <mc:Choice Requires="a14">
           <p:graphicFrame>
             <p:nvGraphicFramePr>
               <p:cNvPr id="5" name="표 4">
@@ -8133,17 +8103,7 @@
                               <a:latin typeface="나눔스퀘어 Bold" panose="020B0600000101010101" pitchFamily="50" charset="-127"/>
                               <a:ea typeface="나눔스퀘어 Bold" panose="020B0600000101010101" pitchFamily="50" charset="-127"/>
                             </a:rPr>
-                            <a:t>이 </a:t>
-                          </a:r>
-                          <a:r>
-                            <a:rPr lang="ko-KR" altLang="en-US" sz="1200" b="0" dirty="0" err="1">
-                              <a:solidFill>
-                                <a:schemeClr val="tx1"/>
-                              </a:solidFill>
-                              <a:latin typeface="나눔스퀘어 Bold" panose="020B0600000101010101" pitchFamily="50" charset="-127"/>
-                              <a:ea typeface="나눔스퀘어 Bold" panose="020B0600000101010101" pitchFamily="50" charset="-127"/>
-                            </a:rPr>
-                            <a:t>름</a:t>
+                            <a:t>이 름</a:t>
                           </a:r>
                           <a:endParaRPr lang="en-US" altLang="ko-KR" sz="1200" b="0" dirty="0">
                             <a:solidFill>
@@ -8453,7 +8413,7 @@
                         <a:p>
                           <a:pPr algn="ctr" fontAlgn="ctr"/>
                           <a:r>
-                            <a:rPr lang="ko-KR" altLang="en-US" sz="1200" b="0" i="0" u="none" strike="noStrike" dirty="0" err="1">
+                            <a:rPr lang="ko-KR" altLang="en-US" sz="1200" b="0" i="0" u="none" strike="noStrike" dirty="0">
                               <a:solidFill>
                                 <a:srgbClr val="000000"/>
                               </a:solidFill>
@@ -8463,14 +8423,6 @@
                             </a:rPr>
                             <a:t>페이션트모니터</a:t>
                           </a:r>
-                          <a:endParaRPr lang="ko-KR" altLang="en-US" sz="1200" b="0" i="0" u="none" strike="noStrike" dirty="0">
-                            <a:solidFill>
-                              <a:srgbClr val="000000"/>
-                            </a:solidFill>
-                            <a:effectLst/>
-                            <a:latin typeface="나눔스퀘어 Bold" panose="020B0600000101010101" pitchFamily="50" charset="-127"/>
-                            <a:ea typeface="나눔스퀘어 Bold" panose="020B0600000101010101" pitchFamily="50" charset="-127"/>
-                          </a:endParaRPr>
                         </a:p>
                       </a:txBody>
                       <a:tcPr marL="9525" marR="9525" marT="9525" marB="0" anchor="ctr"/>
@@ -9318,7 +9270,7 @@
                         <a:p>
                           <a:pPr algn="ctr" fontAlgn="ctr"/>
                           <a:r>
-                            <a:rPr lang="ko-KR" altLang="en-US" sz="1200" b="0" i="0" u="none" strike="noStrike" dirty="0" err="1">
+                            <a:rPr lang="ko-KR" altLang="en-US" sz="1200" b="0" i="0" u="none" strike="noStrike" dirty="0">
                               <a:solidFill>
                                 <a:srgbClr val="000000"/>
                               </a:solidFill>
@@ -9328,14 +9280,6 @@
                             </a:rPr>
                             <a:t>스마트워치</a:t>
                           </a:r>
-                          <a:endParaRPr lang="ko-KR" altLang="en-US" sz="1200" b="0" i="0" u="none" strike="noStrike" dirty="0">
-                            <a:solidFill>
-                              <a:srgbClr val="000000"/>
-                            </a:solidFill>
-                            <a:effectLst/>
-                            <a:latin typeface="나눔스퀘어 Bold" panose="020B0600000101010101" pitchFamily="50" charset="-127"/>
-                            <a:ea typeface="나눔스퀘어 Bold" panose="020B0600000101010101" pitchFamily="50" charset="-127"/>
-                          </a:endParaRPr>
                         </a:p>
                       </a:txBody>
                       <a:tcPr marL="9525" marR="9525" marT="9525" marB="0" anchor="ctr"/>
@@ -9976,7 +9920,7 @@
             </a:graphic>
           </p:graphicFrame>
         </mc:Choice>
-        <mc:Fallback>
+        <mc:Fallback xmlns="">
           <p:graphicFrame>
             <p:nvGraphicFramePr>
               <p:cNvPr id="5" name="표 4">
@@ -13277,7 +13221,7 @@
                 <a:latin typeface="나눔스퀘어 Bold" panose="020B0600000101010101" pitchFamily="50" charset="-127"/>
                 <a:ea typeface="나눔스퀘어 Bold" panose="020B0600000101010101" pitchFamily="50" charset="-127"/>
               </a:rPr>
-              <a:t>가 생성됨</a:t>
+              <a:t> 생성</a:t>
             </a:r>
             <a:endParaRPr lang="en-US" altLang="ko-KR" dirty="0">
               <a:latin typeface="나눔스퀘어 Bold" panose="020B0600000101010101" pitchFamily="50" charset="-127"/>
@@ -13345,14 +13289,7 @@
                 <a:latin typeface="나눔스퀘어 Bold" panose="020B0600000101010101" pitchFamily="50" charset="-127"/>
                 <a:ea typeface="나눔스퀘어 Bold" panose="020B0600000101010101" pitchFamily="50" charset="-127"/>
               </a:rPr>
-              <a:t>가 </a:t>
-            </a:r>
-            <a:r>
-              <a:rPr lang="ko-KR" altLang="en-US" dirty="0" err="1">
-                <a:latin typeface="나눔스퀘어 Bold" panose="020B0600000101010101" pitchFamily="50" charset="-127"/>
-                <a:ea typeface="나눔스퀘어 Bold" panose="020B0600000101010101" pitchFamily="50" charset="-127"/>
-              </a:rPr>
-              <a:t>행해짐</a:t>
+              <a:t>가 수행</a:t>
             </a:r>
             <a:endParaRPr lang="en-US" altLang="ko-KR" dirty="0">
               <a:latin typeface="나눔스퀘어 Bold" panose="020B0600000101010101" pitchFamily="50" charset="-127"/>
@@ -13420,7 +13357,7 @@
                 <a:latin typeface="나눔스퀘어 Bold" panose="020B0600000101010101" pitchFamily="50" charset="-127"/>
                 <a:ea typeface="나눔스퀘어 Bold" panose="020B0600000101010101" pitchFamily="50" charset="-127"/>
               </a:rPr>
-              <a:t>가</a:t>
+              <a:t>간의</a:t>
             </a:r>
             <a:r>
               <a:rPr lang="en-US" altLang="ko-KR" dirty="0">
@@ -13434,7 +13371,7 @@
                 <a:latin typeface="나눔스퀘어 Bold" panose="020B0600000101010101" pitchFamily="50" charset="-127"/>
                 <a:ea typeface="나눔스퀘어 Bold" panose="020B0600000101010101" pitchFamily="50" charset="-127"/>
               </a:rPr>
-              <a:t>관련됨</a:t>
+              <a:t>관계 발생</a:t>
             </a:r>
             <a:endParaRPr lang="en-US" altLang="ko-KR" dirty="0">
               <a:latin typeface="나눔스퀘어 Bold" panose="020B0600000101010101" pitchFamily="50" charset="-127"/>
@@ -16855,7 +16792,7 @@
               <a:t>: </a:t>
             </a:r>
             <a:r>
-              <a:rPr lang="ko-KR" altLang="en-US" sz="1400" dirty="0" err="1">
+              <a:rPr lang="ko-KR" altLang="en-US" sz="1400" dirty="0">
                 <a:latin typeface="나눔스퀘어 Bold" panose="020B0600000101010101" pitchFamily="50" charset="-127"/>
                 <a:ea typeface="나눔스퀘어 Bold" panose="020B0600000101010101" pitchFamily="50" charset="-127"/>
               </a:rPr>
@@ -16954,6 +16891,2361 @@
     <p:extLst>
       <p:ext uri="{BB962C8B-B14F-4D97-AF65-F5344CB8AC3E}">
         <p14:creationId xmlns:p14="http://schemas.microsoft.com/office/powerpoint/2010/main" val="453028778"/>
+      </p:ext>
+    </p:extLst>
+  </p:cSld>
+  <p:clrMapOvr>
+    <a:masterClrMapping/>
+  </p:clrMapOvr>
+</p:sld>
+</file>
+
+<file path=ppt/slides/slide7.xml><?xml version="1.0" encoding="utf-8"?>
+<p:sld xmlns:a="http://schemas.openxmlformats.org/drawingml/2006/main" xmlns:r="http://schemas.openxmlformats.org/officeDocument/2006/relationships" xmlns:p="http://schemas.openxmlformats.org/presentationml/2006/main">
+  <p:cSld>
+    <p:spTree>
+      <p:nvGrpSpPr>
+        <p:cNvPr id="1" name=""/>
+        <p:cNvGrpSpPr/>
+        <p:nvPr/>
+      </p:nvGrpSpPr>
+      <p:grpSpPr>
+        <a:xfrm>
+          <a:off x="0" y="0"/>
+          <a:ext cx="0" cy="0"/>
+          <a:chOff x="0" y="0"/>
+          <a:chExt cx="0" cy="0"/>
+        </a:xfrm>
+      </p:grpSpPr>
+      <p:grpSp>
+        <p:nvGrpSpPr>
+          <p:cNvPr id="25" name="그룹 24">
+            <a:extLst>
+              <a:ext uri="{FF2B5EF4-FFF2-40B4-BE49-F238E27FC236}">
+                <a16:creationId xmlns:a16="http://schemas.microsoft.com/office/drawing/2014/main" id="{FBD30096-A4E8-4E76-9A3C-8DDBB4D288A6}"/>
+              </a:ext>
+            </a:extLst>
+          </p:cNvPr>
+          <p:cNvGrpSpPr/>
+          <p:nvPr/>
+        </p:nvGrpSpPr>
+        <p:grpSpPr>
+          <a:xfrm>
+            <a:off x="5530964" y="1083950"/>
+            <a:ext cx="720000" cy="720000"/>
+            <a:chOff x="990598" y="3506949"/>
+            <a:chExt cx="900000" cy="900000"/>
+          </a:xfrm>
+        </p:grpSpPr>
+        <p:sp>
+          <p:nvSpPr>
+            <p:cNvPr id="26" name="타원 25">
+              <a:extLst>
+                <a:ext uri="{FF2B5EF4-FFF2-40B4-BE49-F238E27FC236}">
+                  <a16:creationId xmlns:a16="http://schemas.microsoft.com/office/drawing/2014/main" id="{3C8B7A28-45EB-4608-A38C-A07A145B0085}"/>
+                </a:ext>
+              </a:extLst>
+            </p:cNvPr>
+            <p:cNvSpPr/>
+            <p:nvPr/>
+          </p:nvSpPr>
+          <p:spPr>
+            <a:xfrm>
+              <a:off x="990598" y="3506949"/>
+              <a:ext cx="900000" cy="900000"/>
+            </a:xfrm>
+            <a:prstGeom prst="ellipse">
+              <a:avLst/>
+            </a:prstGeom>
+            <a:solidFill>
+              <a:srgbClr val="92D050"/>
+            </a:solidFill>
+            <a:ln w="31750">
+              <a:solidFill>
+                <a:srgbClr val="00B050"/>
+              </a:solidFill>
+            </a:ln>
+          </p:spPr>
+          <p:style>
+            <a:lnRef idx="2">
+              <a:schemeClr val="accent1">
+                <a:shade val="50000"/>
+              </a:schemeClr>
+            </a:lnRef>
+            <a:fillRef idx="1">
+              <a:schemeClr val="accent1"/>
+            </a:fillRef>
+            <a:effectRef idx="0">
+              <a:schemeClr val="accent1"/>
+            </a:effectRef>
+            <a:fontRef idx="minor">
+              <a:schemeClr val="lt1"/>
+            </a:fontRef>
+          </p:style>
+          <p:txBody>
+            <a:bodyPr vert="horz" rtlCol="0" anchor="ctr"/>
+            <a:lstStyle/>
+            <a:p>
+              <a:pPr algn="ctr"/>
+              <a:endParaRPr lang="ko-KR" altLang="en-US" sz="1600"/>
+            </a:p>
+          </p:txBody>
+        </p:sp>
+        <p:sp>
+          <p:nvSpPr>
+            <p:cNvPr id="27" name="TextBox 26">
+              <a:extLst>
+                <a:ext uri="{FF2B5EF4-FFF2-40B4-BE49-F238E27FC236}">
+                  <a16:creationId xmlns:a16="http://schemas.microsoft.com/office/drawing/2014/main" id="{9F59F7D9-28E7-4530-B417-69AA8B5B6C98}"/>
+                </a:ext>
+              </a:extLst>
+            </p:cNvPr>
+            <p:cNvSpPr txBox="1"/>
+            <p:nvPr/>
+          </p:nvSpPr>
+          <p:spPr>
+            <a:xfrm>
+              <a:off x="1025546" y="3759295"/>
+              <a:ext cx="846874" cy="384721"/>
+            </a:xfrm>
+            <a:prstGeom prst="rect">
+              <a:avLst/>
+            </a:prstGeom>
+            <a:noFill/>
+          </p:spPr>
+          <p:txBody>
+            <a:bodyPr vert="horz" wrap="square" rtlCol="0">
+              <a:spAutoFit/>
+            </a:bodyPr>
+            <a:lstStyle/>
+            <a:p>
+              <a:pPr algn="ctr"/>
+              <a:r>
+                <a:rPr lang="en-US" altLang="ko-KR" sz="1400" b="1" dirty="0">
+                  <a:solidFill>
+                    <a:schemeClr val="bg1"/>
+                  </a:solidFill>
+                </a:rPr>
+                <a:t>Maud</a:t>
+              </a:r>
+              <a:endParaRPr lang="ko-KR" altLang="en-US" sz="1400" b="1" dirty="0">
+                <a:solidFill>
+                  <a:schemeClr val="bg1"/>
+                </a:solidFill>
+              </a:endParaRPr>
+            </a:p>
+          </p:txBody>
+        </p:sp>
+      </p:grpSp>
+      <p:grpSp>
+        <p:nvGrpSpPr>
+          <p:cNvPr id="28" name="그룹 27">
+            <a:extLst>
+              <a:ext uri="{FF2B5EF4-FFF2-40B4-BE49-F238E27FC236}">
+                <a16:creationId xmlns:a16="http://schemas.microsoft.com/office/drawing/2014/main" id="{24A2B74C-D494-4156-9613-6040F6B84A54}"/>
+              </a:ext>
+            </a:extLst>
+          </p:cNvPr>
+          <p:cNvGrpSpPr/>
+          <p:nvPr/>
+        </p:nvGrpSpPr>
+        <p:grpSpPr>
+          <a:xfrm>
+            <a:off x="6863284" y="3829525"/>
+            <a:ext cx="720000" cy="720000"/>
+            <a:chOff x="990598" y="3506949"/>
+            <a:chExt cx="616307" cy="600000"/>
+          </a:xfrm>
+        </p:grpSpPr>
+        <p:sp>
+          <p:nvSpPr>
+            <p:cNvPr id="29" name="타원 28">
+              <a:extLst>
+                <a:ext uri="{FF2B5EF4-FFF2-40B4-BE49-F238E27FC236}">
+                  <a16:creationId xmlns:a16="http://schemas.microsoft.com/office/drawing/2014/main" id="{4C749EC9-FEDA-4961-87A4-93596A2EFB69}"/>
+                </a:ext>
+              </a:extLst>
+            </p:cNvPr>
+            <p:cNvSpPr/>
+            <p:nvPr/>
+          </p:nvSpPr>
+          <p:spPr>
+            <a:xfrm>
+              <a:off x="990598" y="3506949"/>
+              <a:ext cx="616307" cy="600000"/>
+            </a:xfrm>
+            <a:prstGeom prst="ellipse">
+              <a:avLst/>
+            </a:prstGeom>
+            <a:solidFill>
+              <a:schemeClr val="accent2"/>
+            </a:solidFill>
+            <a:ln w="31750">
+              <a:solidFill>
+                <a:srgbClr val="FF0000"/>
+              </a:solidFill>
+            </a:ln>
+          </p:spPr>
+          <p:style>
+            <a:lnRef idx="2">
+              <a:schemeClr val="accent1">
+                <a:shade val="50000"/>
+              </a:schemeClr>
+            </a:lnRef>
+            <a:fillRef idx="1">
+              <a:schemeClr val="accent1"/>
+            </a:fillRef>
+            <a:effectRef idx="0">
+              <a:schemeClr val="accent1"/>
+            </a:effectRef>
+            <a:fontRef idx="minor">
+              <a:schemeClr val="lt1"/>
+            </a:fontRef>
+          </p:style>
+          <p:txBody>
+            <a:bodyPr vert="horz" rtlCol="0" anchor="ctr"/>
+            <a:lstStyle/>
+            <a:p>
+              <a:pPr algn="ctr"/>
+              <a:endParaRPr lang="ko-KR" altLang="en-US" sz="1600"/>
+            </a:p>
+          </p:txBody>
+        </p:sp>
+        <p:sp>
+          <p:nvSpPr>
+            <p:cNvPr id="30" name="TextBox 29">
+              <a:extLst>
+                <a:ext uri="{FF2B5EF4-FFF2-40B4-BE49-F238E27FC236}">
+                  <a16:creationId xmlns:a16="http://schemas.microsoft.com/office/drawing/2014/main" id="{0B5C6BBB-434F-428E-843A-64257E42E138}"/>
+                </a:ext>
+              </a:extLst>
+            </p:cNvPr>
+            <p:cNvSpPr txBox="1"/>
+            <p:nvPr/>
+          </p:nvSpPr>
+          <p:spPr>
+            <a:xfrm>
+              <a:off x="1037784" y="3588941"/>
+              <a:ext cx="521935" cy="436017"/>
+            </a:xfrm>
+            <a:prstGeom prst="rect">
+              <a:avLst/>
+            </a:prstGeom>
+            <a:noFill/>
+          </p:spPr>
+          <p:txBody>
+            <a:bodyPr vert="horz" wrap="square" rtlCol="0" anchor="ctr" anchorCtr="0">
+              <a:spAutoFit/>
+            </a:bodyPr>
+            <a:lstStyle/>
+            <a:p>
+              <a:pPr algn="ctr"/>
+              <a:r>
+                <a:rPr lang="en-US" altLang="ko-KR" sz="1400" b="1" dirty="0">
+                  <a:solidFill>
+                    <a:schemeClr val="bg1"/>
+                  </a:solidFill>
+                </a:rPr>
+                <a:t>data_924</a:t>
+              </a:r>
+              <a:endParaRPr lang="ko-KR" altLang="en-US" sz="1400" b="1" dirty="0">
+                <a:solidFill>
+                  <a:schemeClr val="bg1"/>
+                </a:solidFill>
+              </a:endParaRPr>
+            </a:p>
+          </p:txBody>
+        </p:sp>
+      </p:grpSp>
+      <p:grpSp>
+        <p:nvGrpSpPr>
+          <p:cNvPr id="31" name="그룹 30">
+            <a:extLst>
+              <a:ext uri="{FF2B5EF4-FFF2-40B4-BE49-F238E27FC236}">
+                <a16:creationId xmlns:a16="http://schemas.microsoft.com/office/drawing/2014/main" id="{F1A163B9-1002-455C-95CE-9BD50AF9A613}"/>
+              </a:ext>
+            </a:extLst>
+          </p:cNvPr>
+          <p:cNvGrpSpPr/>
+          <p:nvPr/>
+        </p:nvGrpSpPr>
+        <p:grpSpPr>
+          <a:xfrm>
+            <a:off x="3861656" y="3804205"/>
+            <a:ext cx="1107062" cy="720000"/>
+            <a:chOff x="830862" y="3506949"/>
+            <a:chExt cx="947625" cy="600000"/>
+          </a:xfrm>
+        </p:grpSpPr>
+        <p:sp>
+          <p:nvSpPr>
+            <p:cNvPr id="32" name="타원 31">
+              <a:extLst>
+                <a:ext uri="{FF2B5EF4-FFF2-40B4-BE49-F238E27FC236}">
+                  <a16:creationId xmlns:a16="http://schemas.microsoft.com/office/drawing/2014/main" id="{F1419822-8B87-4464-9C2D-61DC4355B33F}"/>
+                </a:ext>
+              </a:extLst>
+            </p:cNvPr>
+            <p:cNvSpPr/>
+            <p:nvPr/>
+          </p:nvSpPr>
+          <p:spPr>
+            <a:xfrm>
+              <a:off x="990598" y="3506949"/>
+              <a:ext cx="616307" cy="600000"/>
+            </a:xfrm>
+            <a:prstGeom prst="ellipse">
+              <a:avLst/>
+            </a:prstGeom>
+            <a:solidFill>
+              <a:srgbClr val="00B0F0"/>
+            </a:solidFill>
+            <a:ln w="31750">
+              <a:solidFill>
+                <a:srgbClr val="0070C0"/>
+              </a:solidFill>
+            </a:ln>
+          </p:spPr>
+          <p:style>
+            <a:lnRef idx="2">
+              <a:schemeClr val="accent1">
+                <a:shade val="50000"/>
+              </a:schemeClr>
+            </a:lnRef>
+            <a:fillRef idx="1">
+              <a:schemeClr val="accent1"/>
+            </a:fillRef>
+            <a:effectRef idx="0">
+              <a:schemeClr val="accent1"/>
+            </a:effectRef>
+            <a:fontRef idx="minor">
+              <a:schemeClr val="lt1"/>
+            </a:fontRef>
+          </p:style>
+          <p:txBody>
+            <a:bodyPr vert="horz" rtlCol="0" anchor="ctr"/>
+            <a:lstStyle/>
+            <a:p>
+              <a:pPr algn="ctr"/>
+              <a:endParaRPr lang="ko-KR" altLang="en-US" sz="1600"/>
+            </a:p>
+          </p:txBody>
+        </p:sp>
+        <p:sp>
+          <p:nvSpPr>
+            <p:cNvPr id="33" name="TextBox 32">
+              <a:extLst>
+                <a:ext uri="{FF2B5EF4-FFF2-40B4-BE49-F238E27FC236}">
+                  <a16:creationId xmlns:a16="http://schemas.microsoft.com/office/drawing/2014/main" id="{12B3DECF-7C47-4B64-B101-AFC86883C297}"/>
+                </a:ext>
+              </a:extLst>
+            </p:cNvPr>
+            <p:cNvSpPr txBox="1"/>
+            <p:nvPr/>
+          </p:nvSpPr>
+          <p:spPr>
+            <a:xfrm>
+              <a:off x="830862" y="3703634"/>
+              <a:ext cx="947625" cy="248831"/>
+            </a:xfrm>
+            <a:prstGeom prst="rect">
+              <a:avLst/>
+            </a:prstGeom>
+            <a:noFill/>
+          </p:spPr>
+          <p:txBody>
+            <a:bodyPr vert="horz" wrap="square" rtlCol="0">
+              <a:spAutoFit/>
+            </a:bodyPr>
+            <a:lstStyle/>
+            <a:p>
+              <a:pPr algn="ctr"/>
+              <a:r>
+                <a:rPr lang="ko-KR" altLang="en-US" sz="1400" b="1" dirty="0">
+                  <a:solidFill>
+                    <a:schemeClr val="bg1"/>
+                  </a:solidFill>
+                </a:rPr>
+                <a:t>구  매</a:t>
+              </a:r>
+            </a:p>
+          </p:txBody>
+        </p:sp>
+      </p:grpSp>
+      <p:cxnSp>
+        <p:nvCxnSpPr>
+          <p:cNvPr id="38" name="직선 화살표 연결선 37">
+            <a:extLst>
+              <a:ext uri="{FF2B5EF4-FFF2-40B4-BE49-F238E27FC236}">
+                <a16:creationId xmlns:a16="http://schemas.microsoft.com/office/drawing/2014/main" id="{E1846788-0E34-4B8D-B376-0CAE42A69DAE}"/>
+              </a:ext>
+            </a:extLst>
+          </p:cNvPr>
+          <p:cNvCxnSpPr>
+            <a:cxnSpLocks/>
+            <a:endCxn id="26" idx="3"/>
+          </p:cNvCxnSpPr>
+          <p:nvPr/>
+        </p:nvCxnSpPr>
+        <p:spPr>
+          <a:xfrm flipV="1">
+            <a:off x="5162943" y="1698508"/>
+            <a:ext cx="473463" cy="876414"/>
+          </a:xfrm>
+          <a:prstGeom prst="straightConnector1">
+            <a:avLst/>
+          </a:prstGeom>
+          <a:ln w="28575">
+            <a:solidFill>
+              <a:schemeClr val="tx1"/>
+            </a:solidFill>
+            <a:tailEnd type="triangle" w="lg" len="lg"/>
+          </a:ln>
+        </p:spPr>
+        <p:style>
+          <a:lnRef idx="1">
+            <a:schemeClr val="accent1"/>
+          </a:lnRef>
+          <a:fillRef idx="0">
+            <a:schemeClr val="accent1"/>
+          </a:fillRef>
+          <a:effectRef idx="0">
+            <a:schemeClr val="accent1"/>
+          </a:effectRef>
+          <a:fontRef idx="minor">
+            <a:schemeClr val="tx1"/>
+          </a:fontRef>
+        </p:style>
+      </p:cxnSp>
+      <p:cxnSp>
+        <p:nvCxnSpPr>
+          <p:cNvPr id="39" name="직선 화살표 연결선 38">
+            <a:extLst>
+              <a:ext uri="{FF2B5EF4-FFF2-40B4-BE49-F238E27FC236}">
+                <a16:creationId xmlns:a16="http://schemas.microsoft.com/office/drawing/2014/main" id="{B79F1F5D-2D0B-48A4-B5CB-98D9064D5AF0}"/>
+              </a:ext>
+            </a:extLst>
+          </p:cNvPr>
+          <p:cNvCxnSpPr>
+            <a:cxnSpLocks/>
+            <a:stCxn id="67" idx="0"/>
+            <a:endCxn id="26" idx="5"/>
+          </p:cNvCxnSpPr>
+          <p:nvPr/>
+        </p:nvCxnSpPr>
+        <p:spPr>
+          <a:xfrm flipH="1" flipV="1">
+            <a:off x="6145522" y="1698508"/>
+            <a:ext cx="1178701" cy="393833"/>
+          </a:xfrm>
+          <a:prstGeom prst="straightConnector1">
+            <a:avLst/>
+          </a:prstGeom>
+          <a:ln w="28575">
+            <a:solidFill>
+              <a:schemeClr val="tx1"/>
+            </a:solidFill>
+            <a:tailEnd type="triangle" w="lg" len="lg"/>
+          </a:ln>
+        </p:spPr>
+        <p:style>
+          <a:lnRef idx="1">
+            <a:schemeClr val="accent1"/>
+          </a:lnRef>
+          <a:fillRef idx="0">
+            <a:schemeClr val="accent1"/>
+          </a:fillRef>
+          <a:effectRef idx="0">
+            <a:schemeClr val="accent1"/>
+          </a:effectRef>
+          <a:fontRef idx="minor">
+            <a:schemeClr val="tx1"/>
+          </a:fontRef>
+        </p:style>
+      </p:cxnSp>
+      <p:cxnSp>
+        <p:nvCxnSpPr>
+          <p:cNvPr id="40" name="직선 화살표 연결선 39">
+            <a:extLst>
+              <a:ext uri="{FF2B5EF4-FFF2-40B4-BE49-F238E27FC236}">
+                <a16:creationId xmlns:a16="http://schemas.microsoft.com/office/drawing/2014/main" id="{48FD5D49-8D73-4661-B03F-1800F3913891}"/>
+              </a:ext>
+            </a:extLst>
+          </p:cNvPr>
+          <p:cNvCxnSpPr>
+            <a:cxnSpLocks/>
+          </p:cNvCxnSpPr>
+          <p:nvPr/>
+        </p:nvCxnSpPr>
+        <p:spPr>
+          <a:xfrm flipV="1">
+            <a:off x="4768267" y="3364254"/>
+            <a:ext cx="1114433" cy="675973"/>
+          </a:xfrm>
+          <a:prstGeom prst="straightConnector1">
+            <a:avLst/>
+          </a:prstGeom>
+          <a:ln w="28575">
+            <a:solidFill>
+              <a:schemeClr val="tx1"/>
+            </a:solidFill>
+            <a:tailEnd type="triangle" w="lg" len="lg"/>
+          </a:ln>
+        </p:spPr>
+        <p:style>
+          <a:lnRef idx="1">
+            <a:schemeClr val="accent1"/>
+          </a:lnRef>
+          <a:fillRef idx="0">
+            <a:schemeClr val="accent1"/>
+          </a:fillRef>
+          <a:effectRef idx="0">
+            <a:schemeClr val="accent1"/>
+          </a:effectRef>
+          <a:fontRef idx="minor">
+            <a:schemeClr val="tx1"/>
+          </a:fontRef>
+        </p:style>
+      </p:cxnSp>
+      <p:grpSp>
+        <p:nvGrpSpPr>
+          <p:cNvPr id="37" name="그룹 36">
+            <a:extLst>
+              <a:ext uri="{FF2B5EF4-FFF2-40B4-BE49-F238E27FC236}">
+                <a16:creationId xmlns:a16="http://schemas.microsoft.com/office/drawing/2014/main" id="{AE6638E2-322D-4171-AE42-76A834F6EBD6}"/>
+              </a:ext>
+            </a:extLst>
+          </p:cNvPr>
+          <p:cNvGrpSpPr/>
+          <p:nvPr/>
+        </p:nvGrpSpPr>
+        <p:grpSpPr>
+          <a:xfrm>
+            <a:off x="5841076" y="2958701"/>
+            <a:ext cx="720000" cy="720000"/>
+            <a:chOff x="990598" y="3506949"/>
+            <a:chExt cx="900000" cy="900000"/>
+          </a:xfrm>
+        </p:grpSpPr>
+        <p:sp>
+          <p:nvSpPr>
+            <p:cNvPr id="41" name="타원 40">
+              <a:extLst>
+                <a:ext uri="{FF2B5EF4-FFF2-40B4-BE49-F238E27FC236}">
+                  <a16:creationId xmlns:a16="http://schemas.microsoft.com/office/drawing/2014/main" id="{41014043-D415-4BB8-87F4-8FC349B917B6}"/>
+                </a:ext>
+              </a:extLst>
+            </p:cNvPr>
+            <p:cNvSpPr/>
+            <p:nvPr/>
+          </p:nvSpPr>
+          <p:spPr>
+            <a:xfrm>
+              <a:off x="990598" y="3506949"/>
+              <a:ext cx="900000" cy="900000"/>
+            </a:xfrm>
+            <a:prstGeom prst="ellipse">
+              <a:avLst/>
+            </a:prstGeom>
+            <a:solidFill>
+              <a:srgbClr val="92D050"/>
+            </a:solidFill>
+            <a:ln w="31750">
+              <a:solidFill>
+                <a:srgbClr val="00B050"/>
+              </a:solidFill>
+            </a:ln>
+          </p:spPr>
+          <p:style>
+            <a:lnRef idx="2">
+              <a:schemeClr val="accent1">
+                <a:shade val="50000"/>
+              </a:schemeClr>
+            </a:lnRef>
+            <a:fillRef idx="1">
+              <a:schemeClr val="accent1"/>
+            </a:fillRef>
+            <a:effectRef idx="0">
+              <a:schemeClr val="accent1"/>
+            </a:effectRef>
+            <a:fontRef idx="minor">
+              <a:schemeClr val="lt1"/>
+            </a:fontRef>
+          </p:style>
+          <p:txBody>
+            <a:bodyPr vert="horz" rtlCol="0" anchor="ctr"/>
+            <a:lstStyle/>
+            <a:p>
+              <a:pPr algn="ctr"/>
+              <a:endParaRPr lang="ko-KR" altLang="en-US" sz="1600"/>
+            </a:p>
+          </p:txBody>
+        </p:sp>
+        <p:sp>
+          <p:nvSpPr>
+            <p:cNvPr id="42" name="TextBox 41">
+              <a:extLst>
+                <a:ext uri="{FF2B5EF4-FFF2-40B4-BE49-F238E27FC236}">
+                  <a16:creationId xmlns:a16="http://schemas.microsoft.com/office/drawing/2014/main" id="{F4FD08E3-275E-41F9-9DEB-FA34D66F6DCB}"/>
+                </a:ext>
+              </a:extLst>
+            </p:cNvPr>
+            <p:cNvSpPr txBox="1"/>
+            <p:nvPr/>
+          </p:nvSpPr>
+          <p:spPr>
+            <a:xfrm>
+              <a:off x="1025546" y="3759295"/>
+              <a:ext cx="846874" cy="384721"/>
+            </a:xfrm>
+            <a:prstGeom prst="rect">
+              <a:avLst/>
+            </a:prstGeom>
+            <a:noFill/>
+          </p:spPr>
+          <p:txBody>
+            <a:bodyPr vert="horz" wrap="square" rtlCol="0">
+              <a:spAutoFit/>
+            </a:bodyPr>
+            <a:lstStyle/>
+            <a:p>
+              <a:pPr algn="ctr"/>
+              <a:r>
+                <a:rPr lang="en-US" altLang="ko-KR" sz="1400" b="1" dirty="0">
+                  <a:solidFill>
+                    <a:schemeClr val="bg1"/>
+                  </a:solidFill>
+                </a:rPr>
+                <a:t>Leo</a:t>
+              </a:r>
+              <a:endParaRPr lang="ko-KR" altLang="en-US" sz="1400" b="1" dirty="0">
+                <a:solidFill>
+                  <a:schemeClr val="bg1"/>
+                </a:solidFill>
+              </a:endParaRPr>
+            </a:p>
+          </p:txBody>
+        </p:sp>
+      </p:grpSp>
+      <p:grpSp>
+        <p:nvGrpSpPr>
+          <p:cNvPr id="43" name="그룹 42">
+            <a:extLst>
+              <a:ext uri="{FF2B5EF4-FFF2-40B4-BE49-F238E27FC236}">
+                <a16:creationId xmlns:a16="http://schemas.microsoft.com/office/drawing/2014/main" id="{587CFB7C-B78B-40F1-8D8A-7F5C9CF8D9E2}"/>
+              </a:ext>
+            </a:extLst>
+          </p:cNvPr>
+          <p:cNvGrpSpPr/>
+          <p:nvPr/>
+        </p:nvGrpSpPr>
+        <p:grpSpPr>
+          <a:xfrm>
+            <a:off x="5907621" y="4263794"/>
+            <a:ext cx="720000" cy="720000"/>
+            <a:chOff x="990598" y="3506949"/>
+            <a:chExt cx="900000" cy="900000"/>
+          </a:xfrm>
+        </p:grpSpPr>
+        <p:sp>
+          <p:nvSpPr>
+            <p:cNvPr id="44" name="타원 43">
+              <a:extLst>
+                <a:ext uri="{FF2B5EF4-FFF2-40B4-BE49-F238E27FC236}">
+                  <a16:creationId xmlns:a16="http://schemas.microsoft.com/office/drawing/2014/main" id="{8BC41977-45D3-4747-9D37-43B6A51427A8}"/>
+                </a:ext>
+              </a:extLst>
+            </p:cNvPr>
+            <p:cNvSpPr/>
+            <p:nvPr/>
+          </p:nvSpPr>
+          <p:spPr>
+            <a:xfrm>
+              <a:off x="990598" y="3506949"/>
+              <a:ext cx="900000" cy="900000"/>
+            </a:xfrm>
+            <a:prstGeom prst="ellipse">
+              <a:avLst/>
+            </a:prstGeom>
+            <a:solidFill>
+              <a:srgbClr val="92D050"/>
+            </a:solidFill>
+            <a:ln w="31750">
+              <a:solidFill>
+                <a:srgbClr val="00B050"/>
+              </a:solidFill>
+            </a:ln>
+          </p:spPr>
+          <p:style>
+            <a:lnRef idx="2">
+              <a:schemeClr val="accent1">
+                <a:shade val="50000"/>
+              </a:schemeClr>
+            </a:lnRef>
+            <a:fillRef idx="1">
+              <a:schemeClr val="accent1"/>
+            </a:fillRef>
+            <a:effectRef idx="0">
+              <a:schemeClr val="accent1"/>
+            </a:effectRef>
+            <a:fontRef idx="minor">
+              <a:schemeClr val="lt1"/>
+            </a:fontRef>
+          </p:style>
+          <p:txBody>
+            <a:bodyPr vert="horz" rtlCol="0" anchor="ctr"/>
+            <a:lstStyle/>
+            <a:p>
+              <a:pPr algn="ctr"/>
+              <a:endParaRPr lang="ko-KR" altLang="en-US" sz="1600"/>
+            </a:p>
+          </p:txBody>
+        </p:sp>
+        <p:sp>
+          <p:nvSpPr>
+            <p:cNvPr id="45" name="TextBox 44">
+              <a:extLst>
+                <a:ext uri="{FF2B5EF4-FFF2-40B4-BE49-F238E27FC236}">
+                  <a16:creationId xmlns:a16="http://schemas.microsoft.com/office/drawing/2014/main" id="{D384F7C6-01DA-4EE5-967A-707005BC405C}"/>
+                </a:ext>
+              </a:extLst>
+            </p:cNvPr>
+            <p:cNvSpPr txBox="1"/>
+            <p:nvPr/>
+          </p:nvSpPr>
+          <p:spPr>
+            <a:xfrm>
+              <a:off x="1025546" y="3759295"/>
+              <a:ext cx="846874" cy="384721"/>
+            </a:xfrm>
+            <a:prstGeom prst="rect">
+              <a:avLst/>
+            </a:prstGeom>
+            <a:noFill/>
+          </p:spPr>
+          <p:txBody>
+            <a:bodyPr vert="horz" wrap="square" rtlCol="0">
+              <a:spAutoFit/>
+            </a:bodyPr>
+            <a:lstStyle/>
+            <a:p>
+              <a:pPr algn="ctr"/>
+              <a:r>
+                <a:rPr lang="en-US" altLang="ko-KR" sz="1400" b="1" dirty="0">
+                  <a:solidFill>
+                    <a:schemeClr val="bg1"/>
+                  </a:solidFill>
+                </a:rPr>
+                <a:t>Eva</a:t>
+              </a:r>
+              <a:endParaRPr lang="ko-KR" altLang="en-US" sz="1400" b="1" dirty="0">
+                <a:solidFill>
+                  <a:schemeClr val="bg1"/>
+                </a:solidFill>
+              </a:endParaRPr>
+            </a:p>
+          </p:txBody>
+        </p:sp>
+      </p:grpSp>
+      <p:grpSp>
+        <p:nvGrpSpPr>
+          <p:cNvPr id="46" name="그룹 45">
+            <a:extLst>
+              <a:ext uri="{FF2B5EF4-FFF2-40B4-BE49-F238E27FC236}">
+                <a16:creationId xmlns:a16="http://schemas.microsoft.com/office/drawing/2014/main" id="{CCE09472-874A-488F-8051-D22AC19AFAA1}"/>
+              </a:ext>
+            </a:extLst>
+          </p:cNvPr>
+          <p:cNvGrpSpPr/>
+          <p:nvPr/>
+        </p:nvGrpSpPr>
+        <p:grpSpPr>
+          <a:xfrm>
+            <a:off x="7924631" y="3238671"/>
+            <a:ext cx="1107062" cy="720000"/>
+            <a:chOff x="838848" y="3506949"/>
+            <a:chExt cx="947625" cy="600000"/>
+          </a:xfrm>
+        </p:grpSpPr>
+        <p:sp>
+          <p:nvSpPr>
+            <p:cNvPr id="52" name="타원 51">
+              <a:extLst>
+                <a:ext uri="{FF2B5EF4-FFF2-40B4-BE49-F238E27FC236}">
+                  <a16:creationId xmlns:a16="http://schemas.microsoft.com/office/drawing/2014/main" id="{A9791E7F-7449-438D-8442-3B60AEC257C5}"/>
+                </a:ext>
+              </a:extLst>
+            </p:cNvPr>
+            <p:cNvSpPr/>
+            <p:nvPr/>
+          </p:nvSpPr>
+          <p:spPr>
+            <a:xfrm>
+              <a:off x="990598" y="3506949"/>
+              <a:ext cx="616307" cy="600000"/>
+            </a:xfrm>
+            <a:prstGeom prst="ellipse">
+              <a:avLst/>
+            </a:prstGeom>
+            <a:solidFill>
+              <a:srgbClr val="00B0F0"/>
+            </a:solidFill>
+            <a:ln w="31750">
+              <a:solidFill>
+                <a:srgbClr val="0070C0"/>
+              </a:solidFill>
+            </a:ln>
+          </p:spPr>
+          <p:style>
+            <a:lnRef idx="2">
+              <a:schemeClr val="accent1">
+                <a:shade val="50000"/>
+              </a:schemeClr>
+            </a:lnRef>
+            <a:fillRef idx="1">
+              <a:schemeClr val="accent1"/>
+            </a:fillRef>
+            <a:effectRef idx="0">
+              <a:schemeClr val="accent1"/>
+            </a:effectRef>
+            <a:fontRef idx="minor">
+              <a:schemeClr val="lt1"/>
+            </a:fontRef>
+          </p:style>
+          <p:txBody>
+            <a:bodyPr vert="horz" rtlCol="0" anchor="ctr"/>
+            <a:lstStyle/>
+            <a:p>
+              <a:pPr algn="ctr"/>
+              <a:endParaRPr lang="ko-KR" altLang="en-US" sz="1600"/>
+            </a:p>
+          </p:txBody>
+        </p:sp>
+        <p:sp>
+          <p:nvSpPr>
+            <p:cNvPr id="53" name="TextBox 52">
+              <a:extLst>
+                <a:ext uri="{FF2B5EF4-FFF2-40B4-BE49-F238E27FC236}">
+                  <a16:creationId xmlns:a16="http://schemas.microsoft.com/office/drawing/2014/main" id="{3D61C0C5-4E36-4897-8680-AD3D85D2C2CB}"/>
+                </a:ext>
+              </a:extLst>
+            </p:cNvPr>
+            <p:cNvSpPr txBox="1"/>
+            <p:nvPr/>
+          </p:nvSpPr>
+          <p:spPr>
+            <a:xfrm>
+              <a:off x="838848" y="3697340"/>
+              <a:ext cx="947625" cy="256481"/>
+            </a:xfrm>
+            <a:prstGeom prst="rect">
+              <a:avLst/>
+            </a:prstGeom>
+            <a:noFill/>
+          </p:spPr>
+          <p:txBody>
+            <a:bodyPr vert="horz" wrap="square" rtlCol="0">
+              <a:spAutoFit/>
+            </a:bodyPr>
+            <a:lstStyle/>
+            <a:p>
+              <a:pPr algn="ctr"/>
+              <a:r>
+                <a:rPr lang="ko-KR" altLang="en-US" sz="1400" b="1" dirty="0">
+                  <a:solidFill>
+                    <a:schemeClr val="bg1"/>
+                  </a:solidFill>
+                </a:rPr>
+                <a:t>배  포</a:t>
+              </a:r>
+            </a:p>
+          </p:txBody>
+        </p:sp>
+      </p:grpSp>
+      <p:grpSp>
+        <p:nvGrpSpPr>
+          <p:cNvPr id="54" name="그룹 53">
+            <a:extLst>
+              <a:ext uri="{FF2B5EF4-FFF2-40B4-BE49-F238E27FC236}">
+                <a16:creationId xmlns:a16="http://schemas.microsoft.com/office/drawing/2014/main" id="{DD3BCF35-15C8-4B32-BB11-D75801C96605}"/>
+              </a:ext>
+            </a:extLst>
+          </p:cNvPr>
+          <p:cNvGrpSpPr/>
+          <p:nvPr/>
+        </p:nvGrpSpPr>
+        <p:grpSpPr>
+          <a:xfrm>
+            <a:off x="7728665" y="4305067"/>
+            <a:ext cx="1107062" cy="720000"/>
+            <a:chOff x="830861" y="3506949"/>
+            <a:chExt cx="947625" cy="600000"/>
+          </a:xfrm>
+        </p:grpSpPr>
+        <p:sp>
+          <p:nvSpPr>
+            <p:cNvPr id="55" name="타원 54">
+              <a:extLst>
+                <a:ext uri="{FF2B5EF4-FFF2-40B4-BE49-F238E27FC236}">
+                  <a16:creationId xmlns:a16="http://schemas.microsoft.com/office/drawing/2014/main" id="{0427FCC6-262A-44CB-8635-CC18970FB8F0}"/>
+                </a:ext>
+              </a:extLst>
+            </p:cNvPr>
+            <p:cNvSpPr/>
+            <p:nvPr/>
+          </p:nvSpPr>
+          <p:spPr>
+            <a:xfrm>
+              <a:off x="990598" y="3506949"/>
+              <a:ext cx="616307" cy="600000"/>
+            </a:xfrm>
+            <a:prstGeom prst="ellipse">
+              <a:avLst/>
+            </a:prstGeom>
+            <a:solidFill>
+              <a:srgbClr val="00B0F0"/>
+            </a:solidFill>
+            <a:ln w="31750">
+              <a:solidFill>
+                <a:srgbClr val="0070C0"/>
+              </a:solidFill>
+            </a:ln>
+          </p:spPr>
+          <p:style>
+            <a:lnRef idx="2">
+              <a:schemeClr val="accent1">
+                <a:shade val="50000"/>
+              </a:schemeClr>
+            </a:lnRef>
+            <a:fillRef idx="1">
+              <a:schemeClr val="accent1"/>
+            </a:fillRef>
+            <a:effectRef idx="0">
+              <a:schemeClr val="accent1"/>
+            </a:effectRef>
+            <a:fontRef idx="minor">
+              <a:schemeClr val="lt1"/>
+            </a:fontRef>
+          </p:style>
+          <p:txBody>
+            <a:bodyPr vert="horz" rtlCol="0" anchor="ctr"/>
+            <a:lstStyle/>
+            <a:p>
+              <a:pPr algn="ctr"/>
+              <a:endParaRPr lang="ko-KR" altLang="en-US" sz="1600"/>
+            </a:p>
+          </p:txBody>
+        </p:sp>
+        <p:sp>
+          <p:nvSpPr>
+            <p:cNvPr id="56" name="TextBox 55">
+              <a:extLst>
+                <a:ext uri="{FF2B5EF4-FFF2-40B4-BE49-F238E27FC236}">
+                  <a16:creationId xmlns:a16="http://schemas.microsoft.com/office/drawing/2014/main" id="{87C6F57B-2C3E-402B-94BF-957A75220648}"/>
+                </a:ext>
+              </a:extLst>
+            </p:cNvPr>
+            <p:cNvSpPr txBox="1"/>
+            <p:nvPr/>
+          </p:nvSpPr>
+          <p:spPr>
+            <a:xfrm>
+              <a:off x="830861" y="3689564"/>
+              <a:ext cx="947625" cy="256481"/>
+            </a:xfrm>
+            <a:prstGeom prst="rect">
+              <a:avLst/>
+            </a:prstGeom>
+            <a:noFill/>
+          </p:spPr>
+          <p:txBody>
+            <a:bodyPr vert="horz" wrap="square" rtlCol="0">
+              <a:spAutoFit/>
+            </a:bodyPr>
+            <a:lstStyle/>
+            <a:p>
+              <a:pPr algn="ctr"/>
+              <a:r>
+                <a:rPr lang="ko-KR" altLang="en-US" sz="1400" b="1" dirty="0">
+                  <a:solidFill>
+                    <a:schemeClr val="bg1"/>
+                  </a:solidFill>
+                </a:rPr>
+                <a:t>판 매</a:t>
+              </a:r>
+            </a:p>
+          </p:txBody>
+        </p:sp>
+      </p:grpSp>
+      <p:grpSp>
+        <p:nvGrpSpPr>
+          <p:cNvPr id="57" name="그룹 56">
+            <a:extLst>
+              <a:ext uri="{FF2B5EF4-FFF2-40B4-BE49-F238E27FC236}">
+                <a16:creationId xmlns:a16="http://schemas.microsoft.com/office/drawing/2014/main" id="{3654E795-D052-4F75-851B-135556C8309A}"/>
+              </a:ext>
+            </a:extLst>
+          </p:cNvPr>
+          <p:cNvGrpSpPr/>
+          <p:nvPr/>
+        </p:nvGrpSpPr>
+        <p:grpSpPr>
+          <a:xfrm>
+            <a:off x="5301029" y="1959826"/>
+            <a:ext cx="1107062" cy="720000"/>
+            <a:chOff x="830862" y="3506949"/>
+            <a:chExt cx="947625" cy="600000"/>
+          </a:xfrm>
+        </p:grpSpPr>
+        <p:sp>
+          <p:nvSpPr>
+            <p:cNvPr id="58" name="타원 57">
+              <a:extLst>
+                <a:ext uri="{FF2B5EF4-FFF2-40B4-BE49-F238E27FC236}">
+                  <a16:creationId xmlns:a16="http://schemas.microsoft.com/office/drawing/2014/main" id="{CD7F609A-E3A9-4D13-8821-588E8CDA9D8E}"/>
+                </a:ext>
+              </a:extLst>
+            </p:cNvPr>
+            <p:cNvSpPr/>
+            <p:nvPr/>
+          </p:nvSpPr>
+          <p:spPr>
+            <a:xfrm>
+              <a:off x="990598" y="3506949"/>
+              <a:ext cx="616307" cy="600000"/>
+            </a:xfrm>
+            <a:prstGeom prst="ellipse">
+              <a:avLst/>
+            </a:prstGeom>
+            <a:solidFill>
+              <a:srgbClr val="00B0F0"/>
+            </a:solidFill>
+            <a:ln w="31750">
+              <a:solidFill>
+                <a:srgbClr val="0070C0"/>
+              </a:solidFill>
+            </a:ln>
+          </p:spPr>
+          <p:style>
+            <a:lnRef idx="2">
+              <a:schemeClr val="accent1">
+                <a:shade val="50000"/>
+              </a:schemeClr>
+            </a:lnRef>
+            <a:fillRef idx="1">
+              <a:schemeClr val="accent1"/>
+            </a:fillRef>
+            <a:effectRef idx="0">
+              <a:schemeClr val="accent1"/>
+            </a:effectRef>
+            <a:fontRef idx="minor">
+              <a:schemeClr val="lt1"/>
+            </a:fontRef>
+          </p:style>
+          <p:txBody>
+            <a:bodyPr vert="horz" rtlCol="0" anchor="ctr"/>
+            <a:lstStyle/>
+            <a:p>
+              <a:pPr algn="ctr"/>
+              <a:endParaRPr lang="ko-KR" altLang="en-US" sz="1600"/>
+            </a:p>
+          </p:txBody>
+        </p:sp>
+        <p:sp>
+          <p:nvSpPr>
+            <p:cNvPr id="59" name="TextBox 58">
+              <a:extLst>
+                <a:ext uri="{FF2B5EF4-FFF2-40B4-BE49-F238E27FC236}">
+                  <a16:creationId xmlns:a16="http://schemas.microsoft.com/office/drawing/2014/main" id="{9F9CD8B8-4B42-4A3F-8B13-DC1374AB31D3}"/>
+                </a:ext>
+              </a:extLst>
+            </p:cNvPr>
+            <p:cNvSpPr txBox="1"/>
+            <p:nvPr/>
+          </p:nvSpPr>
+          <p:spPr>
+            <a:xfrm>
+              <a:off x="830862" y="3703634"/>
+              <a:ext cx="947625" cy="256481"/>
+            </a:xfrm>
+            <a:prstGeom prst="rect">
+              <a:avLst/>
+            </a:prstGeom>
+            <a:noFill/>
+          </p:spPr>
+          <p:txBody>
+            <a:bodyPr vert="horz" wrap="square" rtlCol="0">
+              <a:spAutoFit/>
+            </a:bodyPr>
+            <a:lstStyle/>
+            <a:p>
+              <a:pPr algn="ctr"/>
+              <a:r>
+                <a:rPr lang="ko-KR" altLang="en-US" sz="1400" b="1" dirty="0">
+                  <a:solidFill>
+                    <a:schemeClr val="bg1"/>
+                  </a:solidFill>
+                </a:rPr>
+                <a:t>수 정</a:t>
+              </a:r>
+            </a:p>
+          </p:txBody>
+        </p:sp>
+      </p:grpSp>
+      <p:grpSp>
+        <p:nvGrpSpPr>
+          <p:cNvPr id="60" name="그룹 59">
+            <a:extLst>
+              <a:ext uri="{FF2B5EF4-FFF2-40B4-BE49-F238E27FC236}">
+                <a16:creationId xmlns:a16="http://schemas.microsoft.com/office/drawing/2014/main" id="{D8710862-5C9C-429D-94D0-23B505214B84}"/>
+              </a:ext>
+            </a:extLst>
+          </p:cNvPr>
+          <p:cNvGrpSpPr/>
+          <p:nvPr/>
+        </p:nvGrpSpPr>
+        <p:grpSpPr>
+          <a:xfrm>
+            <a:off x="4810964" y="4623794"/>
+            <a:ext cx="720000" cy="720000"/>
+            <a:chOff x="990598" y="3506949"/>
+            <a:chExt cx="616307" cy="600000"/>
+          </a:xfrm>
+        </p:grpSpPr>
+        <p:sp>
+          <p:nvSpPr>
+            <p:cNvPr id="61" name="타원 60">
+              <a:extLst>
+                <a:ext uri="{FF2B5EF4-FFF2-40B4-BE49-F238E27FC236}">
+                  <a16:creationId xmlns:a16="http://schemas.microsoft.com/office/drawing/2014/main" id="{D8410AAC-666B-4F4E-96BE-E9590081294E}"/>
+                </a:ext>
+              </a:extLst>
+            </p:cNvPr>
+            <p:cNvSpPr/>
+            <p:nvPr/>
+          </p:nvSpPr>
+          <p:spPr>
+            <a:xfrm>
+              <a:off x="990598" y="3506949"/>
+              <a:ext cx="616307" cy="600000"/>
+            </a:xfrm>
+            <a:prstGeom prst="ellipse">
+              <a:avLst/>
+            </a:prstGeom>
+            <a:solidFill>
+              <a:schemeClr val="accent2"/>
+            </a:solidFill>
+            <a:ln w="31750">
+              <a:solidFill>
+                <a:srgbClr val="FF0000"/>
+              </a:solidFill>
+            </a:ln>
+          </p:spPr>
+          <p:style>
+            <a:lnRef idx="2">
+              <a:schemeClr val="accent1">
+                <a:shade val="50000"/>
+              </a:schemeClr>
+            </a:lnRef>
+            <a:fillRef idx="1">
+              <a:schemeClr val="accent1"/>
+            </a:fillRef>
+            <a:effectRef idx="0">
+              <a:schemeClr val="accent1"/>
+            </a:effectRef>
+            <a:fontRef idx="minor">
+              <a:schemeClr val="lt1"/>
+            </a:fontRef>
+          </p:style>
+          <p:txBody>
+            <a:bodyPr vert="horz" rtlCol="0" anchor="ctr"/>
+            <a:lstStyle/>
+            <a:p>
+              <a:pPr algn="ctr"/>
+              <a:endParaRPr lang="ko-KR" altLang="en-US" sz="1600"/>
+            </a:p>
+          </p:txBody>
+        </p:sp>
+        <p:sp>
+          <p:nvSpPr>
+            <p:cNvPr id="62" name="TextBox 61">
+              <a:extLst>
+                <a:ext uri="{FF2B5EF4-FFF2-40B4-BE49-F238E27FC236}">
+                  <a16:creationId xmlns:a16="http://schemas.microsoft.com/office/drawing/2014/main" id="{43BC4B5D-25CF-48A7-904A-F6397A4612A9}"/>
+                </a:ext>
+              </a:extLst>
+            </p:cNvPr>
+            <p:cNvSpPr txBox="1"/>
+            <p:nvPr/>
+          </p:nvSpPr>
+          <p:spPr>
+            <a:xfrm>
+              <a:off x="1037784" y="3588941"/>
+              <a:ext cx="521935" cy="436017"/>
+            </a:xfrm>
+            <a:prstGeom prst="rect">
+              <a:avLst/>
+            </a:prstGeom>
+            <a:noFill/>
+          </p:spPr>
+          <p:txBody>
+            <a:bodyPr vert="horz" wrap="square" rtlCol="0" anchor="ctr" anchorCtr="0">
+              <a:spAutoFit/>
+            </a:bodyPr>
+            <a:lstStyle/>
+            <a:p>
+              <a:pPr algn="ctr"/>
+              <a:r>
+                <a:rPr lang="en-US" altLang="ko-KR" sz="1400" b="1" dirty="0">
+                  <a:solidFill>
+                    <a:schemeClr val="bg1"/>
+                  </a:solidFill>
+                </a:rPr>
+                <a:t>data_126</a:t>
+              </a:r>
+              <a:endParaRPr lang="ko-KR" altLang="en-US" sz="1400" b="1" dirty="0">
+                <a:solidFill>
+                  <a:schemeClr val="bg1"/>
+                </a:solidFill>
+              </a:endParaRPr>
+            </a:p>
+          </p:txBody>
+        </p:sp>
+      </p:grpSp>
+      <p:grpSp>
+        <p:nvGrpSpPr>
+          <p:cNvPr id="63" name="그룹 62">
+            <a:extLst>
+              <a:ext uri="{FF2B5EF4-FFF2-40B4-BE49-F238E27FC236}">
+                <a16:creationId xmlns:a16="http://schemas.microsoft.com/office/drawing/2014/main" id="{25AFCDBE-4D26-4A12-883E-A9B2C7CF9B9C}"/>
+              </a:ext>
+            </a:extLst>
+          </p:cNvPr>
+          <p:cNvGrpSpPr/>
+          <p:nvPr/>
+        </p:nvGrpSpPr>
+        <p:grpSpPr>
+          <a:xfrm>
+            <a:off x="4695791" y="2577102"/>
+            <a:ext cx="720000" cy="720000"/>
+            <a:chOff x="990598" y="3506949"/>
+            <a:chExt cx="616307" cy="600000"/>
+          </a:xfrm>
+        </p:grpSpPr>
+        <p:sp>
+          <p:nvSpPr>
+            <p:cNvPr id="64" name="타원 63">
+              <a:extLst>
+                <a:ext uri="{FF2B5EF4-FFF2-40B4-BE49-F238E27FC236}">
+                  <a16:creationId xmlns:a16="http://schemas.microsoft.com/office/drawing/2014/main" id="{31D17331-4D8B-4CB7-8FB7-366D0859D480}"/>
+                </a:ext>
+              </a:extLst>
+            </p:cNvPr>
+            <p:cNvSpPr/>
+            <p:nvPr/>
+          </p:nvSpPr>
+          <p:spPr>
+            <a:xfrm>
+              <a:off x="990598" y="3506949"/>
+              <a:ext cx="616307" cy="600000"/>
+            </a:xfrm>
+            <a:prstGeom prst="ellipse">
+              <a:avLst/>
+            </a:prstGeom>
+            <a:solidFill>
+              <a:schemeClr val="accent2"/>
+            </a:solidFill>
+            <a:ln w="31750">
+              <a:solidFill>
+                <a:srgbClr val="FF0000"/>
+              </a:solidFill>
+            </a:ln>
+          </p:spPr>
+          <p:style>
+            <a:lnRef idx="2">
+              <a:schemeClr val="accent1">
+                <a:shade val="50000"/>
+              </a:schemeClr>
+            </a:lnRef>
+            <a:fillRef idx="1">
+              <a:schemeClr val="accent1"/>
+            </a:fillRef>
+            <a:effectRef idx="0">
+              <a:schemeClr val="accent1"/>
+            </a:effectRef>
+            <a:fontRef idx="minor">
+              <a:schemeClr val="lt1"/>
+            </a:fontRef>
+          </p:style>
+          <p:txBody>
+            <a:bodyPr vert="horz" rtlCol="0" anchor="ctr"/>
+            <a:lstStyle/>
+            <a:p>
+              <a:pPr algn="ctr"/>
+              <a:endParaRPr lang="ko-KR" altLang="en-US" sz="1600"/>
+            </a:p>
+          </p:txBody>
+        </p:sp>
+        <p:sp>
+          <p:nvSpPr>
+            <p:cNvPr id="65" name="TextBox 64">
+              <a:extLst>
+                <a:ext uri="{FF2B5EF4-FFF2-40B4-BE49-F238E27FC236}">
+                  <a16:creationId xmlns:a16="http://schemas.microsoft.com/office/drawing/2014/main" id="{098AF3FD-9ABD-49B4-A83D-C7B6BB3315D5}"/>
+                </a:ext>
+              </a:extLst>
+            </p:cNvPr>
+            <p:cNvSpPr txBox="1"/>
+            <p:nvPr/>
+          </p:nvSpPr>
+          <p:spPr>
+            <a:xfrm>
+              <a:off x="1037784" y="3588941"/>
+              <a:ext cx="521935" cy="436017"/>
+            </a:xfrm>
+            <a:prstGeom prst="rect">
+              <a:avLst/>
+            </a:prstGeom>
+            <a:noFill/>
+          </p:spPr>
+          <p:txBody>
+            <a:bodyPr vert="horz" wrap="square" rtlCol="0" anchor="ctr" anchorCtr="0">
+              <a:spAutoFit/>
+            </a:bodyPr>
+            <a:lstStyle/>
+            <a:p>
+              <a:pPr algn="ctr"/>
+              <a:r>
+                <a:rPr lang="en-US" altLang="ko-KR" sz="1400" b="1" dirty="0">
+                  <a:solidFill>
+                    <a:schemeClr val="bg1"/>
+                  </a:solidFill>
+                </a:rPr>
+                <a:t>data_821</a:t>
+              </a:r>
+              <a:endParaRPr lang="ko-KR" altLang="en-US" sz="1400" b="1" dirty="0">
+                <a:solidFill>
+                  <a:schemeClr val="bg1"/>
+                </a:solidFill>
+              </a:endParaRPr>
+            </a:p>
+          </p:txBody>
+        </p:sp>
+      </p:grpSp>
+      <p:grpSp>
+        <p:nvGrpSpPr>
+          <p:cNvPr id="66" name="그룹 65">
+            <a:extLst>
+              <a:ext uri="{FF2B5EF4-FFF2-40B4-BE49-F238E27FC236}">
+                <a16:creationId xmlns:a16="http://schemas.microsoft.com/office/drawing/2014/main" id="{7F3952CB-9130-4DE3-A5CF-F3102246B5B4}"/>
+              </a:ext>
+            </a:extLst>
+          </p:cNvPr>
+          <p:cNvGrpSpPr/>
+          <p:nvPr/>
+        </p:nvGrpSpPr>
+        <p:grpSpPr>
+          <a:xfrm>
+            <a:off x="6964223" y="2092341"/>
+            <a:ext cx="720000" cy="720000"/>
+            <a:chOff x="990598" y="3506949"/>
+            <a:chExt cx="616307" cy="600000"/>
+          </a:xfrm>
+        </p:grpSpPr>
+        <p:sp>
+          <p:nvSpPr>
+            <p:cNvPr id="67" name="타원 66">
+              <a:extLst>
+                <a:ext uri="{FF2B5EF4-FFF2-40B4-BE49-F238E27FC236}">
+                  <a16:creationId xmlns:a16="http://schemas.microsoft.com/office/drawing/2014/main" id="{B99F4AC3-742E-482F-B0E1-AE71AD6C65A8}"/>
+                </a:ext>
+              </a:extLst>
+            </p:cNvPr>
+            <p:cNvSpPr/>
+            <p:nvPr/>
+          </p:nvSpPr>
+          <p:spPr>
+            <a:xfrm>
+              <a:off x="990598" y="3506949"/>
+              <a:ext cx="616307" cy="600000"/>
+            </a:xfrm>
+            <a:prstGeom prst="ellipse">
+              <a:avLst/>
+            </a:prstGeom>
+            <a:solidFill>
+              <a:schemeClr val="accent2"/>
+            </a:solidFill>
+            <a:ln w="31750">
+              <a:solidFill>
+                <a:srgbClr val="FF0000"/>
+              </a:solidFill>
+            </a:ln>
+          </p:spPr>
+          <p:style>
+            <a:lnRef idx="2">
+              <a:schemeClr val="accent1">
+                <a:shade val="50000"/>
+              </a:schemeClr>
+            </a:lnRef>
+            <a:fillRef idx="1">
+              <a:schemeClr val="accent1"/>
+            </a:fillRef>
+            <a:effectRef idx="0">
+              <a:schemeClr val="accent1"/>
+            </a:effectRef>
+            <a:fontRef idx="minor">
+              <a:schemeClr val="lt1"/>
+            </a:fontRef>
+          </p:style>
+          <p:txBody>
+            <a:bodyPr vert="horz" rtlCol="0" anchor="ctr"/>
+            <a:lstStyle/>
+            <a:p>
+              <a:pPr algn="ctr"/>
+              <a:endParaRPr lang="ko-KR" altLang="en-US" sz="1600"/>
+            </a:p>
+          </p:txBody>
+        </p:sp>
+        <p:sp>
+          <p:nvSpPr>
+            <p:cNvPr id="68" name="TextBox 67">
+              <a:extLst>
+                <a:ext uri="{FF2B5EF4-FFF2-40B4-BE49-F238E27FC236}">
+                  <a16:creationId xmlns:a16="http://schemas.microsoft.com/office/drawing/2014/main" id="{BD768876-2FEB-4ADA-A4C4-D61188DFDFB6}"/>
+                </a:ext>
+              </a:extLst>
+            </p:cNvPr>
+            <p:cNvSpPr txBox="1"/>
+            <p:nvPr/>
+          </p:nvSpPr>
+          <p:spPr>
+            <a:xfrm>
+              <a:off x="1037784" y="3588941"/>
+              <a:ext cx="521935" cy="436017"/>
+            </a:xfrm>
+            <a:prstGeom prst="rect">
+              <a:avLst/>
+            </a:prstGeom>
+            <a:noFill/>
+          </p:spPr>
+          <p:txBody>
+            <a:bodyPr vert="horz" wrap="square" rtlCol="0" anchor="ctr" anchorCtr="0">
+              <a:spAutoFit/>
+            </a:bodyPr>
+            <a:lstStyle/>
+            <a:p>
+              <a:pPr algn="ctr"/>
+              <a:r>
+                <a:rPr lang="en-US" altLang="ko-KR" sz="1400" b="1" dirty="0">
+                  <a:solidFill>
+                    <a:schemeClr val="bg1"/>
+                  </a:solidFill>
+                </a:rPr>
+                <a:t>data_248</a:t>
+              </a:r>
+              <a:endParaRPr lang="ko-KR" altLang="en-US" sz="1400" b="1" dirty="0">
+                <a:solidFill>
+                  <a:schemeClr val="bg1"/>
+                </a:solidFill>
+              </a:endParaRPr>
+            </a:p>
+          </p:txBody>
+        </p:sp>
+      </p:grpSp>
+      <p:cxnSp>
+        <p:nvCxnSpPr>
+          <p:cNvPr id="69" name="직선 화살표 연결선 68">
+            <a:extLst>
+              <a:ext uri="{FF2B5EF4-FFF2-40B4-BE49-F238E27FC236}">
+                <a16:creationId xmlns:a16="http://schemas.microsoft.com/office/drawing/2014/main" id="{63C2201A-CF62-4471-AD50-647351EA8FF8}"/>
+              </a:ext>
+            </a:extLst>
+          </p:cNvPr>
+          <p:cNvCxnSpPr>
+            <a:cxnSpLocks/>
+            <a:endCxn id="42" idx="3"/>
+          </p:cNvCxnSpPr>
+          <p:nvPr/>
+        </p:nvCxnSpPr>
+        <p:spPr>
+          <a:xfrm flipH="1" flipV="1">
+            <a:off x="6546533" y="3314467"/>
+            <a:ext cx="1555380" cy="276861"/>
+          </a:xfrm>
+          <a:prstGeom prst="straightConnector1">
+            <a:avLst/>
+          </a:prstGeom>
+          <a:ln w="28575">
+            <a:solidFill>
+              <a:schemeClr val="tx1"/>
+            </a:solidFill>
+            <a:tailEnd type="triangle" w="lg" len="lg"/>
+          </a:ln>
+        </p:spPr>
+        <p:style>
+          <a:lnRef idx="1">
+            <a:schemeClr val="accent1"/>
+          </a:lnRef>
+          <a:fillRef idx="0">
+            <a:schemeClr val="accent1"/>
+          </a:fillRef>
+          <a:effectRef idx="0">
+            <a:schemeClr val="accent1"/>
+          </a:effectRef>
+          <a:fontRef idx="minor">
+            <a:schemeClr val="tx1"/>
+          </a:fontRef>
+        </p:style>
+      </p:cxnSp>
+      <p:cxnSp>
+        <p:nvCxnSpPr>
+          <p:cNvPr id="70" name="직선 화살표 연결선 69">
+            <a:extLst>
+              <a:ext uri="{FF2B5EF4-FFF2-40B4-BE49-F238E27FC236}">
+                <a16:creationId xmlns:a16="http://schemas.microsoft.com/office/drawing/2014/main" id="{739DA6F8-986A-410F-8C15-497CDAC9F531}"/>
+              </a:ext>
+            </a:extLst>
+          </p:cNvPr>
+          <p:cNvCxnSpPr>
+            <a:cxnSpLocks/>
+            <a:stCxn id="45" idx="1"/>
+          </p:cNvCxnSpPr>
+          <p:nvPr/>
+        </p:nvCxnSpPr>
+        <p:spPr>
+          <a:xfrm flipH="1">
+            <a:off x="5475839" y="4619560"/>
+            <a:ext cx="459740" cy="192547"/>
+          </a:xfrm>
+          <a:prstGeom prst="straightConnector1">
+            <a:avLst/>
+          </a:prstGeom>
+          <a:ln w="28575">
+            <a:solidFill>
+              <a:schemeClr val="tx1"/>
+            </a:solidFill>
+            <a:tailEnd type="triangle" w="lg" len="lg"/>
+          </a:ln>
+        </p:spPr>
+        <p:style>
+          <a:lnRef idx="1">
+            <a:schemeClr val="accent1"/>
+          </a:lnRef>
+          <a:fillRef idx="0">
+            <a:schemeClr val="accent1"/>
+          </a:fillRef>
+          <a:effectRef idx="0">
+            <a:schemeClr val="accent1"/>
+          </a:effectRef>
+          <a:fontRef idx="minor">
+            <a:schemeClr val="tx1"/>
+          </a:fontRef>
+        </p:style>
+      </p:cxnSp>
+      <p:cxnSp>
+        <p:nvCxnSpPr>
+          <p:cNvPr id="71" name="직선 화살표 연결선 70">
+            <a:extLst>
+              <a:ext uri="{FF2B5EF4-FFF2-40B4-BE49-F238E27FC236}">
+                <a16:creationId xmlns:a16="http://schemas.microsoft.com/office/drawing/2014/main" id="{E6D4F164-59A1-4C8A-8E95-B8E161AFE0DA}"/>
+              </a:ext>
+            </a:extLst>
+          </p:cNvPr>
+          <p:cNvCxnSpPr>
+            <a:cxnSpLocks/>
+          </p:cNvCxnSpPr>
+          <p:nvPr/>
+        </p:nvCxnSpPr>
+        <p:spPr>
+          <a:xfrm>
+            <a:off x="7583284" y="4338824"/>
+            <a:ext cx="341348" cy="185381"/>
+          </a:xfrm>
+          <a:prstGeom prst="straightConnector1">
+            <a:avLst/>
+          </a:prstGeom>
+          <a:ln w="28575">
+            <a:solidFill>
+              <a:schemeClr val="tx1"/>
+            </a:solidFill>
+            <a:tailEnd type="triangle" w="lg" len="lg"/>
+          </a:ln>
+        </p:spPr>
+        <p:style>
+          <a:lnRef idx="1">
+            <a:schemeClr val="accent1"/>
+          </a:lnRef>
+          <a:fillRef idx="0">
+            <a:schemeClr val="accent1"/>
+          </a:fillRef>
+          <a:effectRef idx="0">
+            <a:schemeClr val="accent1"/>
+          </a:effectRef>
+          <a:fontRef idx="minor">
+            <a:schemeClr val="tx1"/>
+          </a:fontRef>
+        </p:style>
+      </p:cxnSp>
+      <p:cxnSp>
+        <p:nvCxnSpPr>
+          <p:cNvPr id="72" name="직선 화살표 연결선 71">
+            <a:extLst>
+              <a:ext uri="{FF2B5EF4-FFF2-40B4-BE49-F238E27FC236}">
+                <a16:creationId xmlns:a16="http://schemas.microsoft.com/office/drawing/2014/main" id="{52D10C0E-3603-443A-A26F-DC2A23C958E7}"/>
+              </a:ext>
+            </a:extLst>
+          </p:cNvPr>
+          <p:cNvCxnSpPr>
+            <a:cxnSpLocks/>
+          </p:cNvCxnSpPr>
+          <p:nvPr/>
+        </p:nvCxnSpPr>
+        <p:spPr>
+          <a:xfrm flipH="1" flipV="1">
+            <a:off x="6344655" y="3647498"/>
+            <a:ext cx="603983" cy="405950"/>
+          </a:xfrm>
+          <a:prstGeom prst="straightConnector1">
+            <a:avLst/>
+          </a:prstGeom>
+          <a:ln w="28575">
+            <a:solidFill>
+              <a:schemeClr val="tx1"/>
+            </a:solidFill>
+            <a:tailEnd type="triangle" w="lg" len="lg"/>
+          </a:ln>
+        </p:spPr>
+        <p:style>
+          <a:lnRef idx="1">
+            <a:schemeClr val="accent1"/>
+          </a:lnRef>
+          <a:fillRef idx="0">
+            <a:schemeClr val="accent1"/>
+          </a:fillRef>
+          <a:effectRef idx="0">
+            <a:schemeClr val="accent1"/>
+          </a:effectRef>
+          <a:fontRef idx="minor">
+            <a:schemeClr val="tx1"/>
+          </a:fontRef>
+        </p:style>
+      </p:cxnSp>
+      <p:cxnSp>
+        <p:nvCxnSpPr>
+          <p:cNvPr id="73" name="직선 화살표 연결선 72">
+            <a:extLst>
+              <a:ext uri="{FF2B5EF4-FFF2-40B4-BE49-F238E27FC236}">
+                <a16:creationId xmlns:a16="http://schemas.microsoft.com/office/drawing/2014/main" id="{518C8124-B1D0-4815-97D2-4ECDD7A74595}"/>
+              </a:ext>
+            </a:extLst>
+          </p:cNvPr>
+          <p:cNvCxnSpPr>
+            <a:cxnSpLocks/>
+            <a:endCxn id="41" idx="3"/>
+          </p:cNvCxnSpPr>
+          <p:nvPr/>
+        </p:nvCxnSpPr>
+        <p:spPr>
+          <a:xfrm flipV="1">
+            <a:off x="5285297" y="3573259"/>
+            <a:ext cx="661221" cy="1046300"/>
+          </a:xfrm>
+          <a:prstGeom prst="straightConnector1">
+            <a:avLst/>
+          </a:prstGeom>
+          <a:ln w="28575">
+            <a:solidFill>
+              <a:schemeClr val="tx1"/>
+            </a:solidFill>
+            <a:tailEnd type="triangle" w="lg" len="lg"/>
+          </a:ln>
+        </p:spPr>
+        <p:style>
+          <a:lnRef idx="1">
+            <a:schemeClr val="accent1"/>
+          </a:lnRef>
+          <a:fillRef idx="0">
+            <a:schemeClr val="accent1"/>
+          </a:fillRef>
+          <a:effectRef idx="0">
+            <a:schemeClr val="accent1"/>
+          </a:effectRef>
+          <a:fontRef idx="minor">
+            <a:schemeClr val="tx1"/>
+          </a:fontRef>
+        </p:style>
+      </p:cxnSp>
+      <p:cxnSp>
+        <p:nvCxnSpPr>
+          <p:cNvPr id="74" name="직선 화살표 연결선 73">
+            <a:extLst>
+              <a:ext uri="{FF2B5EF4-FFF2-40B4-BE49-F238E27FC236}">
+                <a16:creationId xmlns:a16="http://schemas.microsoft.com/office/drawing/2014/main" id="{D496883C-7949-4549-B1A2-AF20781264D7}"/>
+              </a:ext>
+            </a:extLst>
+          </p:cNvPr>
+          <p:cNvCxnSpPr>
+            <a:cxnSpLocks/>
+            <a:stCxn id="41" idx="0"/>
+            <a:endCxn id="58" idx="3"/>
+          </p:cNvCxnSpPr>
+          <p:nvPr/>
+        </p:nvCxnSpPr>
+        <p:spPr>
+          <a:xfrm flipH="1" flipV="1">
+            <a:off x="5593082" y="2574384"/>
+            <a:ext cx="607994" cy="384317"/>
+          </a:xfrm>
+          <a:prstGeom prst="straightConnector1">
+            <a:avLst/>
+          </a:prstGeom>
+          <a:ln w="28575">
+            <a:solidFill>
+              <a:schemeClr val="tx1"/>
+            </a:solidFill>
+            <a:tailEnd type="triangle" w="lg" len="lg"/>
+          </a:ln>
+        </p:spPr>
+        <p:style>
+          <a:lnRef idx="1">
+            <a:schemeClr val="accent1"/>
+          </a:lnRef>
+          <a:fillRef idx="0">
+            <a:schemeClr val="accent1"/>
+          </a:fillRef>
+          <a:effectRef idx="0">
+            <a:schemeClr val="accent1"/>
+          </a:effectRef>
+          <a:fontRef idx="minor">
+            <a:schemeClr val="tx1"/>
+          </a:fontRef>
+        </p:style>
+      </p:cxnSp>
+      <p:cxnSp>
+        <p:nvCxnSpPr>
+          <p:cNvPr id="75" name="직선 화살표 연결선 74">
+            <a:extLst>
+              <a:ext uri="{FF2B5EF4-FFF2-40B4-BE49-F238E27FC236}">
+                <a16:creationId xmlns:a16="http://schemas.microsoft.com/office/drawing/2014/main" id="{2B7F1FFD-A417-4C92-8475-8906EDA6A8EC}"/>
+              </a:ext>
+            </a:extLst>
+          </p:cNvPr>
+          <p:cNvCxnSpPr>
+            <a:cxnSpLocks/>
+          </p:cNvCxnSpPr>
+          <p:nvPr/>
+        </p:nvCxnSpPr>
+        <p:spPr>
+          <a:xfrm>
+            <a:off x="7535196" y="2749943"/>
+            <a:ext cx="566717" cy="747837"/>
+          </a:xfrm>
+          <a:prstGeom prst="straightConnector1">
+            <a:avLst/>
+          </a:prstGeom>
+          <a:ln w="28575">
+            <a:solidFill>
+              <a:schemeClr val="tx1"/>
+            </a:solidFill>
+            <a:tailEnd type="triangle" w="lg" len="lg"/>
+          </a:ln>
+        </p:spPr>
+        <p:style>
+          <a:lnRef idx="1">
+            <a:schemeClr val="accent1"/>
+          </a:lnRef>
+          <a:fillRef idx="0">
+            <a:schemeClr val="accent1"/>
+          </a:fillRef>
+          <a:effectRef idx="0">
+            <a:schemeClr val="accent1"/>
+          </a:effectRef>
+          <a:fontRef idx="minor">
+            <a:schemeClr val="tx1"/>
+          </a:fontRef>
+        </p:style>
+      </p:cxnSp>
+      <p:cxnSp>
+        <p:nvCxnSpPr>
+          <p:cNvPr id="76" name="직선 화살표 연결선 75">
+            <a:extLst>
+              <a:ext uri="{FF2B5EF4-FFF2-40B4-BE49-F238E27FC236}">
+                <a16:creationId xmlns:a16="http://schemas.microsoft.com/office/drawing/2014/main" id="{FE3EAD7C-550D-4910-921D-BBBFCD1522F3}"/>
+              </a:ext>
+            </a:extLst>
+          </p:cNvPr>
+          <p:cNvCxnSpPr>
+            <a:cxnSpLocks/>
+            <a:endCxn id="52" idx="3"/>
+          </p:cNvCxnSpPr>
+          <p:nvPr/>
+        </p:nvCxnSpPr>
+        <p:spPr>
+          <a:xfrm flipV="1">
+            <a:off x="7626137" y="3853229"/>
+            <a:ext cx="581218" cy="219858"/>
+          </a:xfrm>
+          <a:prstGeom prst="straightConnector1">
+            <a:avLst/>
+          </a:prstGeom>
+          <a:ln w="28575">
+            <a:solidFill>
+              <a:schemeClr val="tx1"/>
+            </a:solidFill>
+            <a:tailEnd type="triangle" w="lg" len="lg"/>
+          </a:ln>
+        </p:spPr>
+        <p:style>
+          <a:lnRef idx="1">
+            <a:schemeClr val="accent1"/>
+          </a:lnRef>
+          <a:fillRef idx="0">
+            <a:schemeClr val="accent1"/>
+          </a:fillRef>
+          <a:effectRef idx="0">
+            <a:schemeClr val="accent1"/>
+          </a:effectRef>
+          <a:fontRef idx="minor">
+            <a:schemeClr val="tx1"/>
+          </a:fontRef>
+        </p:style>
+      </p:cxnSp>
+      <p:cxnSp>
+        <p:nvCxnSpPr>
+          <p:cNvPr id="78" name="직선 화살표 연결선 77">
+            <a:extLst>
+              <a:ext uri="{FF2B5EF4-FFF2-40B4-BE49-F238E27FC236}">
+                <a16:creationId xmlns:a16="http://schemas.microsoft.com/office/drawing/2014/main" id="{C079ADDD-8F1E-4C69-9117-9D0F1EAD94F9}"/>
+              </a:ext>
+            </a:extLst>
+          </p:cNvPr>
+          <p:cNvCxnSpPr>
+            <a:cxnSpLocks/>
+            <a:stCxn id="44" idx="6"/>
+            <a:endCxn id="29" idx="2"/>
+          </p:cNvCxnSpPr>
+          <p:nvPr/>
+        </p:nvCxnSpPr>
+        <p:spPr>
+          <a:xfrm flipV="1">
+            <a:off x="6627621" y="4189525"/>
+            <a:ext cx="235663" cy="434269"/>
+          </a:xfrm>
+          <a:prstGeom prst="straightConnector1">
+            <a:avLst/>
+          </a:prstGeom>
+          <a:ln w="28575">
+            <a:solidFill>
+              <a:schemeClr val="tx1"/>
+            </a:solidFill>
+            <a:tailEnd type="triangle" w="lg" len="lg"/>
+          </a:ln>
+        </p:spPr>
+        <p:style>
+          <a:lnRef idx="1">
+            <a:schemeClr val="accent1"/>
+          </a:lnRef>
+          <a:fillRef idx="0">
+            <a:schemeClr val="accent1"/>
+          </a:fillRef>
+          <a:effectRef idx="0">
+            <a:schemeClr val="accent1"/>
+          </a:effectRef>
+          <a:fontRef idx="minor">
+            <a:schemeClr val="tx1"/>
+          </a:fontRef>
+        </p:style>
+      </p:cxnSp>
+      <p:cxnSp>
+        <p:nvCxnSpPr>
+          <p:cNvPr id="82" name="직선 화살표 연결선 81">
+            <a:extLst>
+              <a:ext uri="{FF2B5EF4-FFF2-40B4-BE49-F238E27FC236}">
+                <a16:creationId xmlns:a16="http://schemas.microsoft.com/office/drawing/2014/main" id="{6AA056DC-1D5D-4108-BD1B-A4483159FA6A}"/>
+              </a:ext>
+            </a:extLst>
+          </p:cNvPr>
+          <p:cNvCxnSpPr>
+            <a:cxnSpLocks/>
+            <a:stCxn id="44" idx="1"/>
+            <a:endCxn id="64" idx="4"/>
+          </p:cNvCxnSpPr>
+          <p:nvPr/>
+        </p:nvCxnSpPr>
+        <p:spPr>
+          <a:xfrm flipH="1" flipV="1">
+            <a:off x="5055791" y="3297102"/>
+            <a:ext cx="957272" cy="1072134"/>
+          </a:xfrm>
+          <a:prstGeom prst="straightConnector1">
+            <a:avLst/>
+          </a:prstGeom>
+          <a:ln w="28575">
+            <a:solidFill>
+              <a:schemeClr val="tx1"/>
+            </a:solidFill>
+            <a:tailEnd type="triangle" w="lg" len="lg"/>
+          </a:ln>
+        </p:spPr>
+        <p:style>
+          <a:lnRef idx="1">
+            <a:schemeClr val="accent1"/>
+          </a:lnRef>
+          <a:fillRef idx="0">
+            <a:schemeClr val="accent1"/>
+          </a:fillRef>
+          <a:effectRef idx="0">
+            <a:schemeClr val="accent1"/>
+          </a:effectRef>
+          <a:fontRef idx="minor">
+            <a:schemeClr val="tx1"/>
+          </a:fontRef>
+        </p:style>
+      </p:cxnSp>
+      <p:cxnSp>
+        <p:nvCxnSpPr>
+          <p:cNvPr id="85" name="직선 화살표 연결선 84">
+            <a:extLst>
+              <a:ext uri="{FF2B5EF4-FFF2-40B4-BE49-F238E27FC236}">
+                <a16:creationId xmlns:a16="http://schemas.microsoft.com/office/drawing/2014/main" id="{91086C58-491E-4D08-BFA5-0C1C8A01E6C9}"/>
+              </a:ext>
+            </a:extLst>
+          </p:cNvPr>
+          <p:cNvCxnSpPr>
+            <a:cxnSpLocks/>
+            <a:stCxn id="29" idx="0"/>
+          </p:cNvCxnSpPr>
+          <p:nvPr/>
+        </p:nvCxnSpPr>
+        <p:spPr>
+          <a:xfrm flipH="1" flipV="1">
+            <a:off x="6215796" y="2368685"/>
+            <a:ext cx="1007488" cy="1460840"/>
+          </a:xfrm>
+          <a:prstGeom prst="straightConnector1">
+            <a:avLst/>
+          </a:prstGeom>
+          <a:ln w="28575">
+            <a:solidFill>
+              <a:schemeClr val="tx1"/>
+            </a:solidFill>
+            <a:tailEnd type="triangle" w="lg" len="lg"/>
+          </a:ln>
+        </p:spPr>
+        <p:style>
+          <a:lnRef idx="1">
+            <a:schemeClr val="accent1"/>
+          </a:lnRef>
+          <a:fillRef idx="0">
+            <a:schemeClr val="accent1"/>
+          </a:fillRef>
+          <a:effectRef idx="0">
+            <a:schemeClr val="accent1"/>
+          </a:effectRef>
+          <a:fontRef idx="minor">
+            <a:schemeClr val="tx1"/>
+          </a:fontRef>
+        </p:style>
+      </p:cxnSp>
+      <p:cxnSp>
+        <p:nvCxnSpPr>
+          <p:cNvPr id="87" name="직선 화살표 연결선 86">
+            <a:extLst>
+              <a:ext uri="{FF2B5EF4-FFF2-40B4-BE49-F238E27FC236}">
+                <a16:creationId xmlns:a16="http://schemas.microsoft.com/office/drawing/2014/main" id="{5DF096B0-F247-4534-ACB2-57044B80E31D}"/>
+              </a:ext>
+            </a:extLst>
+          </p:cNvPr>
+          <p:cNvCxnSpPr>
+            <a:cxnSpLocks/>
+            <a:stCxn id="67" idx="2"/>
+            <a:endCxn id="58" idx="7"/>
+          </p:cNvCxnSpPr>
+          <p:nvPr/>
+        </p:nvCxnSpPr>
+        <p:spPr>
+          <a:xfrm flipH="1" flipV="1">
+            <a:off x="6102198" y="2065268"/>
+            <a:ext cx="862025" cy="387073"/>
+          </a:xfrm>
+          <a:prstGeom prst="straightConnector1">
+            <a:avLst/>
+          </a:prstGeom>
+          <a:ln w="28575">
+            <a:solidFill>
+              <a:schemeClr val="tx1"/>
+            </a:solidFill>
+            <a:tailEnd type="triangle" w="lg" len="lg"/>
+          </a:ln>
+        </p:spPr>
+        <p:style>
+          <a:lnRef idx="1">
+            <a:schemeClr val="accent1"/>
+          </a:lnRef>
+          <a:fillRef idx="0">
+            <a:schemeClr val="accent1"/>
+          </a:fillRef>
+          <a:effectRef idx="0">
+            <a:schemeClr val="accent1"/>
+          </a:effectRef>
+          <a:fontRef idx="minor">
+            <a:schemeClr val="tx1"/>
+          </a:fontRef>
+        </p:style>
+      </p:cxnSp>
+      <p:cxnSp>
+        <p:nvCxnSpPr>
+          <p:cNvPr id="91" name="직선 화살표 연결선 90">
+            <a:extLst>
+              <a:ext uri="{FF2B5EF4-FFF2-40B4-BE49-F238E27FC236}">
+                <a16:creationId xmlns:a16="http://schemas.microsoft.com/office/drawing/2014/main" id="{655EBFE2-ADF2-4EF1-91CE-A18C2096EEA6}"/>
+              </a:ext>
+            </a:extLst>
+          </p:cNvPr>
+          <p:cNvCxnSpPr>
+            <a:cxnSpLocks/>
+            <a:stCxn id="64" idx="3"/>
+            <a:endCxn id="32" idx="0"/>
+          </p:cNvCxnSpPr>
+          <p:nvPr/>
+        </p:nvCxnSpPr>
+        <p:spPr>
+          <a:xfrm flipH="1">
+            <a:off x="4408267" y="3191660"/>
+            <a:ext cx="392966" cy="612545"/>
+          </a:xfrm>
+          <a:prstGeom prst="straightConnector1">
+            <a:avLst/>
+          </a:prstGeom>
+          <a:ln w="28575">
+            <a:solidFill>
+              <a:schemeClr val="tx1"/>
+            </a:solidFill>
+            <a:tailEnd type="triangle" w="lg" len="lg"/>
+          </a:ln>
+        </p:spPr>
+        <p:style>
+          <a:lnRef idx="1">
+            <a:schemeClr val="accent1"/>
+          </a:lnRef>
+          <a:fillRef idx="0">
+            <a:schemeClr val="accent1"/>
+          </a:fillRef>
+          <a:effectRef idx="0">
+            <a:schemeClr val="accent1"/>
+          </a:effectRef>
+          <a:fontRef idx="minor">
+            <a:schemeClr val="tx1"/>
+          </a:fontRef>
+        </p:style>
+      </p:cxnSp>
+      <p:cxnSp>
+        <p:nvCxnSpPr>
+          <p:cNvPr id="94" name="직선 화살표 연결선 93">
+            <a:extLst>
+              <a:ext uri="{FF2B5EF4-FFF2-40B4-BE49-F238E27FC236}">
+                <a16:creationId xmlns:a16="http://schemas.microsoft.com/office/drawing/2014/main" id="{D989C476-860C-4FE0-AB4C-62B486A3AC2A}"/>
+              </a:ext>
+            </a:extLst>
+          </p:cNvPr>
+          <p:cNvCxnSpPr>
+            <a:cxnSpLocks/>
+            <a:stCxn id="67" idx="4"/>
+            <a:endCxn id="55" idx="1"/>
+          </p:cNvCxnSpPr>
+          <p:nvPr/>
+        </p:nvCxnSpPr>
+        <p:spPr>
+          <a:xfrm>
+            <a:off x="7324223" y="2812341"/>
+            <a:ext cx="696497" cy="1598168"/>
+          </a:xfrm>
+          <a:prstGeom prst="straightConnector1">
+            <a:avLst/>
+          </a:prstGeom>
+          <a:ln w="28575">
+            <a:solidFill>
+              <a:schemeClr val="tx1"/>
+            </a:solidFill>
+            <a:tailEnd type="triangle" w="lg" len="lg"/>
+          </a:ln>
+        </p:spPr>
+        <p:style>
+          <a:lnRef idx="1">
+            <a:schemeClr val="accent1"/>
+          </a:lnRef>
+          <a:fillRef idx="0">
+            <a:schemeClr val="accent1"/>
+          </a:fillRef>
+          <a:effectRef idx="0">
+            <a:schemeClr val="accent1"/>
+          </a:effectRef>
+          <a:fontRef idx="minor">
+            <a:schemeClr val="tx1"/>
+          </a:fontRef>
+        </p:style>
+      </p:cxnSp>
+      <p:cxnSp>
+        <p:nvCxnSpPr>
+          <p:cNvPr id="97" name="직선 화살표 연결선 96">
+            <a:extLst>
+              <a:ext uri="{FF2B5EF4-FFF2-40B4-BE49-F238E27FC236}">
+                <a16:creationId xmlns:a16="http://schemas.microsoft.com/office/drawing/2014/main" id="{23E0FE55-2A71-45C0-BC24-45EB76DE8202}"/>
+              </a:ext>
+            </a:extLst>
+          </p:cNvPr>
+          <p:cNvCxnSpPr>
+            <a:cxnSpLocks/>
+            <a:stCxn id="44" idx="0"/>
+          </p:cNvCxnSpPr>
+          <p:nvPr/>
+        </p:nvCxnSpPr>
+        <p:spPr>
+          <a:xfrm flipV="1">
+            <a:off x="6267621" y="2784482"/>
+            <a:ext cx="948595" cy="1479312"/>
+          </a:xfrm>
+          <a:prstGeom prst="straightConnector1">
+            <a:avLst/>
+          </a:prstGeom>
+          <a:ln w="28575">
+            <a:solidFill>
+              <a:schemeClr val="tx1"/>
+            </a:solidFill>
+            <a:tailEnd type="triangle" w="lg" len="lg"/>
+          </a:ln>
+        </p:spPr>
+        <p:style>
+          <a:lnRef idx="1">
+            <a:schemeClr val="accent1"/>
+          </a:lnRef>
+          <a:fillRef idx="0">
+            <a:schemeClr val="accent1"/>
+          </a:fillRef>
+          <a:effectRef idx="0">
+            <a:schemeClr val="accent1"/>
+          </a:effectRef>
+          <a:fontRef idx="minor">
+            <a:schemeClr val="tx1"/>
+          </a:fontRef>
+        </p:style>
+      </p:cxnSp>
+    </p:spTree>
+    <p:extLst>
+      <p:ext uri="{BB962C8B-B14F-4D97-AF65-F5344CB8AC3E}">
+        <p14:creationId xmlns:p14="http://schemas.microsoft.com/office/powerpoint/2010/main" val="4271083616"/>
+      </p:ext>
+    </p:extLst>
+  </p:cSld>
+  <p:clrMapOvr>
+    <a:masterClrMapping/>
+  </p:clrMapOvr>
+</p:sld>
+</file>
+
+<file path=ppt/slides/slide8.xml><?xml version="1.0" encoding="utf-8"?>
+<p:sld xmlns:a="http://schemas.openxmlformats.org/drawingml/2006/main" xmlns:r="http://schemas.openxmlformats.org/officeDocument/2006/relationships" xmlns:p="http://schemas.openxmlformats.org/presentationml/2006/main">
+  <p:cSld>
+    <p:spTree>
+      <p:nvGrpSpPr>
+        <p:cNvPr id="1" name=""/>
+        <p:cNvGrpSpPr/>
+        <p:nvPr/>
+      </p:nvGrpSpPr>
+      <p:grpSpPr>
+        <a:xfrm>
+          <a:off x="0" y="0"/>
+          <a:ext cx="0" cy="0"/>
+          <a:chOff x="0" y="0"/>
+          <a:chExt cx="0" cy="0"/>
+        </a:xfrm>
+      </p:grpSpPr>
+      <p:pic>
+        <p:nvPicPr>
+          <p:cNvPr id="1034" name="Picture 10" descr="database icon에 대한 이미지 검색결과">
+            <a:extLst>
+              <a:ext uri="{FF2B5EF4-FFF2-40B4-BE49-F238E27FC236}">
+                <a16:creationId xmlns:a16="http://schemas.microsoft.com/office/drawing/2014/main" id="{059C38C4-671D-4CF4-BFCA-AD0DC56166D2}"/>
+              </a:ext>
+            </a:extLst>
+          </p:cNvPr>
+          <p:cNvPicPr>
+            <a:picLocks noChangeAspect="1" noChangeArrowheads="1"/>
+          </p:cNvPicPr>
+          <p:nvPr/>
+        </p:nvPicPr>
+        <p:blipFill>
+          <a:blip r:embed="rId2">
+            <a:alphaModFix amt="50000"/>
+            <a:extLst>
+              <a:ext uri="{28A0092B-C50C-407E-A947-70E740481C1C}">
+                <a14:useLocalDpi xmlns:a14="http://schemas.microsoft.com/office/drawing/2010/main" val="0"/>
+              </a:ext>
+            </a:extLst>
+          </a:blip>
+          <a:srcRect/>
+          <a:stretch>
+            <a:fillRect/>
+          </a:stretch>
+        </p:blipFill>
+        <p:spPr bwMode="auto">
+          <a:xfrm>
+            <a:off x="7664320" y="1754127"/>
+            <a:ext cx="3581400" cy="3581400"/>
+          </a:xfrm>
+          <a:prstGeom prst="rect">
+            <a:avLst/>
+          </a:prstGeom>
+          <a:noFill/>
+          <a:extLst>
+            <a:ext uri="{909E8E84-426E-40DD-AFC4-6F175D3DCCD1}">
+              <a14:hiddenFill xmlns:a14="http://schemas.microsoft.com/office/drawing/2010/main">
+                <a:solidFill>
+                  <a:srgbClr val="FFFFFF"/>
+                </a:solidFill>
+              </a14:hiddenFill>
+            </a:ext>
+          </a:extLst>
+        </p:spPr>
+      </p:pic>
+      <p:pic>
+        <p:nvPicPr>
+          <p:cNvPr id="1026" name="Picture 2" descr="neo4j에 대한 이미지 검색결과">
+            <a:extLst>
+              <a:ext uri="{FF2B5EF4-FFF2-40B4-BE49-F238E27FC236}">
+                <a16:creationId xmlns:a16="http://schemas.microsoft.com/office/drawing/2014/main" id="{64648787-C722-4C8E-8FC2-41CB373827B4}"/>
+              </a:ext>
+            </a:extLst>
+          </p:cNvPr>
+          <p:cNvPicPr>
+            <a:picLocks noChangeAspect="1" noChangeArrowheads="1"/>
+          </p:cNvPicPr>
+          <p:nvPr/>
+        </p:nvPicPr>
+        <p:blipFill>
+          <a:blip r:embed="rId3">
+            <a:extLst>
+              <a:ext uri="{28A0092B-C50C-407E-A947-70E740481C1C}">
+                <a14:useLocalDpi xmlns:a14="http://schemas.microsoft.com/office/drawing/2010/main" val="0"/>
+              </a:ext>
+            </a:extLst>
+          </a:blip>
+          <a:srcRect/>
+          <a:stretch>
+            <a:fillRect/>
+          </a:stretch>
+        </p:blipFill>
+        <p:spPr bwMode="auto">
+          <a:xfrm>
+            <a:off x="7224228" y="2369730"/>
+            <a:ext cx="4396877" cy="2292657"/>
+          </a:xfrm>
+          <a:prstGeom prst="rect">
+            <a:avLst/>
+          </a:prstGeom>
+          <a:noFill/>
+          <a:extLst>
+            <a:ext uri="{909E8E84-426E-40DD-AFC4-6F175D3DCCD1}">
+              <a14:hiddenFill xmlns:a14="http://schemas.microsoft.com/office/drawing/2010/main">
+                <a:solidFill>
+                  <a:srgbClr val="FFFFFF"/>
+                </a:solidFill>
+              </a14:hiddenFill>
+            </a:ext>
+          </a:extLst>
+        </p:spPr>
+      </p:pic>
+      <p:sp>
+        <p:nvSpPr>
+          <p:cNvPr id="8" name="화살표: 오른쪽 7">
+            <a:extLst>
+              <a:ext uri="{FF2B5EF4-FFF2-40B4-BE49-F238E27FC236}">
+                <a16:creationId xmlns:a16="http://schemas.microsoft.com/office/drawing/2014/main" id="{6E501949-E099-488C-9C6A-BC4B0A90A2BA}"/>
+              </a:ext>
+            </a:extLst>
+          </p:cNvPr>
+          <p:cNvSpPr/>
+          <p:nvPr/>
+        </p:nvSpPr>
+        <p:spPr>
+          <a:xfrm>
+            <a:off x="4897578" y="3023119"/>
+            <a:ext cx="1951265" cy="998375"/>
+          </a:xfrm>
+          <a:prstGeom prst="rightArrow">
+            <a:avLst>
+              <a:gd name="adj1" fmla="val 50000"/>
+              <a:gd name="adj2" fmla="val 84880"/>
+            </a:avLst>
+          </a:prstGeom>
+          <a:solidFill>
+            <a:schemeClr val="accent5"/>
+          </a:solidFill>
+          <a:ln w="50800">
+            <a:solidFill>
+              <a:schemeClr val="accent1"/>
+            </a:solidFill>
+          </a:ln>
+        </p:spPr>
+        <p:style>
+          <a:lnRef idx="2">
+            <a:schemeClr val="accent1">
+              <a:shade val="50000"/>
+            </a:schemeClr>
+          </a:lnRef>
+          <a:fillRef idx="1">
+            <a:schemeClr val="accent1"/>
+          </a:fillRef>
+          <a:effectRef idx="0">
+            <a:schemeClr val="accent1"/>
+          </a:effectRef>
+          <a:fontRef idx="minor">
+            <a:schemeClr val="lt1"/>
+          </a:fontRef>
+        </p:style>
+        <p:txBody>
+          <a:bodyPr rtlCol="0" anchor="ctr"/>
+          <a:lstStyle/>
+          <a:p>
+            <a:pPr algn="ctr"/>
+            <a:endParaRPr lang="ko-KR" altLang="en-US"/>
+          </a:p>
+        </p:txBody>
+      </p:sp>
+      <p:pic>
+        <p:nvPicPr>
+          <p:cNvPr id="9" name="그림 8">
+            <a:extLst>
+              <a:ext uri="{FF2B5EF4-FFF2-40B4-BE49-F238E27FC236}">
+                <a16:creationId xmlns:a16="http://schemas.microsoft.com/office/drawing/2014/main" id="{02929CAC-80B8-4BE4-8E88-AA70E787C7AD}"/>
+              </a:ext>
+            </a:extLst>
+          </p:cNvPr>
+          <p:cNvPicPr>
+            <a:picLocks noChangeAspect="1"/>
+          </p:cNvPicPr>
+          <p:nvPr/>
+        </p:nvPicPr>
+        <p:blipFill>
+          <a:blip r:embed="rId4"/>
+          <a:stretch>
+            <a:fillRect/>
+          </a:stretch>
+        </p:blipFill>
+        <p:spPr>
+          <a:xfrm>
+            <a:off x="570895" y="2015173"/>
+            <a:ext cx="3748572" cy="3081454"/>
+          </a:xfrm>
+          <a:prstGeom prst="rect">
+            <a:avLst/>
+          </a:prstGeom>
+        </p:spPr>
+      </p:pic>
+    </p:spTree>
+    <p:extLst>
+      <p:ext uri="{BB962C8B-B14F-4D97-AF65-F5344CB8AC3E}">
+        <p14:creationId xmlns:p14="http://schemas.microsoft.com/office/powerpoint/2010/main" val="216381531"/>
       </p:ext>
     </p:extLst>
   </p:cSld>

--- a/그래프모델링.pptx
+++ b/그래프모델링.pptx
@@ -266,7 +266,7 @@
           <a:p>
             <a:fld id="{6C510B8C-81DC-452A-8BA2-C42E018654E1}" type="datetimeFigureOut">
               <a:rPr lang="ko-KR" altLang="en-US" smtClean="0"/>
-              <a:t>2019-10-07</a:t>
+              <a:t>2019-10-09</a:t>
             </a:fld>
             <a:endParaRPr lang="ko-KR" altLang="en-US"/>
           </a:p>
@@ -464,7 +464,7 @@
           <a:p>
             <a:fld id="{6C510B8C-81DC-452A-8BA2-C42E018654E1}" type="datetimeFigureOut">
               <a:rPr lang="ko-KR" altLang="en-US" smtClean="0"/>
-              <a:t>2019-10-07</a:t>
+              <a:t>2019-10-09</a:t>
             </a:fld>
             <a:endParaRPr lang="ko-KR" altLang="en-US"/>
           </a:p>
@@ -672,7 +672,7 @@
           <a:p>
             <a:fld id="{6C510B8C-81DC-452A-8BA2-C42E018654E1}" type="datetimeFigureOut">
               <a:rPr lang="ko-KR" altLang="en-US" smtClean="0"/>
-              <a:t>2019-10-07</a:t>
+              <a:t>2019-10-09</a:t>
             </a:fld>
             <a:endParaRPr lang="ko-KR" altLang="en-US"/>
           </a:p>
@@ -870,7 +870,7 @@
           <a:p>
             <a:fld id="{6C510B8C-81DC-452A-8BA2-C42E018654E1}" type="datetimeFigureOut">
               <a:rPr lang="ko-KR" altLang="en-US" smtClean="0"/>
-              <a:t>2019-10-07</a:t>
+              <a:t>2019-10-09</a:t>
             </a:fld>
             <a:endParaRPr lang="ko-KR" altLang="en-US"/>
           </a:p>
@@ -1145,7 +1145,7 @@
           <a:p>
             <a:fld id="{6C510B8C-81DC-452A-8BA2-C42E018654E1}" type="datetimeFigureOut">
               <a:rPr lang="ko-KR" altLang="en-US" smtClean="0"/>
-              <a:t>2019-10-07</a:t>
+              <a:t>2019-10-09</a:t>
             </a:fld>
             <a:endParaRPr lang="ko-KR" altLang="en-US"/>
           </a:p>
@@ -1410,7 +1410,7 @@
           <a:p>
             <a:fld id="{6C510B8C-81DC-452A-8BA2-C42E018654E1}" type="datetimeFigureOut">
               <a:rPr lang="ko-KR" altLang="en-US" smtClean="0"/>
-              <a:t>2019-10-07</a:t>
+              <a:t>2019-10-09</a:t>
             </a:fld>
             <a:endParaRPr lang="ko-KR" altLang="en-US"/>
           </a:p>
@@ -1822,7 +1822,7 @@
           <a:p>
             <a:fld id="{6C510B8C-81DC-452A-8BA2-C42E018654E1}" type="datetimeFigureOut">
               <a:rPr lang="ko-KR" altLang="en-US" smtClean="0"/>
-              <a:t>2019-10-07</a:t>
+              <a:t>2019-10-09</a:t>
             </a:fld>
             <a:endParaRPr lang="ko-KR" altLang="en-US"/>
           </a:p>
@@ -1963,7 +1963,7 @@
           <a:p>
             <a:fld id="{6C510B8C-81DC-452A-8BA2-C42E018654E1}" type="datetimeFigureOut">
               <a:rPr lang="ko-KR" altLang="en-US" smtClean="0"/>
-              <a:t>2019-10-07</a:t>
+              <a:t>2019-10-09</a:t>
             </a:fld>
             <a:endParaRPr lang="ko-KR" altLang="en-US"/>
           </a:p>
@@ -2076,7 +2076,7 @@
           <a:p>
             <a:fld id="{6C510B8C-81DC-452A-8BA2-C42E018654E1}" type="datetimeFigureOut">
               <a:rPr lang="ko-KR" altLang="en-US" smtClean="0"/>
-              <a:t>2019-10-07</a:t>
+              <a:t>2019-10-09</a:t>
             </a:fld>
             <a:endParaRPr lang="ko-KR" altLang="en-US"/>
           </a:p>
@@ -2387,7 +2387,7 @@
           <a:p>
             <a:fld id="{6C510B8C-81DC-452A-8BA2-C42E018654E1}" type="datetimeFigureOut">
               <a:rPr lang="ko-KR" altLang="en-US" smtClean="0"/>
-              <a:t>2019-10-07</a:t>
+              <a:t>2019-10-09</a:t>
             </a:fld>
             <a:endParaRPr lang="ko-KR" altLang="en-US"/>
           </a:p>
@@ -2675,7 +2675,7 @@
           <a:p>
             <a:fld id="{6C510B8C-81DC-452A-8BA2-C42E018654E1}" type="datetimeFigureOut">
               <a:rPr lang="ko-KR" altLang="en-US" smtClean="0"/>
-              <a:t>2019-10-07</a:t>
+              <a:t>2019-10-09</a:t>
             </a:fld>
             <a:endParaRPr lang="ko-KR" altLang="en-US"/>
           </a:p>
@@ -2916,7 +2916,7 @@
           <a:p>
             <a:fld id="{6C510B8C-81DC-452A-8BA2-C42E018654E1}" type="datetimeFigureOut">
               <a:rPr lang="ko-KR" altLang="en-US" smtClean="0"/>
-              <a:t>2019-10-07</a:t>
+              <a:t>2019-10-09</a:t>
             </a:fld>
             <a:endParaRPr lang="ko-KR" altLang="en-US"/>
           </a:p>
@@ -13839,126 +13839,6 @@
           </a:fontRef>
         </p:style>
       </p:cxnSp>
-      <p:grpSp>
-        <p:nvGrpSpPr>
-          <p:cNvPr id="37" name="그룹 36">
-            <a:extLst>
-              <a:ext uri="{FF2B5EF4-FFF2-40B4-BE49-F238E27FC236}">
-                <a16:creationId xmlns:a16="http://schemas.microsoft.com/office/drawing/2014/main" id="{8FB43A71-EB5B-4AF6-9F18-BB0A224F322C}"/>
-              </a:ext>
-            </a:extLst>
-          </p:cNvPr>
-          <p:cNvGrpSpPr/>
-          <p:nvPr/>
-        </p:nvGrpSpPr>
-        <p:grpSpPr>
-          <a:xfrm>
-            <a:off x="3057684" y="1675421"/>
-            <a:ext cx="900000" cy="900000"/>
-            <a:chOff x="990598" y="3506949"/>
-            <a:chExt cx="900000" cy="900000"/>
-          </a:xfrm>
-        </p:grpSpPr>
-        <p:sp>
-          <p:nvSpPr>
-            <p:cNvPr id="38" name="타원 37">
-              <a:extLst>
-                <a:ext uri="{FF2B5EF4-FFF2-40B4-BE49-F238E27FC236}">
-                  <a16:creationId xmlns:a16="http://schemas.microsoft.com/office/drawing/2014/main" id="{D56AA526-5414-42DB-9899-5273A7978FD2}"/>
-                </a:ext>
-              </a:extLst>
-            </p:cNvPr>
-            <p:cNvSpPr/>
-            <p:nvPr/>
-          </p:nvSpPr>
-          <p:spPr>
-            <a:xfrm>
-              <a:off x="990598" y="3506949"/>
-              <a:ext cx="900000" cy="900000"/>
-            </a:xfrm>
-            <a:prstGeom prst="ellipse">
-              <a:avLst/>
-            </a:prstGeom>
-            <a:solidFill>
-              <a:srgbClr val="92D050"/>
-            </a:solidFill>
-            <a:ln w="31750">
-              <a:solidFill>
-                <a:srgbClr val="00B050"/>
-              </a:solidFill>
-            </a:ln>
-          </p:spPr>
-          <p:style>
-            <a:lnRef idx="2">
-              <a:schemeClr val="accent1">
-                <a:shade val="50000"/>
-              </a:schemeClr>
-            </a:lnRef>
-            <a:fillRef idx="1">
-              <a:schemeClr val="accent1"/>
-            </a:fillRef>
-            <a:effectRef idx="0">
-              <a:schemeClr val="accent1"/>
-            </a:effectRef>
-            <a:fontRef idx="minor">
-              <a:schemeClr val="lt1"/>
-            </a:fontRef>
-          </p:style>
-          <p:txBody>
-            <a:bodyPr rtlCol="0" anchor="ctr"/>
-            <a:lstStyle/>
-            <a:p>
-              <a:pPr algn="ctr"/>
-              <a:endParaRPr lang="ko-KR" altLang="en-US"/>
-            </a:p>
-          </p:txBody>
-        </p:sp>
-        <p:sp>
-          <p:nvSpPr>
-            <p:cNvPr id="39" name="TextBox 38">
-              <a:extLst>
-                <a:ext uri="{FF2B5EF4-FFF2-40B4-BE49-F238E27FC236}">
-                  <a16:creationId xmlns:a16="http://schemas.microsoft.com/office/drawing/2014/main" id="{CF09C895-A85D-405D-870A-E1197461DE08}"/>
-                </a:ext>
-              </a:extLst>
-            </p:cNvPr>
-            <p:cNvSpPr txBox="1"/>
-            <p:nvPr/>
-          </p:nvSpPr>
-          <p:spPr>
-            <a:xfrm>
-              <a:off x="1038223" y="3778147"/>
-              <a:ext cx="804749" cy="338554"/>
-            </a:xfrm>
-            <a:prstGeom prst="rect">
-              <a:avLst/>
-            </a:prstGeom>
-            <a:noFill/>
-          </p:spPr>
-          <p:txBody>
-            <a:bodyPr wrap="square" rtlCol="0">
-              <a:spAutoFit/>
-            </a:bodyPr>
-            <a:lstStyle/>
-            <a:p>
-              <a:pPr algn="ctr"/>
-              <a:r>
-                <a:rPr lang="en-US" altLang="ko-KR" sz="1600" b="1" dirty="0">
-                  <a:solidFill>
-                    <a:schemeClr val="bg1"/>
-                  </a:solidFill>
-                </a:rPr>
-                <a:t>Agent</a:t>
-              </a:r>
-              <a:endParaRPr lang="ko-KR" altLang="en-US" sz="1600" b="1" dirty="0">
-                <a:solidFill>
-                  <a:schemeClr val="bg1"/>
-                </a:solidFill>
-              </a:endParaRPr>
-            </a:p>
-          </p:txBody>
-        </p:sp>
-      </p:grpSp>
       <p:cxnSp>
         <p:nvCxnSpPr>
           <p:cNvPr id="68" name="직선 연결선 67">
@@ -14300,126 +14180,6 @@
       </p:cxnSp>
       <p:grpSp>
         <p:nvGrpSpPr>
-          <p:cNvPr id="40" name="그룹 39">
-            <a:extLst>
-              <a:ext uri="{FF2B5EF4-FFF2-40B4-BE49-F238E27FC236}">
-                <a16:creationId xmlns:a16="http://schemas.microsoft.com/office/drawing/2014/main" id="{7F4F591E-3828-4B14-83A8-403E97691D7A}"/>
-              </a:ext>
-            </a:extLst>
-          </p:cNvPr>
-          <p:cNvGrpSpPr/>
-          <p:nvPr/>
-        </p:nvGrpSpPr>
-        <p:grpSpPr>
-          <a:xfrm>
-            <a:off x="7903980" y="1675421"/>
-            <a:ext cx="900000" cy="900000"/>
-            <a:chOff x="990598" y="3506949"/>
-            <a:chExt cx="900000" cy="900000"/>
-          </a:xfrm>
-        </p:grpSpPr>
-        <p:sp>
-          <p:nvSpPr>
-            <p:cNvPr id="41" name="타원 40">
-              <a:extLst>
-                <a:ext uri="{FF2B5EF4-FFF2-40B4-BE49-F238E27FC236}">
-                  <a16:creationId xmlns:a16="http://schemas.microsoft.com/office/drawing/2014/main" id="{0BDB7CD9-6B59-46FC-9BC7-B00C85E504E7}"/>
-                </a:ext>
-              </a:extLst>
-            </p:cNvPr>
-            <p:cNvSpPr/>
-            <p:nvPr/>
-          </p:nvSpPr>
-          <p:spPr>
-            <a:xfrm>
-              <a:off x="990598" y="3506949"/>
-              <a:ext cx="900000" cy="900000"/>
-            </a:xfrm>
-            <a:prstGeom prst="ellipse">
-              <a:avLst/>
-            </a:prstGeom>
-            <a:solidFill>
-              <a:schemeClr val="accent2"/>
-            </a:solidFill>
-            <a:ln w="31750">
-              <a:solidFill>
-                <a:srgbClr val="FF0000"/>
-              </a:solidFill>
-            </a:ln>
-          </p:spPr>
-          <p:style>
-            <a:lnRef idx="2">
-              <a:schemeClr val="accent1">
-                <a:shade val="50000"/>
-              </a:schemeClr>
-            </a:lnRef>
-            <a:fillRef idx="1">
-              <a:schemeClr val="accent1"/>
-            </a:fillRef>
-            <a:effectRef idx="0">
-              <a:schemeClr val="accent1"/>
-            </a:effectRef>
-            <a:fontRef idx="minor">
-              <a:schemeClr val="lt1"/>
-            </a:fontRef>
-          </p:style>
-          <p:txBody>
-            <a:bodyPr rtlCol="0" anchor="ctr"/>
-            <a:lstStyle/>
-            <a:p>
-              <a:pPr algn="ctr"/>
-              <a:endParaRPr lang="ko-KR" altLang="en-US"/>
-            </a:p>
-          </p:txBody>
-        </p:sp>
-        <p:sp>
-          <p:nvSpPr>
-            <p:cNvPr id="42" name="TextBox 41">
-              <a:extLst>
-                <a:ext uri="{FF2B5EF4-FFF2-40B4-BE49-F238E27FC236}">
-                  <a16:creationId xmlns:a16="http://schemas.microsoft.com/office/drawing/2014/main" id="{C5657BB4-E1E0-4DDB-9F09-D25E20475AFB}"/>
-                </a:ext>
-              </a:extLst>
-            </p:cNvPr>
-            <p:cNvSpPr txBox="1"/>
-            <p:nvPr/>
-          </p:nvSpPr>
-          <p:spPr>
-            <a:xfrm>
-              <a:off x="1038223" y="3778147"/>
-              <a:ext cx="804749" cy="338554"/>
-            </a:xfrm>
-            <a:prstGeom prst="rect">
-              <a:avLst/>
-            </a:prstGeom>
-            <a:noFill/>
-          </p:spPr>
-          <p:txBody>
-            <a:bodyPr wrap="square" rtlCol="0">
-              <a:spAutoFit/>
-            </a:bodyPr>
-            <a:lstStyle/>
-            <a:p>
-              <a:pPr algn="ctr"/>
-              <a:r>
-                <a:rPr lang="en-US" altLang="ko-KR" sz="1600" b="1" dirty="0">
-                  <a:solidFill>
-                    <a:schemeClr val="bg1"/>
-                  </a:solidFill>
-                </a:rPr>
-                <a:t>Entity</a:t>
-              </a:r>
-              <a:endParaRPr lang="ko-KR" altLang="en-US" sz="1600" b="1" dirty="0">
-                <a:solidFill>
-                  <a:schemeClr val="bg1"/>
-                </a:solidFill>
-              </a:endParaRPr>
-            </a:p>
-          </p:txBody>
-        </p:sp>
-      </p:grpSp>
-      <p:grpSp>
-        <p:nvGrpSpPr>
           <p:cNvPr id="43" name="그룹 42">
             <a:extLst>
               <a:ext uri="{FF2B5EF4-FFF2-40B4-BE49-F238E27FC236}">
@@ -14648,6 +14408,246 @@
                   </a:solidFill>
                 </a:rPr>
                 <a:t>Agent</a:t>
+              </a:r>
+              <a:endParaRPr lang="ko-KR" altLang="en-US" sz="1600" b="1" dirty="0">
+                <a:solidFill>
+                  <a:schemeClr val="bg1"/>
+                </a:solidFill>
+              </a:endParaRPr>
+            </a:p>
+          </p:txBody>
+        </p:sp>
+      </p:grpSp>
+      <p:grpSp>
+        <p:nvGrpSpPr>
+          <p:cNvPr id="56" name="그룹 55">
+            <a:extLst>
+              <a:ext uri="{FF2B5EF4-FFF2-40B4-BE49-F238E27FC236}">
+                <a16:creationId xmlns:a16="http://schemas.microsoft.com/office/drawing/2014/main" id="{8FB43A71-EB5B-4AF6-9F18-BB0A224F322C}"/>
+              </a:ext>
+            </a:extLst>
+          </p:cNvPr>
+          <p:cNvGrpSpPr/>
+          <p:nvPr/>
+        </p:nvGrpSpPr>
+        <p:grpSpPr>
+          <a:xfrm>
+            <a:off x="7903980" y="1648752"/>
+            <a:ext cx="900000" cy="900000"/>
+            <a:chOff x="990598" y="3506949"/>
+            <a:chExt cx="900000" cy="900000"/>
+          </a:xfrm>
+        </p:grpSpPr>
+        <p:sp>
+          <p:nvSpPr>
+            <p:cNvPr id="59" name="타원 58">
+              <a:extLst>
+                <a:ext uri="{FF2B5EF4-FFF2-40B4-BE49-F238E27FC236}">
+                  <a16:creationId xmlns:a16="http://schemas.microsoft.com/office/drawing/2014/main" id="{D56AA526-5414-42DB-9899-5273A7978FD2}"/>
+                </a:ext>
+              </a:extLst>
+            </p:cNvPr>
+            <p:cNvSpPr/>
+            <p:nvPr/>
+          </p:nvSpPr>
+          <p:spPr>
+            <a:xfrm>
+              <a:off x="990598" y="3506949"/>
+              <a:ext cx="900000" cy="900000"/>
+            </a:xfrm>
+            <a:prstGeom prst="ellipse">
+              <a:avLst/>
+            </a:prstGeom>
+            <a:solidFill>
+              <a:srgbClr val="92D050"/>
+            </a:solidFill>
+            <a:ln w="31750">
+              <a:solidFill>
+                <a:srgbClr val="00B050"/>
+              </a:solidFill>
+            </a:ln>
+          </p:spPr>
+          <p:style>
+            <a:lnRef idx="2">
+              <a:schemeClr val="accent1">
+                <a:shade val="50000"/>
+              </a:schemeClr>
+            </a:lnRef>
+            <a:fillRef idx="1">
+              <a:schemeClr val="accent1"/>
+            </a:fillRef>
+            <a:effectRef idx="0">
+              <a:schemeClr val="accent1"/>
+            </a:effectRef>
+            <a:fontRef idx="minor">
+              <a:schemeClr val="lt1"/>
+            </a:fontRef>
+          </p:style>
+          <p:txBody>
+            <a:bodyPr rtlCol="0" anchor="ctr"/>
+            <a:lstStyle/>
+            <a:p>
+              <a:pPr algn="ctr"/>
+              <a:endParaRPr lang="ko-KR" altLang="en-US"/>
+            </a:p>
+          </p:txBody>
+        </p:sp>
+        <p:sp>
+          <p:nvSpPr>
+            <p:cNvPr id="61" name="TextBox 60">
+              <a:extLst>
+                <a:ext uri="{FF2B5EF4-FFF2-40B4-BE49-F238E27FC236}">
+                  <a16:creationId xmlns:a16="http://schemas.microsoft.com/office/drawing/2014/main" id="{CF09C895-A85D-405D-870A-E1197461DE08}"/>
+                </a:ext>
+              </a:extLst>
+            </p:cNvPr>
+            <p:cNvSpPr txBox="1"/>
+            <p:nvPr/>
+          </p:nvSpPr>
+          <p:spPr>
+            <a:xfrm>
+              <a:off x="1038223" y="3778147"/>
+              <a:ext cx="804749" cy="338554"/>
+            </a:xfrm>
+            <a:prstGeom prst="rect">
+              <a:avLst/>
+            </a:prstGeom>
+            <a:noFill/>
+          </p:spPr>
+          <p:txBody>
+            <a:bodyPr wrap="square" rtlCol="0">
+              <a:spAutoFit/>
+            </a:bodyPr>
+            <a:lstStyle/>
+            <a:p>
+              <a:pPr algn="ctr"/>
+              <a:r>
+                <a:rPr lang="en-US" altLang="ko-KR" sz="1600" b="1" dirty="0">
+                  <a:solidFill>
+                    <a:schemeClr val="bg1"/>
+                  </a:solidFill>
+                </a:rPr>
+                <a:t>Agent</a:t>
+              </a:r>
+              <a:endParaRPr lang="ko-KR" altLang="en-US" sz="1600" b="1" dirty="0">
+                <a:solidFill>
+                  <a:schemeClr val="bg1"/>
+                </a:solidFill>
+              </a:endParaRPr>
+            </a:p>
+          </p:txBody>
+        </p:sp>
+      </p:grpSp>
+      <p:grpSp>
+        <p:nvGrpSpPr>
+          <p:cNvPr id="64" name="그룹 63">
+            <a:extLst>
+              <a:ext uri="{FF2B5EF4-FFF2-40B4-BE49-F238E27FC236}">
+                <a16:creationId xmlns:a16="http://schemas.microsoft.com/office/drawing/2014/main" id="{7F4F591E-3828-4B14-83A8-403E97691D7A}"/>
+              </a:ext>
+            </a:extLst>
+          </p:cNvPr>
+          <p:cNvGrpSpPr/>
+          <p:nvPr/>
+        </p:nvGrpSpPr>
+        <p:grpSpPr>
+          <a:xfrm>
+            <a:off x="3057684" y="1644787"/>
+            <a:ext cx="900000" cy="900000"/>
+            <a:chOff x="990598" y="3506949"/>
+            <a:chExt cx="900000" cy="900000"/>
+          </a:xfrm>
+        </p:grpSpPr>
+        <p:sp>
+          <p:nvSpPr>
+            <p:cNvPr id="66" name="타원 65">
+              <a:extLst>
+                <a:ext uri="{FF2B5EF4-FFF2-40B4-BE49-F238E27FC236}">
+                  <a16:creationId xmlns:a16="http://schemas.microsoft.com/office/drawing/2014/main" id="{0BDB7CD9-6B59-46FC-9BC7-B00C85E504E7}"/>
+                </a:ext>
+              </a:extLst>
+            </p:cNvPr>
+            <p:cNvSpPr/>
+            <p:nvPr/>
+          </p:nvSpPr>
+          <p:spPr>
+            <a:xfrm>
+              <a:off x="990598" y="3506949"/>
+              <a:ext cx="900000" cy="900000"/>
+            </a:xfrm>
+            <a:prstGeom prst="ellipse">
+              <a:avLst/>
+            </a:prstGeom>
+            <a:solidFill>
+              <a:schemeClr val="accent2"/>
+            </a:solidFill>
+            <a:ln w="31750">
+              <a:solidFill>
+                <a:srgbClr val="FF0000"/>
+              </a:solidFill>
+            </a:ln>
+          </p:spPr>
+          <p:style>
+            <a:lnRef idx="2">
+              <a:schemeClr val="accent1">
+                <a:shade val="50000"/>
+              </a:schemeClr>
+            </a:lnRef>
+            <a:fillRef idx="1">
+              <a:schemeClr val="accent1"/>
+            </a:fillRef>
+            <a:effectRef idx="0">
+              <a:schemeClr val="accent1"/>
+            </a:effectRef>
+            <a:fontRef idx="minor">
+              <a:schemeClr val="lt1"/>
+            </a:fontRef>
+          </p:style>
+          <p:txBody>
+            <a:bodyPr rtlCol="0" anchor="ctr"/>
+            <a:lstStyle/>
+            <a:p>
+              <a:pPr algn="ctr"/>
+              <a:endParaRPr lang="ko-KR" altLang="en-US"/>
+            </a:p>
+          </p:txBody>
+        </p:sp>
+        <p:sp>
+          <p:nvSpPr>
+            <p:cNvPr id="67" name="TextBox 66">
+              <a:extLst>
+                <a:ext uri="{FF2B5EF4-FFF2-40B4-BE49-F238E27FC236}">
+                  <a16:creationId xmlns:a16="http://schemas.microsoft.com/office/drawing/2014/main" id="{C5657BB4-E1E0-4DDB-9F09-D25E20475AFB}"/>
+                </a:ext>
+              </a:extLst>
+            </p:cNvPr>
+            <p:cNvSpPr txBox="1"/>
+            <p:nvPr/>
+          </p:nvSpPr>
+          <p:spPr>
+            <a:xfrm>
+              <a:off x="1038223" y="3778147"/>
+              <a:ext cx="804749" cy="338554"/>
+            </a:xfrm>
+            <a:prstGeom prst="rect">
+              <a:avLst/>
+            </a:prstGeom>
+            <a:noFill/>
+          </p:spPr>
+          <p:txBody>
+            <a:bodyPr wrap="square" rtlCol="0">
+              <a:spAutoFit/>
+            </a:bodyPr>
+            <a:lstStyle/>
+            <a:p>
+              <a:pPr algn="ctr"/>
+              <a:r>
+                <a:rPr lang="en-US" altLang="ko-KR" sz="1600" b="1" dirty="0">
+                  <a:solidFill>
+                    <a:schemeClr val="bg1"/>
+                  </a:solidFill>
+                </a:rPr>
+                <a:t>Entity</a:t>
               </a:r>
               <a:endParaRPr lang="ko-KR" altLang="en-US" sz="1600" b="1" dirty="0">
                 <a:solidFill>

--- a/그래프모델링.pptx
+++ b/그래프모델링.pptx
@@ -13,6 +13,11 @@
     <p:sldId id="261" r:id="rId7"/>
     <p:sldId id="263" r:id="rId8"/>
     <p:sldId id="262" r:id="rId9"/>
+    <p:sldId id="264" r:id="rId10"/>
+    <p:sldId id="265" r:id="rId11"/>
+    <p:sldId id="266" r:id="rId12"/>
+    <p:sldId id="267" r:id="rId13"/>
+    <p:sldId id="268" r:id="rId14"/>
   </p:sldIdLst>
   <p:sldSz cx="12192000" cy="6858000"/>
   <p:notesSz cx="6858000" cy="9144000"/>
@@ -266,7 +271,7 @@
           <a:p>
             <a:fld id="{6C510B8C-81DC-452A-8BA2-C42E018654E1}" type="datetimeFigureOut">
               <a:rPr lang="ko-KR" altLang="en-US" smtClean="0"/>
-              <a:t>2019-10-09</a:t>
+              <a:t>2020-02-14</a:t>
             </a:fld>
             <a:endParaRPr lang="ko-KR" altLang="en-US"/>
           </a:p>
@@ -464,7 +469,7 @@
           <a:p>
             <a:fld id="{6C510B8C-81DC-452A-8BA2-C42E018654E1}" type="datetimeFigureOut">
               <a:rPr lang="ko-KR" altLang="en-US" smtClean="0"/>
-              <a:t>2019-10-09</a:t>
+              <a:t>2020-02-14</a:t>
             </a:fld>
             <a:endParaRPr lang="ko-KR" altLang="en-US"/>
           </a:p>
@@ -672,7 +677,7 @@
           <a:p>
             <a:fld id="{6C510B8C-81DC-452A-8BA2-C42E018654E1}" type="datetimeFigureOut">
               <a:rPr lang="ko-KR" altLang="en-US" smtClean="0"/>
-              <a:t>2019-10-09</a:t>
+              <a:t>2020-02-14</a:t>
             </a:fld>
             <a:endParaRPr lang="ko-KR" altLang="en-US"/>
           </a:p>
@@ -870,7 +875,7 @@
           <a:p>
             <a:fld id="{6C510B8C-81DC-452A-8BA2-C42E018654E1}" type="datetimeFigureOut">
               <a:rPr lang="ko-KR" altLang="en-US" smtClean="0"/>
-              <a:t>2019-10-09</a:t>
+              <a:t>2020-02-14</a:t>
             </a:fld>
             <a:endParaRPr lang="ko-KR" altLang="en-US"/>
           </a:p>
@@ -1145,7 +1150,7 @@
           <a:p>
             <a:fld id="{6C510B8C-81DC-452A-8BA2-C42E018654E1}" type="datetimeFigureOut">
               <a:rPr lang="ko-KR" altLang="en-US" smtClean="0"/>
-              <a:t>2019-10-09</a:t>
+              <a:t>2020-02-14</a:t>
             </a:fld>
             <a:endParaRPr lang="ko-KR" altLang="en-US"/>
           </a:p>
@@ -1410,7 +1415,7 @@
           <a:p>
             <a:fld id="{6C510B8C-81DC-452A-8BA2-C42E018654E1}" type="datetimeFigureOut">
               <a:rPr lang="ko-KR" altLang="en-US" smtClean="0"/>
-              <a:t>2019-10-09</a:t>
+              <a:t>2020-02-14</a:t>
             </a:fld>
             <a:endParaRPr lang="ko-KR" altLang="en-US"/>
           </a:p>
@@ -1822,7 +1827,7 @@
           <a:p>
             <a:fld id="{6C510B8C-81DC-452A-8BA2-C42E018654E1}" type="datetimeFigureOut">
               <a:rPr lang="ko-KR" altLang="en-US" smtClean="0"/>
-              <a:t>2019-10-09</a:t>
+              <a:t>2020-02-14</a:t>
             </a:fld>
             <a:endParaRPr lang="ko-KR" altLang="en-US"/>
           </a:p>
@@ -1963,7 +1968,7 @@
           <a:p>
             <a:fld id="{6C510B8C-81DC-452A-8BA2-C42E018654E1}" type="datetimeFigureOut">
               <a:rPr lang="ko-KR" altLang="en-US" smtClean="0"/>
-              <a:t>2019-10-09</a:t>
+              <a:t>2020-02-14</a:t>
             </a:fld>
             <a:endParaRPr lang="ko-KR" altLang="en-US"/>
           </a:p>
@@ -2076,7 +2081,7 @@
           <a:p>
             <a:fld id="{6C510B8C-81DC-452A-8BA2-C42E018654E1}" type="datetimeFigureOut">
               <a:rPr lang="ko-KR" altLang="en-US" smtClean="0"/>
-              <a:t>2019-10-09</a:t>
+              <a:t>2020-02-14</a:t>
             </a:fld>
             <a:endParaRPr lang="ko-KR" altLang="en-US"/>
           </a:p>
@@ -2387,7 +2392,7 @@
           <a:p>
             <a:fld id="{6C510B8C-81DC-452A-8BA2-C42E018654E1}" type="datetimeFigureOut">
               <a:rPr lang="ko-KR" altLang="en-US" smtClean="0"/>
-              <a:t>2019-10-09</a:t>
+              <a:t>2020-02-14</a:t>
             </a:fld>
             <a:endParaRPr lang="ko-KR" altLang="en-US"/>
           </a:p>
@@ -2675,7 +2680,7 @@
           <a:p>
             <a:fld id="{6C510B8C-81DC-452A-8BA2-C42E018654E1}" type="datetimeFigureOut">
               <a:rPr lang="ko-KR" altLang="en-US" smtClean="0"/>
-              <a:t>2019-10-09</a:t>
+              <a:t>2020-02-14</a:t>
             </a:fld>
             <a:endParaRPr lang="ko-KR" altLang="en-US"/>
           </a:p>
@@ -2916,7 +2921,7 @@
           <a:p>
             <a:fld id="{6C510B8C-81DC-452A-8BA2-C42E018654E1}" type="datetimeFigureOut">
               <a:rPr lang="ko-KR" altLang="en-US" smtClean="0"/>
-              <a:t>2019-10-09</a:t>
+              <a:t>2020-02-14</a:t>
             </a:fld>
             <a:endParaRPr lang="ko-KR" altLang="en-US"/>
           </a:p>
@@ -7615,6 +7620,5572 @@
 </p:sld>
 </file>
 
+<file path=ppt/slides/slide10.xml><?xml version="1.0" encoding="utf-8"?>
+<p:sld xmlns:a="http://schemas.openxmlformats.org/drawingml/2006/main" xmlns:r="http://schemas.openxmlformats.org/officeDocument/2006/relationships" xmlns:p="http://schemas.openxmlformats.org/presentationml/2006/main">
+  <p:cSld>
+    <p:spTree>
+      <p:nvGrpSpPr>
+        <p:cNvPr id="1" name=""/>
+        <p:cNvGrpSpPr/>
+        <p:nvPr/>
+      </p:nvGrpSpPr>
+      <p:grpSpPr>
+        <a:xfrm>
+          <a:off x="0" y="0"/>
+          <a:ext cx="0" cy="0"/>
+          <a:chOff x="0" y="0"/>
+          <a:chExt cx="0" cy="0"/>
+        </a:xfrm>
+      </p:grpSpPr>
+      <p:sp>
+        <p:nvSpPr>
+          <p:cNvPr id="4" name="화살표: 오각형 3">
+            <a:extLst>
+              <a:ext uri="{FF2B5EF4-FFF2-40B4-BE49-F238E27FC236}">
+                <a16:creationId xmlns:a16="http://schemas.microsoft.com/office/drawing/2014/main" id="{B15A06DF-DFFD-4319-AE40-E07BE51C3A98}"/>
+              </a:ext>
+            </a:extLst>
+          </p:cNvPr>
+          <p:cNvSpPr/>
+          <p:nvPr/>
+        </p:nvSpPr>
+        <p:spPr>
+          <a:xfrm rot="16200000">
+            <a:off x="1686093" y="1536321"/>
+            <a:ext cx="806172" cy="1265067"/>
+          </a:xfrm>
+          <a:prstGeom prst="homePlate">
+            <a:avLst>
+              <a:gd name="adj" fmla="val 39700"/>
+            </a:avLst>
+          </a:prstGeom>
+          <a:solidFill>
+            <a:srgbClr val="E5E57F"/>
+          </a:solidFill>
+          <a:ln w="19050">
+            <a:solidFill>
+              <a:schemeClr val="tx1"/>
+            </a:solidFill>
+          </a:ln>
+        </p:spPr>
+        <p:style>
+          <a:lnRef idx="2">
+            <a:schemeClr val="accent1">
+              <a:shade val="50000"/>
+            </a:schemeClr>
+          </a:lnRef>
+          <a:fillRef idx="1">
+            <a:schemeClr val="accent1"/>
+          </a:fillRef>
+          <a:effectRef idx="0">
+            <a:schemeClr val="accent1"/>
+          </a:effectRef>
+          <a:fontRef idx="minor">
+            <a:schemeClr val="lt1"/>
+          </a:fontRef>
+        </p:style>
+        <p:txBody>
+          <a:bodyPr vert="eaVert" rtlCol="0" anchor="ctr"/>
+          <a:lstStyle/>
+          <a:p>
+            <a:pPr algn="ctr"/>
+            <a:r>
+              <a:rPr lang="en-US" altLang="ko-KR" sz="2000">
+                <a:solidFill>
+                  <a:schemeClr val="tx1"/>
+                </a:solidFill>
+                <a:latin typeface="Arial" panose="020B0604020202020204" pitchFamily="34" charset="0"/>
+                <a:cs typeface="Arial" panose="020B0604020202020204" pitchFamily="34" charset="0"/>
+              </a:rPr>
+              <a:t>Person</a:t>
+            </a:r>
+            <a:endParaRPr lang="ko-KR" altLang="en-US" sz="2000">
+              <a:solidFill>
+                <a:schemeClr val="tx1"/>
+              </a:solidFill>
+              <a:latin typeface="Arial" panose="020B0604020202020204" pitchFamily="34" charset="0"/>
+              <a:cs typeface="Arial" panose="020B0604020202020204" pitchFamily="34" charset="0"/>
+            </a:endParaRPr>
+          </a:p>
+        </p:txBody>
+      </p:sp>
+      <p:sp>
+        <p:nvSpPr>
+          <p:cNvPr id="5" name="사각형: 둥근 모서리 4">
+            <a:extLst>
+              <a:ext uri="{FF2B5EF4-FFF2-40B4-BE49-F238E27FC236}">
+                <a16:creationId xmlns:a16="http://schemas.microsoft.com/office/drawing/2014/main" id="{B4B428D1-38E3-4D33-8F92-C2F8B0E41A96}"/>
+              </a:ext>
+            </a:extLst>
+          </p:cNvPr>
+          <p:cNvSpPr/>
+          <p:nvPr/>
+        </p:nvSpPr>
+        <p:spPr>
+          <a:xfrm>
+            <a:off x="4347079" y="370552"/>
+            <a:ext cx="1344596" cy="706624"/>
+          </a:xfrm>
+          <a:prstGeom prst="roundRect">
+            <a:avLst>
+              <a:gd name="adj" fmla="val 42223"/>
+            </a:avLst>
+          </a:prstGeom>
+          <a:solidFill>
+            <a:srgbClr val="FFF2CC"/>
+          </a:solidFill>
+          <a:ln w="19050">
+            <a:solidFill>
+              <a:schemeClr val="tx1"/>
+            </a:solidFill>
+          </a:ln>
+        </p:spPr>
+        <p:style>
+          <a:lnRef idx="2">
+            <a:schemeClr val="accent1">
+              <a:shade val="50000"/>
+            </a:schemeClr>
+          </a:lnRef>
+          <a:fillRef idx="1">
+            <a:schemeClr val="accent1"/>
+          </a:fillRef>
+          <a:effectRef idx="0">
+            <a:schemeClr val="accent1"/>
+          </a:effectRef>
+          <a:fontRef idx="minor">
+            <a:schemeClr val="lt1"/>
+          </a:fontRef>
+        </p:style>
+        <p:txBody>
+          <a:bodyPr rtlCol="0" anchor="ctr"/>
+          <a:lstStyle/>
+          <a:p>
+            <a:pPr algn="ctr"/>
+            <a:r>
+              <a:rPr lang="en-US" altLang="ko-KR" sz="2000">
+                <a:solidFill>
+                  <a:schemeClr val="tx1"/>
+                </a:solidFill>
+                <a:latin typeface="Arial" panose="020B0604020202020204" pitchFamily="34" charset="0"/>
+                <a:cs typeface="Arial" panose="020B0604020202020204" pitchFamily="34" charset="0"/>
+              </a:rPr>
+              <a:t>Data</a:t>
+            </a:r>
+            <a:endParaRPr lang="ko-KR" altLang="en-US" sz="2000">
+              <a:solidFill>
+                <a:schemeClr val="tx1"/>
+              </a:solidFill>
+              <a:latin typeface="Arial" panose="020B0604020202020204" pitchFamily="34" charset="0"/>
+              <a:cs typeface="Arial" panose="020B0604020202020204" pitchFamily="34" charset="0"/>
+            </a:endParaRPr>
+          </a:p>
+        </p:txBody>
+      </p:sp>
+      <p:sp>
+        <p:nvSpPr>
+          <p:cNvPr id="6" name="직사각형 5">
+            <a:extLst>
+              <a:ext uri="{FF2B5EF4-FFF2-40B4-BE49-F238E27FC236}">
+                <a16:creationId xmlns:a16="http://schemas.microsoft.com/office/drawing/2014/main" id="{EA2FFA64-2CF1-4540-B9DE-6A7F1ADD087B}"/>
+              </a:ext>
+            </a:extLst>
+          </p:cNvPr>
+          <p:cNvSpPr/>
+          <p:nvPr/>
+        </p:nvSpPr>
+        <p:spPr>
+          <a:xfrm>
+            <a:off x="1424510" y="388584"/>
+            <a:ext cx="1329337" cy="670560"/>
+          </a:xfrm>
+          <a:prstGeom prst="rect">
+            <a:avLst/>
+          </a:prstGeom>
+          <a:solidFill>
+            <a:srgbClr val="CCCCFF"/>
+          </a:solidFill>
+          <a:ln w="19050">
+            <a:solidFill>
+              <a:schemeClr val="tx1"/>
+            </a:solidFill>
+          </a:ln>
+        </p:spPr>
+        <p:style>
+          <a:lnRef idx="2">
+            <a:schemeClr val="accent1">
+              <a:shade val="50000"/>
+            </a:schemeClr>
+          </a:lnRef>
+          <a:fillRef idx="1">
+            <a:schemeClr val="accent1"/>
+          </a:fillRef>
+          <a:effectRef idx="0">
+            <a:schemeClr val="accent1"/>
+          </a:effectRef>
+          <a:fontRef idx="minor">
+            <a:schemeClr val="lt1"/>
+          </a:fontRef>
+        </p:style>
+        <p:txBody>
+          <a:bodyPr rot="0" spcFirstLastPara="0" vertOverflow="overflow" horzOverflow="overflow" vert="horz" wrap="square" lIns="91440" tIns="45720" rIns="91440" bIns="45720" numCol="1" spcCol="0" rtlCol="0" fromWordArt="0" anchor="ctr" anchorCtr="0" forceAA="0" compatLnSpc="1">
+            <a:prstTxWarp prst="textNoShape">
+              <a:avLst/>
+            </a:prstTxWarp>
+            <a:noAutofit/>
+          </a:bodyPr>
+          <a:lstStyle/>
+          <a:p>
+            <a:pPr algn="ctr"/>
+            <a:r>
+              <a:rPr lang="ko-KR" altLang="en-US" sz="2000">
+                <a:solidFill>
+                  <a:schemeClr val="tx1"/>
+                </a:solidFill>
+                <a:latin typeface="Arial" panose="020B0604020202020204" pitchFamily="34" charset="0"/>
+                <a:cs typeface="Arial" panose="020B0604020202020204" pitchFamily="34" charset="0"/>
+              </a:rPr>
+              <a:t>생성</a:t>
+            </a:r>
+            <a:endParaRPr lang="ko-KR" altLang="en-US" sz="2000" dirty="0">
+              <a:solidFill>
+                <a:schemeClr val="tx1"/>
+              </a:solidFill>
+              <a:latin typeface="Arial" panose="020B0604020202020204" pitchFamily="34" charset="0"/>
+              <a:cs typeface="Arial" panose="020B0604020202020204" pitchFamily="34" charset="0"/>
+            </a:endParaRPr>
+          </a:p>
+        </p:txBody>
+      </p:sp>
+      <p:cxnSp>
+        <p:nvCxnSpPr>
+          <p:cNvPr id="7" name="직선 화살표 연결선 6">
+            <a:extLst>
+              <a:ext uri="{FF2B5EF4-FFF2-40B4-BE49-F238E27FC236}">
+                <a16:creationId xmlns:a16="http://schemas.microsoft.com/office/drawing/2014/main" id="{95BB0E1D-83A5-4A09-9879-92F618E8509B}"/>
+              </a:ext>
+            </a:extLst>
+          </p:cNvPr>
+          <p:cNvCxnSpPr>
+            <a:cxnSpLocks/>
+          </p:cNvCxnSpPr>
+          <p:nvPr/>
+        </p:nvCxnSpPr>
+        <p:spPr>
+          <a:xfrm flipV="1">
+            <a:off x="2721713" y="1085104"/>
+            <a:ext cx="2277782" cy="986292"/>
+          </a:xfrm>
+          <a:prstGeom prst="straightConnector1">
+            <a:avLst/>
+          </a:prstGeom>
+          <a:ln w="19050">
+            <a:solidFill>
+              <a:schemeClr val="tx1"/>
+            </a:solidFill>
+            <a:headEnd type="triangle" w="lg" len="lg"/>
+            <a:tailEnd type="none"/>
+          </a:ln>
+        </p:spPr>
+        <p:style>
+          <a:lnRef idx="1">
+            <a:schemeClr val="accent1"/>
+          </a:lnRef>
+          <a:fillRef idx="0">
+            <a:schemeClr val="accent1"/>
+          </a:fillRef>
+          <a:effectRef idx="0">
+            <a:schemeClr val="accent1"/>
+          </a:effectRef>
+          <a:fontRef idx="minor">
+            <a:schemeClr val="tx1"/>
+          </a:fontRef>
+        </p:style>
+      </p:cxnSp>
+      <p:cxnSp>
+        <p:nvCxnSpPr>
+          <p:cNvPr id="8" name="직선 화살표 연결선 7">
+            <a:extLst>
+              <a:ext uri="{FF2B5EF4-FFF2-40B4-BE49-F238E27FC236}">
+                <a16:creationId xmlns:a16="http://schemas.microsoft.com/office/drawing/2014/main" id="{3DCD5011-E537-4943-8AE9-A8D80FE3D872}"/>
+              </a:ext>
+            </a:extLst>
+          </p:cNvPr>
+          <p:cNvCxnSpPr>
+            <a:cxnSpLocks/>
+            <a:stCxn id="4" idx="3"/>
+            <a:endCxn id="6" idx="2"/>
+          </p:cNvCxnSpPr>
+          <p:nvPr/>
+        </p:nvCxnSpPr>
+        <p:spPr>
+          <a:xfrm flipH="1" flipV="1">
+            <a:off x="2089179" y="1059144"/>
+            <a:ext cx="1" cy="706625"/>
+          </a:xfrm>
+          <a:prstGeom prst="straightConnector1">
+            <a:avLst/>
+          </a:prstGeom>
+          <a:ln w="19050">
+            <a:solidFill>
+              <a:schemeClr val="tx1"/>
+            </a:solidFill>
+            <a:headEnd type="triangle" w="lg" len="lg"/>
+            <a:tailEnd type="none"/>
+          </a:ln>
+        </p:spPr>
+        <p:style>
+          <a:lnRef idx="1">
+            <a:schemeClr val="accent1"/>
+          </a:lnRef>
+          <a:fillRef idx="0">
+            <a:schemeClr val="accent1"/>
+          </a:fillRef>
+          <a:effectRef idx="0">
+            <a:schemeClr val="accent1"/>
+          </a:effectRef>
+          <a:fontRef idx="minor">
+            <a:schemeClr val="tx1"/>
+          </a:fontRef>
+        </p:style>
+      </p:cxnSp>
+      <p:cxnSp>
+        <p:nvCxnSpPr>
+          <p:cNvPr id="9" name="직선 화살표 연결선 8">
+            <a:extLst>
+              <a:ext uri="{FF2B5EF4-FFF2-40B4-BE49-F238E27FC236}">
+                <a16:creationId xmlns:a16="http://schemas.microsoft.com/office/drawing/2014/main" id="{CE66ADBD-302D-4B82-940F-C4D611AB9A3E}"/>
+              </a:ext>
+            </a:extLst>
+          </p:cNvPr>
+          <p:cNvCxnSpPr>
+            <a:cxnSpLocks/>
+            <a:stCxn id="5" idx="1"/>
+            <a:endCxn id="6" idx="3"/>
+          </p:cNvCxnSpPr>
+          <p:nvPr/>
+        </p:nvCxnSpPr>
+        <p:spPr>
+          <a:xfrm flipH="1">
+            <a:off x="2753847" y="723864"/>
+            <a:ext cx="1593232" cy="0"/>
+          </a:xfrm>
+          <a:prstGeom prst="straightConnector1">
+            <a:avLst/>
+          </a:prstGeom>
+          <a:ln w="19050">
+            <a:solidFill>
+              <a:schemeClr val="tx1"/>
+            </a:solidFill>
+            <a:headEnd type="triangle" w="lg" len="lg"/>
+            <a:tailEnd type="none" w="lg" len="lg"/>
+          </a:ln>
+        </p:spPr>
+        <p:style>
+          <a:lnRef idx="1">
+            <a:schemeClr val="accent1"/>
+          </a:lnRef>
+          <a:fillRef idx="0">
+            <a:schemeClr val="accent1"/>
+          </a:fillRef>
+          <a:effectRef idx="0">
+            <a:schemeClr val="accent1"/>
+          </a:effectRef>
+          <a:fontRef idx="minor">
+            <a:schemeClr val="tx1"/>
+          </a:fontRef>
+        </p:style>
+      </p:cxnSp>
+      <p:sp>
+        <p:nvSpPr>
+          <p:cNvPr id="10" name="TextBox 9">
+            <a:extLst>
+              <a:ext uri="{FF2B5EF4-FFF2-40B4-BE49-F238E27FC236}">
+                <a16:creationId xmlns:a16="http://schemas.microsoft.com/office/drawing/2014/main" id="{8719ED7C-2E5D-405E-BE76-A35E1E4D3B87}"/>
+              </a:ext>
+            </a:extLst>
+          </p:cNvPr>
+          <p:cNvSpPr txBox="1"/>
+          <p:nvPr/>
+        </p:nvSpPr>
+        <p:spPr>
+          <a:xfrm>
+            <a:off x="2926864" y="357937"/>
+            <a:ext cx="1682088" cy="377641"/>
+          </a:xfrm>
+          <a:prstGeom prst="rect">
+            <a:avLst/>
+          </a:prstGeom>
+          <a:noFill/>
+        </p:spPr>
+        <p:txBody>
+          <a:bodyPr wrap="square" rtlCol="0">
+            <a:spAutoFit/>
+          </a:bodyPr>
+          <a:lstStyle/>
+          <a:p>
+            <a:r>
+              <a:rPr lang="en-US" altLang="ko-KR">
+                <a:latin typeface="Arial" panose="020B0604020202020204" pitchFamily="34" charset="0"/>
+                <a:cs typeface="Arial" panose="020B0604020202020204" pitchFamily="34" charset="0"/>
+              </a:rPr>
+              <a:t>Generate</a:t>
+            </a:r>
+            <a:endParaRPr lang="ko-KR" altLang="en-US">
+              <a:latin typeface="Arial" panose="020B0604020202020204" pitchFamily="34" charset="0"/>
+              <a:cs typeface="Arial" panose="020B0604020202020204" pitchFamily="34" charset="0"/>
+            </a:endParaRPr>
+          </a:p>
+        </p:txBody>
+      </p:sp>
+      <p:sp>
+        <p:nvSpPr>
+          <p:cNvPr id="11" name="TextBox 10">
+            <a:extLst>
+              <a:ext uri="{FF2B5EF4-FFF2-40B4-BE49-F238E27FC236}">
+                <a16:creationId xmlns:a16="http://schemas.microsoft.com/office/drawing/2014/main" id="{EA9880E3-1477-4582-9912-E95B7CE4131B}"/>
+              </a:ext>
+            </a:extLst>
+          </p:cNvPr>
+          <p:cNvSpPr txBox="1"/>
+          <p:nvPr/>
+        </p:nvSpPr>
+        <p:spPr>
+          <a:xfrm>
+            <a:off x="3767908" y="1578250"/>
+            <a:ext cx="748564" cy="369332"/>
+          </a:xfrm>
+          <a:prstGeom prst="rect">
+            <a:avLst/>
+          </a:prstGeom>
+          <a:noFill/>
+        </p:spPr>
+        <p:txBody>
+          <a:bodyPr wrap="square" rtlCol="0">
+            <a:spAutoFit/>
+          </a:bodyPr>
+          <a:lstStyle/>
+          <a:p>
+            <a:r>
+              <a:rPr lang="en-US" altLang="ko-KR">
+                <a:latin typeface="Arial" panose="020B0604020202020204" pitchFamily="34" charset="0"/>
+                <a:cs typeface="Arial" panose="020B0604020202020204" pitchFamily="34" charset="0"/>
+              </a:rPr>
+              <a:t>Own</a:t>
+            </a:r>
+            <a:endParaRPr lang="ko-KR" altLang="en-US">
+              <a:latin typeface="Arial" panose="020B0604020202020204" pitchFamily="34" charset="0"/>
+              <a:cs typeface="Arial" panose="020B0604020202020204" pitchFamily="34" charset="0"/>
+            </a:endParaRPr>
+          </a:p>
+        </p:txBody>
+      </p:sp>
+      <p:sp>
+        <p:nvSpPr>
+          <p:cNvPr id="12" name="TextBox 11">
+            <a:extLst>
+              <a:ext uri="{FF2B5EF4-FFF2-40B4-BE49-F238E27FC236}">
+                <a16:creationId xmlns:a16="http://schemas.microsoft.com/office/drawing/2014/main" id="{4A8E83A3-AE12-4CBB-981E-E7D0DB152B2A}"/>
+              </a:ext>
+            </a:extLst>
+          </p:cNvPr>
+          <p:cNvSpPr txBox="1"/>
+          <p:nvPr/>
+        </p:nvSpPr>
+        <p:spPr>
+          <a:xfrm>
+            <a:off x="1525513" y="1227790"/>
+            <a:ext cx="748564" cy="369332"/>
+          </a:xfrm>
+          <a:prstGeom prst="rect">
+            <a:avLst/>
+          </a:prstGeom>
+          <a:noFill/>
+        </p:spPr>
+        <p:txBody>
+          <a:bodyPr wrap="square" rtlCol="0">
+            <a:spAutoFit/>
+          </a:bodyPr>
+          <a:lstStyle/>
+          <a:p>
+            <a:r>
+              <a:rPr lang="en-US" altLang="ko-KR">
+                <a:latin typeface="Arial" panose="020B0604020202020204" pitchFamily="34" charset="0"/>
+                <a:cs typeface="Arial" panose="020B0604020202020204" pitchFamily="34" charset="0"/>
+              </a:rPr>
+              <a:t>Act</a:t>
+            </a:r>
+            <a:endParaRPr lang="ko-KR" altLang="en-US">
+              <a:latin typeface="Arial" panose="020B0604020202020204" pitchFamily="34" charset="0"/>
+              <a:cs typeface="Arial" panose="020B0604020202020204" pitchFamily="34" charset="0"/>
+            </a:endParaRPr>
+          </a:p>
+        </p:txBody>
+      </p:sp>
+      <p:sp>
+        <p:nvSpPr>
+          <p:cNvPr id="28" name="화살표: 오각형 27">
+            <a:extLst>
+              <a:ext uri="{FF2B5EF4-FFF2-40B4-BE49-F238E27FC236}">
+                <a16:creationId xmlns:a16="http://schemas.microsoft.com/office/drawing/2014/main" id="{67D92948-2963-4809-911A-50884E11021C}"/>
+              </a:ext>
+            </a:extLst>
+          </p:cNvPr>
+          <p:cNvSpPr/>
+          <p:nvPr/>
+        </p:nvSpPr>
+        <p:spPr>
+          <a:xfrm rot="16200000">
+            <a:off x="5835605" y="4476756"/>
+            <a:ext cx="806172" cy="1265067"/>
+          </a:xfrm>
+          <a:prstGeom prst="homePlate">
+            <a:avLst>
+              <a:gd name="adj" fmla="val 39700"/>
+            </a:avLst>
+          </a:prstGeom>
+          <a:solidFill>
+            <a:srgbClr val="E5E57F"/>
+          </a:solidFill>
+          <a:ln w="19050">
+            <a:solidFill>
+              <a:schemeClr val="tx1"/>
+            </a:solidFill>
+          </a:ln>
+        </p:spPr>
+        <p:style>
+          <a:lnRef idx="2">
+            <a:schemeClr val="accent1">
+              <a:shade val="50000"/>
+            </a:schemeClr>
+          </a:lnRef>
+          <a:fillRef idx="1">
+            <a:schemeClr val="accent1"/>
+          </a:fillRef>
+          <a:effectRef idx="0">
+            <a:schemeClr val="accent1"/>
+          </a:effectRef>
+          <a:fontRef idx="minor">
+            <a:schemeClr val="lt1"/>
+          </a:fontRef>
+        </p:style>
+        <p:txBody>
+          <a:bodyPr vert="eaVert" rtlCol="0" anchor="ctr"/>
+          <a:lstStyle/>
+          <a:p>
+            <a:pPr algn="ctr"/>
+            <a:r>
+              <a:rPr lang="en-US" altLang="ko-KR" sz="2000">
+                <a:solidFill>
+                  <a:schemeClr val="tx1"/>
+                </a:solidFill>
+                <a:latin typeface="Arial" panose="020B0604020202020204" pitchFamily="34" charset="0"/>
+                <a:cs typeface="Arial" panose="020B0604020202020204" pitchFamily="34" charset="0"/>
+              </a:rPr>
+              <a:t>Person2</a:t>
+            </a:r>
+            <a:endParaRPr lang="ko-KR" altLang="en-US" sz="2000">
+              <a:solidFill>
+                <a:schemeClr val="tx1"/>
+              </a:solidFill>
+              <a:latin typeface="Arial" panose="020B0604020202020204" pitchFamily="34" charset="0"/>
+              <a:cs typeface="Arial" panose="020B0604020202020204" pitchFamily="34" charset="0"/>
+            </a:endParaRPr>
+          </a:p>
+        </p:txBody>
+      </p:sp>
+      <p:sp>
+        <p:nvSpPr>
+          <p:cNvPr id="29" name="사각형: 둥근 모서리 28">
+            <a:extLst>
+              <a:ext uri="{FF2B5EF4-FFF2-40B4-BE49-F238E27FC236}">
+                <a16:creationId xmlns:a16="http://schemas.microsoft.com/office/drawing/2014/main" id="{734A99D4-DA86-45C8-9100-21875CE89DE3}"/>
+              </a:ext>
+            </a:extLst>
+          </p:cNvPr>
+          <p:cNvSpPr/>
+          <p:nvPr/>
+        </p:nvSpPr>
+        <p:spPr>
+          <a:xfrm>
+            <a:off x="8245719" y="3163515"/>
+            <a:ext cx="1344596" cy="706624"/>
+          </a:xfrm>
+          <a:prstGeom prst="roundRect">
+            <a:avLst>
+              <a:gd name="adj" fmla="val 42223"/>
+            </a:avLst>
+          </a:prstGeom>
+          <a:solidFill>
+            <a:srgbClr val="FFF2CC"/>
+          </a:solidFill>
+          <a:ln w="19050">
+            <a:solidFill>
+              <a:schemeClr val="tx1"/>
+            </a:solidFill>
+          </a:ln>
+        </p:spPr>
+        <p:style>
+          <a:lnRef idx="2">
+            <a:schemeClr val="accent1">
+              <a:shade val="50000"/>
+            </a:schemeClr>
+          </a:lnRef>
+          <a:fillRef idx="1">
+            <a:schemeClr val="accent1"/>
+          </a:fillRef>
+          <a:effectRef idx="0">
+            <a:schemeClr val="accent1"/>
+          </a:effectRef>
+          <a:fontRef idx="minor">
+            <a:schemeClr val="lt1"/>
+          </a:fontRef>
+        </p:style>
+        <p:txBody>
+          <a:bodyPr rtlCol="0" anchor="ctr"/>
+          <a:lstStyle/>
+          <a:p>
+            <a:pPr algn="ctr"/>
+            <a:r>
+              <a:rPr lang="en-US" altLang="ko-KR" sz="2000">
+                <a:solidFill>
+                  <a:schemeClr val="tx1"/>
+                </a:solidFill>
+                <a:latin typeface="Arial" panose="020B0604020202020204" pitchFamily="34" charset="0"/>
+                <a:cs typeface="Arial" panose="020B0604020202020204" pitchFamily="34" charset="0"/>
+              </a:rPr>
+              <a:t>Data2</a:t>
+            </a:r>
+            <a:endParaRPr lang="ko-KR" altLang="en-US" sz="2000">
+              <a:solidFill>
+                <a:schemeClr val="tx1"/>
+              </a:solidFill>
+              <a:latin typeface="Arial" panose="020B0604020202020204" pitchFamily="34" charset="0"/>
+              <a:cs typeface="Arial" panose="020B0604020202020204" pitchFamily="34" charset="0"/>
+            </a:endParaRPr>
+          </a:p>
+        </p:txBody>
+      </p:sp>
+      <p:sp>
+        <p:nvSpPr>
+          <p:cNvPr id="30" name="직사각형 29">
+            <a:extLst>
+              <a:ext uri="{FF2B5EF4-FFF2-40B4-BE49-F238E27FC236}">
+                <a16:creationId xmlns:a16="http://schemas.microsoft.com/office/drawing/2014/main" id="{F7B3200D-0B67-42A5-815C-19D8546DFFEF}"/>
+              </a:ext>
+            </a:extLst>
+          </p:cNvPr>
+          <p:cNvSpPr/>
+          <p:nvPr/>
+        </p:nvSpPr>
+        <p:spPr>
+          <a:xfrm>
+            <a:off x="5572367" y="3181547"/>
+            <a:ext cx="1329337" cy="696520"/>
+          </a:xfrm>
+          <a:prstGeom prst="rect">
+            <a:avLst/>
+          </a:prstGeom>
+          <a:solidFill>
+            <a:srgbClr val="CCCCFF"/>
+          </a:solidFill>
+          <a:ln w="19050">
+            <a:solidFill>
+              <a:schemeClr val="tx1"/>
+            </a:solidFill>
+          </a:ln>
+        </p:spPr>
+        <p:style>
+          <a:lnRef idx="2">
+            <a:schemeClr val="accent1">
+              <a:shade val="50000"/>
+            </a:schemeClr>
+          </a:lnRef>
+          <a:fillRef idx="1">
+            <a:schemeClr val="accent1"/>
+          </a:fillRef>
+          <a:effectRef idx="0">
+            <a:schemeClr val="accent1"/>
+          </a:effectRef>
+          <a:fontRef idx="minor">
+            <a:schemeClr val="lt1"/>
+          </a:fontRef>
+        </p:style>
+        <p:txBody>
+          <a:bodyPr rot="0" spcFirstLastPara="0" vertOverflow="overflow" horzOverflow="overflow" vert="horz" wrap="square" lIns="91440" tIns="45720" rIns="91440" bIns="45720" numCol="1" spcCol="0" rtlCol="0" fromWordArt="0" anchor="ctr" anchorCtr="0" forceAA="0" compatLnSpc="1">
+            <a:prstTxWarp prst="textNoShape">
+              <a:avLst/>
+            </a:prstTxWarp>
+            <a:noAutofit/>
+          </a:bodyPr>
+          <a:lstStyle/>
+          <a:p>
+            <a:pPr algn="ctr"/>
+            <a:r>
+              <a:rPr lang="ko-KR" altLang="en-US" sz="1900">
+                <a:solidFill>
+                  <a:schemeClr val="tx1"/>
+                </a:solidFill>
+                <a:latin typeface="Arial" panose="020B0604020202020204" pitchFamily="34" charset="0"/>
+                <a:cs typeface="Arial" panose="020B0604020202020204" pitchFamily="34" charset="0"/>
+              </a:rPr>
+              <a:t>수정</a:t>
+            </a:r>
+            <a:r>
+              <a:rPr lang="en-US" altLang="ko-KR" sz="1900">
+                <a:solidFill>
+                  <a:schemeClr val="tx1"/>
+                </a:solidFill>
+                <a:latin typeface="Arial" panose="020B0604020202020204" pitchFamily="34" charset="0"/>
+                <a:cs typeface="Arial" panose="020B0604020202020204" pitchFamily="34" charset="0"/>
+              </a:rPr>
+              <a:t>/</a:t>
+            </a:r>
+            <a:r>
+              <a:rPr lang="ko-KR" altLang="en-US" sz="1900">
+                <a:solidFill>
+                  <a:schemeClr val="tx1"/>
+                </a:solidFill>
+                <a:latin typeface="Arial" panose="020B0604020202020204" pitchFamily="34" charset="0"/>
+                <a:cs typeface="Arial" panose="020B0604020202020204" pitchFamily="34" charset="0"/>
+              </a:rPr>
+              <a:t>가공</a:t>
+            </a:r>
+            <a:r>
+              <a:rPr lang="en-US" altLang="ko-KR" sz="1900">
+                <a:solidFill>
+                  <a:schemeClr val="tx1"/>
+                </a:solidFill>
+                <a:latin typeface="Arial" panose="020B0604020202020204" pitchFamily="34" charset="0"/>
+                <a:cs typeface="Arial" panose="020B0604020202020204" pitchFamily="34" charset="0"/>
+              </a:rPr>
+              <a:t>/</a:t>
+            </a:r>
+            <a:r>
+              <a:rPr lang="ko-KR" altLang="en-US" sz="1900">
+                <a:solidFill>
+                  <a:schemeClr val="tx1"/>
+                </a:solidFill>
+                <a:latin typeface="Arial" panose="020B0604020202020204" pitchFamily="34" charset="0"/>
+                <a:cs typeface="Arial" panose="020B0604020202020204" pitchFamily="34" charset="0"/>
+              </a:rPr>
+              <a:t>변환</a:t>
+            </a:r>
+            <a:endParaRPr lang="ko-KR" altLang="en-US" sz="1900" dirty="0">
+              <a:solidFill>
+                <a:schemeClr val="tx1"/>
+              </a:solidFill>
+              <a:latin typeface="Arial" panose="020B0604020202020204" pitchFamily="34" charset="0"/>
+              <a:cs typeface="Arial" panose="020B0604020202020204" pitchFamily="34" charset="0"/>
+            </a:endParaRPr>
+          </a:p>
+        </p:txBody>
+      </p:sp>
+      <p:cxnSp>
+        <p:nvCxnSpPr>
+          <p:cNvPr id="31" name="직선 화살표 연결선 30">
+            <a:extLst>
+              <a:ext uri="{FF2B5EF4-FFF2-40B4-BE49-F238E27FC236}">
+                <a16:creationId xmlns:a16="http://schemas.microsoft.com/office/drawing/2014/main" id="{316F754F-ACFA-4965-91E3-001E4FCCE978}"/>
+              </a:ext>
+            </a:extLst>
+          </p:cNvPr>
+          <p:cNvCxnSpPr>
+            <a:cxnSpLocks/>
+          </p:cNvCxnSpPr>
+          <p:nvPr/>
+        </p:nvCxnSpPr>
+        <p:spPr>
+          <a:xfrm flipV="1">
+            <a:off x="4153687" y="3878071"/>
+            <a:ext cx="4820648" cy="1105485"/>
+          </a:xfrm>
+          <a:prstGeom prst="straightConnector1">
+            <a:avLst/>
+          </a:prstGeom>
+          <a:ln w="19050">
+            <a:solidFill>
+              <a:schemeClr val="tx1"/>
+            </a:solidFill>
+            <a:headEnd type="triangle" w="lg" len="lg"/>
+            <a:tailEnd type="none"/>
+          </a:ln>
+        </p:spPr>
+        <p:style>
+          <a:lnRef idx="1">
+            <a:schemeClr val="accent1"/>
+          </a:lnRef>
+          <a:fillRef idx="0">
+            <a:schemeClr val="accent1"/>
+          </a:fillRef>
+          <a:effectRef idx="0">
+            <a:schemeClr val="accent1"/>
+          </a:effectRef>
+          <a:fontRef idx="minor">
+            <a:schemeClr val="tx1"/>
+          </a:fontRef>
+        </p:style>
+      </p:cxnSp>
+      <p:cxnSp>
+        <p:nvCxnSpPr>
+          <p:cNvPr id="32" name="직선 화살표 연결선 31">
+            <a:extLst>
+              <a:ext uri="{FF2B5EF4-FFF2-40B4-BE49-F238E27FC236}">
+                <a16:creationId xmlns:a16="http://schemas.microsoft.com/office/drawing/2014/main" id="{66D59AB6-5150-4575-96E9-32A24B0299A3}"/>
+              </a:ext>
+            </a:extLst>
+          </p:cNvPr>
+          <p:cNvCxnSpPr>
+            <a:cxnSpLocks/>
+            <a:stCxn id="28" idx="3"/>
+            <a:endCxn id="30" idx="2"/>
+          </p:cNvCxnSpPr>
+          <p:nvPr/>
+        </p:nvCxnSpPr>
+        <p:spPr>
+          <a:xfrm flipH="1" flipV="1">
+            <a:off x="6237036" y="3878067"/>
+            <a:ext cx="1656" cy="828137"/>
+          </a:xfrm>
+          <a:prstGeom prst="straightConnector1">
+            <a:avLst/>
+          </a:prstGeom>
+          <a:ln w="19050">
+            <a:solidFill>
+              <a:schemeClr val="tx1"/>
+            </a:solidFill>
+            <a:headEnd type="triangle" w="lg" len="lg"/>
+            <a:tailEnd type="none"/>
+          </a:ln>
+        </p:spPr>
+        <p:style>
+          <a:lnRef idx="1">
+            <a:schemeClr val="accent1"/>
+          </a:lnRef>
+          <a:fillRef idx="0">
+            <a:schemeClr val="accent1"/>
+          </a:fillRef>
+          <a:effectRef idx="0">
+            <a:schemeClr val="accent1"/>
+          </a:effectRef>
+          <a:fontRef idx="minor">
+            <a:schemeClr val="tx1"/>
+          </a:fontRef>
+        </p:style>
+      </p:cxnSp>
+      <p:cxnSp>
+        <p:nvCxnSpPr>
+          <p:cNvPr id="33" name="직선 화살표 연결선 32">
+            <a:extLst>
+              <a:ext uri="{FF2B5EF4-FFF2-40B4-BE49-F238E27FC236}">
+                <a16:creationId xmlns:a16="http://schemas.microsoft.com/office/drawing/2014/main" id="{1E3EBBA2-E579-4C17-B0F9-254DEB72560A}"/>
+              </a:ext>
+            </a:extLst>
+          </p:cNvPr>
+          <p:cNvCxnSpPr>
+            <a:cxnSpLocks/>
+            <a:stCxn id="29" idx="1"/>
+            <a:endCxn id="30" idx="3"/>
+          </p:cNvCxnSpPr>
+          <p:nvPr/>
+        </p:nvCxnSpPr>
+        <p:spPr>
+          <a:xfrm flipH="1">
+            <a:off x="6901704" y="3516827"/>
+            <a:ext cx="1344015" cy="12980"/>
+          </a:xfrm>
+          <a:prstGeom prst="straightConnector1">
+            <a:avLst/>
+          </a:prstGeom>
+          <a:ln w="19050">
+            <a:solidFill>
+              <a:schemeClr val="tx1"/>
+            </a:solidFill>
+            <a:headEnd type="triangle" w="lg" len="lg"/>
+            <a:tailEnd type="none" w="lg" len="lg"/>
+          </a:ln>
+        </p:spPr>
+        <p:style>
+          <a:lnRef idx="1">
+            <a:schemeClr val="accent1"/>
+          </a:lnRef>
+          <a:fillRef idx="0">
+            <a:schemeClr val="accent1"/>
+          </a:fillRef>
+          <a:effectRef idx="0">
+            <a:schemeClr val="accent1"/>
+          </a:effectRef>
+          <a:fontRef idx="minor">
+            <a:schemeClr val="tx1"/>
+          </a:fontRef>
+        </p:style>
+      </p:cxnSp>
+      <p:sp>
+        <p:nvSpPr>
+          <p:cNvPr id="34" name="TextBox 33">
+            <a:extLst>
+              <a:ext uri="{FF2B5EF4-FFF2-40B4-BE49-F238E27FC236}">
+                <a16:creationId xmlns:a16="http://schemas.microsoft.com/office/drawing/2014/main" id="{88CA1BEC-B900-44A3-AABA-72D26C9EE82D}"/>
+              </a:ext>
+            </a:extLst>
+          </p:cNvPr>
+          <p:cNvSpPr txBox="1"/>
+          <p:nvPr/>
+        </p:nvSpPr>
+        <p:spPr>
+          <a:xfrm>
+            <a:off x="6986780" y="3181831"/>
+            <a:ext cx="1682088" cy="377641"/>
+          </a:xfrm>
+          <a:prstGeom prst="rect">
+            <a:avLst/>
+          </a:prstGeom>
+          <a:noFill/>
+        </p:spPr>
+        <p:txBody>
+          <a:bodyPr wrap="square" rtlCol="0">
+            <a:spAutoFit/>
+          </a:bodyPr>
+          <a:lstStyle/>
+          <a:p>
+            <a:r>
+              <a:rPr lang="en-US" altLang="ko-KR">
+                <a:latin typeface="Arial" panose="020B0604020202020204" pitchFamily="34" charset="0"/>
+                <a:cs typeface="Arial" panose="020B0604020202020204" pitchFamily="34" charset="0"/>
+              </a:rPr>
+              <a:t>Generate</a:t>
+            </a:r>
+            <a:endParaRPr lang="ko-KR" altLang="en-US">
+              <a:latin typeface="Arial" panose="020B0604020202020204" pitchFamily="34" charset="0"/>
+              <a:cs typeface="Arial" panose="020B0604020202020204" pitchFamily="34" charset="0"/>
+            </a:endParaRPr>
+          </a:p>
+        </p:txBody>
+      </p:sp>
+      <p:sp>
+        <p:nvSpPr>
+          <p:cNvPr id="35" name="TextBox 34">
+            <a:extLst>
+              <a:ext uri="{FF2B5EF4-FFF2-40B4-BE49-F238E27FC236}">
+                <a16:creationId xmlns:a16="http://schemas.microsoft.com/office/drawing/2014/main" id="{94BB6702-6BEE-4F86-B59B-F111D4BBBED6}"/>
+              </a:ext>
+            </a:extLst>
+          </p:cNvPr>
+          <p:cNvSpPr txBox="1"/>
+          <p:nvPr/>
+        </p:nvSpPr>
+        <p:spPr>
+          <a:xfrm>
+            <a:off x="7233466" y="4231300"/>
+            <a:ext cx="748564" cy="369332"/>
+          </a:xfrm>
+          <a:prstGeom prst="rect">
+            <a:avLst/>
+          </a:prstGeom>
+          <a:noFill/>
+        </p:spPr>
+        <p:txBody>
+          <a:bodyPr wrap="square" rtlCol="0">
+            <a:spAutoFit/>
+          </a:bodyPr>
+          <a:lstStyle/>
+          <a:p>
+            <a:r>
+              <a:rPr lang="en-US" altLang="ko-KR">
+                <a:latin typeface="Arial" panose="020B0604020202020204" pitchFamily="34" charset="0"/>
+                <a:cs typeface="Arial" panose="020B0604020202020204" pitchFamily="34" charset="0"/>
+              </a:rPr>
+              <a:t>Own</a:t>
+            </a:r>
+            <a:endParaRPr lang="ko-KR" altLang="en-US">
+              <a:latin typeface="Arial" panose="020B0604020202020204" pitchFamily="34" charset="0"/>
+              <a:cs typeface="Arial" panose="020B0604020202020204" pitchFamily="34" charset="0"/>
+            </a:endParaRPr>
+          </a:p>
+        </p:txBody>
+      </p:sp>
+      <p:sp>
+        <p:nvSpPr>
+          <p:cNvPr id="36" name="TextBox 35">
+            <a:extLst>
+              <a:ext uri="{FF2B5EF4-FFF2-40B4-BE49-F238E27FC236}">
+                <a16:creationId xmlns:a16="http://schemas.microsoft.com/office/drawing/2014/main" id="{A6CBE614-100A-415F-A526-6AB51B033D58}"/>
+              </a:ext>
+            </a:extLst>
+          </p:cNvPr>
+          <p:cNvSpPr txBox="1"/>
+          <p:nvPr/>
+        </p:nvSpPr>
+        <p:spPr>
+          <a:xfrm>
+            <a:off x="5774411" y="3994430"/>
+            <a:ext cx="748564" cy="369332"/>
+          </a:xfrm>
+          <a:prstGeom prst="rect">
+            <a:avLst/>
+          </a:prstGeom>
+          <a:noFill/>
+        </p:spPr>
+        <p:txBody>
+          <a:bodyPr wrap="square" rtlCol="0">
+            <a:spAutoFit/>
+          </a:bodyPr>
+          <a:lstStyle/>
+          <a:p>
+            <a:r>
+              <a:rPr lang="en-US" altLang="ko-KR">
+                <a:latin typeface="Arial" panose="020B0604020202020204" pitchFamily="34" charset="0"/>
+                <a:cs typeface="Arial" panose="020B0604020202020204" pitchFamily="34" charset="0"/>
+              </a:rPr>
+              <a:t>Act</a:t>
+            </a:r>
+            <a:endParaRPr lang="ko-KR" altLang="en-US">
+              <a:latin typeface="Arial" panose="020B0604020202020204" pitchFamily="34" charset="0"/>
+              <a:cs typeface="Arial" panose="020B0604020202020204" pitchFamily="34" charset="0"/>
+            </a:endParaRPr>
+          </a:p>
+        </p:txBody>
+      </p:sp>
+      <p:sp>
+        <p:nvSpPr>
+          <p:cNvPr id="39" name="사각형: 둥근 모서리 38">
+            <a:extLst>
+              <a:ext uri="{FF2B5EF4-FFF2-40B4-BE49-F238E27FC236}">
+                <a16:creationId xmlns:a16="http://schemas.microsoft.com/office/drawing/2014/main" id="{D815F308-1CEA-4937-8272-B37A96EFC0CD}"/>
+              </a:ext>
+            </a:extLst>
+          </p:cNvPr>
+          <p:cNvSpPr/>
+          <p:nvPr/>
+        </p:nvSpPr>
+        <p:spPr>
+          <a:xfrm>
+            <a:off x="2848854" y="3184813"/>
+            <a:ext cx="1344596" cy="706624"/>
+          </a:xfrm>
+          <a:prstGeom prst="roundRect">
+            <a:avLst>
+              <a:gd name="adj" fmla="val 42223"/>
+            </a:avLst>
+          </a:prstGeom>
+          <a:solidFill>
+            <a:srgbClr val="FFF2CC"/>
+          </a:solidFill>
+          <a:ln w="19050">
+            <a:solidFill>
+              <a:schemeClr val="tx1"/>
+            </a:solidFill>
+          </a:ln>
+        </p:spPr>
+        <p:style>
+          <a:lnRef idx="2">
+            <a:schemeClr val="accent1">
+              <a:shade val="50000"/>
+            </a:schemeClr>
+          </a:lnRef>
+          <a:fillRef idx="1">
+            <a:schemeClr val="accent1"/>
+          </a:fillRef>
+          <a:effectRef idx="0">
+            <a:schemeClr val="accent1"/>
+          </a:effectRef>
+          <a:fontRef idx="minor">
+            <a:schemeClr val="lt1"/>
+          </a:fontRef>
+        </p:style>
+        <p:txBody>
+          <a:bodyPr rtlCol="0" anchor="ctr"/>
+          <a:lstStyle/>
+          <a:p>
+            <a:pPr algn="ctr"/>
+            <a:r>
+              <a:rPr lang="en-US" altLang="ko-KR" sz="2000">
+                <a:solidFill>
+                  <a:schemeClr val="tx1"/>
+                </a:solidFill>
+                <a:latin typeface="Arial" panose="020B0604020202020204" pitchFamily="34" charset="0"/>
+                <a:cs typeface="Arial" panose="020B0604020202020204" pitchFamily="34" charset="0"/>
+              </a:rPr>
+              <a:t>Data1</a:t>
+            </a:r>
+            <a:endParaRPr lang="ko-KR" altLang="en-US" sz="2000">
+              <a:solidFill>
+                <a:schemeClr val="tx1"/>
+              </a:solidFill>
+              <a:latin typeface="Arial" panose="020B0604020202020204" pitchFamily="34" charset="0"/>
+              <a:cs typeface="Arial" panose="020B0604020202020204" pitchFamily="34" charset="0"/>
+            </a:endParaRPr>
+          </a:p>
+        </p:txBody>
+      </p:sp>
+      <p:sp>
+        <p:nvSpPr>
+          <p:cNvPr id="40" name="화살표: 오각형 39">
+            <a:extLst>
+              <a:ext uri="{FF2B5EF4-FFF2-40B4-BE49-F238E27FC236}">
+                <a16:creationId xmlns:a16="http://schemas.microsoft.com/office/drawing/2014/main" id="{14954866-3412-47B2-9B79-87855159521A}"/>
+              </a:ext>
+            </a:extLst>
+          </p:cNvPr>
+          <p:cNvSpPr/>
+          <p:nvPr/>
+        </p:nvSpPr>
+        <p:spPr>
+          <a:xfrm rot="16200000">
+            <a:off x="3120030" y="4423300"/>
+            <a:ext cx="806172" cy="1265067"/>
+          </a:xfrm>
+          <a:prstGeom prst="homePlate">
+            <a:avLst>
+              <a:gd name="adj" fmla="val 39700"/>
+            </a:avLst>
+          </a:prstGeom>
+          <a:solidFill>
+            <a:srgbClr val="E5E57F"/>
+          </a:solidFill>
+          <a:ln w="19050">
+            <a:solidFill>
+              <a:schemeClr val="tx1"/>
+            </a:solidFill>
+          </a:ln>
+        </p:spPr>
+        <p:style>
+          <a:lnRef idx="2">
+            <a:schemeClr val="accent1">
+              <a:shade val="50000"/>
+            </a:schemeClr>
+          </a:lnRef>
+          <a:fillRef idx="1">
+            <a:schemeClr val="accent1"/>
+          </a:fillRef>
+          <a:effectRef idx="0">
+            <a:schemeClr val="accent1"/>
+          </a:effectRef>
+          <a:fontRef idx="minor">
+            <a:schemeClr val="lt1"/>
+          </a:fontRef>
+        </p:style>
+        <p:txBody>
+          <a:bodyPr vert="eaVert" rtlCol="0" anchor="ctr"/>
+          <a:lstStyle/>
+          <a:p>
+            <a:pPr algn="ctr"/>
+            <a:r>
+              <a:rPr lang="en-US" altLang="ko-KR" sz="2000">
+                <a:solidFill>
+                  <a:schemeClr val="tx1"/>
+                </a:solidFill>
+                <a:latin typeface="Arial" panose="020B0604020202020204" pitchFamily="34" charset="0"/>
+                <a:cs typeface="Arial" panose="020B0604020202020204" pitchFamily="34" charset="0"/>
+              </a:rPr>
+              <a:t>Person1</a:t>
+            </a:r>
+            <a:endParaRPr lang="ko-KR" altLang="en-US" sz="2000">
+              <a:solidFill>
+                <a:schemeClr val="tx1"/>
+              </a:solidFill>
+              <a:latin typeface="Arial" panose="020B0604020202020204" pitchFamily="34" charset="0"/>
+              <a:cs typeface="Arial" panose="020B0604020202020204" pitchFamily="34" charset="0"/>
+            </a:endParaRPr>
+          </a:p>
+        </p:txBody>
+      </p:sp>
+      <p:cxnSp>
+        <p:nvCxnSpPr>
+          <p:cNvPr id="45" name="직선 화살표 연결선 44">
+            <a:extLst>
+              <a:ext uri="{FF2B5EF4-FFF2-40B4-BE49-F238E27FC236}">
+                <a16:creationId xmlns:a16="http://schemas.microsoft.com/office/drawing/2014/main" id="{856784A6-B587-4148-B210-CB30D39B5095}"/>
+              </a:ext>
+            </a:extLst>
+          </p:cNvPr>
+          <p:cNvCxnSpPr>
+            <a:cxnSpLocks/>
+            <a:stCxn id="30" idx="1"/>
+            <a:endCxn id="39" idx="3"/>
+          </p:cNvCxnSpPr>
+          <p:nvPr/>
+        </p:nvCxnSpPr>
+        <p:spPr>
+          <a:xfrm flipH="1">
+            <a:off x="4193450" y="3529807"/>
+            <a:ext cx="1378917" cy="8318"/>
+          </a:xfrm>
+          <a:prstGeom prst="straightConnector1">
+            <a:avLst/>
+          </a:prstGeom>
+          <a:ln w="19050">
+            <a:solidFill>
+              <a:schemeClr val="tx1"/>
+            </a:solidFill>
+            <a:headEnd type="triangle" w="lg" len="lg"/>
+            <a:tailEnd type="none" w="lg" len="lg"/>
+          </a:ln>
+        </p:spPr>
+        <p:style>
+          <a:lnRef idx="1">
+            <a:schemeClr val="accent1"/>
+          </a:lnRef>
+          <a:fillRef idx="0">
+            <a:schemeClr val="accent1"/>
+          </a:fillRef>
+          <a:effectRef idx="0">
+            <a:schemeClr val="accent1"/>
+          </a:effectRef>
+          <a:fontRef idx="minor">
+            <a:schemeClr val="tx1"/>
+          </a:fontRef>
+        </p:style>
+      </p:cxnSp>
+      <p:sp>
+        <p:nvSpPr>
+          <p:cNvPr id="46" name="TextBox 45">
+            <a:extLst>
+              <a:ext uri="{FF2B5EF4-FFF2-40B4-BE49-F238E27FC236}">
+                <a16:creationId xmlns:a16="http://schemas.microsoft.com/office/drawing/2014/main" id="{1354EA92-324B-4039-93C3-4E6EAD5F918D}"/>
+              </a:ext>
+            </a:extLst>
+          </p:cNvPr>
+          <p:cNvSpPr txBox="1"/>
+          <p:nvPr/>
+        </p:nvSpPr>
+        <p:spPr>
+          <a:xfrm>
+            <a:off x="4275309" y="3189386"/>
+            <a:ext cx="1682088" cy="377641"/>
+          </a:xfrm>
+          <a:prstGeom prst="rect">
+            <a:avLst/>
+          </a:prstGeom>
+          <a:noFill/>
+        </p:spPr>
+        <p:txBody>
+          <a:bodyPr wrap="square" rtlCol="0">
+            <a:spAutoFit/>
+          </a:bodyPr>
+          <a:lstStyle/>
+          <a:p>
+            <a:r>
+              <a:rPr lang="en-US" altLang="ko-KR">
+                <a:latin typeface="Arial" panose="020B0604020202020204" pitchFamily="34" charset="0"/>
+                <a:cs typeface="Arial" panose="020B0604020202020204" pitchFamily="34" charset="0"/>
+              </a:rPr>
+              <a:t>Generate</a:t>
+            </a:r>
+            <a:endParaRPr lang="ko-KR" altLang="en-US">
+              <a:latin typeface="Arial" panose="020B0604020202020204" pitchFamily="34" charset="0"/>
+              <a:cs typeface="Arial" panose="020B0604020202020204" pitchFamily="34" charset="0"/>
+            </a:endParaRPr>
+          </a:p>
+        </p:txBody>
+      </p:sp>
+      <p:cxnSp>
+        <p:nvCxnSpPr>
+          <p:cNvPr id="58" name="직선 화살표 연결선 57">
+            <a:extLst>
+              <a:ext uri="{FF2B5EF4-FFF2-40B4-BE49-F238E27FC236}">
+                <a16:creationId xmlns:a16="http://schemas.microsoft.com/office/drawing/2014/main" id="{D185C462-E98A-4634-A641-2FF369C6D729}"/>
+              </a:ext>
+            </a:extLst>
+          </p:cNvPr>
+          <p:cNvCxnSpPr>
+            <a:cxnSpLocks/>
+            <a:stCxn id="40" idx="3"/>
+            <a:endCxn id="39" idx="2"/>
+          </p:cNvCxnSpPr>
+          <p:nvPr/>
+        </p:nvCxnSpPr>
+        <p:spPr>
+          <a:xfrm flipH="1" flipV="1">
+            <a:off x="3521152" y="3891437"/>
+            <a:ext cx="1965" cy="761311"/>
+          </a:xfrm>
+          <a:prstGeom prst="straightConnector1">
+            <a:avLst/>
+          </a:prstGeom>
+          <a:ln w="19050">
+            <a:solidFill>
+              <a:schemeClr val="tx1"/>
+            </a:solidFill>
+            <a:headEnd type="triangle" w="lg" len="lg"/>
+            <a:tailEnd type="none"/>
+          </a:ln>
+        </p:spPr>
+        <p:style>
+          <a:lnRef idx="1">
+            <a:schemeClr val="accent1"/>
+          </a:lnRef>
+          <a:fillRef idx="0">
+            <a:schemeClr val="accent1"/>
+          </a:fillRef>
+          <a:effectRef idx="0">
+            <a:schemeClr val="accent1"/>
+          </a:effectRef>
+          <a:fontRef idx="minor">
+            <a:schemeClr val="tx1"/>
+          </a:fontRef>
+        </p:style>
+      </p:cxnSp>
+      <p:sp>
+        <p:nvSpPr>
+          <p:cNvPr id="61" name="TextBox 60">
+            <a:extLst>
+              <a:ext uri="{FF2B5EF4-FFF2-40B4-BE49-F238E27FC236}">
+                <a16:creationId xmlns:a16="http://schemas.microsoft.com/office/drawing/2014/main" id="{9E5BABBD-2F03-47A1-AF2D-80AB0DFF76EE}"/>
+              </a:ext>
+            </a:extLst>
+          </p:cNvPr>
+          <p:cNvSpPr txBox="1"/>
+          <p:nvPr/>
+        </p:nvSpPr>
+        <p:spPr>
+          <a:xfrm>
+            <a:off x="2904215" y="4063660"/>
+            <a:ext cx="748564" cy="369332"/>
+          </a:xfrm>
+          <a:prstGeom prst="rect">
+            <a:avLst/>
+          </a:prstGeom>
+          <a:noFill/>
+        </p:spPr>
+        <p:txBody>
+          <a:bodyPr wrap="square" rtlCol="0">
+            <a:spAutoFit/>
+          </a:bodyPr>
+          <a:lstStyle/>
+          <a:p>
+            <a:r>
+              <a:rPr lang="en-US" altLang="ko-KR">
+                <a:latin typeface="Arial" panose="020B0604020202020204" pitchFamily="34" charset="0"/>
+                <a:cs typeface="Arial" panose="020B0604020202020204" pitchFamily="34" charset="0"/>
+              </a:rPr>
+              <a:t>Own</a:t>
+            </a:r>
+            <a:endParaRPr lang="ko-KR" altLang="en-US">
+              <a:latin typeface="Arial" panose="020B0604020202020204" pitchFamily="34" charset="0"/>
+              <a:cs typeface="Arial" panose="020B0604020202020204" pitchFamily="34" charset="0"/>
+            </a:endParaRPr>
+          </a:p>
+        </p:txBody>
+      </p:sp>
+    </p:spTree>
+    <p:extLst>
+      <p:ext uri="{BB962C8B-B14F-4D97-AF65-F5344CB8AC3E}">
+        <p14:creationId xmlns:p14="http://schemas.microsoft.com/office/powerpoint/2010/main" val="689732811"/>
+      </p:ext>
+    </p:extLst>
+  </p:cSld>
+  <p:clrMapOvr>
+    <a:masterClrMapping/>
+  </p:clrMapOvr>
+</p:sld>
+</file>
+
+<file path=ppt/slides/slide11.xml><?xml version="1.0" encoding="utf-8"?>
+<p:sld xmlns:a="http://schemas.openxmlformats.org/drawingml/2006/main" xmlns:r="http://schemas.openxmlformats.org/officeDocument/2006/relationships" xmlns:p="http://schemas.openxmlformats.org/presentationml/2006/main">
+  <p:cSld>
+    <p:spTree>
+      <p:nvGrpSpPr>
+        <p:cNvPr id="1" name=""/>
+        <p:cNvGrpSpPr/>
+        <p:nvPr/>
+      </p:nvGrpSpPr>
+      <p:grpSpPr>
+        <a:xfrm>
+          <a:off x="0" y="0"/>
+          <a:ext cx="0" cy="0"/>
+          <a:chOff x="0" y="0"/>
+          <a:chExt cx="0" cy="0"/>
+        </a:xfrm>
+      </p:grpSpPr>
+      <p:sp>
+        <p:nvSpPr>
+          <p:cNvPr id="28" name="화살표: 오각형 27">
+            <a:extLst>
+              <a:ext uri="{FF2B5EF4-FFF2-40B4-BE49-F238E27FC236}">
+                <a16:creationId xmlns:a16="http://schemas.microsoft.com/office/drawing/2014/main" id="{67D92948-2963-4809-911A-50884E11021C}"/>
+              </a:ext>
+            </a:extLst>
+          </p:cNvPr>
+          <p:cNvSpPr/>
+          <p:nvPr/>
+        </p:nvSpPr>
+        <p:spPr>
+          <a:xfrm rot="16200000">
+            <a:off x="3416023" y="1723137"/>
+            <a:ext cx="806172" cy="1265067"/>
+          </a:xfrm>
+          <a:prstGeom prst="homePlate">
+            <a:avLst>
+              <a:gd name="adj" fmla="val 39700"/>
+            </a:avLst>
+          </a:prstGeom>
+          <a:solidFill>
+            <a:srgbClr val="E5E57F"/>
+          </a:solidFill>
+          <a:ln w="19050">
+            <a:solidFill>
+              <a:schemeClr val="tx1"/>
+            </a:solidFill>
+          </a:ln>
+        </p:spPr>
+        <p:style>
+          <a:lnRef idx="2">
+            <a:schemeClr val="accent1">
+              <a:shade val="50000"/>
+            </a:schemeClr>
+          </a:lnRef>
+          <a:fillRef idx="1">
+            <a:schemeClr val="accent1"/>
+          </a:fillRef>
+          <a:effectRef idx="0">
+            <a:schemeClr val="accent1"/>
+          </a:effectRef>
+          <a:fontRef idx="minor">
+            <a:schemeClr val="lt1"/>
+          </a:fontRef>
+        </p:style>
+        <p:txBody>
+          <a:bodyPr vert="eaVert" rtlCol="0" anchor="ctr"/>
+          <a:lstStyle/>
+          <a:p>
+            <a:pPr algn="ctr"/>
+            <a:r>
+              <a:rPr lang="en-US" altLang="ko-KR" sz="2000">
+                <a:solidFill>
+                  <a:schemeClr val="tx1"/>
+                </a:solidFill>
+                <a:latin typeface="Arial" panose="020B0604020202020204" pitchFamily="34" charset="0"/>
+                <a:cs typeface="Arial" panose="020B0604020202020204" pitchFamily="34" charset="0"/>
+              </a:rPr>
+              <a:t>Person2</a:t>
+            </a:r>
+            <a:endParaRPr lang="ko-KR" altLang="en-US" sz="2000">
+              <a:solidFill>
+                <a:schemeClr val="tx1"/>
+              </a:solidFill>
+              <a:latin typeface="Arial" panose="020B0604020202020204" pitchFamily="34" charset="0"/>
+              <a:cs typeface="Arial" panose="020B0604020202020204" pitchFamily="34" charset="0"/>
+            </a:endParaRPr>
+          </a:p>
+        </p:txBody>
+      </p:sp>
+      <p:sp>
+        <p:nvSpPr>
+          <p:cNvPr id="29" name="사각형: 둥근 모서리 28">
+            <a:extLst>
+              <a:ext uri="{FF2B5EF4-FFF2-40B4-BE49-F238E27FC236}">
+                <a16:creationId xmlns:a16="http://schemas.microsoft.com/office/drawing/2014/main" id="{734A99D4-DA86-45C8-9100-21875CE89DE3}"/>
+              </a:ext>
+            </a:extLst>
+          </p:cNvPr>
+          <p:cNvSpPr/>
+          <p:nvPr/>
+        </p:nvSpPr>
+        <p:spPr>
+          <a:xfrm>
+            <a:off x="5826137" y="409896"/>
+            <a:ext cx="1344596" cy="706624"/>
+          </a:xfrm>
+          <a:prstGeom prst="roundRect">
+            <a:avLst>
+              <a:gd name="adj" fmla="val 42223"/>
+            </a:avLst>
+          </a:prstGeom>
+          <a:solidFill>
+            <a:srgbClr val="FFF2CC"/>
+          </a:solidFill>
+          <a:ln w="19050">
+            <a:solidFill>
+              <a:schemeClr val="tx1"/>
+            </a:solidFill>
+          </a:ln>
+        </p:spPr>
+        <p:style>
+          <a:lnRef idx="2">
+            <a:schemeClr val="accent1">
+              <a:shade val="50000"/>
+            </a:schemeClr>
+          </a:lnRef>
+          <a:fillRef idx="1">
+            <a:schemeClr val="accent1"/>
+          </a:fillRef>
+          <a:effectRef idx="0">
+            <a:schemeClr val="accent1"/>
+          </a:effectRef>
+          <a:fontRef idx="minor">
+            <a:schemeClr val="lt1"/>
+          </a:fontRef>
+        </p:style>
+        <p:txBody>
+          <a:bodyPr rtlCol="0" anchor="ctr"/>
+          <a:lstStyle/>
+          <a:p>
+            <a:pPr algn="ctr"/>
+            <a:r>
+              <a:rPr lang="en-US" altLang="ko-KR" sz="2000">
+                <a:solidFill>
+                  <a:schemeClr val="tx1"/>
+                </a:solidFill>
+                <a:latin typeface="Arial" panose="020B0604020202020204" pitchFamily="34" charset="0"/>
+                <a:cs typeface="Arial" panose="020B0604020202020204" pitchFamily="34" charset="0"/>
+              </a:rPr>
+              <a:t>Data2</a:t>
+            </a:r>
+            <a:endParaRPr lang="ko-KR" altLang="en-US" sz="2000">
+              <a:solidFill>
+                <a:schemeClr val="tx1"/>
+              </a:solidFill>
+              <a:latin typeface="Arial" panose="020B0604020202020204" pitchFamily="34" charset="0"/>
+              <a:cs typeface="Arial" panose="020B0604020202020204" pitchFamily="34" charset="0"/>
+            </a:endParaRPr>
+          </a:p>
+        </p:txBody>
+      </p:sp>
+      <p:sp>
+        <p:nvSpPr>
+          <p:cNvPr id="30" name="직사각형 29">
+            <a:extLst>
+              <a:ext uri="{FF2B5EF4-FFF2-40B4-BE49-F238E27FC236}">
+                <a16:creationId xmlns:a16="http://schemas.microsoft.com/office/drawing/2014/main" id="{F7B3200D-0B67-42A5-815C-19D8546DFFEF}"/>
+              </a:ext>
+            </a:extLst>
+          </p:cNvPr>
+          <p:cNvSpPr/>
+          <p:nvPr/>
+        </p:nvSpPr>
+        <p:spPr>
+          <a:xfrm>
+            <a:off x="3152785" y="427928"/>
+            <a:ext cx="1329337" cy="696520"/>
+          </a:xfrm>
+          <a:prstGeom prst="rect">
+            <a:avLst/>
+          </a:prstGeom>
+          <a:solidFill>
+            <a:srgbClr val="CCCCFF"/>
+          </a:solidFill>
+          <a:ln w="19050">
+            <a:solidFill>
+              <a:schemeClr val="tx1"/>
+            </a:solidFill>
+          </a:ln>
+        </p:spPr>
+        <p:style>
+          <a:lnRef idx="2">
+            <a:schemeClr val="accent1">
+              <a:shade val="50000"/>
+            </a:schemeClr>
+          </a:lnRef>
+          <a:fillRef idx="1">
+            <a:schemeClr val="accent1"/>
+          </a:fillRef>
+          <a:effectRef idx="0">
+            <a:schemeClr val="accent1"/>
+          </a:effectRef>
+          <a:fontRef idx="minor">
+            <a:schemeClr val="lt1"/>
+          </a:fontRef>
+        </p:style>
+        <p:txBody>
+          <a:bodyPr rot="0" spcFirstLastPara="0" vertOverflow="overflow" horzOverflow="overflow" vert="horz" wrap="square" lIns="91440" tIns="45720" rIns="91440" bIns="45720" numCol="1" spcCol="0" rtlCol="0" fromWordArt="0" anchor="ctr" anchorCtr="0" forceAA="0" compatLnSpc="1">
+            <a:prstTxWarp prst="textNoShape">
+              <a:avLst/>
+            </a:prstTxWarp>
+            <a:noAutofit/>
+          </a:bodyPr>
+          <a:lstStyle/>
+          <a:p>
+            <a:pPr algn="ctr"/>
+            <a:r>
+              <a:rPr lang="ko-KR" altLang="en-US" sz="1900">
+                <a:solidFill>
+                  <a:schemeClr val="tx1"/>
+                </a:solidFill>
+                <a:latin typeface="Arial" panose="020B0604020202020204" pitchFamily="34" charset="0"/>
+                <a:cs typeface="Arial" panose="020B0604020202020204" pitchFamily="34" charset="0"/>
+              </a:rPr>
+              <a:t>수정</a:t>
+            </a:r>
+            <a:r>
+              <a:rPr lang="en-US" altLang="ko-KR" sz="1900">
+                <a:solidFill>
+                  <a:schemeClr val="tx1"/>
+                </a:solidFill>
+                <a:latin typeface="Arial" panose="020B0604020202020204" pitchFamily="34" charset="0"/>
+                <a:cs typeface="Arial" panose="020B0604020202020204" pitchFamily="34" charset="0"/>
+              </a:rPr>
+              <a:t>/</a:t>
+            </a:r>
+            <a:r>
+              <a:rPr lang="ko-KR" altLang="en-US" sz="1900">
+                <a:solidFill>
+                  <a:schemeClr val="tx1"/>
+                </a:solidFill>
+                <a:latin typeface="Arial" panose="020B0604020202020204" pitchFamily="34" charset="0"/>
+                <a:cs typeface="Arial" panose="020B0604020202020204" pitchFamily="34" charset="0"/>
+              </a:rPr>
+              <a:t>가공</a:t>
+            </a:r>
+            <a:r>
+              <a:rPr lang="en-US" altLang="ko-KR" sz="1900">
+                <a:solidFill>
+                  <a:schemeClr val="tx1"/>
+                </a:solidFill>
+                <a:latin typeface="Arial" panose="020B0604020202020204" pitchFamily="34" charset="0"/>
+                <a:cs typeface="Arial" panose="020B0604020202020204" pitchFamily="34" charset="0"/>
+              </a:rPr>
+              <a:t>/</a:t>
+            </a:r>
+            <a:r>
+              <a:rPr lang="ko-KR" altLang="en-US" sz="1900">
+                <a:solidFill>
+                  <a:schemeClr val="tx1"/>
+                </a:solidFill>
+                <a:latin typeface="Arial" panose="020B0604020202020204" pitchFamily="34" charset="0"/>
+                <a:cs typeface="Arial" panose="020B0604020202020204" pitchFamily="34" charset="0"/>
+              </a:rPr>
+              <a:t>변환</a:t>
+            </a:r>
+            <a:endParaRPr lang="ko-KR" altLang="en-US" sz="1900" dirty="0">
+              <a:solidFill>
+                <a:schemeClr val="tx1"/>
+              </a:solidFill>
+              <a:latin typeface="Arial" panose="020B0604020202020204" pitchFamily="34" charset="0"/>
+              <a:cs typeface="Arial" panose="020B0604020202020204" pitchFamily="34" charset="0"/>
+            </a:endParaRPr>
+          </a:p>
+        </p:txBody>
+      </p:sp>
+      <p:cxnSp>
+        <p:nvCxnSpPr>
+          <p:cNvPr id="31" name="직선 화살표 연결선 30">
+            <a:extLst>
+              <a:ext uri="{FF2B5EF4-FFF2-40B4-BE49-F238E27FC236}">
+                <a16:creationId xmlns:a16="http://schemas.microsoft.com/office/drawing/2014/main" id="{316F754F-ACFA-4965-91E3-001E4FCCE978}"/>
+              </a:ext>
+            </a:extLst>
+          </p:cNvPr>
+          <p:cNvCxnSpPr>
+            <a:cxnSpLocks/>
+          </p:cNvCxnSpPr>
+          <p:nvPr/>
+        </p:nvCxnSpPr>
+        <p:spPr>
+          <a:xfrm flipV="1">
+            <a:off x="1734105" y="1124452"/>
+            <a:ext cx="4820648" cy="1105485"/>
+          </a:xfrm>
+          <a:prstGeom prst="straightConnector1">
+            <a:avLst/>
+          </a:prstGeom>
+          <a:ln w="19050">
+            <a:solidFill>
+              <a:schemeClr val="tx1"/>
+            </a:solidFill>
+            <a:headEnd type="triangle" w="lg" len="lg"/>
+            <a:tailEnd type="none"/>
+          </a:ln>
+        </p:spPr>
+        <p:style>
+          <a:lnRef idx="1">
+            <a:schemeClr val="accent1"/>
+          </a:lnRef>
+          <a:fillRef idx="0">
+            <a:schemeClr val="accent1"/>
+          </a:fillRef>
+          <a:effectRef idx="0">
+            <a:schemeClr val="accent1"/>
+          </a:effectRef>
+          <a:fontRef idx="minor">
+            <a:schemeClr val="tx1"/>
+          </a:fontRef>
+        </p:style>
+      </p:cxnSp>
+      <p:cxnSp>
+        <p:nvCxnSpPr>
+          <p:cNvPr id="32" name="직선 화살표 연결선 31">
+            <a:extLst>
+              <a:ext uri="{FF2B5EF4-FFF2-40B4-BE49-F238E27FC236}">
+                <a16:creationId xmlns:a16="http://schemas.microsoft.com/office/drawing/2014/main" id="{66D59AB6-5150-4575-96E9-32A24B0299A3}"/>
+              </a:ext>
+            </a:extLst>
+          </p:cNvPr>
+          <p:cNvCxnSpPr>
+            <a:cxnSpLocks/>
+            <a:stCxn id="28" idx="3"/>
+            <a:endCxn id="30" idx="2"/>
+          </p:cNvCxnSpPr>
+          <p:nvPr/>
+        </p:nvCxnSpPr>
+        <p:spPr>
+          <a:xfrm flipH="1" flipV="1">
+            <a:off x="3817454" y="1124448"/>
+            <a:ext cx="1656" cy="828137"/>
+          </a:xfrm>
+          <a:prstGeom prst="straightConnector1">
+            <a:avLst/>
+          </a:prstGeom>
+          <a:ln w="19050">
+            <a:solidFill>
+              <a:schemeClr val="tx1"/>
+            </a:solidFill>
+            <a:headEnd type="triangle" w="lg" len="lg"/>
+            <a:tailEnd type="none"/>
+          </a:ln>
+        </p:spPr>
+        <p:style>
+          <a:lnRef idx="1">
+            <a:schemeClr val="accent1"/>
+          </a:lnRef>
+          <a:fillRef idx="0">
+            <a:schemeClr val="accent1"/>
+          </a:fillRef>
+          <a:effectRef idx="0">
+            <a:schemeClr val="accent1"/>
+          </a:effectRef>
+          <a:fontRef idx="minor">
+            <a:schemeClr val="tx1"/>
+          </a:fontRef>
+        </p:style>
+      </p:cxnSp>
+      <p:cxnSp>
+        <p:nvCxnSpPr>
+          <p:cNvPr id="33" name="직선 화살표 연결선 32">
+            <a:extLst>
+              <a:ext uri="{FF2B5EF4-FFF2-40B4-BE49-F238E27FC236}">
+                <a16:creationId xmlns:a16="http://schemas.microsoft.com/office/drawing/2014/main" id="{1E3EBBA2-E579-4C17-B0F9-254DEB72560A}"/>
+              </a:ext>
+            </a:extLst>
+          </p:cNvPr>
+          <p:cNvCxnSpPr>
+            <a:cxnSpLocks/>
+            <a:stCxn id="29" idx="1"/>
+            <a:endCxn id="30" idx="3"/>
+          </p:cNvCxnSpPr>
+          <p:nvPr/>
+        </p:nvCxnSpPr>
+        <p:spPr>
+          <a:xfrm flipH="1">
+            <a:off x="4482122" y="763208"/>
+            <a:ext cx="1344015" cy="12980"/>
+          </a:xfrm>
+          <a:prstGeom prst="straightConnector1">
+            <a:avLst/>
+          </a:prstGeom>
+          <a:ln w="19050">
+            <a:solidFill>
+              <a:schemeClr val="tx1"/>
+            </a:solidFill>
+            <a:headEnd type="triangle" w="lg" len="lg"/>
+            <a:tailEnd type="none" w="lg" len="lg"/>
+          </a:ln>
+        </p:spPr>
+        <p:style>
+          <a:lnRef idx="1">
+            <a:schemeClr val="accent1"/>
+          </a:lnRef>
+          <a:fillRef idx="0">
+            <a:schemeClr val="accent1"/>
+          </a:fillRef>
+          <a:effectRef idx="0">
+            <a:schemeClr val="accent1"/>
+          </a:effectRef>
+          <a:fontRef idx="minor">
+            <a:schemeClr val="tx1"/>
+          </a:fontRef>
+        </p:style>
+      </p:cxnSp>
+      <p:sp>
+        <p:nvSpPr>
+          <p:cNvPr id="34" name="TextBox 33">
+            <a:extLst>
+              <a:ext uri="{FF2B5EF4-FFF2-40B4-BE49-F238E27FC236}">
+                <a16:creationId xmlns:a16="http://schemas.microsoft.com/office/drawing/2014/main" id="{88CA1BEC-B900-44A3-AABA-72D26C9EE82D}"/>
+              </a:ext>
+            </a:extLst>
+          </p:cNvPr>
+          <p:cNvSpPr txBox="1"/>
+          <p:nvPr/>
+        </p:nvSpPr>
+        <p:spPr>
+          <a:xfrm>
+            <a:off x="4567198" y="428212"/>
+            <a:ext cx="1682088" cy="377641"/>
+          </a:xfrm>
+          <a:prstGeom prst="rect">
+            <a:avLst/>
+          </a:prstGeom>
+          <a:noFill/>
+        </p:spPr>
+        <p:txBody>
+          <a:bodyPr wrap="square" rtlCol="0">
+            <a:spAutoFit/>
+          </a:bodyPr>
+          <a:lstStyle/>
+          <a:p>
+            <a:r>
+              <a:rPr lang="en-US" altLang="ko-KR">
+                <a:latin typeface="Arial" panose="020B0604020202020204" pitchFamily="34" charset="0"/>
+                <a:cs typeface="Arial" panose="020B0604020202020204" pitchFamily="34" charset="0"/>
+              </a:rPr>
+              <a:t>Generate</a:t>
+            </a:r>
+            <a:endParaRPr lang="ko-KR" altLang="en-US">
+              <a:latin typeface="Arial" panose="020B0604020202020204" pitchFamily="34" charset="0"/>
+              <a:cs typeface="Arial" panose="020B0604020202020204" pitchFamily="34" charset="0"/>
+            </a:endParaRPr>
+          </a:p>
+        </p:txBody>
+      </p:sp>
+      <p:sp>
+        <p:nvSpPr>
+          <p:cNvPr id="35" name="TextBox 34">
+            <a:extLst>
+              <a:ext uri="{FF2B5EF4-FFF2-40B4-BE49-F238E27FC236}">
+                <a16:creationId xmlns:a16="http://schemas.microsoft.com/office/drawing/2014/main" id="{94BB6702-6BEE-4F86-B59B-F111D4BBBED6}"/>
+              </a:ext>
+            </a:extLst>
+          </p:cNvPr>
+          <p:cNvSpPr txBox="1"/>
+          <p:nvPr/>
+        </p:nvSpPr>
+        <p:spPr>
+          <a:xfrm>
+            <a:off x="4813884" y="1477681"/>
+            <a:ext cx="748564" cy="369332"/>
+          </a:xfrm>
+          <a:prstGeom prst="rect">
+            <a:avLst/>
+          </a:prstGeom>
+          <a:noFill/>
+        </p:spPr>
+        <p:txBody>
+          <a:bodyPr wrap="square" rtlCol="0">
+            <a:spAutoFit/>
+          </a:bodyPr>
+          <a:lstStyle/>
+          <a:p>
+            <a:r>
+              <a:rPr lang="en-US" altLang="ko-KR">
+                <a:latin typeface="Arial" panose="020B0604020202020204" pitchFamily="34" charset="0"/>
+                <a:cs typeface="Arial" panose="020B0604020202020204" pitchFamily="34" charset="0"/>
+              </a:rPr>
+              <a:t>Own</a:t>
+            </a:r>
+            <a:endParaRPr lang="ko-KR" altLang="en-US">
+              <a:latin typeface="Arial" panose="020B0604020202020204" pitchFamily="34" charset="0"/>
+              <a:cs typeface="Arial" panose="020B0604020202020204" pitchFamily="34" charset="0"/>
+            </a:endParaRPr>
+          </a:p>
+        </p:txBody>
+      </p:sp>
+      <p:sp>
+        <p:nvSpPr>
+          <p:cNvPr id="36" name="TextBox 35">
+            <a:extLst>
+              <a:ext uri="{FF2B5EF4-FFF2-40B4-BE49-F238E27FC236}">
+                <a16:creationId xmlns:a16="http://schemas.microsoft.com/office/drawing/2014/main" id="{A6CBE614-100A-415F-A526-6AB51B033D58}"/>
+              </a:ext>
+            </a:extLst>
+          </p:cNvPr>
+          <p:cNvSpPr txBox="1"/>
+          <p:nvPr/>
+        </p:nvSpPr>
+        <p:spPr>
+          <a:xfrm>
+            <a:off x="3354829" y="1240811"/>
+            <a:ext cx="748564" cy="369332"/>
+          </a:xfrm>
+          <a:prstGeom prst="rect">
+            <a:avLst/>
+          </a:prstGeom>
+          <a:noFill/>
+        </p:spPr>
+        <p:txBody>
+          <a:bodyPr wrap="square" rtlCol="0">
+            <a:spAutoFit/>
+          </a:bodyPr>
+          <a:lstStyle/>
+          <a:p>
+            <a:r>
+              <a:rPr lang="en-US" altLang="ko-KR">
+                <a:latin typeface="Arial" panose="020B0604020202020204" pitchFamily="34" charset="0"/>
+                <a:cs typeface="Arial" panose="020B0604020202020204" pitchFamily="34" charset="0"/>
+              </a:rPr>
+              <a:t>Act</a:t>
+            </a:r>
+            <a:endParaRPr lang="ko-KR" altLang="en-US">
+              <a:latin typeface="Arial" panose="020B0604020202020204" pitchFamily="34" charset="0"/>
+              <a:cs typeface="Arial" panose="020B0604020202020204" pitchFamily="34" charset="0"/>
+            </a:endParaRPr>
+          </a:p>
+        </p:txBody>
+      </p:sp>
+      <p:sp>
+        <p:nvSpPr>
+          <p:cNvPr id="39" name="사각형: 둥근 모서리 38">
+            <a:extLst>
+              <a:ext uri="{FF2B5EF4-FFF2-40B4-BE49-F238E27FC236}">
+                <a16:creationId xmlns:a16="http://schemas.microsoft.com/office/drawing/2014/main" id="{D815F308-1CEA-4937-8272-B37A96EFC0CD}"/>
+              </a:ext>
+            </a:extLst>
+          </p:cNvPr>
+          <p:cNvSpPr/>
+          <p:nvPr/>
+        </p:nvSpPr>
+        <p:spPr>
+          <a:xfrm>
+            <a:off x="429272" y="431194"/>
+            <a:ext cx="1344596" cy="706624"/>
+          </a:xfrm>
+          <a:prstGeom prst="roundRect">
+            <a:avLst>
+              <a:gd name="adj" fmla="val 42223"/>
+            </a:avLst>
+          </a:prstGeom>
+          <a:solidFill>
+            <a:srgbClr val="FFF2CC"/>
+          </a:solidFill>
+          <a:ln w="19050">
+            <a:solidFill>
+              <a:schemeClr val="tx1"/>
+            </a:solidFill>
+          </a:ln>
+        </p:spPr>
+        <p:style>
+          <a:lnRef idx="2">
+            <a:schemeClr val="accent1">
+              <a:shade val="50000"/>
+            </a:schemeClr>
+          </a:lnRef>
+          <a:fillRef idx="1">
+            <a:schemeClr val="accent1"/>
+          </a:fillRef>
+          <a:effectRef idx="0">
+            <a:schemeClr val="accent1"/>
+          </a:effectRef>
+          <a:fontRef idx="minor">
+            <a:schemeClr val="lt1"/>
+          </a:fontRef>
+        </p:style>
+        <p:txBody>
+          <a:bodyPr rtlCol="0" anchor="ctr"/>
+          <a:lstStyle/>
+          <a:p>
+            <a:pPr algn="ctr"/>
+            <a:r>
+              <a:rPr lang="en-US" altLang="ko-KR" sz="2000">
+                <a:solidFill>
+                  <a:schemeClr val="tx1"/>
+                </a:solidFill>
+                <a:latin typeface="Arial" panose="020B0604020202020204" pitchFamily="34" charset="0"/>
+                <a:cs typeface="Arial" panose="020B0604020202020204" pitchFamily="34" charset="0"/>
+              </a:rPr>
+              <a:t>Data1</a:t>
+            </a:r>
+            <a:endParaRPr lang="ko-KR" altLang="en-US" sz="2000">
+              <a:solidFill>
+                <a:schemeClr val="tx1"/>
+              </a:solidFill>
+              <a:latin typeface="Arial" panose="020B0604020202020204" pitchFamily="34" charset="0"/>
+              <a:cs typeface="Arial" panose="020B0604020202020204" pitchFamily="34" charset="0"/>
+            </a:endParaRPr>
+          </a:p>
+        </p:txBody>
+      </p:sp>
+      <p:sp>
+        <p:nvSpPr>
+          <p:cNvPr id="40" name="화살표: 오각형 39">
+            <a:extLst>
+              <a:ext uri="{FF2B5EF4-FFF2-40B4-BE49-F238E27FC236}">
+                <a16:creationId xmlns:a16="http://schemas.microsoft.com/office/drawing/2014/main" id="{14954866-3412-47B2-9B79-87855159521A}"/>
+              </a:ext>
+            </a:extLst>
+          </p:cNvPr>
+          <p:cNvSpPr/>
+          <p:nvPr/>
+        </p:nvSpPr>
+        <p:spPr>
+          <a:xfrm rot="16200000">
+            <a:off x="700448" y="1669681"/>
+            <a:ext cx="806172" cy="1265067"/>
+          </a:xfrm>
+          <a:prstGeom prst="homePlate">
+            <a:avLst>
+              <a:gd name="adj" fmla="val 39700"/>
+            </a:avLst>
+          </a:prstGeom>
+          <a:solidFill>
+            <a:srgbClr val="E5E57F"/>
+          </a:solidFill>
+          <a:ln w="19050">
+            <a:solidFill>
+              <a:schemeClr val="tx1"/>
+            </a:solidFill>
+          </a:ln>
+        </p:spPr>
+        <p:style>
+          <a:lnRef idx="2">
+            <a:schemeClr val="accent1">
+              <a:shade val="50000"/>
+            </a:schemeClr>
+          </a:lnRef>
+          <a:fillRef idx="1">
+            <a:schemeClr val="accent1"/>
+          </a:fillRef>
+          <a:effectRef idx="0">
+            <a:schemeClr val="accent1"/>
+          </a:effectRef>
+          <a:fontRef idx="minor">
+            <a:schemeClr val="lt1"/>
+          </a:fontRef>
+        </p:style>
+        <p:txBody>
+          <a:bodyPr vert="eaVert" rtlCol="0" anchor="ctr"/>
+          <a:lstStyle/>
+          <a:p>
+            <a:pPr algn="ctr"/>
+            <a:r>
+              <a:rPr lang="en-US" altLang="ko-KR" sz="2000">
+                <a:solidFill>
+                  <a:schemeClr val="tx1"/>
+                </a:solidFill>
+                <a:latin typeface="Arial" panose="020B0604020202020204" pitchFamily="34" charset="0"/>
+                <a:cs typeface="Arial" panose="020B0604020202020204" pitchFamily="34" charset="0"/>
+              </a:rPr>
+              <a:t>Person1</a:t>
+            </a:r>
+            <a:endParaRPr lang="ko-KR" altLang="en-US" sz="2000">
+              <a:solidFill>
+                <a:schemeClr val="tx1"/>
+              </a:solidFill>
+              <a:latin typeface="Arial" panose="020B0604020202020204" pitchFamily="34" charset="0"/>
+              <a:cs typeface="Arial" panose="020B0604020202020204" pitchFamily="34" charset="0"/>
+            </a:endParaRPr>
+          </a:p>
+        </p:txBody>
+      </p:sp>
+      <p:cxnSp>
+        <p:nvCxnSpPr>
+          <p:cNvPr id="45" name="직선 화살표 연결선 44">
+            <a:extLst>
+              <a:ext uri="{FF2B5EF4-FFF2-40B4-BE49-F238E27FC236}">
+                <a16:creationId xmlns:a16="http://schemas.microsoft.com/office/drawing/2014/main" id="{856784A6-B587-4148-B210-CB30D39B5095}"/>
+              </a:ext>
+            </a:extLst>
+          </p:cNvPr>
+          <p:cNvCxnSpPr>
+            <a:cxnSpLocks/>
+            <a:stCxn id="30" idx="1"/>
+            <a:endCxn id="39" idx="3"/>
+          </p:cNvCxnSpPr>
+          <p:nvPr/>
+        </p:nvCxnSpPr>
+        <p:spPr>
+          <a:xfrm flipH="1">
+            <a:off x="1773868" y="776188"/>
+            <a:ext cx="1378917" cy="8318"/>
+          </a:xfrm>
+          <a:prstGeom prst="straightConnector1">
+            <a:avLst/>
+          </a:prstGeom>
+          <a:ln w="19050">
+            <a:solidFill>
+              <a:schemeClr val="tx1"/>
+            </a:solidFill>
+            <a:headEnd type="triangle" w="lg" len="lg"/>
+            <a:tailEnd type="none" w="lg" len="lg"/>
+          </a:ln>
+        </p:spPr>
+        <p:style>
+          <a:lnRef idx="1">
+            <a:schemeClr val="accent1"/>
+          </a:lnRef>
+          <a:fillRef idx="0">
+            <a:schemeClr val="accent1"/>
+          </a:fillRef>
+          <a:effectRef idx="0">
+            <a:schemeClr val="accent1"/>
+          </a:effectRef>
+          <a:fontRef idx="minor">
+            <a:schemeClr val="tx1"/>
+          </a:fontRef>
+        </p:style>
+      </p:cxnSp>
+      <p:sp>
+        <p:nvSpPr>
+          <p:cNvPr id="46" name="TextBox 45">
+            <a:extLst>
+              <a:ext uri="{FF2B5EF4-FFF2-40B4-BE49-F238E27FC236}">
+                <a16:creationId xmlns:a16="http://schemas.microsoft.com/office/drawing/2014/main" id="{1354EA92-324B-4039-93C3-4E6EAD5F918D}"/>
+              </a:ext>
+            </a:extLst>
+          </p:cNvPr>
+          <p:cNvSpPr txBox="1"/>
+          <p:nvPr/>
+        </p:nvSpPr>
+        <p:spPr>
+          <a:xfrm>
+            <a:off x="1855727" y="435767"/>
+            <a:ext cx="1682088" cy="377641"/>
+          </a:xfrm>
+          <a:prstGeom prst="rect">
+            <a:avLst/>
+          </a:prstGeom>
+          <a:noFill/>
+        </p:spPr>
+        <p:txBody>
+          <a:bodyPr wrap="square" rtlCol="0">
+            <a:spAutoFit/>
+          </a:bodyPr>
+          <a:lstStyle/>
+          <a:p>
+            <a:r>
+              <a:rPr lang="en-US" altLang="ko-KR">
+                <a:latin typeface="Arial" panose="020B0604020202020204" pitchFamily="34" charset="0"/>
+                <a:cs typeface="Arial" panose="020B0604020202020204" pitchFamily="34" charset="0"/>
+              </a:rPr>
+              <a:t>Generate</a:t>
+            </a:r>
+            <a:endParaRPr lang="ko-KR" altLang="en-US">
+              <a:latin typeface="Arial" panose="020B0604020202020204" pitchFamily="34" charset="0"/>
+              <a:cs typeface="Arial" panose="020B0604020202020204" pitchFamily="34" charset="0"/>
+            </a:endParaRPr>
+          </a:p>
+        </p:txBody>
+      </p:sp>
+      <p:cxnSp>
+        <p:nvCxnSpPr>
+          <p:cNvPr id="58" name="직선 화살표 연결선 57">
+            <a:extLst>
+              <a:ext uri="{FF2B5EF4-FFF2-40B4-BE49-F238E27FC236}">
+                <a16:creationId xmlns:a16="http://schemas.microsoft.com/office/drawing/2014/main" id="{D185C462-E98A-4634-A641-2FF369C6D729}"/>
+              </a:ext>
+            </a:extLst>
+          </p:cNvPr>
+          <p:cNvCxnSpPr>
+            <a:cxnSpLocks/>
+            <a:stCxn id="40" idx="3"/>
+            <a:endCxn id="39" idx="2"/>
+          </p:cNvCxnSpPr>
+          <p:nvPr/>
+        </p:nvCxnSpPr>
+        <p:spPr>
+          <a:xfrm flipH="1" flipV="1">
+            <a:off x="1101570" y="1137818"/>
+            <a:ext cx="1965" cy="761311"/>
+          </a:xfrm>
+          <a:prstGeom prst="straightConnector1">
+            <a:avLst/>
+          </a:prstGeom>
+          <a:ln w="19050">
+            <a:solidFill>
+              <a:schemeClr val="tx1"/>
+            </a:solidFill>
+            <a:headEnd type="triangle" w="lg" len="lg"/>
+            <a:tailEnd type="none"/>
+          </a:ln>
+        </p:spPr>
+        <p:style>
+          <a:lnRef idx="1">
+            <a:schemeClr val="accent1"/>
+          </a:lnRef>
+          <a:fillRef idx="0">
+            <a:schemeClr val="accent1"/>
+          </a:fillRef>
+          <a:effectRef idx="0">
+            <a:schemeClr val="accent1"/>
+          </a:effectRef>
+          <a:fontRef idx="minor">
+            <a:schemeClr val="tx1"/>
+          </a:fontRef>
+        </p:style>
+      </p:cxnSp>
+      <p:sp>
+        <p:nvSpPr>
+          <p:cNvPr id="61" name="TextBox 60">
+            <a:extLst>
+              <a:ext uri="{FF2B5EF4-FFF2-40B4-BE49-F238E27FC236}">
+                <a16:creationId xmlns:a16="http://schemas.microsoft.com/office/drawing/2014/main" id="{9E5BABBD-2F03-47A1-AF2D-80AB0DFF76EE}"/>
+              </a:ext>
+            </a:extLst>
+          </p:cNvPr>
+          <p:cNvSpPr txBox="1"/>
+          <p:nvPr/>
+        </p:nvSpPr>
+        <p:spPr>
+          <a:xfrm>
+            <a:off x="484633" y="1310041"/>
+            <a:ext cx="748564" cy="369332"/>
+          </a:xfrm>
+          <a:prstGeom prst="rect">
+            <a:avLst/>
+          </a:prstGeom>
+          <a:noFill/>
+        </p:spPr>
+        <p:txBody>
+          <a:bodyPr wrap="square" rtlCol="0">
+            <a:spAutoFit/>
+          </a:bodyPr>
+          <a:lstStyle/>
+          <a:p>
+            <a:r>
+              <a:rPr lang="en-US" altLang="ko-KR">
+                <a:latin typeface="Arial" panose="020B0604020202020204" pitchFamily="34" charset="0"/>
+                <a:cs typeface="Arial" panose="020B0604020202020204" pitchFamily="34" charset="0"/>
+              </a:rPr>
+              <a:t>Own</a:t>
+            </a:r>
+            <a:endParaRPr lang="ko-KR" altLang="en-US">
+              <a:latin typeface="Arial" panose="020B0604020202020204" pitchFamily="34" charset="0"/>
+              <a:cs typeface="Arial" panose="020B0604020202020204" pitchFamily="34" charset="0"/>
+            </a:endParaRPr>
+          </a:p>
+        </p:txBody>
+      </p:sp>
+      <p:sp>
+        <p:nvSpPr>
+          <p:cNvPr id="26" name="화살표: 오각형 25">
+            <a:extLst>
+              <a:ext uri="{FF2B5EF4-FFF2-40B4-BE49-F238E27FC236}">
+                <a16:creationId xmlns:a16="http://schemas.microsoft.com/office/drawing/2014/main" id="{87DDE970-AB75-4FAC-A93C-12B254A76680}"/>
+              </a:ext>
+            </a:extLst>
+          </p:cNvPr>
+          <p:cNvSpPr/>
+          <p:nvPr/>
+        </p:nvSpPr>
+        <p:spPr>
+          <a:xfrm rot="16200000">
+            <a:off x="7451717" y="4934859"/>
+            <a:ext cx="806172" cy="1265067"/>
+          </a:xfrm>
+          <a:prstGeom prst="homePlate">
+            <a:avLst>
+              <a:gd name="adj" fmla="val 39700"/>
+            </a:avLst>
+          </a:prstGeom>
+          <a:solidFill>
+            <a:srgbClr val="E5E57F"/>
+          </a:solidFill>
+          <a:ln w="19050">
+            <a:solidFill>
+              <a:schemeClr val="tx1"/>
+            </a:solidFill>
+          </a:ln>
+        </p:spPr>
+        <p:style>
+          <a:lnRef idx="2">
+            <a:schemeClr val="accent1">
+              <a:shade val="50000"/>
+            </a:schemeClr>
+          </a:lnRef>
+          <a:fillRef idx="1">
+            <a:schemeClr val="accent1"/>
+          </a:fillRef>
+          <a:effectRef idx="0">
+            <a:schemeClr val="accent1"/>
+          </a:effectRef>
+          <a:fontRef idx="minor">
+            <a:schemeClr val="lt1"/>
+          </a:fontRef>
+        </p:style>
+        <p:txBody>
+          <a:bodyPr vert="eaVert" rtlCol="0" anchor="ctr"/>
+          <a:lstStyle/>
+          <a:p>
+            <a:pPr algn="ctr"/>
+            <a:r>
+              <a:rPr lang="en-US" altLang="ko-KR" sz="2000">
+                <a:solidFill>
+                  <a:schemeClr val="tx1"/>
+                </a:solidFill>
+                <a:latin typeface="Arial" panose="020B0604020202020204" pitchFamily="34" charset="0"/>
+                <a:cs typeface="Arial" panose="020B0604020202020204" pitchFamily="34" charset="0"/>
+              </a:rPr>
+              <a:t>Person2</a:t>
+            </a:r>
+            <a:endParaRPr lang="ko-KR" altLang="en-US" sz="2000">
+              <a:solidFill>
+                <a:schemeClr val="tx1"/>
+              </a:solidFill>
+              <a:latin typeface="Arial" panose="020B0604020202020204" pitchFamily="34" charset="0"/>
+              <a:cs typeface="Arial" panose="020B0604020202020204" pitchFamily="34" charset="0"/>
+            </a:endParaRPr>
+          </a:p>
+        </p:txBody>
+      </p:sp>
+      <p:sp>
+        <p:nvSpPr>
+          <p:cNvPr id="27" name="사각형: 둥근 모서리 26">
+            <a:extLst>
+              <a:ext uri="{FF2B5EF4-FFF2-40B4-BE49-F238E27FC236}">
+                <a16:creationId xmlns:a16="http://schemas.microsoft.com/office/drawing/2014/main" id="{6EC87CE4-C5C9-42CA-BA34-61E14BA7DCFF}"/>
+              </a:ext>
+            </a:extLst>
+          </p:cNvPr>
+          <p:cNvSpPr/>
+          <p:nvPr/>
+        </p:nvSpPr>
+        <p:spPr>
+          <a:xfrm>
+            <a:off x="7170733" y="3727190"/>
+            <a:ext cx="1344596" cy="706624"/>
+          </a:xfrm>
+          <a:prstGeom prst="roundRect">
+            <a:avLst>
+              <a:gd name="adj" fmla="val 42223"/>
+            </a:avLst>
+          </a:prstGeom>
+          <a:solidFill>
+            <a:srgbClr val="FFF2CC"/>
+          </a:solidFill>
+          <a:ln w="19050">
+            <a:solidFill>
+              <a:schemeClr val="tx1"/>
+            </a:solidFill>
+          </a:ln>
+        </p:spPr>
+        <p:style>
+          <a:lnRef idx="2">
+            <a:schemeClr val="accent1">
+              <a:shade val="50000"/>
+            </a:schemeClr>
+          </a:lnRef>
+          <a:fillRef idx="1">
+            <a:schemeClr val="accent1"/>
+          </a:fillRef>
+          <a:effectRef idx="0">
+            <a:schemeClr val="accent1"/>
+          </a:effectRef>
+          <a:fontRef idx="minor">
+            <a:schemeClr val="lt1"/>
+          </a:fontRef>
+        </p:style>
+        <p:txBody>
+          <a:bodyPr rtlCol="0" anchor="ctr"/>
+          <a:lstStyle/>
+          <a:p>
+            <a:pPr algn="ctr"/>
+            <a:r>
+              <a:rPr lang="en-US" altLang="ko-KR" sz="2000">
+                <a:solidFill>
+                  <a:schemeClr val="tx1"/>
+                </a:solidFill>
+                <a:latin typeface="Arial" panose="020B0604020202020204" pitchFamily="34" charset="0"/>
+                <a:cs typeface="Arial" panose="020B0604020202020204" pitchFamily="34" charset="0"/>
+              </a:rPr>
+              <a:t>Data1</a:t>
+            </a:r>
+            <a:endParaRPr lang="ko-KR" altLang="en-US" sz="2000">
+              <a:solidFill>
+                <a:schemeClr val="tx1"/>
+              </a:solidFill>
+              <a:latin typeface="Arial" panose="020B0604020202020204" pitchFamily="34" charset="0"/>
+              <a:cs typeface="Arial" panose="020B0604020202020204" pitchFamily="34" charset="0"/>
+            </a:endParaRPr>
+          </a:p>
+        </p:txBody>
+      </p:sp>
+      <p:sp>
+        <p:nvSpPr>
+          <p:cNvPr id="37" name="직사각형 36">
+            <a:extLst>
+              <a:ext uri="{FF2B5EF4-FFF2-40B4-BE49-F238E27FC236}">
+                <a16:creationId xmlns:a16="http://schemas.microsoft.com/office/drawing/2014/main" id="{3461F800-7D54-4D6D-AAFC-0A2A086AD685}"/>
+              </a:ext>
+            </a:extLst>
+          </p:cNvPr>
+          <p:cNvSpPr/>
+          <p:nvPr/>
+        </p:nvSpPr>
+        <p:spPr>
+          <a:xfrm>
+            <a:off x="4497381" y="3745222"/>
+            <a:ext cx="1329337" cy="696520"/>
+          </a:xfrm>
+          <a:prstGeom prst="rect">
+            <a:avLst/>
+          </a:prstGeom>
+          <a:solidFill>
+            <a:srgbClr val="CCCCFF"/>
+          </a:solidFill>
+          <a:ln w="19050">
+            <a:solidFill>
+              <a:schemeClr val="tx1"/>
+            </a:solidFill>
+          </a:ln>
+        </p:spPr>
+        <p:style>
+          <a:lnRef idx="2">
+            <a:schemeClr val="accent1">
+              <a:shade val="50000"/>
+            </a:schemeClr>
+          </a:lnRef>
+          <a:fillRef idx="1">
+            <a:schemeClr val="accent1"/>
+          </a:fillRef>
+          <a:effectRef idx="0">
+            <a:schemeClr val="accent1"/>
+          </a:effectRef>
+          <a:fontRef idx="minor">
+            <a:schemeClr val="lt1"/>
+          </a:fontRef>
+        </p:style>
+        <p:txBody>
+          <a:bodyPr rot="0" spcFirstLastPara="0" vertOverflow="overflow" horzOverflow="overflow" vert="horz" wrap="square" lIns="91440" tIns="45720" rIns="91440" bIns="45720" numCol="1" spcCol="0" rtlCol="0" fromWordArt="0" anchor="ctr" anchorCtr="0" forceAA="0" compatLnSpc="1">
+            <a:prstTxWarp prst="textNoShape">
+              <a:avLst/>
+            </a:prstTxWarp>
+            <a:noAutofit/>
+          </a:bodyPr>
+          <a:lstStyle/>
+          <a:p>
+            <a:pPr algn="ctr"/>
+            <a:r>
+              <a:rPr lang="ko-KR" altLang="en-US" sz="1900">
+                <a:solidFill>
+                  <a:schemeClr val="tx1"/>
+                </a:solidFill>
+                <a:latin typeface="Arial" panose="020B0604020202020204" pitchFamily="34" charset="0"/>
+                <a:cs typeface="Arial" panose="020B0604020202020204" pitchFamily="34" charset="0"/>
+              </a:rPr>
+              <a:t>배포</a:t>
+            </a:r>
+            <a:r>
+              <a:rPr lang="en-US" altLang="ko-KR" sz="1900">
+                <a:solidFill>
+                  <a:schemeClr val="tx1"/>
+                </a:solidFill>
+                <a:latin typeface="Arial" panose="020B0604020202020204" pitchFamily="34" charset="0"/>
+                <a:cs typeface="Arial" panose="020B0604020202020204" pitchFamily="34" charset="0"/>
+              </a:rPr>
+              <a:t>/</a:t>
+            </a:r>
+            <a:r>
+              <a:rPr lang="ko-KR" altLang="en-US" sz="1900">
+                <a:solidFill>
+                  <a:schemeClr val="tx1"/>
+                </a:solidFill>
+                <a:latin typeface="Arial" panose="020B0604020202020204" pitchFamily="34" charset="0"/>
+                <a:cs typeface="Arial" panose="020B0604020202020204" pitchFamily="34" charset="0"/>
+              </a:rPr>
+              <a:t>판매</a:t>
+            </a:r>
+            <a:r>
+              <a:rPr lang="en-US" altLang="ko-KR" sz="1900">
+                <a:solidFill>
+                  <a:schemeClr val="tx1"/>
+                </a:solidFill>
+                <a:latin typeface="Arial" panose="020B0604020202020204" pitchFamily="34" charset="0"/>
+                <a:cs typeface="Arial" panose="020B0604020202020204" pitchFamily="34" charset="0"/>
+              </a:rPr>
+              <a:t>/</a:t>
+            </a:r>
+            <a:r>
+              <a:rPr lang="ko-KR" altLang="en-US" sz="1900">
+                <a:solidFill>
+                  <a:schemeClr val="tx1"/>
+                </a:solidFill>
+                <a:latin typeface="Arial" panose="020B0604020202020204" pitchFamily="34" charset="0"/>
+                <a:cs typeface="Arial" panose="020B0604020202020204" pitchFamily="34" charset="0"/>
+              </a:rPr>
+              <a:t>전달</a:t>
+            </a:r>
+            <a:endParaRPr lang="ko-KR" altLang="en-US" sz="1900" dirty="0">
+              <a:solidFill>
+                <a:schemeClr val="tx1"/>
+              </a:solidFill>
+              <a:latin typeface="Arial" panose="020B0604020202020204" pitchFamily="34" charset="0"/>
+              <a:cs typeface="Arial" panose="020B0604020202020204" pitchFamily="34" charset="0"/>
+            </a:endParaRPr>
+          </a:p>
+        </p:txBody>
+      </p:sp>
+      <p:cxnSp>
+        <p:nvCxnSpPr>
+          <p:cNvPr id="38" name="직선 화살표 연결선 37">
+            <a:extLst>
+              <a:ext uri="{FF2B5EF4-FFF2-40B4-BE49-F238E27FC236}">
+                <a16:creationId xmlns:a16="http://schemas.microsoft.com/office/drawing/2014/main" id="{F0B4D0E8-E115-4AA8-89FC-DAF4770EEA1B}"/>
+              </a:ext>
+            </a:extLst>
+          </p:cNvPr>
+          <p:cNvCxnSpPr>
+            <a:cxnSpLocks/>
+            <a:stCxn id="26" idx="3"/>
+            <a:endCxn id="27" idx="2"/>
+          </p:cNvCxnSpPr>
+          <p:nvPr/>
+        </p:nvCxnSpPr>
+        <p:spPr>
+          <a:xfrm flipH="1" flipV="1">
+            <a:off x="7843031" y="4433814"/>
+            <a:ext cx="11773" cy="730493"/>
+          </a:xfrm>
+          <a:prstGeom prst="straightConnector1">
+            <a:avLst/>
+          </a:prstGeom>
+          <a:ln w="19050">
+            <a:solidFill>
+              <a:schemeClr val="tx1"/>
+            </a:solidFill>
+            <a:headEnd type="triangle" w="lg" len="lg"/>
+            <a:tailEnd type="none"/>
+          </a:ln>
+        </p:spPr>
+        <p:style>
+          <a:lnRef idx="1">
+            <a:schemeClr val="accent1"/>
+          </a:lnRef>
+          <a:fillRef idx="0">
+            <a:schemeClr val="accent1"/>
+          </a:fillRef>
+          <a:effectRef idx="0">
+            <a:schemeClr val="accent1"/>
+          </a:effectRef>
+          <a:fontRef idx="minor">
+            <a:schemeClr val="tx1"/>
+          </a:fontRef>
+        </p:style>
+      </p:cxnSp>
+      <p:cxnSp>
+        <p:nvCxnSpPr>
+          <p:cNvPr id="42" name="직선 화살표 연결선 41">
+            <a:extLst>
+              <a:ext uri="{FF2B5EF4-FFF2-40B4-BE49-F238E27FC236}">
+                <a16:creationId xmlns:a16="http://schemas.microsoft.com/office/drawing/2014/main" id="{4DCC5578-1564-4DB0-B4F0-7F874DB404BA}"/>
+              </a:ext>
+            </a:extLst>
+          </p:cNvPr>
+          <p:cNvCxnSpPr>
+            <a:cxnSpLocks/>
+            <a:stCxn id="27" idx="1"/>
+            <a:endCxn id="37" idx="3"/>
+          </p:cNvCxnSpPr>
+          <p:nvPr/>
+        </p:nvCxnSpPr>
+        <p:spPr>
+          <a:xfrm flipH="1">
+            <a:off x="5826718" y="4080502"/>
+            <a:ext cx="1344015" cy="12980"/>
+          </a:xfrm>
+          <a:prstGeom prst="straightConnector1">
+            <a:avLst/>
+          </a:prstGeom>
+          <a:ln w="19050">
+            <a:solidFill>
+              <a:schemeClr val="tx1"/>
+            </a:solidFill>
+            <a:headEnd type="triangle" w="lg" len="lg"/>
+            <a:tailEnd type="none" w="lg" len="lg"/>
+          </a:ln>
+        </p:spPr>
+        <p:style>
+          <a:lnRef idx="1">
+            <a:schemeClr val="accent1"/>
+          </a:lnRef>
+          <a:fillRef idx="0">
+            <a:schemeClr val="accent1"/>
+          </a:fillRef>
+          <a:effectRef idx="0">
+            <a:schemeClr val="accent1"/>
+          </a:effectRef>
+          <a:fontRef idx="minor">
+            <a:schemeClr val="tx1"/>
+          </a:fontRef>
+        </p:style>
+      </p:cxnSp>
+      <p:sp>
+        <p:nvSpPr>
+          <p:cNvPr id="43" name="TextBox 42">
+            <a:extLst>
+              <a:ext uri="{FF2B5EF4-FFF2-40B4-BE49-F238E27FC236}">
+                <a16:creationId xmlns:a16="http://schemas.microsoft.com/office/drawing/2014/main" id="{2DD5D734-11D4-4F09-9D80-453571DE1150}"/>
+              </a:ext>
+            </a:extLst>
+          </p:cNvPr>
+          <p:cNvSpPr txBox="1"/>
+          <p:nvPr/>
+        </p:nvSpPr>
+        <p:spPr>
+          <a:xfrm>
+            <a:off x="5911794" y="3745506"/>
+            <a:ext cx="1682088" cy="377641"/>
+          </a:xfrm>
+          <a:prstGeom prst="rect">
+            <a:avLst/>
+          </a:prstGeom>
+          <a:noFill/>
+        </p:spPr>
+        <p:txBody>
+          <a:bodyPr wrap="square" rtlCol="0">
+            <a:spAutoFit/>
+          </a:bodyPr>
+          <a:lstStyle/>
+          <a:p>
+            <a:r>
+              <a:rPr lang="en-US" altLang="ko-KR">
+                <a:latin typeface="Arial" panose="020B0604020202020204" pitchFamily="34" charset="0"/>
+                <a:cs typeface="Arial" panose="020B0604020202020204" pitchFamily="34" charset="0"/>
+              </a:rPr>
+              <a:t>Generate</a:t>
+            </a:r>
+            <a:endParaRPr lang="ko-KR" altLang="en-US">
+              <a:latin typeface="Arial" panose="020B0604020202020204" pitchFamily="34" charset="0"/>
+              <a:cs typeface="Arial" panose="020B0604020202020204" pitchFamily="34" charset="0"/>
+            </a:endParaRPr>
+          </a:p>
+        </p:txBody>
+      </p:sp>
+      <p:sp>
+        <p:nvSpPr>
+          <p:cNvPr id="44" name="TextBox 43">
+            <a:extLst>
+              <a:ext uri="{FF2B5EF4-FFF2-40B4-BE49-F238E27FC236}">
+                <a16:creationId xmlns:a16="http://schemas.microsoft.com/office/drawing/2014/main" id="{9F27B25D-AD0B-49E9-9DC6-9EE9C4C0776A}"/>
+              </a:ext>
+            </a:extLst>
+          </p:cNvPr>
+          <p:cNvSpPr txBox="1"/>
+          <p:nvPr/>
+        </p:nvSpPr>
+        <p:spPr>
+          <a:xfrm>
+            <a:off x="7222269" y="4610310"/>
+            <a:ext cx="748564" cy="369332"/>
+          </a:xfrm>
+          <a:prstGeom prst="rect">
+            <a:avLst/>
+          </a:prstGeom>
+          <a:noFill/>
+        </p:spPr>
+        <p:txBody>
+          <a:bodyPr wrap="square" rtlCol="0">
+            <a:spAutoFit/>
+          </a:bodyPr>
+          <a:lstStyle/>
+          <a:p>
+            <a:r>
+              <a:rPr lang="en-US" altLang="ko-KR">
+                <a:latin typeface="Arial" panose="020B0604020202020204" pitchFamily="34" charset="0"/>
+                <a:cs typeface="Arial" panose="020B0604020202020204" pitchFamily="34" charset="0"/>
+              </a:rPr>
+              <a:t>Own</a:t>
+            </a:r>
+            <a:endParaRPr lang="ko-KR" altLang="en-US">
+              <a:latin typeface="Arial" panose="020B0604020202020204" pitchFamily="34" charset="0"/>
+              <a:cs typeface="Arial" panose="020B0604020202020204" pitchFamily="34" charset="0"/>
+            </a:endParaRPr>
+          </a:p>
+        </p:txBody>
+      </p:sp>
+      <p:sp>
+        <p:nvSpPr>
+          <p:cNvPr id="48" name="사각형: 둥근 모서리 47">
+            <a:extLst>
+              <a:ext uri="{FF2B5EF4-FFF2-40B4-BE49-F238E27FC236}">
+                <a16:creationId xmlns:a16="http://schemas.microsoft.com/office/drawing/2014/main" id="{0EF4E570-A3A4-4D12-A9FC-0CE486803AD9}"/>
+              </a:ext>
+            </a:extLst>
+          </p:cNvPr>
+          <p:cNvSpPr/>
+          <p:nvPr/>
+        </p:nvSpPr>
+        <p:spPr>
+          <a:xfrm>
+            <a:off x="1773868" y="3748488"/>
+            <a:ext cx="1344596" cy="706624"/>
+          </a:xfrm>
+          <a:prstGeom prst="roundRect">
+            <a:avLst>
+              <a:gd name="adj" fmla="val 42223"/>
+            </a:avLst>
+          </a:prstGeom>
+          <a:solidFill>
+            <a:srgbClr val="FFF2CC"/>
+          </a:solidFill>
+          <a:ln w="19050">
+            <a:solidFill>
+              <a:schemeClr val="tx1"/>
+            </a:solidFill>
+          </a:ln>
+        </p:spPr>
+        <p:style>
+          <a:lnRef idx="2">
+            <a:schemeClr val="accent1">
+              <a:shade val="50000"/>
+            </a:schemeClr>
+          </a:lnRef>
+          <a:fillRef idx="1">
+            <a:schemeClr val="accent1"/>
+          </a:fillRef>
+          <a:effectRef idx="0">
+            <a:schemeClr val="accent1"/>
+          </a:effectRef>
+          <a:fontRef idx="minor">
+            <a:schemeClr val="lt1"/>
+          </a:fontRef>
+        </p:style>
+        <p:txBody>
+          <a:bodyPr rtlCol="0" anchor="ctr"/>
+          <a:lstStyle/>
+          <a:p>
+            <a:pPr algn="ctr"/>
+            <a:r>
+              <a:rPr lang="en-US" altLang="ko-KR" sz="2000">
+                <a:solidFill>
+                  <a:schemeClr val="tx1"/>
+                </a:solidFill>
+                <a:latin typeface="Arial" panose="020B0604020202020204" pitchFamily="34" charset="0"/>
+                <a:cs typeface="Arial" panose="020B0604020202020204" pitchFamily="34" charset="0"/>
+              </a:rPr>
+              <a:t>Data1</a:t>
+            </a:r>
+            <a:endParaRPr lang="ko-KR" altLang="en-US" sz="2000">
+              <a:solidFill>
+                <a:schemeClr val="tx1"/>
+              </a:solidFill>
+              <a:latin typeface="Arial" panose="020B0604020202020204" pitchFamily="34" charset="0"/>
+              <a:cs typeface="Arial" panose="020B0604020202020204" pitchFamily="34" charset="0"/>
+            </a:endParaRPr>
+          </a:p>
+        </p:txBody>
+      </p:sp>
+      <p:sp>
+        <p:nvSpPr>
+          <p:cNvPr id="49" name="화살표: 오각형 48">
+            <a:extLst>
+              <a:ext uri="{FF2B5EF4-FFF2-40B4-BE49-F238E27FC236}">
+                <a16:creationId xmlns:a16="http://schemas.microsoft.com/office/drawing/2014/main" id="{43B41F9B-186A-40FA-B026-41C018CF7ED8}"/>
+              </a:ext>
+            </a:extLst>
+          </p:cNvPr>
+          <p:cNvSpPr/>
+          <p:nvPr/>
+        </p:nvSpPr>
+        <p:spPr>
+          <a:xfrm rot="16200000">
+            <a:off x="2035713" y="4986975"/>
+            <a:ext cx="806172" cy="1265067"/>
+          </a:xfrm>
+          <a:prstGeom prst="homePlate">
+            <a:avLst>
+              <a:gd name="adj" fmla="val 39700"/>
+            </a:avLst>
+          </a:prstGeom>
+          <a:solidFill>
+            <a:srgbClr val="E5E57F"/>
+          </a:solidFill>
+          <a:ln w="19050">
+            <a:solidFill>
+              <a:schemeClr val="tx1"/>
+            </a:solidFill>
+          </a:ln>
+        </p:spPr>
+        <p:style>
+          <a:lnRef idx="2">
+            <a:schemeClr val="accent1">
+              <a:shade val="50000"/>
+            </a:schemeClr>
+          </a:lnRef>
+          <a:fillRef idx="1">
+            <a:schemeClr val="accent1"/>
+          </a:fillRef>
+          <a:effectRef idx="0">
+            <a:schemeClr val="accent1"/>
+          </a:effectRef>
+          <a:fontRef idx="minor">
+            <a:schemeClr val="lt1"/>
+          </a:fontRef>
+        </p:style>
+        <p:txBody>
+          <a:bodyPr vert="eaVert" rtlCol="0" anchor="ctr"/>
+          <a:lstStyle/>
+          <a:p>
+            <a:pPr algn="ctr"/>
+            <a:r>
+              <a:rPr lang="en-US" altLang="ko-KR" sz="2000">
+                <a:solidFill>
+                  <a:schemeClr val="tx1"/>
+                </a:solidFill>
+                <a:latin typeface="Arial" panose="020B0604020202020204" pitchFamily="34" charset="0"/>
+                <a:cs typeface="Arial" panose="020B0604020202020204" pitchFamily="34" charset="0"/>
+              </a:rPr>
+              <a:t>Person1</a:t>
+            </a:r>
+            <a:endParaRPr lang="ko-KR" altLang="en-US" sz="2000">
+              <a:solidFill>
+                <a:schemeClr val="tx1"/>
+              </a:solidFill>
+              <a:latin typeface="Arial" panose="020B0604020202020204" pitchFamily="34" charset="0"/>
+              <a:cs typeface="Arial" panose="020B0604020202020204" pitchFamily="34" charset="0"/>
+            </a:endParaRPr>
+          </a:p>
+        </p:txBody>
+      </p:sp>
+      <p:cxnSp>
+        <p:nvCxnSpPr>
+          <p:cNvPr id="50" name="직선 화살표 연결선 49">
+            <a:extLst>
+              <a:ext uri="{FF2B5EF4-FFF2-40B4-BE49-F238E27FC236}">
+                <a16:creationId xmlns:a16="http://schemas.microsoft.com/office/drawing/2014/main" id="{CDC646FF-A452-4135-8587-7BCF1D03778A}"/>
+              </a:ext>
+            </a:extLst>
+          </p:cNvPr>
+          <p:cNvCxnSpPr>
+            <a:cxnSpLocks/>
+            <a:stCxn id="37" idx="1"/>
+            <a:endCxn id="48" idx="3"/>
+          </p:cNvCxnSpPr>
+          <p:nvPr/>
+        </p:nvCxnSpPr>
+        <p:spPr>
+          <a:xfrm flipH="1">
+            <a:off x="3118464" y="4093482"/>
+            <a:ext cx="1378917" cy="8318"/>
+          </a:xfrm>
+          <a:prstGeom prst="straightConnector1">
+            <a:avLst/>
+          </a:prstGeom>
+          <a:ln w="19050">
+            <a:solidFill>
+              <a:schemeClr val="tx1"/>
+            </a:solidFill>
+            <a:headEnd type="triangle" w="lg" len="lg"/>
+            <a:tailEnd type="none" w="lg" len="lg"/>
+          </a:ln>
+        </p:spPr>
+        <p:style>
+          <a:lnRef idx="1">
+            <a:schemeClr val="accent1"/>
+          </a:lnRef>
+          <a:fillRef idx="0">
+            <a:schemeClr val="accent1"/>
+          </a:fillRef>
+          <a:effectRef idx="0">
+            <a:schemeClr val="accent1"/>
+          </a:effectRef>
+          <a:fontRef idx="minor">
+            <a:schemeClr val="tx1"/>
+          </a:fontRef>
+        </p:style>
+      </p:cxnSp>
+      <p:sp>
+        <p:nvSpPr>
+          <p:cNvPr id="51" name="TextBox 50">
+            <a:extLst>
+              <a:ext uri="{FF2B5EF4-FFF2-40B4-BE49-F238E27FC236}">
+                <a16:creationId xmlns:a16="http://schemas.microsoft.com/office/drawing/2014/main" id="{2F4A5B72-AD5C-4A1F-9171-820A5851443A}"/>
+              </a:ext>
+            </a:extLst>
+          </p:cNvPr>
+          <p:cNvSpPr txBox="1"/>
+          <p:nvPr/>
+        </p:nvSpPr>
+        <p:spPr>
+          <a:xfrm>
+            <a:off x="3200323" y="3753061"/>
+            <a:ext cx="1682088" cy="377641"/>
+          </a:xfrm>
+          <a:prstGeom prst="rect">
+            <a:avLst/>
+          </a:prstGeom>
+          <a:noFill/>
+        </p:spPr>
+        <p:txBody>
+          <a:bodyPr wrap="square" rtlCol="0">
+            <a:spAutoFit/>
+          </a:bodyPr>
+          <a:lstStyle/>
+          <a:p>
+            <a:r>
+              <a:rPr lang="en-US" altLang="ko-KR">
+                <a:latin typeface="Arial" panose="020B0604020202020204" pitchFamily="34" charset="0"/>
+                <a:cs typeface="Arial" panose="020B0604020202020204" pitchFamily="34" charset="0"/>
+              </a:rPr>
+              <a:t>Generate</a:t>
+            </a:r>
+            <a:endParaRPr lang="ko-KR" altLang="en-US">
+              <a:latin typeface="Arial" panose="020B0604020202020204" pitchFamily="34" charset="0"/>
+              <a:cs typeface="Arial" panose="020B0604020202020204" pitchFamily="34" charset="0"/>
+            </a:endParaRPr>
+          </a:p>
+        </p:txBody>
+      </p:sp>
+      <p:cxnSp>
+        <p:nvCxnSpPr>
+          <p:cNvPr id="52" name="직선 화살표 연결선 51">
+            <a:extLst>
+              <a:ext uri="{FF2B5EF4-FFF2-40B4-BE49-F238E27FC236}">
+                <a16:creationId xmlns:a16="http://schemas.microsoft.com/office/drawing/2014/main" id="{98831931-2735-40A9-BB8D-B27DCB1820C7}"/>
+              </a:ext>
+            </a:extLst>
+          </p:cNvPr>
+          <p:cNvCxnSpPr>
+            <a:cxnSpLocks/>
+            <a:stCxn id="49" idx="3"/>
+            <a:endCxn id="48" idx="2"/>
+          </p:cNvCxnSpPr>
+          <p:nvPr/>
+        </p:nvCxnSpPr>
+        <p:spPr>
+          <a:xfrm flipV="1">
+            <a:off x="2438800" y="4455112"/>
+            <a:ext cx="7366" cy="761311"/>
+          </a:xfrm>
+          <a:prstGeom prst="straightConnector1">
+            <a:avLst/>
+          </a:prstGeom>
+          <a:ln w="19050">
+            <a:solidFill>
+              <a:schemeClr val="tx1"/>
+            </a:solidFill>
+            <a:headEnd type="triangle" w="lg" len="lg"/>
+            <a:tailEnd type="none"/>
+          </a:ln>
+        </p:spPr>
+        <p:style>
+          <a:lnRef idx="1">
+            <a:schemeClr val="accent1"/>
+          </a:lnRef>
+          <a:fillRef idx="0">
+            <a:schemeClr val="accent1"/>
+          </a:fillRef>
+          <a:effectRef idx="0">
+            <a:schemeClr val="accent1"/>
+          </a:effectRef>
+          <a:fontRef idx="minor">
+            <a:schemeClr val="tx1"/>
+          </a:fontRef>
+        </p:style>
+      </p:cxnSp>
+      <p:sp>
+        <p:nvSpPr>
+          <p:cNvPr id="53" name="TextBox 52">
+            <a:extLst>
+              <a:ext uri="{FF2B5EF4-FFF2-40B4-BE49-F238E27FC236}">
+                <a16:creationId xmlns:a16="http://schemas.microsoft.com/office/drawing/2014/main" id="{EE867B0E-7842-4118-B887-120B92FF78F0}"/>
+              </a:ext>
+            </a:extLst>
+          </p:cNvPr>
+          <p:cNvSpPr txBox="1"/>
+          <p:nvPr/>
+        </p:nvSpPr>
+        <p:spPr>
+          <a:xfrm>
+            <a:off x="1829229" y="4627335"/>
+            <a:ext cx="748564" cy="369332"/>
+          </a:xfrm>
+          <a:prstGeom prst="rect">
+            <a:avLst/>
+          </a:prstGeom>
+          <a:noFill/>
+        </p:spPr>
+        <p:txBody>
+          <a:bodyPr wrap="square" rtlCol="0">
+            <a:spAutoFit/>
+          </a:bodyPr>
+          <a:lstStyle/>
+          <a:p>
+            <a:r>
+              <a:rPr lang="en-US" altLang="ko-KR">
+                <a:latin typeface="Arial" panose="020B0604020202020204" pitchFamily="34" charset="0"/>
+                <a:cs typeface="Arial" panose="020B0604020202020204" pitchFamily="34" charset="0"/>
+              </a:rPr>
+              <a:t>Own</a:t>
+            </a:r>
+            <a:endParaRPr lang="ko-KR" altLang="en-US">
+              <a:latin typeface="Arial" panose="020B0604020202020204" pitchFamily="34" charset="0"/>
+              <a:cs typeface="Arial" panose="020B0604020202020204" pitchFamily="34" charset="0"/>
+            </a:endParaRPr>
+          </a:p>
+        </p:txBody>
+      </p:sp>
+    </p:spTree>
+    <p:extLst>
+      <p:ext uri="{BB962C8B-B14F-4D97-AF65-F5344CB8AC3E}">
+        <p14:creationId xmlns:p14="http://schemas.microsoft.com/office/powerpoint/2010/main" val="3315809753"/>
+      </p:ext>
+    </p:extLst>
+  </p:cSld>
+  <p:clrMapOvr>
+    <a:masterClrMapping/>
+  </p:clrMapOvr>
+</p:sld>
+</file>
+
+<file path=ppt/slides/slide12.xml><?xml version="1.0" encoding="utf-8"?>
+<p:sld xmlns:a="http://schemas.openxmlformats.org/drawingml/2006/main" xmlns:r="http://schemas.openxmlformats.org/officeDocument/2006/relationships" xmlns:p="http://schemas.openxmlformats.org/presentationml/2006/main">
+  <p:cSld>
+    <p:spTree>
+      <p:nvGrpSpPr>
+        <p:cNvPr id="1" name=""/>
+        <p:cNvGrpSpPr/>
+        <p:nvPr/>
+      </p:nvGrpSpPr>
+      <p:grpSpPr>
+        <a:xfrm>
+          <a:off x="0" y="0"/>
+          <a:ext cx="0" cy="0"/>
+          <a:chOff x="0" y="0"/>
+          <a:chExt cx="0" cy="0"/>
+        </a:xfrm>
+      </p:grpSpPr>
+      <p:sp>
+        <p:nvSpPr>
+          <p:cNvPr id="28" name="화살표: 오각형 27">
+            <a:extLst>
+              <a:ext uri="{FF2B5EF4-FFF2-40B4-BE49-F238E27FC236}">
+                <a16:creationId xmlns:a16="http://schemas.microsoft.com/office/drawing/2014/main" id="{67D92948-2963-4809-911A-50884E11021C}"/>
+              </a:ext>
+            </a:extLst>
+          </p:cNvPr>
+          <p:cNvSpPr/>
+          <p:nvPr/>
+        </p:nvSpPr>
+        <p:spPr>
+          <a:xfrm rot="16200000">
+            <a:off x="3416023" y="1723137"/>
+            <a:ext cx="806172" cy="1265067"/>
+          </a:xfrm>
+          <a:prstGeom prst="homePlate">
+            <a:avLst>
+              <a:gd name="adj" fmla="val 39700"/>
+            </a:avLst>
+          </a:prstGeom>
+          <a:solidFill>
+            <a:srgbClr val="E5E57F"/>
+          </a:solidFill>
+          <a:ln w="19050">
+            <a:solidFill>
+              <a:schemeClr val="tx1"/>
+            </a:solidFill>
+          </a:ln>
+        </p:spPr>
+        <p:style>
+          <a:lnRef idx="2">
+            <a:schemeClr val="accent1">
+              <a:shade val="50000"/>
+            </a:schemeClr>
+          </a:lnRef>
+          <a:fillRef idx="1">
+            <a:schemeClr val="accent1"/>
+          </a:fillRef>
+          <a:effectRef idx="0">
+            <a:schemeClr val="accent1"/>
+          </a:effectRef>
+          <a:fontRef idx="minor">
+            <a:schemeClr val="lt1"/>
+          </a:fontRef>
+        </p:style>
+        <p:txBody>
+          <a:bodyPr vert="eaVert" rtlCol="0" anchor="ctr"/>
+          <a:lstStyle/>
+          <a:p>
+            <a:pPr algn="ctr"/>
+            <a:r>
+              <a:rPr lang="en-US" altLang="ko-KR" sz="2000">
+                <a:solidFill>
+                  <a:schemeClr val="tx1"/>
+                </a:solidFill>
+                <a:latin typeface="Arial" panose="020B0604020202020204" pitchFamily="34" charset="0"/>
+                <a:cs typeface="Arial" panose="020B0604020202020204" pitchFamily="34" charset="0"/>
+              </a:rPr>
+              <a:t>Person2</a:t>
+            </a:r>
+            <a:endParaRPr lang="ko-KR" altLang="en-US" sz="2000">
+              <a:solidFill>
+                <a:schemeClr val="tx1"/>
+              </a:solidFill>
+              <a:latin typeface="Arial" panose="020B0604020202020204" pitchFamily="34" charset="0"/>
+              <a:cs typeface="Arial" panose="020B0604020202020204" pitchFamily="34" charset="0"/>
+            </a:endParaRPr>
+          </a:p>
+        </p:txBody>
+      </p:sp>
+      <p:sp>
+        <p:nvSpPr>
+          <p:cNvPr id="29" name="사각형: 둥근 모서리 28">
+            <a:extLst>
+              <a:ext uri="{FF2B5EF4-FFF2-40B4-BE49-F238E27FC236}">
+                <a16:creationId xmlns:a16="http://schemas.microsoft.com/office/drawing/2014/main" id="{734A99D4-DA86-45C8-9100-21875CE89DE3}"/>
+              </a:ext>
+            </a:extLst>
+          </p:cNvPr>
+          <p:cNvSpPr/>
+          <p:nvPr/>
+        </p:nvSpPr>
+        <p:spPr>
+          <a:xfrm>
+            <a:off x="5826137" y="409896"/>
+            <a:ext cx="1344596" cy="706624"/>
+          </a:xfrm>
+          <a:prstGeom prst="roundRect">
+            <a:avLst>
+              <a:gd name="adj" fmla="val 42223"/>
+            </a:avLst>
+          </a:prstGeom>
+          <a:solidFill>
+            <a:srgbClr val="FFF2CC"/>
+          </a:solidFill>
+          <a:ln w="19050">
+            <a:solidFill>
+              <a:schemeClr val="tx1"/>
+            </a:solidFill>
+          </a:ln>
+        </p:spPr>
+        <p:style>
+          <a:lnRef idx="2">
+            <a:schemeClr val="accent1">
+              <a:shade val="50000"/>
+            </a:schemeClr>
+          </a:lnRef>
+          <a:fillRef idx="1">
+            <a:schemeClr val="accent1"/>
+          </a:fillRef>
+          <a:effectRef idx="0">
+            <a:schemeClr val="accent1"/>
+          </a:effectRef>
+          <a:fontRef idx="minor">
+            <a:schemeClr val="lt1"/>
+          </a:fontRef>
+        </p:style>
+        <p:txBody>
+          <a:bodyPr rtlCol="0" anchor="ctr"/>
+          <a:lstStyle/>
+          <a:p>
+            <a:pPr algn="ctr"/>
+            <a:r>
+              <a:rPr lang="en-US" altLang="ko-KR" sz="2000">
+                <a:solidFill>
+                  <a:schemeClr val="tx1"/>
+                </a:solidFill>
+                <a:latin typeface="Arial" panose="020B0604020202020204" pitchFamily="34" charset="0"/>
+                <a:cs typeface="Arial" panose="020B0604020202020204" pitchFamily="34" charset="0"/>
+              </a:rPr>
+              <a:t>Data2</a:t>
+            </a:r>
+            <a:endParaRPr lang="ko-KR" altLang="en-US" sz="2000">
+              <a:solidFill>
+                <a:schemeClr val="tx1"/>
+              </a:solidFill>
+              <a:latin typeface="Arial" panose="020B0604020202020204" pitchFamily="34" charset="0"/>
+              <a:cs typeface="Arial" panose="020B0604020202020204" pitchFamily="34" charset="0"/>
+            </a:endParaRPr>
+          </a:p>
+        </p:txBody>
+      </p:sp>
+      <p:sp>
+        <p:nvSpPr>
+          <p:cNvPr id="30" name="직사각형 29">
+            <a:extLst>
+              <a:ext uri="{FF2B5EF4-FFF2-40B4-BE49-F238E27FC236}">
+                <a16:creationId xmlns:a16="http://schemas.microsoft.com/office/drawing/2014/main" id="{F7B3200D-0B67-42A5-815C-19D8546DFFEF}"/>
+              </a:ext>
+            </a:extLst>
+          </p:cNvPr>
+          <p:cNvSpPr/>
+          <p:nvPr/>
+        </p:nvSpPr>
+        <p:spPr>
+          <a:xfrm>
+            <a:off x="3152785" y="427928"/>
+            <a:ext cx="1329337" cy="696520"/>
+          </a:xfrm>
+          <a:prstGeom prst="rect">
+            <a:avLst/>
+          </a:prstGeom>
+          <a:solidFill>
+            <a:srgbClr val="CCCCFF"/>
+          </a:solidFill>
+          <a:ln w="19050">
+            <a:solidFill>
+              <a:schemeClr val="tx1"/>
+            </a:solidFill>
+          </a:ln>
+        </p:spPr>
+        <p:style>
+          <a:lnRef idx="2">
+            <a:schemeClr val="accent1">
+              <a:shade val="50000"/>
+            </a:schemeClr>
+          </a:lnRef>
+          <a:fillRef idx="1">
+            <a:schemeClr val="accent1"/>
+          </a:fillRef>
+          <a:effectRef idx="0">
+            <a:schemeClr val="accent1"/>
+          </a:effectRef>
+          <a:fontRef idx="minor">
+            <a:schemeClr val="lt1"/>
+          </a:fontRef>
+        </p:style>
+        <p:txBody>
+          <a:bodyPr rot="0" spcFirstLastPara="0" vertOverflow="overflow" horzOverflow="overflow" vert="horz" wrap="square" lIns="91440" tIns="45720" rIns="91440" bIns="45720" numCol="1" spcCol="0" rtlCol="0" fromWordArt="0" anchor="ctr" anchorCtr="0" forceAA="0" compatLnSpc="1">
+            <a:prstTxWarp prst="textNoShape">
+              <a:avLst/>
+            </a:prstTxWarp>
+            <a:noAutofit/>
+          </a:bodyPr>
+          <a:lstStyle/>
+          <a:p>
+            <a:pPr algn="ctr"/>
+            <a:r>
+              <a:rPr lang="ko-KR" altLang="en-US" sz="1900">
+                <a:solidFill>
+                  <a:schemeClr val="tx1"/>
+                </a:solidFill>
+                <a:latin typeface="Arial" panose="020B0604020202020204" pitchFamily="34" charset="0"/>
+                <a:cs typeface="Arial" panose="020B0604020202020204" pitchFamily="34" charset="0"/>
+              </a:rPr>
+              <a:t>수정</a:t>
+            </a:r>
+            <a:r>
+              <a:rPr lang="en-US" altLang="ko-KR" sz="1900">
+                <a:solidFill>
+                  <a:schemeClr val="tx1"/>
+                </a:solidFill>
+                <a:latin typeface="Arial" panose="020B0604020202020204" pitchFamily="34" charset="0"/>
+                <a:cs typeface="Arial" panose="020B0604020202020204" pitchFamily="34" charset="0"/>
+              </a:rPr>
+              <a:t>/</a:t>
+            </a:r>
+            <a:r>
+              <a:rPr lang="ko-KR" altLang="en-US" sz="1900">
+                <a:solidFill>
+                  <a:schemeClr val="tx1"/>
+                </a:solidFill>
+                <a:latin typeface="Arial" panose="020B0604020202020204" pitchFamily="34" charset="0"/>
+                <a:cs typeface="Arial" panose="020B0604020202020204" pitchFamily="34" charset="0"/>
+              </a:rPr>
+              <a:t>가공</a:t>
+            </a:r>
+            <a:r>
+              <a:rPr lang="en-US" altLang="ko-KR" sz="1900">
+                <a:solidFill>
+                  <a:schemeClr val="tx1"/>
+                </a:solidFill>
+                <a:latin typeface="Arial" panose="020B0604020202020204" pitchFamily="34" charset="0"/>
+                <a:cs typeface="Arial" panose="020B0604020202020204" pitchFamily="34" charset="0"/>
+              </a:rPr>
+              <a:t>/</a:t>
+            </a:r>
+            <a:r>
+              <a:rPr lang="ko-KR" altLang="en-US" sz="1900">
+                <a:solidFill>
+                  <a:schemeClr val="tx1"/>
+                </a:solidFill>
+                <a:latin typeface="Arial" panose="020B0604020202020204" pitchFamily="34" charset="0"/>
+                <a:cs typeface="Arial" panose="020B0604020202020204" pitchFamily="34" charset="0"/>
+              </a:rPr>
+              <a:t>변환</a:t>
+            </a:r>
+            <a:endParaRPr lang="ko-KR" altLang="en-US" sz="1900" dirty="0">
+              <a:solidFill>
+                <a:schemeClr val="tx1"/>
+              </a:solidFill>
+              <a:latin typeface="Arial" panose="020B0604020202020204" pitchFamily="34" charset="0"/>
+              <a:cs typeface="Arial" panose="020B0604020202020204" pitchFamily="34" charset="0"/>
+            </a:endParaRPr>
+          </a:p>
+        </p:txBody>
+      </p:sp>
+      <p:cxnSp>
+        <p:nvCxnSpPr>
+          <p:cNvPr id="31" name="직선 화살표 연결선 30">
+            <a:extLst>
+              <a:ext uri="{FF2B5EF4-FFF2-40B4-BE49-F238E27FC236}">
+                <a16:creationId xmlns:a16="http://schemas.microsoft.com/office/drawing/2014/main" id="{316F754F-ACFA-4965-91E3-001E4FCCE978}"/>
+              </a:ext>
+            </a:extLst>
+          </p:cNvPr>
+          <p:cNvCxnSpPr>
+            <a:cxnSpLocks/>
+          </p:cNvCxnSpPr>
+          <p:nvPr/>
+        </p:nvCxnSpPr>
+        <p:spPr>
+          <a:xfrm flipV="1">
+            <a:off x="1734105" y="1124452"/>
+            <a:ext cx="4820648" cy="1105485"/>
+          </a:xfrm>
+          <a:prstGeom prst="straightConnector1">
+            <a:avLst/>
+          </a:prstGeom>
+          <a:ln w="19050">
+            <a:solidFill>
+              <a:schemeClr val="tx1"/>
+            </a:solidFill>
+            <a:headEnd type="triangle" w="lg" len="lg"/>
+            <a:tailEnd type="none"/>
+          </a:ln>
+        </p:spPr>
+        <p:style>
+          <a:lnRef idx="1">
+            <a:schemeClr val="accent1"/>
+          </a:lnRef>
+          <a:fillRef idx="0">
+            <a:schemeClr val="accent1"/>
+          </a:fillRef>
+          <a:effectRef idx="0">
+            <a:schemeClr val="accent1"/>
+          </a:effectRef>
+          <a:fontRef idx="minor">
+            <a:schemeClr val="tx1"/>
+          </a:fontRef>
+        </p:style>
+      </p:cxnSp>
+      <p:cxnSp>
+        <p:nvCxnSpPr>
+          <p:cNvPr id="32" name="직선 화살표 연결선 31">
+            <a:extLst>
+              <a:ext uri="{FF2B5EF4-FFF2-40B4-BE49-F238E27FC236}">
+                <a16:creationId xmlns:a16="http://schemas.microsoft.com/office/drawing/2014/main" id="{66D59AB6-5150-4575-96E9-32A24B0299A3}"/>
+              </a:ext>
+            </a:extLst>
+          </p:cNvPr>
+          <p:cNvCxnSpPr>
+            <a:cxnSpLocks/>
+            <a:stCxn id="28" idx="3"/>
+            <a:endCxn id="30" idx="2"/>
+          </p:cNvCxnSpPr>
+          <p:nvPr/>
+        </p:nvCxnSpPr>
+        <p:spPr>
+          <a:xfrm flipH="1" flipV="1">
+            <a:off x="3817454" y="1124448"/>
+            <a:ext cx="1656" cy="828137"/>
+          </a:xfrm>
+          <a:prstGeom prst="straightConnector1">
+            <a:avLst/>
+          </a:prstGeom>
+          <a:ln w="19050">
+            <a:solidFill>
+              <a:schemeClr val="tx1"/>
+            </a:solidFill>
+            <a:headEnd type="triangle" w="lg" len="lg"/>
+            <a:tailEnd type="none"/>
+          </a:ln>
+        </p:spPr>
+        <p:style>
+          <a:lnRef idx="1">
+            <a:schemeClr val="accent1"/>
+          </a:lnRef>
+          <a:fillRef idx="0">
+            <a:schemeClr val="accent1"/>
+          </a:fillRef>
+          <a:effectRef idx="0">
+            <a:schemeClr val="accent1"/>
+          </a:effectRef>
+          <a:fontRef idx="minor">
+            <a:schemeClr val="tx1"/>
+          </a:fontRef>
+        </p:style>
+      </p:cxnSp>
+      <p:cxnSp>
+        <p:nvCxnSpPr>
+          <p:cNvPr id="33" name="직선 화살표 연결선 32">
+            <a:extLst>
+              <a:ext uri="{FF2B5EF4-FFF2-40B4-BE49-F238E27FC236}">
+                <a16:creationId xmlns:a16="http://schemas.microsoft.com/office/drawing/2014/main" id="{1E3EBBA2-E579-4C17-B0F9-254DEB72560A}"/>
+              </a:ext>
+            </a:extLst>
+          </p:cNvPr>
+          <p:cNvCxnSpPr>
+            <a:cxnSpLocks/>
+            <a:stCxn id="29" idx="1"/>
+            <a:endCxn id="30" idx="3"/>
+          </p:cNvCxnSpPr>
+          <p:nvPr/>
+        </p:nvCxnSpPr>
+        <p:spPr>
+          <a:xfrm flipH="1">
+            <a:off x="4482122" y="763208"/>
+            <a:ext cx="1344015" cy="12980"/>
+          </a:xfrm>
+          <a:prstGeom prst="straightConnector1">
+            <a:avLst/>
+          </a:prstGeom>
+          <a:ln w="19050">
+            <a:solidFill>
+              <a:schemeClr val="tx1"/>
+            </a:solidFill>
+            <a:headEnd type="triangle" w="lg" len="lg"/>
+            <a:tailEnd type="none" w="lg" len="lg"/>
+          </a:ln>
+        </p:spPr>
+        <p:style>
+          <a:lnRef idx="1">
+            <a:schemeClr val="accent1"/>
+          </a:lnRef>
+          <a:fillRef idx="0">
+            <a:schemeClr val="accent1"/>
+          </a:fillRef>
+          <a:effectRef idx="0">
+            <a:schemeClr val="accent1"/>
+          </a:effectRef>
+          <a:fontRef idx="minor">
+            <a:schemeClr val="tx1"/>
+          </a:fontRef>
+        </p:style>
+      </p:cxnSp>
+      <p:sp>
+        <p:nvSpPr>
+          <p:cNvPr id="34" name="TextBox 33">
+            <a:extLst>
+              <a:ext uri="{FF2B5EF4-FFF2-40B4-BE49-F238E27FC236}">
+                <a16:creationId xmlns:a16="http://schemas.microsoft.com/office/drawing/2014/main" id="{88CA1BEC-B900-44A3-AABA-72D26C9EE82D}"/>
+              </a:ext>
+            </a:extLst>
+          </p:cNvPr>
+          <p:cNvSpPr txBox="1"/>
+          <p:nvPr/>
+        </p:nvSpPr>
+        <p:spPr>
+          <a:xfrm>
+            <a:off x="4567198" y="428212"/>
+            <a:ext cx="1682088" cy="377641"/>
+          </a:xfrm>
+          <a:prstGeom prst="rect">
+            <a:avLst/>
+          </a:prstGeom>
+          <a:noFill/>
+        </p:spPr>
+        <p:txBody>
+          <a:bodyPr wrap="square" rtlCol="0">
+            <a:spAutoFit/>
+          </a:bodyPr>
+          <a:lstStyle/>
+          <a:p>
+            <a:r>
+              <a:rPr lang="en-US" altLang="ko-KR">
+                <a:latin typeface="Arial" panose="020B0604020202020204" pitchFamily="34" charset="0"/>
+                <a:cs typeface="Arial" panose="020B0604020202020204" pitchFamily="34" charset="0"/>
+              </a:rPr>
+              <a:t>Generate</a:t>
+            </a:r>
+            <a:endParaRPr lang="ko-KR" altLang="en-US">
+              <a:latin typeface="Arial" panose="020B0604020202020204" pitchFamily="34" charset="0"/>
+              <a:cs typeface="Arial" panose="020B0604020202020204" pitchFamily="34" charset="0"/>
+            </a:endParaRPr>
+          </a:p>
+        </p:txBody>
+      </p:sp>
+      <p:sp>
+        <p:nvSpPr>
+          <p:cNvPr id="35" name="TextBox 34">
+            <a:extLst>
+              <a:ext uri="{FF2B5EF4-FFF2-40B4-BE49-F238E27FC236}">
+                <a16:creationId xmlns:a16="http://schemas.microsoft.com/office/drawing/2014/main" id="{94BB6702-6BEE-4F86-B59B-F111D4BBBED6}"/>
+              </a:ext>
+            </a:extLst>
+          </p:cNvPr>
+          <p:cNvSpPr txBox="1"/>
+          <p:nvPr/>
+        </p:nvSpPr>
+        <p:spPr>
+          <a:xfrm>
+            <a:off x="4813884" y="1477681"/>
+            <a:ext cx="748564" cy="369332"/>
+          </a:xfrm>
+          <a:prstGeom prst="rect">
+            <a:avLst/>
+          </a:prstGeom>
+          <a:noFill/>
+        </p:spPr>
+        <p:txBody>
+          <a:bodyPr wrap="square" rtlCol="0">
+            <a:spAutoFit/>
+          </a:bodyPr>
+          <a:lstStyle/>
+          <a:p>
+            <a:r>
+              <a:rPr lang="en-US" altLang="ko-KR">
+                <a:latin typeface="Arial" panose="020B0604020202020204" pitchFamily="34" charset="0"/>
+                <a:cs typeface="Arial" panose="020B0604020202020204" pitchFamily="34" charset="0"/>
+              </a:rPr>
+              <a:t>Own</a:t>
+            </a:r>
+            <a:endParaRPr lang="ko-KR" altLang="en-US">
+              <a:latin typeface="Arial" panose="020B0604020202020204" pitchFamily="34" charset="0"/>
+              <a:cs typeface="Arial" panose="020B0604020202020204" pitchFamily="34" charset="0"/>
+            </a:endParaRPr>
+          </a:p>
+        </p:txBody>
+      </p:sp>
+      <p:sp>
+        <p:nvSpPr>
+          <p:cNvPr id="36" name="TextBox 35">
+            <a:extLst>
+              <a:ext uri="{FF2B5EF4-FFF2-40B4-BE49-F238E27FC236}">
+                <a16:creationId xmlns:a16="http://schemas.microsoft.com/office/drawing/2014/main" id="{A6CBE614-100A-415F-A526-6AB51B033D58}"/>
+              </a:ext>
+            </a:extLst>
+          </p:cNvPr>
+          <p:cNvSpPr txBox="1"/>
+          <p:nvPr/>
+        </p:nvSpPr>
+        <p:spPr>
+          <a:xfrm>
+            <a:off x="3354829" y="1240811"/>
+            <a:ext cx="748564" cy="369332"/>
+          </a:xfrm>
+          <a:prstGeom prst="rect">
+            <a:avLst/>
+          </a:prstGeom>
+          <a:noFill/>
+        </p:spPr>
+        <p:txBody>
+          <a:bodyPr wrap="square" rtlCol="0">
+            <a:spAutoFit/>
+          </a:bodyPr>
+          <a:lstStyle/>
+          <a:p>
+            <a:r>
+              <a:rPr lang="en-US" altLang="ko-KR">
+                <a:latin typeface="Arial" panose="020B0604020202020204" pitchFamily="34" charset="0"/>
+                <a:cs typeface="Arial" panose="020B0604020202020204" pitchFamily="34" charset="0"/>
+              </a:rPr>
+              <a:t>Act</a:t>
+            </a:r>
+            <a:endParaRPr lang="ko-KR" altLang="en-US">
+              <a:latin typeface="Arial" panose="020B0604020202020204" pitchFamily="34" charset="0"/>
+              <a:cs typeface="Arial" panose="020B0604020202020204" pitchFamily="34" charset="0"/>
+            </a:endParaRPr>
+          </a:p>
+        </p:txBody>
+      </p:sp>
+      <p:sp>
+        <p:nvSpPr>
+          <p:cNvPr id="39" name="사각형: 둥근 모서리 38">
+            <a:extLst>
+              <a:ext uri="{FF2B5EF4-FFF2-40B4-BE49-F238E27FC236}">
+                <a16:creationId xmlns:a16="http://schemas.microsoft.com/office/drawing/2014/main" id="{D815F308-1CEA-4937-8272-B37A96EFC0CD}"/>
+              </a:ext>
+            </a:extLst>
+          </p:cNvPr>
+          <p:cNvSpPr/>
+          <p:nvPr/>
+        </p:nvSpPr>
+        <p:spPr>
+          <a:xfrm>
+            <a:off x="429272" y="431194"/>
+            <a:ext cx="1344596" cy="706624"/>
+          </a:xfrm>
+          <a:prstGeom prst="roundRect">
+            <a:avLst>
+              <a:gd name="adj" fmla="val 42223"/>
+            </a:avLst>
+          </a:prstGeom>
+          <a:solidFill>
+            <a:srgbClr val="FFF2CC"/>
+          </a:solidFill>
+          <a:ln w="19050">
+            <a:solidFill>
+              <a:schemeClr val="tx1"/>
+            </a:solidFill>
+          </a:ln>
+        </p:spPr>
+        <p:style>
+          <a:lnRef idx="2">
+            <a:schemeClr val="accent1">
+              <a:shade val="50000"/>
+            </a:schemeClr>
+          </a:lnRef>
+          <a:fillRef idx="1">
+            <a:schemeClr val="accent1"/>
+          </a:fillRef>
+          <a:effectRef idx="0">
+            <a:schemeClr val="accent1"/>
+          </a:effectRef>
+          <a:fontRef idx="minor">
+            <a:schemeClr val="lt1"/>
+          </a:fontRef>
+        </p:style>
+        <p:txBody>
+          <a:bodyPr rtlCol="0" anchor="ctr"/>
+          <a:lstStyle/>
+          <a:p>
+            <a:pPr algn="ctr"/>
+            <a:r>
+              <a:rPr lang="en-US" altLang="ko-KR" sz="2000">
+                <a:solidFill>
+                  <a:schemeClr val="tx1"/>
+                </a:solidFill>
+                <a:latin typeface="Arial" panose="020B0604020202020204" pitchFamily="34" charset="0"/>
+                <a:cs typeface="Arial" panose="020B0604020202020204" pitchFamily="34" charset="0"/>
+              </a:rPr>
+              <a:t>Data1</a:t>
+            </a:r>
+            <a:endParaRPr lang="ko-KR" altLang="en-US" sz="2000">
+              <a:solidFill>
+                <a:schemeClr val="tx1"/>
+              </a:solidFill>
+              <a:latin typeface="Arial" panose="020B0604020202020204" pitchFamily="34" charset="0"/>
+              <a:cs typeface="Arial" panose="020B0604020202020204" pitchFamily="34" charset="0"/>
+            </a:endParaRPr>
+          </a:p>
+        </p:txBody>
+      </p:sp>
+      <p:sp>
+        <p:nvSpPr>
+          <p:cNvPr id="40" name="화살표: 오각형 39">
+            <a:extLst>
+              <a:ext uri="{FF2B5EF4-FFF2-40B4-BE49-F238E27FC236}">
+                <a16:creationId xmlns:a16="http://schemas.microsoft.com/office/drawing/2014/main" id="{14954866-3412-47B2-9B79-87855159521A}"/>
+              </a:ext>
+            </a:extLst>
+          </p:cNvPr>
+          <p:cNvSpPr/>
+          <p:nvPr/>
+        </p:nvSpPr>
+        <p:spPr>
+          <a:xfrm rot="16200000">
+            <a:off x="700448" y="1669681"/>
+            <a:ext cx="806172" cy="1265067"/>
+          </a:xfrm>
+          <a:prstGeom prst="homePlate">
+            <a:avLst>
+              <a:gd name="adj" fmla="val 39700"/>
+            </a:avLst>
+          </a:prstGeom>
+          <a:solidFill>
+            <a:srgbClr val="E5E57F"/>
+          </a:solidFill>
+          <a:ln w="19050">
+            <a:solidFill>
+              <a:schemeClr val="tx1"/>
+            </a:solidFill>
+          </a:ln>
+        </p:spPr>
+        <p:style>
+          <a:lnRef idx="2">
+            <a:schemeClr val="accent1">
+              <a:shade val="50000"/>
+            </a:schemeClr>
+          </a:lnRef>
+          <a:fillRef idx="1">
+            <a:schemeClr val="accent1"/>
+          </a:fillRef>
+          <a:effectRef idx="0">
+            <a:schemeClr val="accent1"/>
+          </a:effectRef>
+          <a:fontRef idx="minor">
+            <a:schemeClr val="lt1"/>
+          </a:fontRef>
+        </p:style>
+        <p:txBody>
+          <a:bodyPr vert="eaVert" rtlCol="0" anchor="ctr"/>
+          <a:lstStyle/>
+          <a:p>
+            <a:pPr algn="ctr"/>
+            <a:r>
+              <a:rPr lang="en-US" altLang="ko-KR" sz="2000">
+                <a:solidFill>
+                  <a:schemeClr val="tx1"/>
+                </a:solidFill>
+                <a:latin typeface="Arial" panose="020B0604020202020204" pitchFamily="34" charset="0"/>
+                <a:cs typeface="Arial" panose="020B0604020202020204" pitchFamily="34" charset="0"/>
+              </a:rPr>
+              <a:t>Person1</a:t>
+            </a:r>
+            <a:endParaRPr lang="ko-KR" altLang="en-US" sz="2000">
+              <a:solidFill>
+                <a:schemeClr val="tx1"/>
+              </a:solidFill>
+              <a:latin typeface="Arial" panose="020B0604020202020204" pitchFamily="34" charset="0"/>
+              <a:cs typeface="Arial" panose="020B0604020202020204" pitchFamily="34" charset="0"/>
+            </a:endParaRPr>
+          </a:p>
+        </p:txBody>
+      </p:sp>
+      <p:cxnSp>
+        <p:nvCxnSpPr>
+          <p:cNvPr id="45" name="직선 화살표 연결선 44">
+            <a:extLst>
+              <a:ext uri="{FF2B5EF4-FFF2-40B4-BE49-F238E27FC236}">
+                <a16:creationId xmlns:a16="http://schemas.microsoft.com/office/drawing/2014/main" id="{856784A6-B587-4148-B210-CB30D39B5095}"/>
+              </a:ext>
+            </a:extLst>
+          </p:cNvPr>
+          <p:cNvCxnSpPr>
+            <a:cxnSpLocks/>
+            <a:stCxn id="30" idx="1"/>
+            <a:endCxn id="39" idx="3"/>
+          </p:cNvCxnSpPr>
+          <p:nvPr/>
+        </p:nvCxnSpPr>
+        <p:spPr>
+          <a:xfrm flipH="1">
+            <a:off x="1773868" y="776188"/>
+            <a:ext cx="1378917" cy="8318"/>
+          </a:xfrm>
+          <a:prstGeom prst="straightConnector1">
+            <a:avLst/>
+          </a:prstGeom>
+          <a:ln w="19050">
+            <a:solidFill>
+              <a:schemeClr val="tx1"/>
+            </a:solidFill>
+            <a:headEnd type="triangle" w="lg" len="lg"/>
+            <a:tailEnd type="none" w="lg" len="lg"/>
+          </a:ln>
+        </p:spPr>
+        <p:style>
+          <a:lnRef idx="1">
+            <a:schemeClr val="accent1"/>
+          </a:lnRef>
+          <a:fillRef idx="0">
+            <a:schemeClr val="accent1"/>
+          </a:fillRef>
+          <a:effectRef idx="0">
+            <a:schemeClr val="accent1"/>
+          </a:effectRef>
+          <a:fontRef idx="minor">
+            <a:schemeClr val="tx1"/>
+          </a:fontRef>
+        </p:style>
+      </p:cxnSp>
+      <p:sp>
+        <p:nvSpPr>
+          <p:cNvPr id="46" name="TextBox 45">
+            <a:extLst>
+              <a:ext uri="{FF2B5EF4-FFF2-40B4-BE49-F238E27FC236}">
+                <a16:creationId xmlns:a16="http://schemas.microsoft.com/office/drawing/2014/main" id="{1354EA92-324B-4039-93C3-4E6EAD5F918D}"/>
+              </a:ext>
+            </a:extLst>
+          </p:cNvPr>
+          <p:cNvSpPr txBox="1"/>
+          <p:nvPr/>
+        </p:nvSpPr>
+        <p:spPr>
+          <a:xfrm>
+            <a:off x="1855727" y="435767"/>
+            <a:ext cx="1682088" cy="377641"/>
+          </a:xfrm>
+          <a:prstGeom prst="rect">
+            <a:avLst/>
+          </a:prstGeom>
+          <a:noFill/>
+        </p:spPr>
+        <p:txBody>
+          <a:bodyPr wrap="square" rtlCol="0">
+            <a:spAutoFit/>
+          </a:bodyPr>
+          <a:lstStyle/>
+          <a:p>
+            <a:r>
+              <a:rPr lang="en-US" altLang="ko-KR">
+                <a:latin typeface="Arial" panose="020B0604020202020204" pitchFamily="34" charset="0"/>
+                <a:cs typeface="Arial" panose="020B0604020202020204" pitchFamily="34" charset="0"/>
+              </a:rPr>
+              <a:t>Generate</a:t>
+            </a:r>
+            <a:endParaRPr lang="ko-KR" altLang="en-US">
+              <a:latin typeface="Arial" panose="020B0604020202020204" pitchFamily="34" charset="0"/>
+              <a:cs typeface="Arial" panose="020B0604020202020204" pitchFamily="34" charset="0"/>
+            </a:endParaRPr>
+          </a:p>
+        </p:txBody>
+      </p:sp>
+      <p:cxnSp>
+        <p:nvCxnSpPr>
+          <p:cNvPr id="58" name="직선 화살표 연결선 57">
+            <a:extLst>
+              <a:ext uri="{FF2B5EF4-FFF2-40B4-BE49-F238E27FC236}">
+                <a16:creationId xmlns:a16="http://schemas.microsoft.com/office/drawing/2014/main" id="{D185C462-E98A-4634-A641-2FF369C6D729}"/>
+              </a:ext>
+            </a:extLst>
+          </p:cNvPr>
+          <p:cNvCxnSpPr>
+            <a:cxnSpLocks/>
+            <a:stCxn id="40" idx="3"/>
+            <a:endCxn id="39" idx="2"/>
+          </p:cNvCxnSpPr>
+          <p:nvPr/>
+        </p:nvCxnSpPr>
+        <p:spPr>
+          <a:xfrm flipH="1" flipV="1">
+            <a:off x="1101570" y="1137818"/>
+            <a:ext cx="1965" cy="761311"/>
+          </a:xfrm>
+          <a:prstGeom prst="straightConnector1">
+            <a:avLst/>
+          </a:prstGeom>
+          <a:ln w="19050">
+            <a:solidFill>
+              <a:schemeClr val="tx1"/>
+            </a:solidFill>
+            <a:headEnd type="triangle" w="lg" len="lg"/>
+            <a:tailEnd type="none"/>
+          </a:ln>
+        </p:spPr>
+        <p:style>
+          <a:lnRef idx="1">
+            <a:schemeClr val="accent1"/>
+          </a:lnRef>
+          <a:fillRef idx="0">
+            <a:schemeClr val="accent1"/>
+          </a:fillRef>
+          <a:effectRef idx="0">
+            <a:schemeClr val="accent1"/>
+          </a:effectRef>
+          <a:fontRef idx="minor">
+            <a:schemeClr val="tx1"/>
+          </a:fontRef>
+        </p:style>
+      </p:cxnSp>
+      <p:sp>
+        <p:nvSpPr>
+          <p:cNvPr id="61" name="TextBox 60">
+            <a:extLst>
+              <a:ext uri="{FF2B5EF4-FFF2-40B4-BE49-F238E27FC236}">
+                <a16:creationId xmlns:a16="http://schemas.microsoft.com/office/drawing/2014/main" id="{9E5BABBD-2F03-47A1-AF2D-80AB0DFF76EE}"/>
+              </a:ext>
+            </a:extLst>
+          </p:cNvPr>
+          <p:cNvSpPr txBox="1"/>
+          <p:nvPr/>
+        </p:nvSpPr>
+        <p:spPr>
+          <a:xfrm>
+            <a:off x="484633" y="1310041"/>
+            <a:ext cx="748564" cy="369332"/>
+          </a:xfrm>
+          <a:prstGeom prst="rect">
+            <a:avLst/>
+          </a:prstGeom>
+          <a:noFill/>
+        </p:spPr>
+        <p:txBody>
+          <a:bodyPr wrap="square" rtlCol="0">
+            <a:spAutoFit/>
+          </a:bodyPr>
+          <a:lstStyle/>
+          <a:p>
+            <a:r>
+              <a:rPr lang="en-US" altLang="ko-KR">
+                <a:latin typeface="Arial" panose="020B0604020202020204" pitchFamily="34" charset="0"/>
+                <a:cs typeface="Arial" panose="020B0604020202020204" pitchFamily="34" charset="0"/>
+              </a:rPr>
+              <a:t>Own</a:t>
+            </a:r>
+            <a:endParaRPr lang="ko-KR" altLang="en-US">
+              <a:latin typeface="Arial" panose="020B0604020202020204" pitchFamily="34" charset="0"/>
+              <a:cs typeface="Arial" panose="020B0604020202020204" pitchFamily="34" charset="0"/>
+            </a:endParaRPr>
+          </a:p>
+        </p:txBody>
+      </p:sp>
+      <p:sp>
+        <p:nvSpPr>
+          <p:cNvPr id="26" name="화살표: 오각형 25">
+            <a:extLst>
+              <a:ext uri="{FF2B5EF4-FFF2-40B4-BE49-F238E27FC236}">
+                <a16:creationId xmlns:a16="http://schemas.microsoft.com/office/drawing/2014/main" id="{87DDE970-AB75-4FAC-A93C-12B254A76680}"/>
+              </a:ext>
+            </a:extLst>
+          </p:cNvPr>
+          <p:cNvSpPr/>
+          <p:nvPr/>
+        </p:nvSpPr>
+        <p:spPr>
+          <a:xfrm rot="16200000">
+            <a:off x="6765542" y="4420858"/>
+            <a:ext cx="690384" cy="1100636"/>
+          </a:xfrm>
+          <a:prstGeom prst="homePlate">
+            <a:avLst>
+              <a:gd name="adj" fmla="val 39700"/>
+            </a:avLst>
+          </a:prstGeom>
+          <a:solidFill>
+            <a:srgbClr val="E5E57F"/>
+          </a:solidFill>
+          <a:ln w="19050">
+            <a:solidFill>
+              <a:schemeClr val="tx1"/>
+            </a:solidFill>
+          </a:ln>
+        </p:spPr>
+        <p:style>
+          <a:lnRef idx="2">
+            <a:schemeClr val="accent1">
+              <a:shade val="50000"/>
+            </a:schemeClr>
+          </a:lnRef>
+          <a:fillRef idx="1">
+            <a:schemeClr val="accent1"/>
+          </a:fillRef>
+          <a:effectRef idx="0">
+            <a:schemeClr val="accent1"/>
+          </a:effectRef>
+          <a:fontRef idx="minor">
+            <a:schemeClr val="lt1"/>
+          </a:fontRef>
+        </p:style>
+        <p:txBody>
+          <a:bodyPr vert="eaVert" rtlCol="0" anchor="ctr"/>
+          <a:lstStyle/>
+          <a:p>
+            <a:pPr algn="ctr"/>
+            <a:r>
+              <a:rPr lang="en-US" altLang="ko-KR">
+                <a:solidFill>
+                  <a:schemeClr val="tx1"/>
+                </a:solidFill>
+                <a:latin typeface="Arial" panose="020B0604020202020204" pitchFamily="34" charset="0"/>
+                <a:cs typeface="Arial" panose="020B0604020202020204" pitchFamily="34" charset="0"/>
+              </a:rPr>
+              <a:t>Person2</a:t>
+            </a:r>
+            <a:endParaRPr lang="ko-KR" altLang="en-US">
+              <a:solidFill>
+                <a:schemeClr val="tx1"/>
+              </a:solidFill>
+              <a:latin typeface="Arial" panose="020B0604020202020204" pitchFamily="34" charset="0"/>
+              <a:cs typeface="Arial" panose="020B0604020202020204" pitchFamily="34" charset="0"/>
+            </a:endParaRPr>
+          </a:p>
+        </p:txBody>
+      </p:sp>
+      <p:sp>
+        <p:nvSpPr>
+          <p:cNvPr id="27" name="사각형: 둥근 모서리 26">
+            <a:extLst>
+              <a:ext uri="{FF2B5EF4-FFF2-40B4-BE49-F238E27FC236}">
+                <a16:creationId xmlns:a16="http://schemas.microsoft.com/office/drawing/2014/main" id="{6EC87CE4-C5C9-42CA-BA34-61E14BA7DCFF}"/>
+              </a:ext>
+            </a:extLst>
+          </p:cNvPr>
+          <p:cNvSpPr/>
+          <p:nvPr/>
+        </p:nvSpPr>
+        <p:spPr>
+          <a:xfrm>
+            <a:off x="6519217" y="3404287"/>
+            <a:ext cx="1169828" cy="605134"/>
+          </a:xfrm>
+          <a:prstGeom prst="roundRect">
+            <a:avLst>
+              <a:gd name="adj" fmla="val 42223"/>
+            </a:avLst>
+          </a:prstGeom>
+          <a:solidFill>
+            <a:srgbClr val="FFF2CC"/>
+          </a:solidFill>
+          <a:ln w="19050">
+            <a:solidFill>
+              <a:schemeClr val="tx1"/>
+            </a:solidFill>
+          </a:ln>
+        </p:spPr>
+        <p:style>
+          <a:lnRef idx="2">
+            <a:schemeClr val="accent1">
+              <a:shade val="50000"/>
+            </a:schemeClr>
+          </a:lnRef>
+          <a:fillRef idx="1">
+            <a:schemeClr val="accent1"/>
+          </a:fillRef>
+          <a:effectRef idx="0">
+            <a:schemeClr val="accent1"/>
+          </a:effectRef>
+          <a:fontRef idx="minor">
+            <a:schemeClr val="lt1"/>
+          </a:fontRef>
+        </p:style>
+        <p:txBody>
+          <a:bodyPr rtlCol="0" anchor="ctr"/>
+          <a:lstStyle/>
+          <a:p>
+            <a:pPr algn="ctr"/>
+            <a:r>
+              <a:rPr lang="en-US" altLang="ko-KR">
+                <a:solidFill>
+                  <a:schemeClr val="tx1"/>
+                </a:solidFill>
+                <a:latin typeface="Arial" panose="020B0604020202020204" pitchFamily="34" charset="0"/>
+                <a:cs typeface="Arial" panose="020B0604020202020204" pitchFamily="34" charset="0"/>
+              </a:rPr>
+              <a:t>Data1</a:t>
+            </a:r>
+            <a:endParaRPr lang="ko-KR" altLang="en-US">
+              <a:solidFill>
+                <a:schemeClr val="tx1"/>
+              </a:solidFill>
+              <a:latin typeface="Arial" panose="020B0604020202020204" pitchFamily="34" charset="0"/>
+              <a:cs typeface="Arial" panose="020B0604020202020204" pitchFamily="34" charset="0"/>
+            </a:endParaRPr>
+          </a:p>
+        </p:txBody>
+      </p:sp>
+      <p:sp>
+        <p:nvSpPr>
+          <p:cNvPr id="37" name="직사각형 36">
+            <a:extLst>
+              <a:ext uri="{FF2B5EF4-FFF2-40B4-BE49-F238E27FC236}">
+                <a16:creationId xmlns:a16="http://schemas.microsoft.com/office/drawing/2014/main" id="{3461F800-7D54-4D6D-AAFC-0A2A086AD685}"/>
+              </a:ext>
+            </a:extLst>
+          </p:cNvPr>
+          <p:cNvSpPr/>
+          <p:nvPr/>
+        </p:nvSpPr>
+        <p:spPr>
+          <a:xfrm>
+            <a:off x="4260396" y="3436189"/>
+            <a:ext cx="1184113" cy="587102"/>
+          </a:xfrm>
+          <a:prstGeom prst="rect">
+            <a:avLst/>
+          </a:prstGeom>
+          <a:solidFill>
+            <a:srgbClr val="CCCCFF"/>
+          </a:solidFill>
+          <a:ln w="19050">
+            <a:solidFill>
+              <a:schemeClr val="tx1"/>
+            </a:solidFill>
+          </a:ln>
+        </p:spPr>
+        <p:style>
+          <a:lnRef idx="2">
+            <a:schemeClr val="accent1">
+              <a:shade val="50000"/>
+            </a:schemeClr>
+          </a:lnRef>
+          <a:fillRef idx="1">
+            <a:schemeClr val="accent1"/>
+          </a:fillRef>
+          <a:effectRef idx="0">
+            <a:schemeClr val="accent1"/>
+          </a:effectRef>
+          <a:fontRef idx="minor">
+            <a:schemeClr val="lt1"/>
+          </a:fontRef>
+        </p:style>
+        <p:txBody>
+          <a:bodyPr rot="0" spcFirstLastPara="0" vertOverflow="overflow" horzOverflow="overflow" vert="horz" wrap="square" lIns="91440" tIns="45720" rIns="91440" bIns="45720" numCol="1" spcCol="0" rtlCol="0" fromWordArt="0" anchor="ctr" anchorCtr="0" forceAA="0" compatLnSpc="1">
+            <a:prstTxWarp prst="textNoShape">
+              <a:avLst/>
+            </a:prstTxWarp>
+            <a:noAutofit/>
+          </a:bodyPr>
+          <a:lstStyle/>
+          <a:p>
+            <a:pPr algn="ctr"/>
+            <a:r>
+              <a:rPr lang="ko-KR" altLang="en-US" sz="1600">
+                <a:solidFill>
+                  <a:schemeClr val="tx1"/>
+                </a:solidFill>
+                <a:latin typeface="Arial" panose="020B0604020202020204" pitchFamily="34" charset="0"/>
+                <a:cs typeface="Arial" panose="020B0604020202020204" pitchFamily="34" charset="0"/>
+              </a:rPr>
+              <a:t>배포</a:t>
+            </a:r>
+            <a:r>
+              <a:rPr lang="en-US" altLang="ko-KR" sz="1600">
+                <a:solidFill>
+                  <a:schemeClr val="tx1"/>
+                </a:solidFill>
+                <a:latin typeface="Arial" panose="020B0604020202020204" pitchFamily="34" charset="0"/>
+                <a:cs typeface="Arial" panose="020B0604020202020204" pitchFamily="34" charset="0"/>
+              </a:rPr>
+              <a:t>/</a:t>
+            </a:r>
+            <a:r>
+              <a:rPr lang="ko-KR" altLang="en-US" sz="1600">
+                <a:solidFill>
+                  <a:schemeClr val="tx1"/>
+                </a:solidFill>
+                <a:latin typeface="Arial" panose="020B0604020202020204" pitchFamily="34" charset="0"/>
+                <a:cs typeface="Arial" panose="020B0604020202020204" pitchFamily="34" charset="0"/>
+              </a:rPr>
+              <a:t>판매</a:t>
+            </a:r>
+            <a:endParaRPr lang="en-US" altLang="ko-KR" sz="1600">
+              <a:solidFill>
+                <a:schemeClr val="tx1"/>
+              </a:solidFill>
+              <a:latin typeface="Arial" panose="020B0604020202020204" pitchFamily="34" charset="0"/>
+              <a:cs typeface="Arial" panose="020B0604020202020204" pitchFamily="34" charset="0"/>
+            </a:endParaRPr>
+          </a:p>
+          <a:p>
+            <a:pPr algn="ctr"/>
+            <a:r>
+              <a:rPr lang="en-US" altLang="ko-KR" sz="1600">
+                <a:solidFill>
+                  <a:schemeClr val="tx1"/>
+                </a:solidFill>
+                <a:latin typeface="Arial" panose="020B0604020202020204" pitchFamily="34" charset="0"/>
+                <a:cs typeface="Arial" panose="020B0604020202020204" pitchFamily="34" charset="0"/>
+              </a:rPr>
+              <a:t>/</a:t>
+            </a:r>
+            <a:r>
+              <a:rPr lang="ko-KR" altLang="en-US" sz="1600">
+                <a:solidFill>
+                  <a:schemeClr val="tx1"/>
+                </a:solidFill>
+                <a:latin typeface="Arial" panose="020B0604020202020204" pitchFamily="34" charset="0"/>
+                <a:cs typeface="Arial" panose="020B0604020202020204" pitchFamily="34" charset="0"/>
+              </a:rPr>
+              <a:t>전달</a:t>
+            </a:r>
+            <a:endParaRPr lang="ko-KR" altLang="en-US" sz="1600" dirty="0">
+              <a:solidFill>
+                <a:schemeClr val="tx1"/>
+              </a:solidFill>
+              <a:latin typeface="Arial" panose="020B0604020202020204" pitchFamily="34" charset="0"/>
+              <a:cs typeface="Arial" panose="020B0604020202020204" pitchFamily="34" charset="0"/>
+            </a:endParaRPr>
+          </a:p>
+        </p:txBody>
+      </p:sp>
+      <p:cxnSp>
+        <p:nvCxnSpPr>
+          <p:cNvPr id="38" name="직선 화살표 연결선 37">
+            <a:extLst>
+              <a:ext uri="{FF2B5EF4-FFF2-40B4-BE49-F238E27FC236}">
+                <a16:creationId xmlns:a16="http://schemas.microsoft.com/office/drawing/2014/main" id="{F0B4D0E8-E115-4AA8-89FC-DAF4770EEA1B}"/>
+              </a:ext>
+            </a:extLst>
+          </p:cNvPr>
+          <p:cNvCxnSpPr>
+            <a:cxnSpLocks/>
+            <a:stCxn id="26" idx="3"/>
+            <a:endCxn id="27" idx="2"/>
+          </p:cNvCxnSpPr>
+          <p:nvPr/>
+        </p:nvCxnSpPr>
+        <p:spPr>
+          <a:xfrm flipH="1" flipV="1">
+            <a:off x="7104131" y="4009421"/>
+            <a:ext cx="6603" cy="616563"/>
+          </a:xfrm>
+          <a:prstGeom prst="straightConnector1">
+            <a:avLst/>
+          </a:prstGeom>
+          <a:ln w="19050">
+            <a:solidFill>
+              <a:schemeClr val="tx1"/>
+            </a:solidFill>
+            <a:headEnd type="triangle" w="lg" len="lg"/>
+            <a:tailEnd type="none"/>
+          </a:ln>
+        </p:spPr>
+        <p:style>
+          <a:lnRef idx="1">
+            <a:schemeClr val="accent1"/>
+          </a:lnRef>
+          <a:fillRef idx="0">
+            <a:schemeClr val="accent1"/>
+          </a:fillRef>
+          <a:effectRef idx="0">
+            <a:schemeClr val="accent1"/>
+          </a:effectRef>
+          <a:fontRef idx="minor">
+            <a:schemeClr val="tx1"/>
+          </a:fontRef>
+        </p:style>
+      </p:cxnSp>
+      <p:cxnSp>
+        <p:nvCxnSpPr>
+          <p:cNvPr id="42" name="직선 화살표 연결선 41">
+            <a:extLst>
+              <a:ext uri="{FF2B5EF4-FFF2-40B4-BE49-F238E27FC236}">
+                <a16:creationId xmlns:a16="http://schemas.microsoft.com/office/drawing/2014/main" id="{4DCC5578-1564-4DB0-B4F0-7F874DB404BA}"/>
+              </a:ext>
+            </a:extLst>
+          </p:cNvPr>
+          <p:cNvCxnSpPr>
+            <a:cxnSpLocks/>
+            <a:endCxn id="37" idx="3"/>
+          </p:cNvCxnSpPr>
+          <p:nvPr/>
+        </p:nvCxnSpPr>
+        <p:spPr>
+          <a:xfrm flipH="1">
+            <a:off x="5444509" y="3720574"/>
+            <a:ext cx="1074708" cy="9166"/>
+          </a:xfrm>
+          <a:prstGeom prst="straightConnector1">
+            <a:avLst/>
+          </a:prstGeom>
+          <a:ln w="19050">
+            <a:solidFill>
+              <a:schemeClr val="tx1"/>
+            </a:solidFill>
+            <a:headEnd type="triangle" w="lg" len="lg"/>
+            <a:tailEnd type="none" w="lg" len="lg"/>
+          </a:ln>
+        </p:spPr>
+        <p:style>
+          <a:lnRef idx="1">
+            <a:schemeClr val="accent1"/>
+          </a:lnRef>
+          <a:fillRef idx="0">
+            <a:schemeClr val="accent1"/>
+          </a:fillRef>
+          <a:effectRef idx="0">
+            <a:schemeClr val="accent1"/>
+          </a:effectRef>
+          <a:fontRef idx="minor">
+            <a:schemeClr val="tx1"/>
+          </a:fontRef>
+        </p:style>
+      </p:cxnSp>
+      <p:sp>
+        <p:nvSpPr>
+          <p:cNvPr id="43" name="TextBox 42">
+            <a:extLst>
+              <a:ext uri="{FF2B5EF4-FFF2-40B4-BE49-F238E27FC236}">
+                <a16:creationId xmlns:a16="http://schemas.microsoft.com/office/drawing/2014/main" id="{2DD5D734-11D4-4F09-9D80-453571DE1150}"/>
+              </a:ext>
+            </a:extLst>
+          </p:cNvPr>
+          <p:cNvSpPr txBox="1"/>
+          <p:nvPr/>
+        </p:nvSpPr>
+        <p:spPr>
+          <a:xfrm>
+            <a:off x="5486026" y="3437701"/>
+            <a:ext cx="1463453" cy="307777"/>
+          </a:xfrm>
+          <a:prstGeom prst="rect">
+            <a:avLst/>
+          </a:prstGeom>
+          <a:noFill/>
+        </p:spPr>
+        <p:txBody>
+          <a:bodyPr wrap="square" rtlCol="0">
+            <a:spAutoFit/>
+          </a:bodyPr>
+          <a:lstStyle/>
+          <a:p>
+            <a:r>
+              <a:rPr lang="en-US" altLang="ko-KR" sz="1400">
+                <a:latin typeface="Arial" panose="020B0604020202020204" pitchFamily="34" charset="0"/>
+                <a:cs typeface="Arial" panose="020B0604020202020204" pitchFamily="34" charset="0"/>
+              </a:rPr>
+              <a:t>Generate</a:t>
+            </a:r>
+            <a:endParaRPr lang="ko-KR" altLang="en-US" sz="1400">
+              <a:latin typeface="Arial" panose="020B0604020202020204" pitchFamily="34" charset="0"/>
+              <a:cs typeface="Arial" panose="020B0604020202020204" pitchFamily="34" charset="0"/>
+            </a:endParaRPr>
+          </a:p>
+        </p:txBody>
+      </p:sp>
+      <p:sp>
+        <p:nvSpPr>
+          <p:cNvPr id="44" name="TextBox 43">
+            <a:extLst>
+              <a:ext uri="{FF2B5EF4-FFF2-40B4-BE49-F238E27FC236}">
+                <a16:creationId xmlns:a16="http://schemas.microsoft.com/office/drawing/2014/main" id="{9F27B25D-AD0B-49E9-9DC6-9EE9C4C0776A}"/>
+              </a:ext>
+            </a:extLst>
+          </p:cNvPr>
+          <p:cNvSpPr txBox="1"/>
+          <p:nvPr/>
+        </p:nvSpPr>
+        <p:spPr>
+          <a:xfrm>
+            <a:off x="6560416" y="4156353"/>
+            <a:ext cx="651267" cy="307777"/>
+          </a:xfrm>
+          <a:prstGeom prst="rect">
+            <a:avLst/>
+          </a:prstGeom>
+          <a:noFill/>
+        </p:spPr>
+        <p:txBody>
+          <a:bodyPr wrap="square" rtlCol="0">
+            <a:spAutoFit/>
+          </a:bodyPr>
+          <a:lstStyle/>
+          <a:p>
+            <a:r>
+              <a:rPr lang="en-US" altLang="ko-KR" sz="1400">
+                <a:latin typeface="Arial" panose="020B0604020202020204" pitchFamily="34" charset="0"/>
+                <a:cs typeface="Arial" panose="020B0604020202020204" pitchFamily="34" charset="0"/>
+              </a:rPr>
+              <a:t>Own</a:t>
+            </a:r>
+            <a:endParaRPr lang="ko-KR" altLang="en-US" sz="1400">
+              <a:latin typeface="Arial" panose="020B0604020202020204" pitchFamily="34" charset="0"/>
+              <a:cs typeface="Arial" panose="020B0604020202020204" pitchFamily="34" charset="0"/>
+            </a:endParaRPr>
+          </a:p>
+        </p:txBody>
+      </p:sp>
+      <p:sp>
+        <p:nvSpPr>
+          <p:cNvPr id="48" name="사각형: 둥근 모서리 47">
+            <a:extLst>
+              <a:ext uri="{FF2B5EF4-FFF2-40B4-BE49-F238E27FC236}">
+                <a16:creationId xmlns:a16="http://schemas.microsoft.com/office/drawing/2014/main" id="{0EF4E570-A3A4-4D12-A9FC-0CE486803AD9}"/>
+              </a:ext>
+            </a:extLst>
+          </p:cNvPr>
+          <p:cNvSpPr/>
+          <p:nvPr/>
+        </p:nvSpPr>
+        <p:spPr>
+          <a:xfrm>
+            <a:off x="2139163" y="3429000"/>
+            <a:ext cx="1169828" cy="605134"/>
+          </a:xfrm>
+          <a:prstGeom prst="roundRect">
+            <a:avLst>
+              <a:gd name="adj" fmla="val 42223"/>
+            </a:avLst>
+          </a:prstGeom>
+          <a:solidFill>
+            <a:srgbClr val="FFF2CC"/>
+          </a:solidFill>
+          <a:ln w="19050">
+            <a:solidFill>
+              <a:schemeClr val="tx1"/>
+            </a:solidFill>
+          </a:ln>
+        </p:spPr>
+        <p:style>
+          <a:lnRef idx="2">
+            <a:schemeClr val="accent1">
+              <a:shade val="50000"/>
+            </a:schemeClr>
+          </a:lnRef>
+          <a:fillRef idx="1">
+            <a:schemeClr val="accent1"/>
+          </a:fillRef>
+          <a:effectRef idx="0">
+            <a:schemeClr val="accent1"/>
+          </a:effectRef>
+          <a:fontRef idx="minor">
+            <a:schemeClr val="lt1"/>
+          </a:fontRef>
+        </p:style>
+        <p:txBody>
+          <a:bodyPr rtlCol="0" anchor="ctr"/>
+          <a:lstStyle/>
+          <a:p>
+            <a:pPr algn="ctr"/>
+            <a:r>
+              <a:rPr lang="en-US" altLang="ko-KR">
+                <a:solidFill>
+                  <a:schemeClr val="tx1"/>
+                </a:solidFill>
+                <a:latin typeface="Arial" panose="020B0604020202020204" pitchFamily="34" charset="0"/>
+                <a:cs typeface="Arial" panose="020B0604020202020204" pitchFamily="34" charset="0"/>
+              </a:rPr>
+              <a:t>Data1</a:t>
+            </a:r>
+            <a:endParaRPr lang="ko-KR" altLang="en-US">
+              <a:solidFill>
+                <a:schemeClr val="tx1"/>
+              </a:solidFill>
+              <a:latin typeface="Arial" panose="020B0604020202020204" pitchFamily="34" charset="0"/>
+              <a:cs typeface="Arial" panose="020B0604020202020204" pitchFamily="34" charset="0"/>
+            </a:endParaRPr>
+          </a:p>
+        </p:txBody>
+      </p:sp>
+      <p:sp>
+        <p:nvSpPr>
+          <p:cNvPr id="49" name="화살표: 오각형 48">
+            <a:extLst>
+              <a:ext uri="{FF2B5EF4-FFF2-40B4-BE49-F238E27FC236}">
+                <a16:creationId xmlns:a16="http://schemas.microsoft.com/office/drawing/2014/main" id="{43B41F9B-186A-40FA-B026-41C018CF7ED8}"/>
+              </a:ext>
+            </a:extLst>
+          </p:cNvPr>
+          <p:cNvSpPr/>
+          <p:nvPr/>
+        </p:nvSpPr>
+        <p:spPr>
+          <a:xfrm rot="16200000">
+            <a:off x="8973936" y="4494613"/>
+            <a:ext cx="690386" cy="1100638"/>
+          </a:xfrm>
+          <a:prstGeom prst="homePlate">
+            <a:avLst>
+              <a:gd name="adj" fmla="val 39700"/>
+            </a:avLst>
+          </a:prstGeom>
+          <a:solidFill>
+            <a:srgbClr val="E5E57F"/>
+          </a:solidFill>
+          <a:ln w="19050">
+            <a:solidFill>
+              <a:schemeClr val="tx1"/>
+            </a:solidFill>
+          </a:ln>
+        </p:spPr>
+        <p:style>
+          <a:lnRef idx="2">
+            <a:schemeClr val="accent1">
+              <a:shade val="50000"/>
+            </a:schemeClr>
+          </a:lnRef>
+          <a:fillRef idx="1">
+            <a:schemeClr val="accent1"/>
+          </a:fillRef>
+          <a:effectRef idx="0">
+            <a:schemeClr val="accent1"/>
+          </a:effectRef>
+          <a:fontRef idx="minor">
+            <a:schemeClr val="lt1"/>
+          </a:fontRef>
+        </p:style>
+        <p:txBody>
+          <a:bodyPr vert="eaVert" rtlCol="0" anchor="ctr"/>
+          <a:lstStyle/>
+          <a:p>
+            <a:pPr algn="ctr"/>
+            <a:r>
+              <a:rPr lang="en-US" altLang="ko-KR">
+                <a:solidFill>
+                  <a:schemeClr val="tx1"/>
+                </a:solidFill>
+                <a:latin typeface="Arial" panose="020B0604020202020204" pitchFamily="34" charset="0"/>
+                <a:cs typeface="Arial" panose="020B0604020202020204" pitchFamily="34" charset="0"/>
+              </a:rPr>
+              <a:t>Person3</a:t>
+            </a:r>
+            <a:endParaRPr lang="ko-KR" altLang="en-US">
+              <a:solidFill>
+                <a:schemeClr val="tx1"/>
+              </a:solidFill>
+              <a:latin typeface="Arial" panose="020B0604020202020204" pitchFamily="34" charset="0"/>
+              <a:cs typeface="Arial" panose="020B0604020202020204" pitchFamily="34" charset="0"/>
+            </a:endParaRPr>
+          </a:p>
+        </p:txBody>
+      </p:sp>
+      <p:cxnSp>
+        <p:nvCxnSpPr>
+          <p:cNvPr id="50" name="직선 화살표 연결선 49">
+            <a:extLst>
+              <a:ext uri="{FF2B5EF4-FFF2-40B4-BE49-F238E27FC236}">
+                <a16:creationId xmlns:a16="http://schemas.microsoft.com/office/drawing/2014/main" id="{CDC646FF-A452-4135-8587-7BCF1D03778A}"/>
+              </a:ext>
+            </a:extLst>
+          </p:cNvPr>
+          <p:cNvCxnSpPr>
+            <a:cxnSpLocks/>
+            <a:endCxn id="48" idx="3"/>
+          </p:cNvCxnSpPr>
+          <p:nvPr/>
+        </p:nvCxnSpPr>
+        <p:spPr>
+          <a:xfrm flipH="1">
+            <a:off x="3308991" y="3719286"/>
+            <a:ext cx="949062" cy="12281"/>
+          </a:xfrm>
+          <a:prstGeom prst="straightConnector1">
+            <a:avLst/>
+          </a:prstGeom>
+          <a:ln w="19050">
+            <a:solidFill>
+              <a:schemeClr val="tx1"/>
+            </a:solidFill>
+            <a:headEnd type="triangle" w="lg" len="lg"/>
+            <a:tailEnd type="none" w="lg" len="lg"/>
+          </a:ln>
+        </p:spPr>
+        <p:style>
+          <a:lnRef idx="1">
+            <a:schemeClr val="accent1"/>
+          </a:lnRef>
+          <a:fillRef idx="0">
+            <a:schemeClr val="accent1"/>
+          </a:fillRef>
+          <a:effectRef idx="0">
+            <a:schemeClr val="accent1"/>
+          </a:effectRef>
+          <a:fontRef idx="minor">
+            <a:schemeClr val="tx1"/>
+          </a:fontRef>
+        </p:style>
+      </p:cxnSp>
+      <p:sp>
+        <p:nvSpPr>
+          <p:cNvPr id="51" name="TextBox 50">
+            <a:extLst>
+              <a:ext uri="{FF2B5EF4-FFF2-40B4-BE49-F238E27FC236}">
+                <a16:creationId xmlns:a16="http://schemas.microsoft.com/office/drawing/2014/main" id="{2F4A5B72-AD5C-4A1F-9171-820A5851443A}"/>
+              </a:ext>
+            </a:extLst>
+          </p:cNvPr>
+          <p:cNvSpPr txBox="1"/>
+          <p:nvPr/>
+        </p:nvSpPr>
+        <p:spPr>
+          <a:xfrm>
+            <a:off x="3281119" y="3436189"/>
+            <a:ext cx="1463453" cy="307777"/>
+          </a:xfrm>
+          <a:prstGeom prst="rect">
+            <a:avLst/>
+          </a:prstGeom>
+          <a:noFill/>
+        </p:spPr>
+        <p:txBody>
+          <a:bodyPr wrap="square" rtlCol="0">
+            <a:spAutoFit/>
+          </a:bodyPr>
+          <a:lstStyle/>
+          <a:p>
+            <a:r>
+              <a:rPr lang="en-US" altLang="ko-KR" sz="1400">
+                <a:latin typeface="Arial" panose="020B0604020202020204" pitchFamily="34" charset="0"/>
+                <a:cs typeface="Arial" panose="020B0604020202020204" pitchFamily="34" charset="0"/>
+              </a:rPr>
+              <a:t>Generate</a:t>
+            </a:r>
+            <a:endParaRPr lang="ko-KR" altLang="en-US" sz="1400">
+              <a:latin typeface="Arial" panose="020B0604020202020204" pitchFamily="34" charset="0"/>
+              <a:cs typeface="Arial" panose="020B0604020202020204" pitchFamily="34" charset="0"/>
+            </a:endParaRPr>
+          </a:p>
+        </p:txBody>
+      </p:sp>
+      <p:cxnSp>
+        <p:nvCxnSpPr>
+          <p:cNvPr id="52" name="직선 화살표 연결선 51">
+            <a:extLst>
+              <a:ext uri="{FF2B5EF4-FFF2-40B4-BE49-F238E27FC236}">
+                <a16:creationId xmlns:a16="http://schemas.microsoft.com/office/drawing/2014/main" id="{98831931-2735-40A9-BB8D-B27DCB1820C7}"/>
+              </a:ext>
+            </a:extLst>
+          </p:cNvPr>
+          <p:cNvCxnSpPr>
+            <a:cxnSpLocks/>
+            <a:stCxn id="49" idx="3"/>
+            <a:endCxn id="65" idx="2"/>
+          </p:cNvCxnSpPr>
+          <p:nvPr/>
+        </p:nvCxnSpPr>
+        <p:spPr>
+          <a:xfrm flipH="1" flipV="1">
+            <a:off x="9314293" y="3991389"/>
+            <a:ext cx="4836" cy="708350"/>
+          </a:xfrm>
+          <a:prstGeom prst="straightConnector1">
+            <a:avLst/>
+          </a:prstGeom>
+          <a:ln w="19050">
+            <a:solidFill>
+              <a:schemeClr val="tx1"/>
+            </a:solidFill>
+            <a:headEnd type="triangle" w="lg" len="lg"/>
+            <a:tailEnd type="none"/>
+          </a:ln>
+        </p:spPr>
+        <p:style>
+          <a:lnRef idx="1">
+            <a:schemeClr val="accent1"/>
+          </a:lnRef>
+          <a:fillRef idx="0">
+            <a:schemeClr val="accent1"/>
+          </a:fillRef>
+          <a:effectRef idx="0">
+            <a:schemeClr val="accent1"/>
+          </a:effectRef>
+          <a:fontRef idx="minor">
+            <a:schemeClr val="tx1"/>
+          </a:fontRef>
+        </p:style>
+      </p:cxnSp>
+      <p:sp>
+        <p:nvSpPr>
+          <p:cNvPr id="53" name="TextBox 52">
+            <a:extLst>
+              <a:ext uri="{FF2B5EF4-FFF2-40B4-BE49-F238E27FC236}">
+                <a16:creationId xmlns:a16="http://schemas.microsoft.com/office/drawing/2014/main" id="{EE867B0E-7842-4118-B887-120B92FF78F0}"/>
+              </a:ext>
+            </a:extLst>
+          </p:cNvPr>
+          <p:cNvSpPr txBox="1"/>
+          <p:nvPr/>
+        </p:nvSpPr>
+        <p:spPr>
+          <a:xfrm>
+            <a:off x="10254607" y="4284422"/>
+            <a:ext cx="651267" cy="307777"/>
+          </a:xfrm>
+          <a:prstGeom prst="rect">
+            <a:avLst/>
+          </a:prstGeom>
+          <a:noFill/>
+        </p:spPr>
+        <p:txBody>
+          <a:bodyPr wrap="square" rtlCol="0">
+            <a:spAutoFit/>
+          </a:bodyPr>
+          <a:lstStyle/>
+          <a:p>
+            <a:r>
+              <a:rPr lang="en-US" altLang="ko-KR" sz="1400">
+                <a:latin typeface="Arial" panose="020B0604020202020204" pitchFamily="34" charset="0"/>
+                <a:cs typeface="Arial" panose="020B0604020202020204" pitchFamily="34" charset="0"/>
+              </a:rPr>
+              <a:t>Own</a:t>
+            </a:r>
+            <a:endParaRPr lang="ko-KR" altLang="en-US" sz="1400">
+              <a:latin typeface="Arial" panose="020B0604020202020204" pitchFamily="34" charset="0"/>
+              <a:cs typeface="Arial" panose="020B0604020202020204" pitchFamily="34" charset="0"/>
+            </a:endParaRPr>
+          </a:p>
+        </p:txBody>
+      </p:sp>
+      <p:sp>
+        <p:nvSpPr>
+          <p:cNvPr id="41" name="직사각형 40">
+            <a:extLst>
+              <a:ext uri="{FF2B5EF4-FFF2-40B4-BE49-F238E27FC236}">
+                <a16:creationId xmlns:a16="http://schemas.microsoft.com/office/drawing/2014/main" id="{CD6C6FEE-0763-4FF6-92AE-BFFC1366D1D5}"/>
+              </a:ext>
+            </a:extLst>
+          </p:cNvPr>
+          <p:cNvSpPr/>
+          <p:nvPr/>
+        </p:nvSpPr>
+        <p:spPr>
+          <a:xfrm>
+            <a:off x="42410" y="3447032"/>
+            <a:ext cx="1083628" cy="587102"/>
+          </a:xfrm>
+          <a:prstGeom prst="rect">
+            <a:avLst/>
+          </a:prstGeom>
+          <a:solidFill>
+            <a:srgbClr val="CCCCFF"/>
+          </a:solidFill>
+          <a:ln w="19050">
+            <a:solidFill>
+              <a:schemeClr val="tx1"/>
+            </a:solidFill>
+          </a:ln>
+        </p:spPr>
+        <p:style>
+          <a:lnRef idx="2">
+            <a:schemeClr val="accent1">
+              <a:shade val="50000"/>
+            </a:schemeClr>
+          </a:lnRef>
+          <a:fillRef idx="1">
+            <a:schemeClr val="accent1"/>
+          </a:fillRef>
+          <a:effectRef idx="0">
+            <a:schemeClr val="accent1"/>
+          </a:effectRef>
+          <a:fontRef idx="minor">
+            <a:schemeClr val="lt1"/>
+          </a:fontRef>
+        </p:style>
+        <p:txBody>
+          <a:bodyPr rot="0" spcFirstLastPara="0" vertOverflow="overflow" horzOverflow="overflow" vert="horz" wrap="square" lIns="91440" tIns="45720" rIns="91440" bIns="45720" numCol="1" spcCol="0" rtlCol="0" fromWordArt="0" anchor="ctr" anchorCtr="0" forceAA="0" compatLnSpc="1">
+            <a:prstTxWarp prst="textNoShape">
+              <a:avLst/>
+            </a:prstTxWarp>
+            <a:noAutofit/>
+          </a:bodyPr>
+          <a:lstStyle/>
+          <a:p>
+            <a:pPr algn="ctr"/>
+            <a:r>
+              <a:rPr lang="ko-KR" altLang="en-US" sz="1600">
+                <a:solidFill>
+                  <a:schemeClr val="tx1"/>
+                </a:solidFill>
+                <a:latin typeface="Arial" panose="020B0604020202020204" pitchFamily="34" charset="0"/>
+                <a:cs typeface="Arial" panose="020B0604020202020204" pitchFamily="34" charset="0"/>
+              </a:rPr>
+              <a:t>생성</a:t>
+            </a:r>
+            <a:endParaRPr lang="ko-KR" altLang="en-US" sz="1600" dirty="0">
+              <a:solidFill>
+                <a:schemeClr val="tx1"/>
+              </a:solidFill>
+              <a:latin typeface="Arial" panose="020B0604020202020204" pitchFamily="34" charset="0"/>
+              <a:cs typeface="Arial" panose="020B0604020202020204" pitchFamily="34" charset="0"/>
+            </a:endParaRPr>
+          </a:p>
+        </p:txBody>
+      </p:sp>
+      <p:cxnSp>
+        <p:nvCxnSpPr>
+          <p:cNvPr id="47" name="직선 화살표 연결선 46">
+            <a:extLst>
+              <a:ext uri="{FF2B5EF4-FFF2-40B4-BE49-F238E27FC236}">
+                <a16:creationId xmlns:a16="http://schemas.microsoft.com/office/drawing/2014/main" id="{C15DC01C-7E39-4483-B3CF-0F773C6119B6}"/>
+              </a:ext>
+            </a:extLst>
+          </p:cNvPr>
+          <p:cNvCxnSpPr>
+            <a:cxnSpLocks/>
+          </p:cNvCxnSpPr>
+          <p:nvPr/>
+        </p:nvCxnSpPr>
+        <p:spPr>
+          <a:xfrm flipH="1" flipV="1">
+            <a:off x="1130568" y="3727059"/>
+            <a:ext cx="1008596" cy="3118"/>
+          </a:xfrm>
+          <a:prstGeom prst="straightConnector1">
+            <a:avLst/>
+          </a:prstGeom>
+          <a:ln w="19050">
+            <a:solidFill>
+              <a:schemeClr val="tx1"/>
+            </a:solidFill>
+            <a:headEnd type="triangle" w="lg" len="lg"/>
+            <a:tailEnd type="none" w="lg" len="lg"/>
+          </a:ln>
+        </p:spPr>
+        <p:style>
+          <a:lnRef idx="1">
+            <a:schemeClr val="accent1"/>
+          </a:lnRef>
+          <a:fillRef idx="0">
+            <a:schemeClr val="accent1"/>
+          </a:fillRef>
+          <a:effectRef idx="0">
+            <a:schemeClr val="accent1"/>
+          </a:effectRef>
+          <a:fontRef idx="minor">
+            <a:schemeClr val="tx1"/>
+          </a:fontRef>
+        </p:style>
+      </p:cxnSp>
+      <p:sp>
+        <p:nvSpPr>
+          <p:cNvPr id="54" name="TextBox 53">
+            <a:extLst>
+              <a:ext uri="{FF2B5EF4-FFF2-40B4-BE49-F238E27FC236}">
+                <a16:creationId xmlns:a16="http://schemas.microsoft.com/office/drawing/2014/main" id="{2F4164B1-CABE-4778-A44C-583105D40F5E}"/>
+              </a:ext>
+            </a:extLst>
+          </p:cNvPr>
+          <p:cNvSpPr txBox="1"/>
+          <p:nvPr/>
+        </p:nvSpPr>
+        <p:spPr>
+          <a:xfrm>
+            <a:off x="1150242" y="3433820"/>
+            <a:ext cx="1463453" cy="307777"/>
+          </a:xfrm>
+          <a:prstGeom prst="rect">
+            <a:avLst/>
+          </a:prstGeom>
+          <a:noFill/>
+        </p:spPr>
+        <p:txBody>
+          <a:bodyPr wrap="square" rtlCol="0">
+            <a:spAutoFit/>
+          </a:bodyPr>
+          <a:lstStyle/>
+          <a:p>
+            <a:r>
+              <a:rPr lang="en-US" altLang="ko-KR" sz="1400">
+                <a:latin typeface="Arial" panose="020B0604020202020204" pitchFamily="34" charset="0"/>
+                <a:cs typeface="Arial" panose="020B0604020202020204" pitchFamily="34" charset="0"/>
+              </a:rPr>
+              <a:t>Generate</a:t>
+            </a:r>
+            <a:endParaRPr lang="ko-KR" altLang="en-US" sz="1400">
+              <a:latin typeface="Arial" panose="020B0604020202020204" pitchFamily="34" charset="0"/>
+              <a:cs typeface="Arial" panose="020B0604020202020204" pitchFamily="34" charset="0"/>
+            </a:endParaRPr>
+          </a:p>
+        </p:txBody>
+      </p:sp>
+      <p:sp>
+        <p:nvSpPr>
+          <p:cNvPr id="55" name="화살표: 오각형 54">
+            <a:extLst>
+              <a:ext uri="{FF2B5EF4-FFF2-40B4-BE49-F238E27FC236}">
+                <a16:creationId xmlns:a16="http://schemas.microsoft.com/office/drawing/2014/main" id="{F99245D8-E7B9-400A-8839-812242476071}"/>
+              </a:ext>
+            </a:extLst>
+          </p:cNvPr>
+          <p:cNvSpPr/>
+          <p:nvPr/>
+        </p:nvSpPr>
+        <p:spPr>
+          <a:xfrm rot="16200000">
+            <a:off x="230526" y="4467513"/>
+            <a:ext cx="690386" cy="1100638"/>
+          </a:xfrm>
+          <a:prstGeom prst="homePlate">
+            <a:avLst>
+              <a:gd name="adj" fmla="val 39700"/>
+            </a:avLst>
+          </a:prstGeom>
+          <a:solidFill>
+            <a:srgbClr val="E5E57F"/>
+          </a:solidFill>
+          <a:ln w="19050">
+            <a:solidFill>
+              <a:schemeClr val="tx1"/>
+            </a:solidFill>
+          </a:ln>
+        </p:spPr>
+        <p:style>
+          <a:lnRef idx="2">
+            <a:schemeClr val="accent1">
+              <a:shade val="50000"/>
+            </a:schemeClr>
+          </a:lnRef>
+          <a:fillRef idx="1">
+            <a:schemeClr val="accent1"/>
+          </a:fillRef>
+          <a:effectRef idx="0">
+            <a:schemeClr val="accent1"/>
+          </a:effectRef>
+          <a:fontRef idx="minor">
+            <a:schemeClr val="lt1"/>
+          </a:fontRef>
+        </p:style>
+        <p:txBody>
+          <a:bodyPr vert="eaVert" rtlCol="0" anchor="ctr"/>
+          <a:lstStyle/>
+          <a:p>
+            <a:pPr algn="ctr"/>
+            <a:r>
+              <a:rPr lang="en-US" altLang="ko-KR">
+                <a:solidFill>
+                  <a:schemeClr val="tx1"/>
+                </a:solidFill>
+                <a:latin typeface="Arial" panose="020B0604020202020204" pitchFamily="34" charset="0"/>
+                <a:cs typeface="Arial" panose="020B0604020202020204" pitchFamily="34" charset="0"/>
+              </a:rPr>
+              <a:t>Person1</a:t>
+            </a:r>
+            <a:endParaRPr lang="ko-KR" altLang="en-US">
+              <a:solidFill>
+                <a:schemeClr val="tx1"/>
+              </a:solidFill>
+              <a:latin typeface="Arial" panose="020B0604020202020204" pitchFamily="34" charset="0"/>
+              <a:cs typeface="Arial" panose="020B0604020202020204" pitchFamily="34" charset="0"/>
+            </a:endParaRPr>
+          </a:p>
+        </p:txBody>
+      </p:sp>
+      <p:cxnSp>
+        <p:nvCxnSpPr>
+          <p:cNvPr id="56" name="직선 화살표 연결선 55">
+            <a:extLst>
+              <a:ext uri="{FF2B5EF4-FFF2-40B4-BE49-F238E27FC236}">
+                <a16:creationId xmlns:a16="http://schemas.microsoft.com/office/drawing/2014/main" id="{333CC678-BA53-4A82-A4AD-AC2C5353E963}"/>
+              </a:ext>
+            </a:extLst>
+          </p:cNvPr>
+          <p:cNvCxnSpPr>
+            <a:cxnSpLocks/>
+            <a:stCxn id="55" idx="3"/>
+          </p:cNvCxnSpPr>
+          <p:nvPr/>
+        </p:nvCxnSpPr>
+        <p:spPr>
+          <a:xfrm flipV="1">
+            <a:off x="575719" y="4035523"/>
+            <a:ext cx="2087" cy="637116"/>
+          </a:xfrm>
+          <a:prstGeom prst="straightConnector1">
+            <a:avLst/>
+          </a:prstGeom>
+          <a:ln w="19050">
+            <a:solidFill>
+              <a:schemeClr val="tx1"/>
+            </a:solidFill>
+            <a:headEnd type="triangle" w="lg" len="lg"/>
+            <a:tailEnd type="none"/>
+          </a:ln>
+        </p:spPr>
+        <p:style>
+          <a:lnRef idx="1">
+            <a:schemeClr val="accent1"/>
+          </a:lnRef>
+          <a:fillRef idx="0">
+            <a:schemeClr val="accent1"/>
+          </a:fillRef>
+          <a:effectRef idx="0">
+            <a:schemeClr val="accent1"/>
+          </a:effectRef>
+          <a:fontRef idx="minor">
+            <a:schemeClr val="tx1"/>
+          </a:fontRef>
+        </p:style>
+      </p:cxnSp>
+      <p:sp>
+        <p:nvSpPr>
+          <p:cNvPr id="57" name="TextBox 56">
+            <a:extLst>
+              <a:ext uri="{FF2B5EF4-FFF2-40B4-BE49-F238E27FC236}">
+                <a16:creationId xmlns:a16="http://schemas.microsoft.com/office/drawing/2014/main" id="{D3ADFE82-F761-4D66-8D92-6AABE8F60847}"/>
+              </a:ext>
+            </a:extLst>
+          </p:cNvPr>
+          <p:cNvSpPr txBox="1"/>
+          <p:nvPr/>
+        </p:nvSpPr>
+        <p:spPr>
+          <a:xfrm>
+            <a:off x="139051" y="4210279"/>
+            <a:ext cx="651267" cy="307777"/>
+          </a:xfrm>
+          <a:prstGeom prst="rect">
+            <a:avLst/>
+          </a:prstGeom>
+          <a:noFill/>
+        </p:spPr>
+        <p:txBody>
+          <a:bodyPr wrap="square" rtlCol="0">
+            <a:spAutoFit/>
+          </a:bodyPr>
+          <a:lstStyle/>
+          <a:p>
+            <a:r>
+              <a:rPr lang="en-US" altLang="ko-KR" sz="1400">
+                <a:latin typeface="Arial" panose="020B0604020202020204" pitchFamily="34" charset="0"/>
+                <a:cs typeface="Arial" panose="020B0604020202020204" pitchFamily="34" charset="0"/>
+              </a:rPr>
+              <a:t>Act</a:t>
+            </a:r>
+            <a:endParaRPr lang="ko-KR" altLang="en-US" sz="1400">
+              <a:latin typeface="Arial" panose="020B0604020202020204" pitchFamily="34" charset="0"/>
+              <a:cs typeface="Arial" panose="020B0604020202020204" pitchFamily="34" charset="0"/>
+            </a:endParaRPr>
+          </a:p>
+        </p:txBody>
+      </p:sp>
+      <p:cxnSp>
+        <p:nvCxnSpPr>
+          <p:cNvPr id="59" name="직선 화살표 연결선 58">
+            <a:extLst>
+              <a:ext uri="{FF2B5EF4-FFF2-40B4-BE49-F238E27FC236}">
+                <a16:creationId xmlns:a16="http://schemas.microsoft.com/office/drawing/2014/main" id="{49762B1E-4709-4133-B0FD-6BC5021BA070}"/>
+              </a:ext>
+            </a:extLst>
+          </p:cNvPr>
+          <p:cNvCxnSpPr>
+            <a:cxnSpLocks/>
+            <a:endCxn id="48" idx="2"/>
+          </p:cNvCxnSpPr>
+          <p:nvPr/>
+        </p:nvCxnSpPr>
+        <p:spPr>
+          <a:xfrm flipV="1">
+            <a:off x="1111115" y="4034134"/>
+            <a:ext cx="1612962" cy="893314"/>
+          </a:xfrm>
+          <a:prstGeom prst="straightConnector1">
+            <a:avLst/>
+          </a:prstGeom>
+          <a:ln w="19050">
+            <a:solidFill>
+              <a:schemeClr val="tx1"/>
+            </a:solidFill>
+            <a:headEnd type="triangle" w="lg" len="lg"/>
+            <a:tailEnd type="none"/>
+          </a:ln>
+        </p:spPr>
+        <p:style>
+          <a:lnRef idx="1">
+            <a:schemeClr val="accent1"/>
+          </a:lnRef>
+          <a:fillRef idx="0">
+            <a:schemeClr val="accent1"/>
+          </a:fillRef>
+          <a:effectRef idx="0">
+            <a:schemeClr val="accent1"/>
+          </a:effectRef>
+          <a:fontRef idx="minor">
+            <a:schemeClr val="tx1"/>
+          </a:fontRef>
+        </p:style>
+      </p:cxnSp>
+      <p:sp>
+        <p:nvSpPr>
+          <p:cNvPr id="60" name="TextBox 59">
+            <a:extLst>
+              <a:ext uri="{FF2B5EF4-FFF2-40B4-BE49-F238E27FC236}">
+                <a16:creationId xmlns:a16="http://schemas.microsoft.com/office/drawing/2014/main" id="{C3A8F440-0841-46BC-993E-1AD7B5DDD6DE}"/>
+              </a:ext>
+            </a:extLst>
+          </p:cNvPr>
+          <p:cNvSpPr txBox="1"/>
+          <p:nvPr/>
+        </p:nvSpPr>
+        <p:spPr>
+          <a:xfrm>
+            <a:off x="1439274" y="4181419"/>
+            <a:ext cx="651267" cy="307777"/>
+          </a:xfrm>
+          <a:prstGeom prst="rect">
+            <a:avLst/>
+          </a:prstGeom>
+          <a:noFill/>
+        </p:spPr>
+        <p:txBody>
+          <a:bodyPr wrap="square" rtlCol="0">
+            <a:spAutoFit/>
+          </a:bodyPr>
+          <a:lstStyle/>
+          <a:p>
+            <a:r>
+              <a:rPr lang="en-US" altLang="ko-KR" sz="1400">
+                <a:latin typeface="Arial" panose="020B0604020202020204" pitchFamily="34" charset="0"/>
+                <a:cs typeface="Arial" panose="020B0604020202020204" pitchFamily="34" charset="0"/>
+              </a:rPr>
+              <a:t>Own</a:t>
+            </a:r>
+            <a:endParaRPr lang="ko-KR" altLang="en-US" sz="1400">
+              <a:latin typeface="Arial" panose="020B0604020202020204" pitchFamily="34" charset="0"/>
+              <a:cs typeface="Arial" panose="020B0604020202020204" pitchFamily="34" charset="0"/>
+            </a:endParaRPr>
+          </a:p>
+        </p:txBody>
+      </p:sp>
+      <p:sp>
+        <p:nvSpPr>
+          <p:cNvPr id="65" name="직사각형 64">
+            <a:extLst>
+              <a:ext uri="{FF2B5EF4-FFF2-40B4-BE49-F238E27FC236}">
+                <a16:creationId xmlns:a16="http://schemas.microsoft.com/office/drawing/2014/main" id="{BE1DC8B8-D87D-42F2-9516-1948CD8BF9A1}"/>
+              </a:ext>
+            </a:extLst>
+          </p:cNvPr>
+          <p:cNvSpPr/>
+          <p:nvPr/>
+        </p:nvSpPr>
+        <p:spPr>
+          <a:xfrm>
+            <a:off x="8722236" y="3404287"/>
+            <a:ext cx="1184113" cy="587102"/>
+          </a:xfrm>
+          <a:prstGeom prst="rect">
+            <a:avLst/>
+          </a:prstGeom>
+          <a:solidFill>
+            <a:srgbClr val="CCCCFF"/>
+          </a:solidFill>
+          <a:ln w="19050">
+            <a:solidFill>
+              <a:schemeClr val="tx1"/>
+            </a:solidFill>
+          </a:ln>
+        </p:spPr>
+        <p:style>
+          <a:lnRef idx="2">
+            <a:schemeClr val="accent1">
+              <a:shade val="50000"/>
+            </a:schemeClr>
+          </a:lnRef>
+          <a:fillRef idx="1">
+            <a:schemeClr val="accent1"/>
+          </a:fillRef>
+          <a:effectRef idx="0">
+            <a:schemeClr val="accent1"/>
+          </a:effectRef>
+          <a:fontRef idx="minor">
+            <a:schemeClr val="lt1"/>
+          </a:fontRef>
+        </p:style>
+        <p:txBody>
+          <a:bodyPr rot="0" spcFirstLastPara="0" vertOverflow="overflow" horzOverflow="overflow" vert="horz" wrap="square" lIns="91440" tIns="45720" rIns="91440" bIns="45720" numCol="1" spcCol="0" rtlCol="0" fromWordArt="0" anchor="ctr" anchorCtr="0" forceAA="0" compatLnSpc="1">
+            <a:prstTxWarp prst="textNoShape">
+              <a:avLst/>
+            </a:prstTxWarp>
+            <a:noAutofit/>
+          </a:bodyPr>
+          <a:lstStyle/>
+          <a:p>
+            <a:pPr algn="ctr"/>
+            <a:r>
+              <a:rPr lang="ko-KR" altLang="en-US" sz="1600">
+                <a:solidFill>
+                  <a:schemeClr val="tx1"/>
+                </a:solidFill>
+                <a:latin typeface="Arial" panose="020B0604020202020204" pitchFamily="34" charset="0"/>
+                <a:cs typeface="Arial" panose="020B0604020202020204" pitchFamily="34" charset="0"/>
+              </a:rPr>
+              <a:t>수정</a:t>
+            </a:r>
+            <a:r>
+              <a:rPr lang="en-US" altLang="ko-KR" sz="1600">
+                <a:solidFill>
+                  <a:schemeClr val="tx1"/>
+                </a:solidFill>
+                <a:latin typeface="Arial" panose="020B0604020202020204" pitchFamily="34" charset="0"/>
+                <a:cs typeface="Arial" panose="020B0604020202020204" pitchFamily="34" charset="0"/>
+              </a:rPr>
+              <a:t>/</a:t>
+            </a:r>
+            <a:r>
+              <a:rPr lang="ko-KR" altLang="en-US" sz="1600">
+                <a:solidFill>
+                  <a:schemeClr val="tx1"/>
+                </a:solidFill>
+                <a:latin typeface="Arial" panose="020B0604020202020204" pitchFamily="34" charset="0"/>
+                <a:cs typeface="Arial" panose="020B0604020202020204" pitchFamily="34" charset="0"/>
+              </a:rPr>
+              <a:t>가공</a:t>
+            </a:r>
+            <a:endParaRPr lang="en-US" altLang="ko-KR" sz="1600">
+              <a:solidFill>
+                <a:schemeClr val="tx1"/>
+              </a:solidFill>
+              <a:latin typeface="Arial" panose="020B0604020202020204" pitchFamily="34" charset="0"/>
+              <a:cs typeface="Arial" panose="020B0604020202020204" pitchFamily="34" charset="0"/>
+            </a:endParaRPr>
+          </a:p>
+          <a:p>
+            <a:pPr algn="ctr"/>
+            <a:r>
+              <a:rPr lang="en-US" altLang="ko-KR" sz="1600">
+                <a:solidFill>
+                  <a:schemeClr val="tx1"/>
+                </a:solidFill>
+                <a:latin typeface="Arial" panose="020B0604020202020204" pitchFamily="34" charset="0"/>
+                <a:cs typeface="Arial" panose="020B0604020202020204" pitchFamily="34" charset="0"/>
+              </a:rPr>
+              <a:t>/</a:t>
+            </a:r>
+            <a:r>
+              <a:rPr lang="ko-KR" altLang="en-US" sz="1600">
+                <a:solidFill>
+                  <a:schemeClr val="tx1"/>
+                </a:solidFill>
+                <a:latin typeface="Arial" panose="020B0604020202020204" pitchFamily="34" charset="0"/>
+                <a:cs typeface="Arial" panose="020B0604020202020204" pitchFamily="34" charset="0"/>
+              </a:rPr>
+              <a:t>변환</a:t>
+            </a:r>
+            <a:endParaRPr lang="ko-KR" altLang="en-US" sz="1600" dirty="0">
+              <a:solidFill>
+                <a:schemeClr val="tx1"/>
+              </a:solidFill>
+              <a:latin typeface="Arial" panose="020B0604020202020204" pitchFamily="34" charset="0"/>
+              <a:cs typeface="Arial" panose="020B0604020202020204" pitchFamily="34" charset="0"/>
+            </a:endParaRPr>
+          </a:p>
+        </p:txBody>
+      </p:sp>
+      <p:cxnSp>
+        <p:nvCxnSpPr>
+          <p:cNvPr id="66" name="직선 화살표 연결선 65">
+            <a:extLst>
+              <a:ext uri="{FF2B5EF4-FFF2-40B4-BE49-F238E27FC236}">
+                <a16:creationId xmlns:a16="http://schemas.microsoft.com/office/drawing/2014/main" id="{DDA10C77-8D9D-43C7-B42F-7C46F7B804AB}"/>
+              </a:ext>
+            </a:extLst>
+          </p:cNvPr>
+          <p:cNvCxnSpPr>
+            <a:cxnSpLocks/>
+            <a:endCxn id="27" idx="3"/>
+          </p:cNvCxnSpPr>
+          <p:nvPr/>
+        </p:nvCxnSpPr>
+        <p:spPr>
+          <a:xfrm flipH="1" flipV="1">
+            <a:off x="7689045" y="3706854"/>
+            <a:ext cx="1023772" cy="9277"/>
+          </a:xfrm>
+          <a:prstGeom prst="straightConnector1">
+            <a:avLst/>
+          </a:prstGeom>
+          <a:ln w="19050">
+            <a:solidFill>
+              <a:schemeClr val="tx1"/>
+            </a:solidFill>
+            <a:headEnd type="triangle" w="lg" len="lg"/>
+            <a:tailEnd type="none" w="lg" len="lg"/>
+          </a:ln>
+        </p:spPr>
+        <p:style>
+          <a:lnRef idx="1">
+            <a:schemeClr val="accent1"/>
+          </a:lnRef>
+          <a:fillRef idx="0">
+            <a:schemeClr val="accent1"/>
+          </a:fillRef>
+          <a:effectRef idx="0">
+            <a:schemeClr val="accent1"/>
+          </a:effectRef>
+          <a:fontRef idx="minor">
+            <a:schemeClr val="tx1"/>
+          </a:fontRef>
+        </p:style>
+      </p:cxnSp>
+      <p:sp>
+        <p:nvSpPr>
+          <p:cNvPr id="67" name="TextBox 66">
+            <a:extLst>
+              <a:ext uri="{FF2B5EF4-FFF2-40B4-BE49-F238E27FC236}">
+                <a16:creationId xmlns:a16="http://schemas.microsoft.com/office/drawing/2014/main" id="{8FD79EB4-C7C5-4CBA-AC84-D2686021CF10}"/>
+              </a:ext>
+            </a:extLst>
+          </p:cNvPr>
+          <p:cNvSpPr txBox="1"/>
+          <p:nvPr/>
+        </p:nvSpPr>
+        <p:spPr>
+          <a:xfrm>
+            <a:off x="7687952" y="3417685"/>
+            <a:ext cx="1463453" cy="307777"/>
+          </a:xfrm>
+          <a:prstGeom prst="rect">
+            <a:avLst/>
+          </a:prstGeom>
+          <a:noFill/>
+        </p:spPr>
+        <p:txBody>
+          <a:bodyPr wrap="square" rtlCol="0">
+            <a:spAutoFit/>
+          </a:bodyPr>
+          <a:lstStyle/>
+          <a:p>
+            <a:r>
+              <a:rPr lang="en-US" altLang="ko-KR" sz="1400">
+                <a:latin typeface="Arial" panose="020B0604020202020204" pitchFamily="34" charset="0"/>
+                <a:cs typeface="Arial" panose="020B0604020202020204" pitchFamily="34" charset="0"/>
+              </a:rPr>
+              <a:t>Generate</a:t>
+            </a:r>
+            <a:endParaRPr lang="ko-KR" altLang="en-US" sz="1400">
+              <a:latin typeface="Arial" panose="020B0604020202020204" pitchFamily="34" charset="0"/>
+              <a:cs typeface="Arial" panose="020B0604020202020204" pitchFamily="34" charset="0"/>
+            </a:endParaRPr>
+          </a:p>
+        </p:txBody>
+      </p:sp>
+      <p:sp>
+        <p:nvSpPr>
+          <p:cNvPr id="72" name="사각형: 둥근 모서리 71">
+            <a:extLst>
+              <a:ext uri="{FF2B5EF4-FFF2-40B4-BE49-F238E27FC236}">
+                <a16:creationId xmlns:a16="http://schemas.microsoft.com/office/drawing/2014/main" id="{7F902A2A-3358-4110-8691-93BB660D5784}"/>
+              </a:ext>
+            </a:extLst>
+          </p:cNvPr>
+          <p:cNvSpPr/>
+          <p:nvPr/>
+        </p:nvSpPr>
+        <p:spPr>
+          <a:xfrm>
+            <a:off x="10989522" y="3382841"/>
+            <a:ext cx="1169828" cy="605134"/>
+          </a:xfrm>
+          <a:prstGeom prst="roundRect">
+            <a:avLst>
+              <a:gd name="adj" fmla="val 42223"/>
+            </a:avLst>
+          </a:prstGeom>
+          <a:solidFill>
+            <a:srgbClr val="FFF2CC"/>
+          </a:solidFill>
+          <a:ln w="19050">
+            <a:solidFill>
+              <a:schemeClr val="tx1"/>
+            </a:solidFill>
+          </a:ln>
+        </p:spPr>
+        <p:style>
+          <a:lnRef idx="2">
+            <a:schemeClr val="accent1">
+              <a:shade val="50000"/>
+            </a:schemeClr>
+          </a:lnRef>
+          <a:fillRef idx="1">
+            <a:schemeClr val="accent1"/>
+          </a:fillRef>
+          <a:effectRef idx="0">
+            <a:schemeClr val="accent1"/>
+          </a:effectRef>
+          <a:fontRef idx="minor">
+            <a:schemeClr val="lt1"/>
+          </a:fontRef>
+        </p:style>
+        <p:txBody>
+          <a:bodyPr rtlCol="0" anchor="ctr"/>
+          <a:lstStyle/>
+          <a:p>
+            <a:pPr algn="ctr"/>
+            <a:r>
+              <a:rPr lang="en-US" altLang="ko-KR">
+                <a:solidFill>
+                  <a:schemeClr val="tx1"/>
+                </a:solidFill>
+                <a:latin typeface="Arial" panose="020B0604020202020204" pitchFamily="34" charset="0"/>
+                <a:cs typeface="Arial" panose="020B0604020202020204" pitchFamily="34" charset="0"/>
+              </a:rPr>
+              <a:t>Data2</a:t>
+            </a:r>
+            <a:endParaRPr lang="ko-KR" altLang="en-US">
+              <a:solidFill>
+                <a:schemeClr val="tx1"/>
+              </a:solidFill>
+              <a:latin typeface="Arial" panose="020B0604020202020204" pitchFamily="34" charset="0"/>
+              <a:cs typeface="Arial" panose="020B0604020202020204" pitchFamily="34" charset="0"/>
+            </a:endParaRPr>
+          </a:p>
+        </p:txBody>
+      </p:sp>
+      <p:cxnSp>
+        <p:nvCxnSpPr>
+          <p:cNvPr id="73" name="직선 화살표 연결선 72">
+            <a:extLst>
+              <a:ext uri="{FF2B5EF4-FFF2-40B4-BE49-F238E27FC236}">
+                <a16:creationId xmlns:a16="http://schemas.microsoft.com/office/drawing/2014/main" id="{E81445A7-A023-4F74-B16C-7EAE0852401A}"/>
+              </a:ext>
+            </a:extLst>
+          </p:cNvPr>
+          <p:cNvCxnSpPr>
+            <a:cxnSpLocks/>
+          </p:cNvCxnSpPr>
+          <p:nvPr/>
+        </p:nvCxnSpPr>
+        <p:spPr>
+          <a:xfrm flipH="1">
+            <a:off x="9914814" y="3699128"/>
+            <a:ext cx="1074708" cy="9166"/>
+          </a:xfrm>
+          <a:prstGeom prst="straightConnector1">
+            <a:avLst/>
+          </a:prstGeom>
+          <a:ln w="19050">
+            <a:solidFill>
+              <a:schemeClr val="tx1"/>
+            </a:solidFill>
+            <a:headEnd type="triangle" w="lg" len="lg"/>
+            <a:tailEnd type="none" w="lg" len="lg"/>
+          </a:ln>
+        </p:spPr>
+        <p:style>
+          <a:lnRef idx="1">
+            <a:schemeClr val="accent1"/>
+          </a:lnRef>
+          <a:fillRef idx="0">
+            <a:schemeClr val="accent1"/>
+          </a:fillRef>
+          <a:effectRef idx="0">
+            <a:schemeClr val="accent1"/>
+          </a:effectRef>
+          <a:fontRef idx="minor">
+            <a:schemeClr val="tx1"/>
+          </a:fontRef>
+        </p:style>
+      </p:cxnSp>
+      <p:sp>
+        <p:nvSpPr>
+          <p:cNvPr id="74" name="TextBox 73">
+            <a:extLst>
+              <a:ext uri="{FF2B5EF4-FFF2-40B4-BE49-F238E27FC236}">
+                <a16:creationId xmlns:a16="http://schemas.microsoft.com/office/drawing/2014/main" id="{383EAB40-4EAB-4C9F-8843-D4C5B7610A2F}"/>
+              </a:ext>
+            </a:extLst>
+          </p:cNvPr>
+          <p:cNvSpPr txBox="1"/>
+          <p:nvPr/>
+        </p:nvSpPr>
+        <p:spPr>
+          <a:xfrm>
+            <a:off x="9956331" y="3416255"/>
+            <a:ext cx="1463453" cy="307777"/>
+          </a:xfrm>
+          <a:prstGeom prst="rect">
+            <a:avLst/>
+          </a:prstGeom>
+          <a:noFill/>
+        </p:spPr>
+        <p:txBody>
+          <a:bodyPr wrap="square" rtlCol="0">
+            <a:spAutoFit/>
+          </a:bodyPr>
+          <a:lstStyle/>
+          <a:p>
+            <a:r>
+              <a:rPr lang="en-US" altLang="ko-KR" sz="1400">
+                <a:latin typeface="Arial" panose="020B0604020202020204" pitchFamily="34" charset="0"/>
+                <a:cs typeface="Arial" panose="020B0604020202020204" pitchFamily="34" charset="0"/>
+              </a:rPr>
+              <a:t>Generate</a:t>
+            </a:r>
+            <a:endParaRPr lang="ko-KR" altLang="en-US" sz="1400">
+              <a:latin typeface="Arial" panose="020B0604020202020204" pitchFamily="34" charset="0"/>
+              <a:cs typeface="Arial" panose="020B0604020202020204" pitchFamily="34" charset="0"/>
+            </a:endParaRPr>
+          </a:p>
+        </p:txBody>
+      </p:sp>
+      <p:cxnSp>
+        <p:nvCxnSpPr>
+          <p:cNvPr id="75" name="직선 화살표 연결선 74">
+            <a:extLst>
+              <a:ext uri="{FF2B5EF4-FFF2-40B4-BE49-F238E27FC236}">
+                <a16:creationId xmlns:a16="http://schemas.microsoft.com/office/drawing/2014/main" id="{652A4AEA-991B-460D-8C8A-0680E024CC4F}"/>
+              </a:ext>
+            </a:extLst>
+          </p:cNvPr>
+          <p:cNvCxnSpPr>
+            <a:cxnSpLocks/>
+            <a:endCxn id="72" idx="2"/>
+          </p:cNvCxnSpPr>
+          <p:nvPr/>
+        </p:nvCxnSpPr>
+        <p:spPr>
+          <a:xfrm flipV="1">
+            <a:off x="7654449" y="3987975"/>
+            <a:ext cx="3919987" cy="939473"/>
+          </a:xfrm>
+          <a:prstGeom prst="straightConnector1">
+            <a:avLst/>
+          </a:prstGeom>
+          <a:ln w="19050">
+            <a:solidFill>
+              <a:schemeClr val="tx1"/>
+            </a:solidFill>
+            <a:headEnd type="triangle" w="lg" len="lg"/>
+            <a:tailEnd type="none"/>
+          </a:ln>
+        </p:spPr>
+        <p:style>
+          <a:lnRef idx="1">
+            <a:schemeClr val="accent1"/>
+          </a:lnRef>
+          <a:fillRef idx="0">
+            <a:schemeClr val="accent1"/>
+          </a:fillRef>
+          <a:effectRef idx="0">
+            <a:schemeClr val="accent1"/>
+          </a:effectRef>
+          <a:fontRef idx="minor">
+            <a:schemeClr val="tx1"/>
+          </a:fontRef>
+        </p:style>
+      </p:cxnSp>
+      <p:sp>
+        <p:nvSpPr>
+          <p:cNvPr id="80" name="TextBox 79">
+            <a:extLst>
+              <a:ext uri="{FF2B5EF4-FFF2-40B4-BE49-F238E27FC236}">
+                <a16:creationId xmlns:a16="http://schemas.microsoft.com/office/drawing/2014/main" id="{44685DAA-FB50-4DEC-8F3E-88C0BB89372C}"/>
+              </a:ext>
+            </a:extLst>
+          </p:cNvPr>
+          <p:cNvSpPr txBox="1"/>
+          <p:nvPr/>
+        </p:nvSpPr>
+        <p:spPr>
+          <a:xfrm>
+            <a:off x="8878830" y="4065235"/>
+            <a:ext cx="651267" cy="307777"/>
+          </a:xfrm>
+          <a:prstGeom prst="rect">
+            <a:avLst/>
+          </a:prstGeom>
+          <a:noFill/>
+        </p:spPr>
+        <p:txBody>
+          <a:bodyPr wrap="square" rtlCol="0">
+            <a:spAutoFit/>
+          </a:bodyPr>
+          <a:lstStyle/>
+          <a:p>
+            <a:r>
+              <a:rPr lang="en-US" altLang="ko-KR" sz="1400">
+                <a:latin typeface="Arial" panose="020B0604020202020204" pitchFamily="34" charset="0"/>
+                <a:cs typeface="Arial" panose="020B0604020202020204" pitchFamily="34" charset="0"/>
+              </a:rPr>
+              <a:t>Act</a:t>
+            </a:r>
+            <a:endParaRPr lang="ko-KR" altLang="en-US" sz="1400">
+              <a:latin typeface="Arial" panose="020B0604020202020204" pitchFamily="34" charset="0"/>
+              <a:cs typeface="Arial" panose="020B0604020202020204" pitchFamily="34" charset="0"/>
+            </a:endParaRPr>
+          </a:p>
+        </p:txBody>
+      </p:sp>
+    </p:spTree>
+    <p:extLst>
+      <p:ext uri="{BB962C8B-B14F-4D97-AF65-F5344CB8AC3E}">
+        <p14:creationId xmlns:p14="http://schemas.microsoft.com/office/powerpoint/2010/main" val="1425704405"/>
+      </p:ext>
+    </p:extLst>
+  </p:cSld>
+  <p:clrMapOvr>
+    <a:masterClrMapping/>
+  </p:clrMapOvr>
+</p:sld>
+</file>
+
+<file path=ppt/slides/slide13.xml><?xml version="1.0" encoding="utf-8"?>
+<p:sld xmlns:a="http://schemas.openxmlformats.org/drawingml/2006/main" xmlns:r="http://schemas.openxmlformats.org/officeDocument/2006/relationships" xmlns:p="http://schemas.openxmlformats.org/presentationml/2006/main">
+  <p:cSld>
+    <p:spTree>
+      <p:nvGrpSpPr>
+        <p:cNvPr id="1" name=""/>
+        <p:cNvGrpSpPr/>
+        <p:nvPr/>
+      </p:nvGrpSpPr>
+      <p:grpSpPr>
+        <a:xfrm>
+          <a:off x="0" y="0"/>
+          <a:ext cx="0" cy="0"/>
+          <a:chOff x="0" y="0"/>
+          <a:chExt cx="0" cy="0"/>
+        </a:xfrm>
+      </p:grpSpPr>
+      <p:pic>
+        <p:nvPicPr>
+          <p:cNvPr id="5" name="그림 4">
+            <a:extLst>
+              <a:ext uri="{FF2B5EF4-FFF2-40B4-BE49-F238E27FC236}">
+                <a16:creationId xmlns:a16="http://schemas.microsoft.com/office/drawing/2014/main" id="{19E0041E-D72E-4C82-9D6D-9B4A19A16B38}"/>
+              </a:ext>
+            </a:extLst>
+          </p:cNvPr>
+          <p:cNvPicPr/>
+          <p:nvPr/>
+        </p:nvPicPr>
+        <p:blipFill>
+          <a:blip r:embed="rId2"/>
+          <a:stretch>
+            <a:fillRect/>
+          </a:stretch>
+        </p:blipFill>
+        <p:spPr>
+          <a:xfrm>
+            <a:off x="800101" y="1581785"/>
+            <a:ext cx="10282872" cy="1990090"/>
+          </a:xfrm>
+          <a:prstGeom prst="rect">
+            <a:avLst/>
+          </a:prstGeom>
+        </p:spPr>
+      </p:pic>
+    </p:spTree>
+    <p:extLst>
+      <p:ext uri="{BB962C8B-B14F-4D97-AF65-F5344CB8AC3E}">
+        <p14:creationId xmlns:p14="http://schemas.microsoft.com/office/powerpoint/2010/main" val="2773829038"/>
+      </p:ext>
+    </p:extLst>
+  </p:cSld>
+  <p:clrMapOvr>
+    <a:masterClrMapping/>
+  </p:clrMapOvr>
+</p:sld>
+</file>
+
 <file path=ppt/slides/slide2.xml><?xml version="1.0" encoding="utf-8"?>
 <p:sld xmlns:a="http://schemas.openxmlformats.org/drawingml/2006/main" xmlns:r="http://schemas.openxmlformats.org/officeDocument/2006/relationships" xmlns:p="http://schemas.openxmlformats.org/presentationml/2006/main">
   <p:cSld>
@@ -19246,6 +24817,739 @@
     <p:extLst>
       <p:ext uri="{BB962C8B-B14F-4D97-AF65-F5344CB8AC3E}">
         <p14:creationId xmlns:p14="http://schemas.microsoft.com/office/powerpoint/2010/main" val="216381531"/>
+      </p:ext>
+    </p:extLst>
+  </p:cSld>
+  <p:clrMapOvr>
+    <a:masterClrMapping/>
+  </p:clrMapOvr>
+</p:sld>
+</file>
+
+<file path=ppt/slides/slide9.xml><?xml version="1.0" encoding="utf-8"?>
+<p:sld xmlns:a="http://schemas.openxmlformats.org/drawingml/2006/main" xmlns:r="http://schemas.openxmlformats.org/officeDocument/2006/relationships" xmlns:p="http://schemas.openxmlformats.org/presentationml/2006/main">
+  <p:cSld>
+    <p:spTree>
+      <p:nvGrpSpPr>
+        <p:cNvPr id="1" name=""/>
+        <p:cNvGrpSpPr/>
+        <p:nvPr/>
+      </p:nvGrpSpPr>
+      <p:grpSpPr>
+        <a:xfrm>
+          <a:off x="0" y="0"/>
+          <a:ext cx="0" cy="0"/>
+          <a:chOff x="0" y="0"/>
+          <a:chExt cx="0" cy="0"/>
+        </a:xfrm>
+      </p:grpSpPr>
+      <p:sp>
+        <p:nvSpPr>
+          <p:cNvPr id="4" name="화살표: 오각형 3">
+            <a:extLst>
+              <a:ext uri="{FF2B5EF4-FFF2-40B4-BE49-F238E27FC236}">
+                <a16:creationId xmlns:a16="http://schemas.microsoft.com/office/drawing/2014/main" id="{B15A06DF-DFFD-4319-AE40-E07BE51C3A98}"/>
+              </a:ext>
+            </a:extLst>
+          </p:cNvPr>
+          <p:cNvSpPr/>
+          <p:nvPr/>
+        </p:nvSpPr>
+        <p:spPr>
+          <a:xfrm rot="16200000">
+            <a:off x="3233390" y="2404482"/>
+            <a:ext cx="806172" cy="1265067"/>
+          </a:xfrm>
+          <a:prstGeom prst="homePlate">
+            <a:avLst>
+              <a:gd name="adj" fmla="val 39700"/>
+            </a:avLst>
+          </a:prstGeom>
+          <a:solidFill>
+            <a:srgbClr val="E5E57F"/>
+          </a:solidFill>
+          <a:ln w="19050">
+            <a:solidFill>
+              <a:schemeClr val="tx1"/>
+            </a:solidFill>
+          </a:ln>
+        </p:spPr>
+        <p:style>
+          <a:lnRef idx="2">
+            <a:schemeClr val="accent1">
+              <a:shade val="50000"/>
+            </a:schemeClr>
+          </a:lnRef>
+          <a:fillRef idx="1">
+            <a:schemeClr val="accent1"/>
+          </a:fillRef>
+          <a:effectRef idx="0">
+            <a:schemeClr val="accent1"/>
+          </a:effectRef>
+          <a:fontRef idx="minor">
+            <a:schemeClr val="lt1"/>
+          </a:fontRef>
+        </p:style>
+        <p:txBody>
+          <a:bodyPr vert="eaVert" rtlCol="0" anchor="ctr"/>
+          <a:lstStyle/>
+          <a:p>
+            <a:pPr algn="ctr"/>
+            <a:r>
+              <a:rPr lang="en-US" altLang="ko-KR" sz="2000">
+                <a:solidFill>
+                  <a:schemeClr val="tx1"/>
+                </a:solidFill>
+                <a:latin typeface="Arial" panose="020B0604020202020204" pitchFamily="34" charset="0"/>
+                <a:cs typeface="Arial" panose="020B0604020202020204" pitchFamily="34" charset="0"/>
+              </a:rPr>
+              <a:t>Person</a:t>
+            </a:r>
+            <a:endParaRPr lang="ko-KR" altLang="en-US" sz="2000">
+              <a:solidFill>
+                <a:schemeClr val="tx1"/>
+              </a:solidFill>
+              <a:latin typeface="Arial" panose="020B0604020202020204" pitchFamily="34" charset="0"/>
+              <a:cs typeface="Arial" panose="020B0604020202020204" pitchFamily="34" charset="0"/>
+            </a:endParaRPr>
+          </a:p>
+        </p:txBody>
+      </p:sp>
+      <p:sp>
+        <p:nvSpPr>
+          <p:cNvPr id="5" name="사각형: 둥근 모서리 4">
+            <a:extLst>
+              <a:ext uri="{FF2B5EF4-FFF2-40B4-BE49-F238E27FC236}">
+                <a16:creationId xmlns:a16="http://schemas.microsoft.com/office/drawing/2014/main" id="{B4B428D1-38E3-4D33-8F92-C2F8B0E41A96}"/>
+              </a:ext>
+            </a:extLst>
+          </p:cNvPr>
+          <p:cNvSpPr/>
+          <p:nvPr/>
+        </p:nvSpPr>
+        <p:spPr>
+          <a:xfrm>
+            <a:off x="6103629" y="1855403"/>
+            <a:ext cx="1344596" cy="706624"/>
+          </a:xfrm>
+          <a:prstGeom prst="roundRect">
+            <a:avLst>
+              <a:gd name="adj" fmla="val 42223"/>
+            </a:avLst>
+          </a:prstGeom>
+          <a:solidFill>
+            <a:srgbClr val="FFF2CC"/>
+          </a:solidFill>
+          <a:ln w="19050">
+            <a:solidFill>
+              <a:schemeClr val="tx1"/>
+            </a:solidFill>
+          </a:ln>
+        </p:spPr>
+        <p:style>
+          <a:lnRef idx="2">
+            <a:schemeClr val="accent1">
+              <a:shade val="50000"/>
+            </a:schemeClr>
+          </a:lnRef>
+          <a:fillRef idx="1">
+            <a:schemeClr val="accent1"/>
+          </a:fillRef>
+          <a:effectRef idx="0">
+            <a:schemeClr val="accent1"/>
+          </a:effectRef>
+          <a:fontRef idx="minor">
+            <a:schemeClr val="lt1"/>
+          </a:fontRef>
+        </p:style>
+        <p:txBody>
+          <a:bodyPr rtlCol="0" anchor="ctr"/>
+          <a:lstStyle/>
+          <a:p>
+            <a:pPr algn="ctr"/>
+            <a:r>
+              <a:rPr lang="en-US" altLang="ko-KR" sz="2000">
+                <a:solidFill>
+                  <a:schemeClr val="tx1"/>
+                </a:solidFill>
+                <a:latin typeface="Arial" panose="020B0604020202020204" pitchFamily="34" charset="0"/>
+                <a:cs typeface="Arial" panose="020B0604020202020204" pitchFamily="34" charset="0"/>
+              </a:rPr>
+              <a:t>Data</a:t>
+            </a:r>
+            <a:endParaRPr lang="ko-KR" altLang="en-US" sz="2000">
+              <a:solidFill>
+                <a:schemeClr val="tx1"/>
+              </a:solidFill>
+              <a:latin typeface="Arial" panose="020B0604020202020204" pitchFamily="34" charset="0"/>
+              <a:cs typeface="Arial" panose="020B0604020202020204" pitchFamily="34" charset="0"/>
+            </a:endParaRPr>
+          </a:p>
+        </p:txBody>
+      </p:sp>
+      <p:sp>
+        <p:nvSpPr>
+          <p:cNvPr id="6" name="직사각형 5">
+            <a:extLst>
+              <a:ext uri="{FF2B5EF4-FFF2-40B4-BE49-F238E27FC236}">
+                <a16:creationId xmlns:a16="http://schemas.microsoft.com/office/drawing/2014/main" id="{EA2FFA64-2CF1-4540-B9DE-6A7F1ADD087B}"/>
+              </a:ext>
+            </a:extLst>
+          </p:cNvPr>
+          <p:cNvSpPr/>
+          <p:nvPr/>
+        </p:nvSpPr>
+        <p:spPr>
+          <a:xfrm>
+            <a:off x="6103629" y="3487174"/>
+            <a:ext cx="1329337" cy="670560"/>
+          </a:xfrm>
+          <a:prstGeom prst="rect">
+            <a:avLst/>
+          </a:prstGeom>
+          <a:solidFill>
+            <a:srgbClr val="CCCCFF"/>
+          </a:solidFill>
+          <a:ln w="19050">
+            <a:solidFill>
+              <a:schemeClr val="tx1"/>
+            </a:solidFill>
+          </a:ln>
+        </p:spPr>
+        <p:style>
+          <a:lnRef idx="2">
+            <a:schemeClr val="accent1">
+              <a:shade val="50000"/>
+            </a:schemeClr>
+          </a:lnRef>
+          <a:fillRef idx="1">
+            <a:schemeClr val="accent1"/>
+          </a:fillRef>
+          <a:effectRef idx="0">
+            <a:schemeClr val="accent1"/>
+          </a:effectRef>
+          <a:fontRef idx="minor">
+            <a:schemeClr val="lt1"/>
+          </a:fontRef>
+        </p:style>
+        <p:txBody>
+          <a:bodyPr rot="0" spcFirstLastPara="0" vertOverflow="overflow" horzOverflow="overflow" vert="horz" wrap="square" lIns="91440" tIns="45720" rIns="91440" bIns="45720" numCol="1" spcCol="0" rtlCol="0" fromWordArt="0" anchor="ctr" anchorCtr="0" forceAA="0" compatLnSpc="1">
+            <a:prstTxWarp prst="textNoShape">
+              <a:avLst/>
+            </a:prstTxWarp>
+            <a:noAutofit/>
+          </a:bodyPr>
+          <a:lstStyle/>
+          <a:p>
+            <a:pPr algn="ctr"/>
+            <a:r>
+              <a:rPr lang="en-US" altLang="ko-KR" sz="2000">
+                <a:solidFill>
+                  <a:schemeClr val="tx1"/>
+                </a:solidFill>
+                <a:latin typeface="Arial" panose="020B0604020202020204" pitchFamily="34" charset="0"/>
+                <a:cs typeface="Arial" panose="020B0604020202020204" pitchFamily="34" charset="0"/>
+              </a:rPr>
+              <a:t>Activity</a:t>
+            </a:r>
+            <a:endParaRPr lang="ko-KR" altLang="en-US" sz="2000" dirty="0">
+              <a:solidFill>
+                <a:schemeClr val="tx1"/>
+              </a:solidFill>
+              <a:latin typeface="Arial" panose="020B0604020202020204" pitchFamily="34" charset="0"/>
+              <a:cs typeface="Arial" panose="020B0604020202020204" pitchFamily="34" charset="0"/>
+            </a:endParaRPr>
+          </a:p>
+        </p:txBody>
+      </p:sp>
+      <p:cxnSp>
+        <p:nvCxnSpPr>
+          <p:cNvPr id="7" name="직선 화살표 연결선 6">
+            <a:extLst>
+              <a:ext uri="{FF2B5EF4-FFF2-40B4-BE49-F238E27FC236}">
+                <a16:creationId xmlns:a16="http://schemas.microsoft.com/office/drawing/2014/main" id="{95BB0E1D-83A5-4A09-9879-92F618E8509B}"/>
+              </a:ext>
+            </a:extLst>
+          </p:cNvPr>
+          <p:cNvCxnSpPr>
+            <a:cxnSpLocks/>
+            <a:endCxn id="5" idx="1"/>
+          </p:cNvCxnSpPr>
+          <p:nvPr/>
+        </p:nvCxnSpPr>
+        <p:spPr>
+          <a:xfrm flipV="1">
+            <a:off x="4269009" y="2208715"/>
+            <a:ext cx="1834620" cy="878075"/>
+          </a:xfrm>
+          <a:prstGeom prst="straightConnector1">
+            <a:avLst/>
+          </a:prstGeom>
+          <a:ln w="19050">
+            <a:solidFill>
+              <a:schemeClr val="tx1"/>
+            </a:solidFill>
+            <a:headEnd type="triangle" w="lg" len="lg"/>
+            <a:tailEnd type="none"/>
+          </a:ln>
+        </p:spPr>
+        <p:style>
+          <a:lnRef idx="1">
+            <a:schemeClr val="accent1"/>
+          </a:lnRef>
+          <a:fillRef idx="0">
+            <a:schemeClr val="accent1"/>
+          </a:fillRef>
+          <a:effectRef idx="0">
+            <a:schemeClr val="accent1"/>
+          </a:effectRef>
+          <a:fontRef idx="minor">
+            <a:schemeClr val="tx1"/>
+          </a:fontRef>
+        </p:style>
+      </p:cxnSp>
+      <p:cxnSp>
+        <p:nvCxnSpPr>
+          <p:cNvPr id="8" name="직선 화살표 연결선 7">
+            <a:extLst>
+              <a:ext uri="{FF2B5EF4-FFF2-40B4-BE49-F238E27FC236}">
+                <a16:creationId xmlns:a16="http://schemas.microsoft.com/office/drawing/2014/main" id="{3DCD5011-E537-4943-8AE9-A8D80FE3D872}"/>
+              </a:ext>
+            </a:extLst>
+          </p:cNvPr>
+          <p:cNvCxnSpPr>
+            <a:cxnSpLocks/>
+            <a:stCxn id="4" idx="2"/>
+            <a:endCxn id="6" idx="1"/>
+          </p:cNvCxnSpPr>
+          <p:nvPr/>
+        </p:nvCxnSpPr>
+        <p:spPr>
+          <a:xfrm>
+            <a:off x="4269010" y="3197041"/>
+            <a:ext cx="1834619" cy="625413"/>
+          </a:xfrm>
+          <a:prstGeom prst="straightConnector1">
+            <a:avLst/>
+          </a:prstGeom>
+          <a:ln w="19050">
+            <a:solidFill>
+              <a:schemeClr val="tx1"/>
+            </a:solidFill>
+            <a:headEnd type="triangle" w="lg" len="lg"/>
+            <a:tailEnd type="none"/>
+          </a:ln>
+        </p:spPr>
+        <p:style>
+          <a:lnRef idx="1">
+            <a:schemeClr val="accent1"/>
+          </a:lnRef>
+          <a:fillRef idx="0">
+            <a:schemeClr val="accent1"/>
+          </a:fillRef>
+          <a:effectRef idx="0">
+            <a:schemeClr val="accent1"/>
+          </a:effectRef>
+          <a:fontRef idx="minor">
+            <a:schemeClr val="tx1"/>
+          </a:fontRef>
+        </p:style>
+      </p:cxnSp>
+      <p:cxnSp>
+        <p:nvCxnSpPr>
+          <p:cNvPr id="9" name="직선 화살표 연결선 8">
+            <a:extLst>
+              <a:ext uri="{FF2B5EF4-FFF2-40B4-BE49-F238E27FC236}">
+                <a16:creationId xmlns:a16="http://schemas.microsoft.com/office/drawing/2014/main" id="{CE66ADBD-302D-4B82-940F-C4D611AB9A3E}"/>
+              </a:ext>
+            </a:extLst>
+          </p:cNvPr>
+          <p:cNvCxnSpPr>
+            <a:cxnSpLocks/>
+            <a:stCxn id="5" idx="2"/>
+            <a:endCxn id="6" idx="0"/>
+          </p:cNvCxnSpPr>
+          <p:nvPr/>
+        </p:nvCxnSpPr>
+        <p:spPr>
+          <a:xfrm flipH="1">
+            <a:off x="6768298" y="2562027"/>
+            <a:ext cx="7629" cy="925147"/>
+          </a:xfrm>
+          <a:prstGeom prst="straightConnector1">
+            <a:avLst/>
+          </a:prstGeom>
+          <a:ln w="19050">
+            <a:solidFill>
+              <a:schemeClr val="tx1"/>
+            </a:solidFill>
+            <a:headEnd type="triangle" w="lg" len="lg"/>
+            <a:tailEnd type="triangle" w="lg" len="lg"/>
+          </a:ln>
+        </p:spPr>
+        <p:style>
+          <a:lnRef idx="1">
+            <a:schemeClr val="accent1"/>
+          </a:lnRef>
+          <a:fillRef idx="0">
+            <a:schemeClr val="accent1"/>
+          </a:fillRef>
+          <a:effectRef idx="0">
+            <a:schemeClr val="accent1"/>
+          </a:effectRef>
+          <a:fontRef idx="minor">
+            <a:schemeClr val="tx1"/>
+          </a:fontRef>
+        </p:style>
+      </p:cxnSp>
+      <p:sp>
+        <p:nvSpPr>
+          <p:cNvPr id="10" name="TextBox 9">
+            <a:extLst>
+              <a:ext uri="{FF2B5EF4-FFF2-40B4-BE49-F238E27FC236}">
+                <a16:creationId xmlns:a16="http://schemas.microsoft.com/office/drawing/2014/main" id="{8719ED7C-2E5D-405E-BE76-A35E1E4D3B87}"/>
+              </a:ext>
+            </a:extLst>
+          </p:cNvPr>
+          <p:cNvSpPr txBox="1"/>
+          <p:nvPr/>
+        </p:nvSpPr>
+        <p:spPr>
+          <a:xfrm>
+            <a:off x="6768297" y="2852160"/>
+            <a:ext cx="1682088" cy="377641"/>
+          </a:xfrm>
+          <a:prstGeom prst="rect">
+            <a:avLst/>
+          </a:prstGeom>
+          <a:noFill/>
+        </p:spPr>
+        <p:txBody>
+          <a:bodyPr wrap="square" rtlCol="0">
+            <a:spAutoFit/>
+          </a:bodyPr>
+          <a:lstStyle/>
+          <a:p>
+            <a:r>
+              <a:rPr lang="en-US" altLang="ko-KR">
+                <a:latin typeface="Arial" panose="020B0604020202020204" pitchFamily="34" charset="0"/>
+                <a:cs typeface="Arial" panose="020B0604020202020204" pitchFamily="34" charset="0"/>
+              </a:rPr>
+              <a:t>Generate</a:t>
+            </a:r>
+            <a:endParaRPr lang="ko-KR" altLang="en-US">
+              <a:latin typeface="Arial" panose="020B0604020202020204" pitchFamily="34" charset="0"/>
+              <a:cs typeface="Arial" panose="020B0604020202020204" pitchFamily="34" charset="0"/>
+            </a:endParaRPr>
+          </a:p>
+        </p:txBody>
+      </p:sp>
+      <p:sp>
+        <p:nvSpPr>
+          <p:cNvPr id="11" name="TextBox 10">
+            <a:extLst>
+              <a:ext uri="{FF2B5EF4-FFF2-40B4-BE49-F238E27FC236}">
+                <a16:creationId xmlns:a16="http://schemas.microsoft.com/office/drawing/2014/main" id="{EA9880E3-1477-4582-9912-E95B7CE4131B}"/>
+              </a:ext>
+            </a:extLst>
+          </p:cNvPr>
+          <p:cNvSpPr txBox="1"/>
+          <p:nvPr/>
+        </p:nvSpPr>
+        <p:spPr>
+          <a:xfrm>
+            <a:off x="4770089" y="2264597"/>
+            <a:ext cx="748564" cy="369332"/>
+          </a:xfrm>
+          <a:prstGeom prst="rect">
+            <a:avLst/>
+          </a:prstGeom>
+          <a:noFill/>
+        </p:spPr>
+        <p:txBody>
+          <a:bodyPr wrap="square" rtlCol="0">
+            <a:spAutoFit/>
+          </a:bodyPr>
+          <a:lstStyle/>
+          <a:p>
+            <a:r>
+              <a:rPr lang="en-US" altLang="ko-KR">
+                <a:latin typeface="Arial" panose="020B0604020202020204" pitchFamily="34" charset="0"/>
+                <a:cs typeface="Arial" panose="020B0604020202020204" pitchFamily="34" charset="0"/>
+              </a:rPr>
+              <a:t>Own</a:t>
+            </a:r>
+            <a:endParaRPr lang="ko-KR" altLang="en-US">
+              <a:latin typeface="Arial" panose="020B0604020202020204" pitchFamily="34" charset="0"/>
+              <a:cs typeface="Arial" panose="020B0604020202020204" pitchFamily="34" charset="0"/>
+            </a:endParaRPr>
+          </a:p>
+        </p:txBody>
+      </p:sp>
+      <p:sp>
+        <p:nvSpPr>
+          <p:cNvPr id="12" name="TextBox 11">
+            <a:extLst>
+              <a:ext uri="{FF2B5EF4-FFF2-40B4-BE49-F238E27FC236}">
+                <a16:creationId xmlns:a16="http://schemas.microsoft.com/office/drawing/2014/main" id="{4A8E83A3-AE12-4CBB-981E-E7D0DB152B2A}"/>
+              </a:ext>
+            </a:extLst>
+          </p:cNvPr>
+          <p:cNvSpPr txBox="1"/>
+          <p:nvPr/>
+        </p:nvSpPr>
+        <p:spPr>
+          <a:xfrm>
+            <a:off x="4812038" y="3524793"/>
+            <a:ext cx="748564" cy="369332"/>
+          </a:xfrm>
+          <a:prstGeom prst="rect">
+            <a:avLst/>
+          </a:prstGeom>
+          <a:noFill/>
+        </p:spPr>
+        <p:txBody>
+          <a:bodyPr wrap="square" rtlCol="0">
+            <a:spAutoFit/>
+          </a:bodyPr>
+          <a:lstStyle/>
+          <a:p>
+            <a:r>
+              <a:rPr lang="en-US" altLang="ko-KR">
+                <a:latin typeface="Arial" panose="020B0604020202020204" pitchFamily="34" charset="0"/>
+                <a:cs typeface="Arial" panose="020B0604020202020204" pitchFamily="34" charset="0"/>
+              </a:rPr>
+              <a:t>Act</a:t>
+            </a:r>
+            <a:endParaRPr lang="ko-KR" altLang="en-US">
+              <a:latin typeface="Arial" panose="020B0604020202020204" pitchFamily="34" charset="0"/>
+              <a:cs typeface="Arial" panose="020B0604020202020204" pitchFamily="34" charset="0"/>
+            </a:endParaRPr>
+          </a:p>
+        </p:txBody>
+      </p:sp>
+      <p:sp>
+        <p:nvSpPr>
+          <p:cNvPr id="13" name="TextBox 12">
+            <a:extLst>
+              <a:ext uri="{FF2B5EF4-FFF2-40B4-BE49-F238E27FC236}">
+                <a16:creationId xmlns:a16="http://schemas.microsoft.com/office/drawing/2014/main" id="{12BD5A96-80F9-4B8F-AF00-A8438988AD4B}"/>
+              </a:ext>
+            </a:extLst>
+          </p:cNvPr>
+          <p:cNvSpPr txBox="1"/>
+          <p:nvPr/>
+        </p:nvSpPr>
+        <p:spPr>
+          <a:xfrm>
+            <a:off x="7432966" y="3558217"/>
+            <a:ext cx="998289" cy="523220"/>
+          </a:xfrm>
+          <a:prstGeom prst="rect">
+            <a:avLst/>
+          </a:prstGeom>
+          <a:noFill/>
+        </p:spPr>
+        <p:txBody>
+          <a:bodyPr wrap="square" rtlCol="0">
+            <a:spAutoFit/>
+          </a:bodyPr>
+          <a:lstStyle/>
+          <a:p>
+            <a:r>
+              <a:rPr lang="en-US" altLang="ko-KR" sz="1400">
+                <a:latin typeface="Arial" panose="020B0604020202020204" pitchFamily="34" charset="0"/>
+                <a:cs typeface="Arial" panose="020B0604020202020204" pitchFamily="34" charset="0"/>
+              </a:rPr>
+              <a:t>: name</a:t>
+            </a:r>
+          </a:p>
+          <a:p>
+            <a:r>
+              <a:rPr lang="en-US" altLang="ko-KR" sz="1400">
+                <a:latin typeface="Arial" panose="020B0604020202020204" pitchFamily="34" charset="0"/>
+                <a:cs typeface="Arial" panose="020B0604020202020204" pitchFamily="34" charset="0"/>
+              </a:rPr>
+              <a:t>: date </a:t>
+            </a:r>
+            <a:endParaRPr lang="ko-KR" altLang="en-US" sz="1400">
+              <a:latin typeface="Arial" panose="020B0604020202020204" pitchFamily="34" charset="0"/>
+              <a:cs typeface="Arial" panose="020B0604020202020204" pitchFamily="34" charset="0"/>
+            </a:endParaRPr>
+          </a:p>
+        </p:txBody>
+      </p:sp>
+      <p:sp>
+        <p:nvSpPr>
+          <p:cNvPr id="14" name="TextBox 13">
+            <a:extLst>
+              <a:ext uri="{FF2B5EF4-FFF2-40B4-BE49-F238E27FC236}">
+                <a16:creationId xmlns:a16="http://schemas.microsoft.com/office/drawing/2014/main" id="{2C438A6C-5AAA-4C31-9F46-E42A8041ED18}"/>
+              </a:ext>
+            </a:extLst>
+          </p:cNvPr>
+          <p:cNvSpPr txBox="1"/>
+          <p:nvPr/>
+        </p:nvSpPr>
+        <p:spPr>
+          <a:xfrm>
+            <a:off x="2005652" y="2916882"/>
+            <a:ext cx="998289" cy="523220"/>
+          </a:xfrm>
+          <a:prstGeom prst="rect">
+            <a:avLst/>
+          </a:prstGeom>
+          <a:noFill/>
+        </p:spPr>
+        <p:txBody>
+          <a:bodyPr wrap="square" rtlCol="0">
+            <a:spAutoFit/>
+          </a:bodyPr>
+          <a:lstStyle/>
+          <a:p>
+            <a:r>
+              <a:rPr lang="en-US" altLang="ko-KR" sz="1400">
+                <a:latin typeface="Arial" panose="020B0604020202020204" pitchFamily="34" charset="0"/>
+                <a:cs typeface="Arial" panose="020B0604020202020204" pitchFamily="34" charset="0"/>
+              </a:rPr>
+              <a:t>: name</a:t>
+            </a:r>
+          </a:p>
+          <a:p>
+            <a:r>
+              <a:rPr lang="en-US" altLang="ko-KR" sz="1400">
+                <a:latin typeface="Arial" panose="020B0604020202020204" pitchFamily="34" charset="0"/>
+                <a:cs typeface="Arial" panose="020B0604020202020204" pitchFamily="34" charset="0"/>
+              </a:rPr>
+              <a:t>: affiliation </a:t>
+            </a:r>
+            <a:endParaRPr lang="ko-KR" altLang="en-US" sz="1400">
+              <a:latin typeface="Arial" panose="020B0604020202020204" pitchFamily="34" charset="0"/>
+              <a:cs typeface="Arial" panose="020B0604020202020204" pitchFamily="34" charset="0"/>
+            </a:endParaRPr>
+          </a:p>
+        </p:txBody>
+      </p:sp>
+      <p:sp>
+        <p:nvSpPr>
+          <p:cNvPr id="15" name="TextBox 14">
+            <a:extLst>
+              <a:ext uri="{FF2B5EF4-FFF2-40B4-BE49-F238E27FC236}">
+                <a16:creationId xmlns:a16="http://schemas.microsoft.com/office/drawing/2014/main" id="{8BED367B-B81F-4650-9C9E-4006FBDE35FE}"/>
+              </a:ext>
+            </a:extLst>
+          </p:cNvPr>
+          <p:cNvSpPr txBox="1"/>
+          <p:nvPr/>
+        </p:nvSpPr>
+        <p:spPr>
+          <a:xfrm>
+            <a:off x="8352919" y="1785080"/>
+            <a:ext cx="1532929" cy="738664"/>
+          </a:xfrm>
+          <a:prstGeom prst="rect">
+            <a:avLst/>
+          </a:prstGeom>
+          <a:noFill/>
+        </p:spPr>
+        <p:txBody>
+          <a:bodyPr wrap="square" rtlCol="0">
+            <a:spAutoFit/>
+          </a:bodyPr>
+          <a:lstStyle/>
+          <a:p>
+            <a:r>
+              <a:rPr lang="en-US" altLang="ko-KR" sz="1400">
+                <a:latin typeface="Arial" panose="020B0604020202020204" pitchFamily="34" charset="0"/>
+                <a:cs typeface="Arial" panose="020B0604020202020204" pitchFamily="34" charset="0"/>
+              </a:rPr>
+              <a:t>: device</a:t>
+            </a:r>
+          </a:p>
+          <a:p>
+            <a:r>
+              <a:rPr lang="en-US" altLang="ko-KR" sz="1400">
+                <a:latin typeface="Arial" panose="020B0604020202020204" pitchFamily="34" charset="0"/>
+                <a:cs typeface="Arial" panose="020B0604020202020204" pitchFamily="34" charset="0"/>
+              </a:rPr>
+              <a:t>: owner</a:t>
+            </a:r>
+            <a:endParaRPr lang="ko-KR" altLang="en-US" sz="1400">
+              <a:latin typeface="Arial" panose="020B0604020202020204" pitchFamily="34" charset="0"/>
+              <a:cs typeface="Arial" panose="020B0604020202020204" pitchFamily="34" charset="0"/>
+            </a:endParaRPr>
+          </a:p>
+          <a:p>
+            <a:r>
+              <a:rPr lang="en-US" altLang="ko-KR" sz="1400">
+                <a:latin typeface="Arial" panose="020B0604020202020204" pitchFamily="34" charset="0"/>
+                <a:cs typeface="Arial" panose="020B0604020202020204" pitchFamily="34" charset="0"/>
+              </a:rPr>
+              <a:t>: owner_aff</a:t>
+            </a:r>
+          </a:p>
+        </p:txBody>
+      </p:sp>
+      <p:sp>
+        <p:nvSpPr>
+          <p:cNvPr id="16" name="TextBox 15">
+            <a:extLst>
+              <a:ext uri="{FF2B5EF4-FFF2-40B4-BE49-F238E27FC236}">
+                <a16:creationId xmlns:a16="http://schemas.microsoft.com/office/drawing/2014/main" id="{96C68945-FC83-4FDC-9CD8-1527305C2E5F}"/>
+              </a:ext>
+            </a:extLst>
+          </p:cNvPr>
+          <p:cNvSpPr txBox="1"/>
+          <p:nvPr/>
+        </p:nvSpPr>
+        <p:spPr>
+          <a:xfrm>
+            <a:off x="7448225" y="1782453"/>
+            <a:ext cx="904694" cy="738664"/>
+          </a:xfrm>
+          <a:prstGeom prst="rect">
+            <a:avLst/>
+          </a:prstGeom>
+          <a:noFill/>
+        </p:spPr>
+        <p:txBody>
+          <a:bodyPr wrap="square" rtlCol="0">
+            <a:spAutoFit/>
+          </a:bodyPr>
+          <a:lstStyle/>
+          <a:p>
+            <a:r>
+              <a:rPr lang="en-US" altLang="ko-KR" sz="1400">
+                <a:latin typeface="Arial" panose="020B0604020202020204" pitchFamily="34" charset="0"/>
+                <a:cs typeface="Arial" panose="020B0604020202020204" pitchFamily="34" charset="0"/>
+              </a:rPr>
+              <a:t>: name</a:t>
+            </a:r>
+          </a:p>
+          <a:p>
+            <a:r>
+              <a:rPr lang="en-US" altLang="ko-KR" sz="1400">
+                <a:latin typeface="Arial" panose="020B0604020202020204" pitchFamily="34" charset="0"/>
+                <a:cs typeface="Arial" panose="020B0604020202020204" pitchFamily="34" charset="0"/>
+              </a:rPr>
+              <a:t>: price</a:t>
+            </a:r>
+          </a:p>
+          <a:p>
+            <a:r>
+              <a:rPr lang="en-US" altLang="ko-KR" sz="1400">
+                <a:latin typeface="Arial" panose="020B0604020202020204" pitchFamily="34" charset="0"/>
+                <a:cs typeface="Arial" panose="020B0604020202020204" pitchFamily="34" charset="0"/>
+              </a:rPr>
+              <a:t>: d_type</a:t>
+            </a:r>
+          </a:p>
+        </p:txBody>
+      </p:sp>
+    </p:spTree>
+    <p:extLst>
+      <p:ext uri="{BB962C8B-B14F-4D97-AF65-F5344CB8AC3E}">
+        <p14:creationId xmlns:p14="http://schemas.microsoft.com/office/powerpoint/2010/main" val="2401782637"/>
       </p:ext>
     </p:extLst>
   </p:cSld>

--- a/그래프모델링.pptx
+++ b/그래프모델링.pptx
@@ -18,6 +18,11 @@
     <p:sldId id="266" r:id="rId12"/>
     <p:sldId id="267" r:id="rId13"/>
     <p:sldId id="268" r:id="rId14"/>
+    <p:sldId id="270" r:id="rId15"/>
+    <p:sldId id="271" r:id="rId16"/>
+    <p:sldId id="272" r:id="rId17"/>
+    <p:sldId id="273" r:id="rId18"/>
+    <p:sldId id="274" r:id="rId19"/>
   </p:sldIdLst>
   <p:sldSz cx="12192000" cy="6858000"/>
   <p:notesSz cx="6858000" cy="9144000"/>
@@ -271,7 +276,7 @@
           <a:p>
             <a:fld id="{6C510B8C-81DC-452A-8BA2-C42E018654E1}" type="datetimeFigureOut">
               <a:rPr lang="ko-KR" altLang="en-US" smtClean="0"/>
-              <a:t>2020-02-14</a:t>
+              <a:t>2020-02-18</a:t>
             </a:fld>
             <a:endParaRPr lang="ko-KR" altLang="en-US"/>
           </a:p>
@@ -469,7 +474,7 @@
           <a:p>
             <a:fld id="{6C510B8C-81DC-452A-8BA2-C42E018654E1}" type="datetimeFigureOut">
               <a:rPr lang="ko-KR" altLang="en-US" smtClean="0"/>
-              <a:t>2020-02-14</a:t>
+              <a:t>2020-02-18</a:t>
             </a:fld>
             <a:endParaRPr lang="ko-KR" altLang="en-US"/>
           </a:p>
@@ -677,7 +682,7 @@
           <a:p>
             <a:fld id="{6C510B8C-81DC-452A-8BA2-C42E018654E1}" type="datetimeFigureOut">
               <a:rPr lang="ko-KR" altLang="en-US" smtClean="0"/>
-              <a:t>2020-02-14</a:t>
+              <a:t>2020-02-18</a:t>
             </a:fld>
             <a:endParaRPr lang="ko-KR" altLang="en-US"/>
           </a:p>
@@ -875,7 +880,7 @@
           <a:p>
             <a:fld id="{6C510B8C-81DC-452A-8BA2-C42E018654E1}" type="datetimeFigureOut">
               <a:rPr lang="ko-KR" altLang="en-US" smtClean="0"/>
-              <a:t>2020-02-14</a:t>
+              <a:t>2020-02-18</a:t>
             </a:fld>
             <a:endParaRPr lang="ko-KR" altLang="en-US"/>
           </a:p>
@@ -1150,7 +1155,7 @@
           <a:p>
             <a:fld id="{6C510B8C-81DC-452A-8BA2-C42E018654E1}" type="datetimeFigureOut">
               <a:rPr lang="ko-KR" altLang="en-US" smtClean="0"/>
-              <a:t>2020-02-14</a:t>
+              <a:t>2020-02-18</a:t>
             </a:fld>
             <a:endParaRPr lang="ko-KR" altLang="en-US"/>
           </a:p>
@@ -1415,7 +1420,7 @@
           <a:p>
             <a:fld id="{6C510B8C-81DC-452A-8BA2-C42E018654E1}" type="datetimeFigureOut">
               <a:rPr lang="ko-KR" altLang="en-US" smtClean="0"/>
-              <a:t>2020-02-14</a:t>
+              <a:t>2020-02-18</a:t>
             </a:fld>
             <a:endParaRPr lang="ko-KR" altLang="en-US"/>
           </a:p>
@@ -1827,7 +1832,7 @@
           <a:p>
             <a:fld id="{6C510B8C-81DC-452A-8BA2-C42E018654E1}" type="datetimeFigureOut">
               <a:rPr lang="ko-KR" altLang="en-US" smtClean="0"/>
-              <a:t>2020-02-14</a:t>
+              <a:t>2020-02-18</a:t>
             </a:fld>
             <a:endParaRPr lang="ko-KR" altLang="en-US"/>
           </a:p>
@@ -1968,7 +1973,7 @@
           <a:p>
             <a:fld id="{6C510B8C-81DC-452A-8BA2-C42E018654E1}" type="datetimeFigureOut">
               <a:rPr lang="ko-KR" altLang="en-US" smtClean="0"/>
-              <a:t>2020-02-14</a:t>
+              <a:t>2020-02-18</a:t>
             </a:fld>
             <a:endParaRPr lang="ko-KR" altLang="en-US"/>
           </a:p>
@@ -2081,7 +2086,7 @@
           <a:p>
             <a:fld id="{6C510B8C-81DC-452A-8BA2-C42E018654E1}" type="datetimeFigureOut">
               <a:rPr lang="ko-KR" altLang="en-US" smtClean="0"/>
-              <a:t>2020-02-14</a:t>
+              <a:t>2020-02-18</a:t>
             </a:fld>
             <a:endParaRPr lang="ko-KR" altLang="en-US"/>
           </a:p>
@@ -2392,7 +2397,7 @@
           <a:p>
             <a:fld id="{6C510B8C-81DC-452A-8BA2-C42E018654E1}" type="datetimeFigureOut">
               <a:rPr lang="ko-KR" altLang="en-US" smtClean="0"/>
-              <a:t>2020-02-14</a:t>
+              <a:t>2020-02-18</a:t>
             </a:fld>
             <a:endParaRPr lang="ko-KR" altLang="en-US"/>
           </a:p>
@@ -2680,7 +2685,7 @@
           <a:p>
             <a:fld id="{6C510B8C-81DC-452A-8BA2-C42E018654E1}" type="datetimeFigureOut">
               <a:rPr lang="ko-KR" altLang="en-US" smtClean="0"/>
-              <a:t>2020-02-14</a:t>
+              <a:t>2020-02-18</a:t>
             </a:fld>
             <a:endParaRPr lang="ko-KR" altLang="en-US"/>
           </a:p>
@@ -2921,7 +2926,7 @@
           <a:p>
             <a:fld id="{6C510B8C-81DC-452A-8BA2-C42E018654E1}" type="datetimeFigureOut">
               <a:rPr lang="ko-KR" altLang="en-US" smtClean="0"/>
-              <a:t>2020-02-14</a:t>
+              <a:t>2020-02-18</a:t>
             </a:fld>
             <a:endParaRPr lang="ko-KR" altLang="en-US"/>
           </a:p>
@@ -13186,6 +13191,2927 @@
 </p:sld>
 </file>
 
+<file path=ppt/slides/slide14.xml><?xml version="1.0" encoding="utf-8"?>
+<p:sld xmlns:a="http://schemas.openxmlformats.org/drawingml/2006/main" xmlns:r="http://schemas.openxmlformats.org/officeDocument/2006/relationships" xmlns:p="http://schemas.openxmlformats.org/presentationml/2006/main">
+  <p:cSld>
+    <p:spTree>
+      <p:nvGrpSpPr>
+        <p:cNvPr id="1" name=""/>
+        <p:cNvGrpSpPr/>
+        <p:nvPr/>
+      </p:nvGrpSpPr>
+      <p:grpSpPr>
+        <a:xfrm>
+          <a:off x="0" y="0"/>
+          <a:ext cx="0" cy="0"/>
+          <a:chOff x="0" y="0"/>
+          <a:chExt cx="0" cy="0"/>
+        </a:xfrm>
+      </p:grpSpPr>
+      <p:sp>
+        <p:nvSpPr>
+          <p:cNvPr id="4" name="화살표: 오각형 3">
+            <a:extLst>
+              <a:ext uri="{FF2B5EF4-FFF2-40B4-BE49-F238E27FC236}">
+                <a16:creationId xmlns:a16="http://schemas.microsoft.com/office/drawing/2014/main" id="{B15A06DF-DFFD-4319-AE40-E07BE51C3A98}"/>
+              </a:ext>
+            </a:extLst>
+          </p:cNvPr>
+          <p:cNvSpPr/>
+          <p:nvPr/>
+        </p:nvSpPr>
+        <p:spPr>
+          <a:xfrm rot="16200000">
+            <a:off x="2650101" y="3646305"/>
+            <a:ext cx="806172" cy="1265067"/>
+          </a:xfrm>
+          <a:prstGeom prst="homePlate">
+            <a:avLst>
+              <a:gd name="adj" fmla="val 39700"/>
+            </a:avLst>
+          </a:prstGeom>
+          <a:solidFill>
+            <a:srgbClr val="E5E57F"/>
+          </a:solidFill>
+          <a:ln w="19050">
+            <a:solidFill>
+              <a:schemeClr val="tx1"/>
+            </a:solidFill>
+          </a:ln>
+        </p:spPr>
+        <p:style>
+          <a:lnRef idx="2">
+            <a:schemeClr val="accent1">
+              <a:shade val="50000"/>
+            </a:schemeClr>
+          </a:lnRef>
+          <a:fillRef idx="1">
+            <a:schemeClr val="accent1"/>
+          </a:fillRef>
+          <a:effectRef idx="0">
+            <a:schemeClr val="accent1"/>
+          </a:effectRef>
+          <a:fontRef idx="minor">
+            <a:schemeClr val="lt1"/>
+          </a:fontRef>
+        </p:style>
+        <p:txBody>
+          <a:bodyPr vert="eaVert" rtlCol="0" anchor="ctr"/>
+          <a:lstStyle/>
+          <a:p>
+            <a:pPr algn="ctr"/>
+            <a:r>
+              <a:rPr lang="en-US" altLang="ko-KR" sz="2000">
+                <a:solidFill>
+                  <a:schemeClr val="tx1"/>
+                </a:solidFill>
+                <a:latin typeface="Arial" panose="020B0604020202020204" pitchFamily="34" charset="0"/>
+                <a:cs typeface="Arial" panose="020B0604020202020204" pitchFamily="34" charset="0"/>
+              </a:rPr>
+              <a:t>Person</a:t>
+            </a:r>
+            <a:endParaRPr lang="ko-KR" altLang="en-US" sz="2000">
+              <a:solidFill>
+                <a:schemeClr val="tx1"/>
+              </a:solidFill>
+              <a:latin typeface="Arial" panose="020B0604020202020204" pitchFamily="34" charset="0"/>
+              <a:cs typeface="Arial" panose="020B0604020202020204" pitchFamily="34" charset="0"/>
+            </a:endParaRPr>
+          </a:p>
+        </p:txBody>
+      </p:sp>
+      <p:sp>
+        <p:nvSpPr>
+          <p:cNvPr id="5" name="사각형: 둥근 모서리 4">
+            <a:extLst>
+              <a:ext uri="{FF2B5EF4-FFF2-40B4-BE49-F238E27FC236}">
+                <a16:creationId xmlns:a16="http://schemas.microsoft.com/office/drawing/2014/main" id="{B4B428D1-38E3-4D33-8F92-C2F8B0E41A96}"/>
+              </a:ext>
+            </a:extLst>
+          </p:cNvPr>
+          <p:cNvSpPr/>
+          <p:nvPr/>
+        </p:nvSpPr>
+        <p:spPr>
+          <a:xfrm>
+            <a:off x="6088370" y="2503278"/>
+            <a:ext cx="1344596" cy="706624"/>
+          </a:xfrm>
+          <a:prstGeom prst="roundRect">
+            <a:avLst>
+              <a:gd name="adj" fmla="val 42223"/>
+            </a:avLst>
+          </a:prstGeom>
+          <a:solidFill>
+            <a:srgbClr val="FFF2CC"/>
+          </a:solidFill>
+          <a:ln w="19050">
+            <a:solidFill>
+              <a:schemeClr val="tx1"/>
+            </a:solidFill>
+          </a:ln>
+        </p:spPr>
+        <p:style>
+          <a:lnRef idx="2">
+            <a:schemeClr val="accent1">
+              <a:shade val="50000"/>
+            </a:schemeClr>
+          </a:lnRef>
+          <a:fillRef idx="1">
+            <a:schemeClr val="accent1"/>
+          </a:fillRef>
+          <a:effectRef idx="0">
+            <a:schemeClr val="accent1"/>
+          </a:effectRef>
+          <a:fontRef idx="minor">
+            <a:schemeClr val="lt1"/>
+          </a:fontRef>
+        </p:style>
+        <p:txBody>
+          <a:bodyPr rtlCol="0" anchor="ctr"/>
+          <a:lstStyle/>
+          <a:p>
+            <a:pPr algn="ctr"/>
+            <a:r>
+              <a:rPr lang="en-US" altLang="ko-KR" sz="2000">
+                <a:solidFill>
+                  <a:schemeClr val="tx1"/>
+                </a:solidFill>
+                <a:latin typeface="Arial" panose="020B0604020202020204" pitchFamily="34" charset="0"/>
+                <a:cs typeface="Arial" panose="020B0604020202020204" pitchFamily="34" charset="0"/>
+              </a:rPr>
+              <a:t>Data</a:t>
+            </a:r>
+            <a:endParaRPr lang="ko-KR" altLang="en-US" sz="2000">
+              <a:solidFill>
+                <a:schemeClr val="tx1"/>
+              </a:solidFill>
+              <a:latin typeface="Arial" panose="020B0604020202020204" pitchFamily="34" charset="0"/>
+              <a:cs typeface="Arial" panose="020B0604020202020204" pitchFamily="34" charset="0"/>
+            </a:endParaRPr>
+          </a:p>
+        </p:txBody>
+      </p:sp>
+      <p:sp>
+        <p:nvSpPr>
+          <p:cNvPr id="6" name="직사각형 5">
+            <a:extLst>
+              <a:ext uri="{FF2B5EF4-FFF2-40B4-BE49-F238E27FC236}">
+                <a16:creationId xmlns:a16="http://schemas.microsoft.com/office/drawing/2014/main" id="{EA2FFA64-2CF1-4540-B9DE-6A7F1ADD087B}"/>
+              </a:ext>
+            </a:extLst>
+          </p:cNvPr>
+          <p:cNvSpPr/>
+          <p:nvPr/>
+        </p:nvSpPr>
+        <p:spPr>
+          <a:xfrm>
+            <a:off x="6103629" y="4133126"/>
+            <a:ext cx="1329337" cy="670560"/>
+          </a:xfrm>
+          <a:prstGeom prst="rect">
+            <a:avLst/>
+          </a:prstGeom>
+          <a:solidFill>
+            <a:srgbClr val="CCCCFF"/>
+          </a:solidFill>
+          <a:ln w="19050">
+            <a:solidFill>
+              <a:schemeClr val="tx1"/>
+            </a:solidFill>
+          </a:ln>
+        </p:spPr>
+        <p:style>
+          <a:lnRef idx="2">
+            <a:schemeClr val="accent1">
+              <a:shade val="50000"/>
+            </a:schemeClr>
+          </a:lnRef>
+          <a:fillRef idx="1">
+            <a:schemeClr val="accent1"/>
+          </a:fillRef>
+          <a:effectRef idx="0">
+            <a:schemeClr val="accent1"/>
+          </a:effectRef>
+          <a:fontRef idx="minor">
+            <a:schemeClr val="lt1"/>
+          </a:fontRef>
+        </p:style>
+        <p:txBody>
+          <a:bodyPr rot="0" spcFirstLastPara="0" vertOverflow="overflow" horzOverflow="overflow" vert="horz" wrap="square" lIns="91440" tIns="45720" rIns="91440" bIns="45720" numCol="1" spcCol="0" rtlCol="0" fromWordArt="0" anchor="ctr" anchorCtr="0" forceAA="0" compatLnSpc="1">
+            <a:prstTxWarp prst="textNoShape">
+              <a:avLst/>
+            </a:prstTxWarp>
+            <a:noAutofit/>
+          </a:bodyPr>
+          <a:lstStyle/>
+          <a:p>
+            <a:pPr algn="ctr"/>
+            <a:r>
+              <a:rPr lang="en-US" altLang="ko-KR" sz="2000">
+                <a:solidFill>
+                  <a:schemeClr val="tx1"/>
+                </a:solidFill>
+                <a:latin typeface="Arial" panose="020B0604020202020204" pitchFamily="34" charset="0"/>
+                <a:cs typeface="Arial" panose="020B0604020202020204" pitchFamily="34" charset="0"/>
+              </a:rPr>
+              <a:t>Activity</a:t>
+            </a:r>
+            <a:endParaRPr lang="ko-KR" altLang="en-US" sz="2000" dirty="0">
+              <a:solidFill>
+                <a:schemeClr val="tx1"/>
+              </a:solidFill>
+              <a:latin typeface="Arial" panose="020B0604020202020204" pitchFamily="34" charset="0"/>
+              <a:cs typeface="Arial" panose="020B0604020202020204" pitchFamily="34" charset="0"/>
+            </a:endParaRPr>
+          </a:p>
+        </p:txBody>
+      </p:sp>
+      <p:cxnSp>
+        <p:nvCxnSpPr>
+          <p:cNvPr id="8" name="직선 화살표 연결선 7">
+            <a:extLst>
+              <a:ext uri="{FF2B5EF4-FFF2-40B4-BE49-F238E27FC236}">
+                <a16:creationId xmlns:a16="http://schemas.microsoft.com/office/drawing/2014/main" id="{3DCD5011-E537-4943-8AE9-A8D80FE3D872}"/>
+              </a:ext>
+            </a:extLst>
+          </p:cNvPr>
+          <p:cNvCxnSpPr>
+            <a:cxnSpLocks/>
+            <a:stCxn id="4" idx="2"/>
+            <a:endCxn id="6" idx="1"/>
+          </p:cNvCxnSpPr>
+          <p:nvPr/>
+        </p:nvCxnSpPr>
+        <p:spPr>
+          <a:xfrm>
+            <a:off x="3685721" y="4438864"/>
+            <a:ext cx="2417908" cy="29542"/>
+          </a:xfrm>
+          <a:prstGeom prst="straightConnector1">
+            <a:avLst/>
+          </a:prstGeom>
+          <a:ln w="19050">
+            <a:solidFill>
+              <a:schemeClr val="tx1"/>
+            </a:solidFill>
+            <a:headEnd type="triangle" w="lg" len="lg"/>
+            <a:tailEnd type="none"/>
+          </a:ln>
+        </p:spPr>
+        <p:style>
+          <a:lnRef idx="1">
+            <a:schemeClr val="accent1"/>
+          </a:lnRef>
+          <a:fillRef idx="0">
+            <a:schemeClr val="accent1"/>
+          </a:fillRef>
+          <a:effectRef idx="0">
+            <a:schemeClr val="accent1"/>
+          </a:effectRef>
+          <a:fontRef idx="minor">
+            <a:schemeClr val="tx1"/>
+          </a:fontRef>
+        </p:style>
+      </p:cxnSp>
+      <p:cxnSp>
+        <p:nvCxnSpPr>
+          <p:cNvPr id="9" name="직선 화살표 연결선 8">
+            <a:extLst>
+              <a:ext uri="{FF2B5EF4-FFF2-40B4-BE49-F238E27FC236}">
+                <a16:creationId xmlns:a16="http://schemas.microsoft.com/office/drawing/2014/main" id="{CE66ADBD-302D-4B82-940F-C4D611AB9A3E}"/>
+              </a:ext>
+            </a:extLst>
+          </p:cNvPr>
+          <p:cNvCxnSpPr>
+            <a:cxnSpLocks/>
+            <a:stCxn id="5" idx="2"/>
+            <a:endCxn id="6" idx="0"/>
+          </p:cNvCxnSpPr>
+          <p:nvPr/>
+        </p:nvCxnSpPr>
+        <p:spPr>
+          <a:xfrm>
+            <a:off x="6760668" y="3209902"/>
+            <a:ext cx="7630" cy="923224"/>
+          </a:xfrm>
+          <a:prstGeom prst="straightConnector1">
+            <a:avLst/>
+          </a:prstGeom>
+          <a:ln w="19050">
+            <a:solidFill>
+              <a:schemeClr val="tx1"/>
+            </a:solidFill>
+            <a:headEnd type="triangle" w="lg" len="lg"/>
+            <a:tailEnd type="triangle" w="lg" len="lg"/>
+          </a:ln>
+        </p:spPr>
+        <p:style>
+          <a:lnRef idx="1">
+            <a:schemeClr val="accent1"/>
+          </a:lnRef>
+          <a:fillRef idx="0">
+            <a:schemeClr val="accent1"/>
+          </a:fillRef>
+          <a:effectRef idx="0">
+            <a:schemeClr val="accent1"/>
+          </a:effectRef>
+          <a:fontRef idx="minor">
+            <a:schemeClr val="tx1"/>
+          </a:fontRef>
+        </p:style>
+      </p:cxnSp>
+      <p:sp>
+        <p:nvSpPr>
+          <p:cNvPr id="10" name="TextBox 9">
+            <a:extLst>
+              <a:ext uri="{FF2B5EF4-FFF2-40B4-BE49-F238E27FC236}">
+                <a16:creationId xmlns:a16="http://schemas.microsoft.com/office/drawing/2014/main" id="{8719ED7C-2E5D-405E-BE76-A35E1E4D3B87}"/>
+              </a:ext>
+            </a:extLst>
+          </p:cNvPr>
+          <p:cNvSpPr txBox="1"/>
+          <p:nvPr/>
+        </p:nvSpPr>
+        <p:spPr>
+          <a:xfrm>
+            <a:off x="6768297" y="3498112"/>
+            <a:ext cx="1682088" cy="377641"/>
+          </a:xfrm>
+          <a:prstGeom prst="rect">
+            <a:avLst/>
+          </a:prstGeom>
+          <a:noFill/>
+        </p:spPr>
+        <p:txBody>
+          <a:bodyPr wrap="square" rtlCol="0">
+            <a:spAutoFit/>
+          </a:bodyPr>
+          <a:lstStyle/>
+          <a:p>
+            <a:r>
+              <a:rPr lang="en-US" altLang="ko-KR">
+                <a:latin typeface="Arial" panose="020B0604020202020204" pitchFamily="34" charset="0"/>
+                <a:cs typeface="Arial" panose="020B0604020202020204" pitchFamily="34" charset="0"/>
+              </a:rPr>
+              <a:t>Generate</a:t>
+            </a:r>
+            <a:endParaRPr lang="ko-KR" altLang="en-US">
+              <a:latin typeface="Arial" panose="020B0604020202020204" pitchFamily="34" charset="0"/>
+              <a:cs typeface="Arial" panose="020B0604020202020204" pitchFamily="34" charset="0"/>
+            </a:endParaRPr>
+          </a:p>
+        </p:txBody>
+      </p:sp>
+      <p:sp>
+        <p:nvSpPr>
+          <p:cNvPr id="12" name="TextBox 11">
+            <a:extLst>
+              <a:ext uri="{FF2B5EF4-FFF2-40B4-BE49-F238E27FC236}">
+                <a16:creationId xmlns:a16="http://schemas.microsoft.com/office/drawing/2014/main" id="{4A8E83A3-AE12-4CBB-981E-E7D0DB152B2A}"/>
+              </a:ext>
+            </a:extLst>
+          </p:cNvPr>
+          <p:cNvSpPr txBox="1"/>
+          <p:nvPr/>
+        </p:nvSpPr>
+        <p:spPr>
+          <a:xfrm>
+            <a:off x="3844260" y="4434354"/>
+            <a:ext cx="2757869" cy="369332"/>
+          </a:xfrm>
+          <a:prstGeom prst="rect">
+            <a:avLst/>
+          </a:prstGeom>
+          <a:noFill/>
+        </p:spPr>
+        <p:txBody>
+          <a:bodyPr wrap="square" rtlCol="0">
+            <a:spAutoFit/>
+          </a:bodyPr>
+          <a:lstStyle/>
+          <a:p>
+            <a:r>
+              <a:rPr lang="en-US" altLang="ko-KR">
+                <a:latin typeface="Arial" panose="020B0604020202020204" pitchFamily="34" charset="0"/>
+                <a:cs typeface="Arial" panose="020B0604020202020204" pitchFamily="34" charset="0"/>
+              </a:rPr>
+              <a:t>Act / Send / Receive</a:t>
+            </a:r>
+            <a:endParaRPr lang="ko-KR" altLang="en-US">
+              <a:latin typeface="Arial" panose="020B0604020202020204" pitchFamily="34" charset="0"/>
+              <a:cs typeface="Arial" panose="020B0604020202020204" pitchFamily="34" charset="0"/>
+            </a:endParaRPr>
+          </a:p>
+        </p:txBody>
+      </p:sp>
+      <p:sp>
+        <p:nvSpPr>
+          <p:cNvPr id="13" name="TextBox 12">
+            <a:extLst>
+              <a:ext uri="{FF2B5EF4-FFF2-40B4-BE49-F238E27FC236}">
+                <a16:creationId xmlns:a16="http://schemas.microsoft.com/office/drawing/2014/main" id="{12BD5A96-80F9-4B8F-AF00-A8438988AD4B}"/>
+              </a:ext>
+            </a:extLst>
+          </p:cNvPr>
+          <p:cNvSpPr txBox="1"/>
+          <p:nvPr/>
+        </p:nvSpPr>
+        <p:spPr>
+          <a:xfrm>
+            <a:off x="7432966" y="4204169"/>
+            <a:ext cx="998289" cy="523220"/>
+          </a:xfrm>
+          <a:prstGeom prst="rect">
+            <a:avLst/>
+          </a:prstGeom>
+          <a:noFill/>
+        </p:spPr>
+        <p:txBody>
+          <a:bodyPr wrap="square" rtlCol="0">
+            <a:spAutoFit/>
+          </a:bodyPr>
+          <a:lstStyle/>
+          <a:p>
+            <a:r>
+              <a:rPr lang="en-US" altLang="ko-KR" sz="1400">
+                <a:latin typeface="Arial" panose="020B0604020202020204" pitchFamily="34" charset="0"/>
+                <a:cs typeface="Arial" panose="020B0604020202020204" pitchFamily="34" charset="0"/>
+              </a:rPr>
+              <a:t>: name</a:t>
+            </a:r>
+          </a:p>
+          <a:p>
+            <a:r>
+              <a:rPr lang="en-US" altLang="ko-KR" sz="1400">
+                <a:latin typeface="Arial" panose="020B0604020202020204" pitchFamily="34" charset="0"/>
+                <a:cs typeface="Arial" panose="020B0604020202020204" pitchFamily="34" charset="0"/>
+              </a:rPr>
+              <a:t>: date </a:t>
+            </a:r>
+            <a:endParaRPr lang="ko-KR" altLang="en-US" sz="1400">
+              <a:latin typeface="Arial" panose="020B0604020202020204" pitchFamily="34" charset="0"/>
+              <a:cs typeface="Arial" panose="020B0604020202020204" pitchFamily="34" charset="0"/>
+            </a:endParaRPr>
+          </a:p>
+        </p:txBody>
+      </p:sp>
+      <p:sp>
+        <p:nvSpPr>
+          <p:cNvPr id="14" name="TextBox 13">
+            <a:extLst>
+              <a:ext uri="{FF2B5EF4-FFF2-40B4-BE49-F238E27FC236}">
+                <a16:creationId xmlns:a16="http://schemas.microsoft.com/office/drawing/2014/main" id="{2C438A6C-5AAA-4C31-9F46-E42A8041ED18}"/>
+              </a:ext>
+            </a:extLst>
+          </p:cNvPr>
+          <p:cNvSpPr txBox="1"/>
+          <p:nvPr/>
+        </p:nvSpPr>
+        <p:spPr>
+          <a:xfrm>
+            <a:off x="1422364" y="4158705"/>
+            <a:ext cx="998289" cy="523220"/>
+          </a:xfrm>
+          <a:prstGeom prst="rect">
+            <a:avLst/>
+          </a:prstGeom>
+          <a:noFill/>
+        </p:spPr>
+        <p:txBody>
+          <a:bodyPr wrap="square" rtlCol="0">
+            <a:spAutoFit/>
+          </a:bodyPr>
+          <a:lstStyle/>
+          <a:p>
+            <a:r>
+              <a:rPr lang="en-US" altLang="ko-KR" sz="1400">
+                <a:latin typeface="Arial" panose="020B0604020202020204" pitchFamily="34" charset="0"/>
+                <a:cs typeface="Arial" panose="020B0604020202020204" pitchFamily="34" charset="0"/>
+              </a:rPr>
+              <a:t>: name</a:t>
+            </a:r>
+          </a:p>
+          <a:p>
+            <a:r>
+              <a:rPr lang="en-US" altLang="ko-KR" sz="1400">
+                <a:latin typeface="Arial" panose="020B0604020202020204" pitchFamily="34" charset="0"/>
+                <a:cs typeface="Arial" panose="020B0604020202020204" pitchFamily="34" charset="0"/>
+              </a:rPr>
+              <a:t>: affiliation </a:t>
+            </a:r>
+            <a:endParaRPr lang="ko-KR" altLang="en-US" sz="1400">
+              <a:latin typeface="Arial" panose="020B0604020202020204" pitchFamily="34" charset="0"/>
+              <a:cs typeface="Arial" panose="020B0604020202020204" pitchFamily="34" charset="0"/>
+            </a:endParaRPr>
+          </a:p>
+        </p:txBody>
+      </p:sp>
+      <p:sp>
+        <p:nvSpPr>
+          <p:cNvPr id="16" name="TextBox 15">
+            <a:extLst>
+              <a:ext uri="{FF2B5EF4-FFF2-40B4-BE49-F238E27FC236}">
+                <a16:creationId xmlns:a16="http://schemas.microsoft.com/office/drawing/2014/main" id="{96C68945-FC83-4FDC-9CD8-1527305C2E5F}"/>
+              </a:ext>
+            </a:extLst>
+          </p:cNvPr>
+          <p:cNvSpPr txBox="1"/>
+          <p:nvPr/>
+        </p:nvSpPr>
+        <p:spPr>
+          <a:xfrm>
+            <a:off x="7479763" y="2516915"/>
+            <a:ext cx="904694" cy="523220"/>
+          </a:xfrm>
+          <a:prstGeom prst="rect">
+            <a:avLst/>
+          </a:prstGeom>
+          <a:noFill/>
+        </p:spPr>
+        <p:txBody>
+          <a:bodyPr wrap="square" rtlCol="0">
+            <a:spAutoFit/>
+          </a:bodyPr>
+          <a:lstStyle/>
+          <a:p>
+            <a:r>
+              <a:rPr lang="en-US" altLang="ko-KR" sz="1400">
+                <a:latin typeface="Arial" panose="020B0604020202020204" pitchFamily="34" charset="0"/>
+                <a:cs typeface="Arial" panose="020B0604020202020204" pitchFamily="34" charset="0"/>
+              </a:rPr>
+              <a:t>: name</a:t>
+            </a:r>
+          </a:p>
+          <a:p>
+            <a:r>
+              <a:rPr lang="en-US" altLang="ko-KR" sz="1400">
+                <a:latin typeface="Arial" panose="020B0604020202020204" pitchFamily="34" charset="0"/>
+                <a:cs typeface="Arial" panose="020B0604020202020204" pitchFamily="34" charset="0"/>
+              </a:rPr>
+              <a:t>: price</a:t>
+            </a:r>
+          </a:p>
+        </p:txBody>
+      </p:sp>
+      <p:sp>
+        <p:nvSpPr>
+          <p:cNvPr id="17" name="제목 1">
+            <a:extLst>
+              <a:ext uri="{FF2B5EF4-FFF2-40B4-BE49-F238E27FC236}">
+                <a16:creationId xmlns:a16="http://schemas.microsoft.com/office/drawing/2014/main" id="{51DCDD7D-F028-4062-8BD1-792B89D86504}"/>
+              </a:ext>
+            </a:extLst>
+          </p:cNvPr>
+          <p:cNvSpPr>
+            <a:spLocks noGrp="1"/>
+          </p:cNvSpPr>
+          <p:nvPr>
+            <p:ph type="title"/>
+          </p:nvPr>
+        </p:nvSpPr>
+        <p:spPr>
+          <a:xfrm>
+            <a:off x="838200" y="365125"/>
+            <a:ext cx="10515600" cy="1325563"/>
+          </a:xfrm>
+        </p:spPr>
+        <p:txBody>
+          <a:bodyPr/>
+          <a:lstStyle/>
+          <a:p>
+            <a:r>
+              <a:rPr lang="en-US" altLang="ko-KR"/>
+              <a:t>Version 2.0</a:t>
+            </a:r>
+            <a:endParaRPr lang="ko-KR" altLang="en-US"/>
+          </a:p>
+        </p:txBody>
+      </p:sp>
+      <p:sp>
+        <p:nvSpPr>
+          <p:cNvPr id="19" name="TextBox 18">
+            <a:extLst>
+              <a:ext uri="{FF2B5EF4-FFF2-40B4-BE49-F238E27FC236}">
+                <a16:creationId xmlns:a16="http://schemas.microsoft.com/office/drawing/2014/main" id="{6EAC8319-C906-4572-8090-EDD7CA747694}"/>
+              </a:ext>
+            </a:extLst>
+          </p:cNvPr>
+          <p:cNvSpPr txBox="1"/>
+          <p:nvPr/>
+        </p:nvSpPr>
+        <p:spPr>
+          <a:xfrm>
+            <a:off x="8292678" y="2516915"/>
+            <a:ext cx="1279029" cy="523220"/>
+          </a:xfrm>
+          <a:prstGeom prst="rect">
+            <a:avLst/>
+          </a:prstGeom>
+          <a:noFill/>
+        </p:spPr>
+        <p:txBody>
+          <a:bodyPr wrap="square" rtlCol="0">
+            <a:spAutoFit/>
+          </a:bodyPr>
+          <a:lstStyle/>
+          <a:p>
+            <a:r>
+              <a:rPr lang="en-US" altLang="ko-KR" sz="1400">
+                <a:latin typeface="Arial" panose="020B0604020202020204" pitchFamily="34" charset="0"/>
+                <a:cs typeface="Arial" panose="020B0604020202020204" pitchFamily="34" charset="0"/>
+              </a:rPr>
+              <a:t>: d_type</a:t>
+            </a:r>
+          </a:p>
+          <a:p>
+            <a:r>
+              <a:rPr lang="en-US" altLang="ko-KR" sz="1400">
+                <a:latin typeface="Arial" panose="020B0604020202020204" pitchFamily="34" charset="0"/>
+                <a:cs typeface="Arial" panose="020B0604020202020204" pitchFamily="34" charset="0"/>
+              </a:rPr>
+              <a:t>: device</a:t>
+            </a:r>
+          </a:p>
+        </p:txBody>
+      </p:sp>
+    </p:spTree>
+    <p:extLst>
+      <p:ext uri="{BB962C8B-B14F-4D97-AF65-F5344CB8AC3E}">
+        <p14:creationId xmlns:p14="http://schemas.microsoft.com/office/powerpoint/2010/main" val="968294773"/>
+      </p:ext>
+    </p:extLst>
+  </p:cSld>
+  <p:clrMapOvr>
+    <a:masterClrMapping/>
+  </p:clrMapOvr>
+</p:sld>
+</file>
+
+<file path=ppt/slides/slide15.xml><?xml version="1.0" encoding="utf-8"?>
+<p:sld xmlns:a="http://schemas.openxmlformats.org/drawingml/2006/main" xmlns:r="http://schemas.openxmlformats.org/officeDocument/2006/relationships" xmlns:p="http://schemas.openxmlformats.org/presentationml/2006/main">
+  <p:cSld>
+    <p:spTree>
+      <p:nvGrpSpPr>
+        <p:cNvPr id="1" name=""/>
+        <p:cNvGrpSpPr/>
+        <p:nvPr/>
+      </p:nvGrpSpPr>
+      <p:grpSpPr>
+        <a:xfrm>
+          <a:off x="0" y="0"/>
+          <a:ext cx="0" cy="0"/>
+          <a:chOff x="0" y="0"/>
+          <a:chExt cx="0" cy="0"/>
+        </a:xfrm>
+      </p:grpSpPr>
+      <p:sp>
+        <p:nvSpPr>
+          <p:cNvPr id="4" name="화살표: 오각형 3">
+            <a:extLst>
+              <a:ext uri="{FF2B5EF4-FFF2-40B4-BE49-F238E27FC236}">
+                <a16:creationId xmlns:a16="http://schemas.microsoft.com/office/drawing/2014/main" id="{B15A06DF-DFFD-4319-AE40-E07BE51C3A98}"/>
+              </a:ext>
+            </a:extLst>
+          </p:cNvPr>
+          <p:cNvSpPr/>
+          <p:nvPr/>
+        </p:nvSpPr>
+        <p:spPr>
+          <a:xfrm rot="16200000">
+            <a:off x="6383409" y="3064674"/>
+            <a:ext cx="806172" cy="1265067"/>
+          </a:xfrm>
+          <a:prstGeom prst="homePlate">
+            <a:avLst>
+              <a:gd name="adj" fmla="val 39700"/>
+            </a:avLst>
+          </a:prstGeom>
+          <a:solidFill>
+            <a:srgbClr val="E5E57F"/>
+          </a:solidFill>
+          <a:ln w="19050">
+            <a:solidFill>
+              <a:schemeClr val="tx1"/>
+            </a:solidFill>
+          </a:ln>
+        </p:spPr>
+        <p:style>
+          <a:lnRef idx="2">
+            <a:schemeClr val="accent1">
+              <a:shade val="50000"/>
+            </a:schemeClr>
+          </a:lnRef>
+          <a:fillRef idx="1">
+            <a:schemeClr val="accent1"/>
+          </a:fillRef>
+          <a:effectRef idx="0">
+            <a:schemeClr val="accent1"/>
+          </a:effectRef>
+          <a:fontRef idx="minor">
+            <a:schemeClr val="lt1"/>
+          </a:fontRef>
+        </p:style>
+        <p:txBody>
+          <a:bodyPr vert="eaVert" rtlCol="0" anchor="ctr"/>
+          <a:lstStyle/>
+          <a:p>
+            <a:pPr algn="ctr"/>
+            <a:r>
+              <a:rPr lang="en-US" altLang="ko-KR" sz="2000">
+                <a:solidFill>
+                  <a:schemeClr val="tx1"/>
+                </a:solidFill>
+                <a:latin typeface="Arial" panose="020B0604020202020204" pitchFamily="34" charset="0"/>
+                <a:cs typeface="Arial" panose="020B0604020202020204" pitchFamily="34" charset="0"/>
+              </a:rPr>
+              <a:t>Person</a:t>
+            </a:r>
+            <a:endParaRPr lang="ko-KR" altLang="en-US" sz="2000">
+              <a:solidFill>
+                <a:schemeClr val="tx1"/>
+              </a:solidFill>
+              <a:latin typeface="Arial" panose="020B0604020202020204" pitchFamily="34" charset="0"/>
+              <a:cs typeface="Arial" panose="020B0604020202020204" pitchFamily="34" charset="0"/>
+            </a:endParaRPr>
+          </a:p>
+        </p:txBody>
+      </p:sp>
+      <p:sp>
+        <p:nvSpPr>
+          <p:cNvPr id="5" name="사각형: 둥근 모서리 4">
+            <a:extLst>
+              <a:ext uri="{FF2B5EF4-FFF2-40B4-BE49-F238E27FC236}">
+                <a16:creationId xmlns:a16="http://schemas.microsoft.com/office/drawing/2014/main" id="{B4B428D1-38E3-4D33-8F92-C2F8B0E41A96}"/>
+              </a:ext>
+            </a:extLst>
+          </p:cNvPr>
+          <p:cNvSpPr/>
+          <p:nvPr/>
+        </p:nvSpPr>
+        <p:spPr>
+          <a:xfrm>
+            <a:off x="6153961" y="1931815"/>
+            <a:ext cx="1344596" cy="706624"/>
+          </a:xfrm>
+          <a:prstGeom prst="roundRect">
+            <a:avLst>
+              <a:gd name="adj" fmla="val 42223"/>
+            </a:avLst>
+          </a:prstGeom>
+          <a:solidFill>
+            <a:srgbClr val="FFF2CC"/>
+          </a:solidFill>
+          <a:ln w="19050">
+            <a:solidFill>
+              <a:schemeClr val="tx1"/>
+            </a:solidFill>
+          </a:ln>
+        </p:spPr>
+        <p:style>
+          <a:lnRef idx="2">
+            <a:schemeClr val="accent1">
+              <a:shade val="50000"/>
+            </a:schemeClr>
+          </a:lnRef>
+          <a:fillRef idx="1">
+            <a:schemeClr val="accent1"/>
+          </a:fillRef>
+          <a:effectRef idx="0">
+            <a:schemeClr val="accent1"/>
+          </a:effectRef>
+          <a:fontRef idx="minor">
+            <a:schemeClr val="lt1"/>
+          </a:fontRef>
+        </p:style>
+        <p:txBody>
+          <a:bodyPr rtlCol="0" anchor="ctr"/>
+          <a:lstStyle/>
+          <a:p>
+            <a:pPr algn="ctr"/>
+            <a:r>
+              <a:rPr lang="en-US" altLang="ko-KR" sz="2000">
+                <a:solidFill>
+                  <a:schemeClr val="tx1"/>
+                </a:solidFill>
+                <a:latin typeface="Arial" panose="020B0604020202020204" pitchFamily="34" charset="0"/>
+                <a:cs typeface="Arial" panose="020B0604020202020204" pitchFamily="34" charset="0"/>
+              </a:rPr>
+              <a:t>Data</a:t>
+            </a:r>
+            <a:endParaRPr lang="ko-KR" altLang="en-US" sz="2000">
+              <a:solidFill>
+                <a:schemeClr val="tx1"/>
+              </a:solidFill>
+              <a:latin typeface="Arial" panose="020B0604020202020204" pitchFamily="34" charset="0"/>
+              <a:cs typeface="Arial" panose="020B0604020202020204" pitchFamily="34" charset="0"/>
+            </a:endParaRPr>
+          </a:p>
+        </p:txBody>
+      </p:sp>
+      <p:sp>
+        <p:nvSpPr>
+          <p:cNvPr id="6" name="직사각형 5">
+            <a:extLst>
+              <a:ext uri="{FF2B5EF4-FFF2-40B4-BE49-F238E27FC236}">
+                <a16:creationId xmlns:a16="http://schemas.microsoft.com/office/drawing/2014/main" id="{EA2FFA64-2CF1-4540-B9DE-6A7F1ADD087B}"/>
+              </a:ext>
+            </a:extLst>
+          </p:cNvPr>
+          <p:cNvSpPr/>
+          <p:nvPr/>
+        </p:nvSpPr>
+        <p:spPr>
+          <a:xfrm>
+            <a:off x="2558445" y="2741044"/>
+            <a:ext cx="1329337" cy="670560"/>
+          </a:xfrm>
+          <a:prstGeom prst="rect">
+            <a:avLst/>
+          </a:prstGeom>
+          <a:solidFill>
+            <a:srgbClr val="CCCCFF"/>
+          </a:solidFill>
+          <a:ln w="19050">
+            <a:solidFill>
+              <a:schemeClr val="tx1"/>
+            </a:solidFill>
+          </a:ln>
+        </p:spPr>
+        <p:style>
+          <a:lnRef idx="2">
+            <a:schemeClr val="accent1">
+              <a:shade val="50000"/>
+            </a:schemeClr>
+          </a:lnRef>
+          <a:fillRef idx="1">
+            <a:schemeClr val="accent1"/>
+          </a:fillRef>
+          <a:effectRef idx="0">
+            <a:schemeClr val="accent1"/>
+          </a:effectRef>
+          <a:fontRef idx="minor">
+            <a:schemeClr val="lt1"/>
+          </a:fontRef>
+        </p:style>
+        <p:txBody>
+          <a:bodyPr rot="0" spcFirstLastPara="0" vertOverflow="overflow" horzOverflow="overflow" vert="horz" wrap="square" lIns="91440" tIns="45720" rIns="91440" bIns="45720" numCol="1" spcCol="0" rtlCol="0" fromWordArt="0" anchor="ctr" anchorCtr="0" forceAA="0" compatLnSpc="1">
+            <a:prstTxWarp prst="textNoShape">
+              <a:avLst/>
+            </a:prstTxWarp>
+            <a:noAutofit/>
+          </a:bodyPr>
+          <a:lstStyle/>
+          <a:p>
+            <a:pPr algn="ctr"/>
+            <a:r>
+              <a:rPr lang="en-US" altLang="ko-KR" sz="2000">
+                <a:solidFill>
+                  <a:schemeClr val="tx1"/>
+                </a:solidFill>
+                <a:latin typeface="Arial" panose="020B0604020202020204" pitchFamily="34" charset="0"/>
+                <a:cs typeface="Arial" panose="020B0604020202020204" pitchFamily="34" charset="0"/>
+              </a:rPr>
+              <a:t>Activity</a:t>
+            </a:r>
+            <a:endParaRPr lang="ko-KR" altLang="en-US" sz="2000" dirty="0">
+              <a:solidFill>
+                <a:schemeClr val="tx1"/>
+              </a:solidFill>
+              <a:latin typeface="Arial" panose="020B0604020202020204" pitchFamily="34" charset="0"/>
+              <a:cs typeface="Arial" panose="020B0604020202020204" pitchFamily="34" charset="0"/>
+            </a:endParaRPr>
+          </a:p>
+        </p:txBody>
+      </p:sp>
+      <p:cxnSp>
+        <p:nvCxnSpPr>
+          <p:cNvPr id="8" name="직선 화살표 연결선 7">
+            <a:extLst>
+              <a:ext uri="{FF2B5EF4-FFF2-40B4-BE49-F238E27FC236}">
+                <a16:creationId xmlns:a16="http://schemas.microsoft.com/office/drawing/2014/main" id="{3DCD5011-E537-4943-8AE9-A8D80FE3D872}"/>
+              </a:ext>
+            </a:extLst>
+          </p:cNvPr>
+          <p:cNvCxnSpPr>
+            <a:cxnSpLocks/>
+            <a:endCxn id="6" idx="3"/>
+          </p:cNvCxnSpPr>
+          <p:nvPr/>
+        </p:nvCxnSpPr>
+        <p:spPr>
+          <a:xfrm flipH="1" flipV="1">
+            <a:off x="3887782" y="3076324"/>
+            <a:ext cx="2266179" cy="860033"/>
+          </a:xfrm>
+          <a:prstGeom prst="straightConnector1">
+            <a:avLst/>
+          </a:prstGeom>
+          <a:ln w="19050">
+            <a:solidFill>
+              <a:schemeClr val="tx1"/>
+            </a:solidFill>
+            <a:headEnd type="triangle" w="lg" len="lg"/>
+            <a:tailEnd type="none"/>
+          </a:ln>
+        </p:spPr>
+        <p:style>
+          <a:lnRef idx="1">
+            <a:schemeClr val="accent1"/>
+          </a:lnRef>
+          <a:fillRef idx="0">
+            <a:schemeClr val="accent1"/>
+          </a:fillRef>
+          <a:effectRef idx="0">
+            <a:schemeClr val="accent1"/>
+          </a:effectRef>
+          <a:fontRef idx="minor">
+            <a:schemeClr val="tx1"/>
+          </a:fontRef>
+        </p:style>
+      </p:cxnSp>
+      <p:cxnSp>
+        <p:nvCxnSpPr>
+          <p:cNvPr id="9" name="직선 화살표 연결선 8">
+            <a:extLst>
+              <a:ext uri="{FF2B5EF4-FFF2-40B4-BE49-F238E27FC236}">
+                <a16:creationId xmlns:a16="http://schemas.microsoft.com/office/drawing/2014/main" id="{CE66ADBD-302D-4B82-940F-C4D611AB9A3E}"/>
+              </a:ext>
+            </a:extLst>
+          </p:cNvPr>
+          <p:cNvCxnSpPr>
+            <a:cxnSpLocks/>
+            <a:stCxn id="5" idx="1"/>
+            <a:endCxn id="6" idx="3"/>
+          </p:cNvCxnSpPr>
+          <p:nvPr/>
+        </p:nvCxnSpPr>
+        <p:spPr>
+          <a:xfrm flipH="1">
+            <a:off x="3887782" y="2285127"/>
+            <a:ext cx="2266179" cy="791197"/>
+          </a:xfrm>
+          <a:prstGeom prst="straightConnector1">
+            <a:avLst/>
+          </a:prstGeom>
+          <a:ln w="19050">
+            <a:solidFill>
+              <a:schemeClr val="tx1"/>
+            </a:solidFill>
+            <a:headEnd type="triangle" w="lg" len="lg"/>
+            <a:tailEnd type="triangle" w="lg" len="lg"/>
+          </a:ln>
+        </p:spPr>
+        <p:style>
+          <a:lnRef idx="1">
+            <a:schemeClr val="accent1"/>
+          </a:lnRef>
+          <a:fillRef idx="0">
+            <a:schemeClr val="accent1"/>
+          </a:fillRef>
+          <a:effectRef idx="0">
+            <a:schemeClr val="accent1"/>
+          </a:effectRef>
+          <a:fontRef idx="minor">
+            <a:schemeClr val="tx1"/>
+          </a:fontRef>
+        </p:style>
+      </p:cxnSp>
+      <p:sp>
+        <p:nvSpPr>
+          <p:cNvPr id="10" name="TextBox 9">
+            <a:extLst>
+              <a:ext uri="{FF2B5EF4-FFF2-40B4-BE49-F238E27FC236}">
+                <a16:creationId xmlns:a16="http://schemas.microsoft.com/office/drawing/2014/main" id="{8719ED7C-2E5D-405E-BE76-A35E1E4D3B87}"/>
+              </a:ext>
+            </a:extLst>
+          </p:cNvPr>
+          <p:cNvSpPr txBox="1"/>
+          <p:nvPr/>
+        </p:nvSpPr>
+        <p:spPr>
+          <a:xfrm rot="20374871">
+            <a:off x="4400882" y="2230642"/>
+            <a:ext cx="1682088" cy="377641"/>
+          </a:xfrm>
+          <a:prstGeom prst="rect">
+            <a:avLst/>
+          </a:prstGeom>
+          <a:noFill/>
+        </p:spPr>
+        <p:txBody>
+          <a:bodyPr wrap="square" rtlCol="0">
+            <a:spAutoFit/>
+          </a:bodyPr>
+          <a:lstStyle/>
+          <a:p>
+            <a:r>
+              <a:rPr lang="en-US" altLang="ko-KR">
+                <a:latin typeface="Arial" panose="020B0604020202020204" pitchFamily="34" charset="0"/>
+                <a:cs typeface="Arial" panose="020B0604020202020204" pitchFamily="34" charset="0"/>
+              </a:rPr>
+              <a:t>Generate</a:t>
+            </a:r>
+            <a:endParaRPr lang="ko-KR" altLang="en-US">
+              <a:latin typeface="Arial" panose="020B0604020202020204" pitchFamily="34" charset="0"/>
+              <a:cs typeface="Arial" panose="020B0604020202020204" pitchFamily="34" charset="0"/>
+            </a:endParaRPr>
+          </a:p>
+        </p:txBody>
+      </p:sp>
+      <p:sp>
+        <p:nvSpPr>
+          <p:cNvPr id="12" name="TextBox 11">
+            <a:extLst>
+              <a:ext uri="{FF2B5EF4-FFF2-40B4-BE49-F238E27FC236}">
+                <a16:creationId xmlns:a16="http://schemas.microsoft.com/office/drawing/2014/main" id="{4A8E83A3-AE12-4CBB-981E-E7D0DB152B2A}"/>
+              </a:ext>
+            </a:extLst>
+          </p:cNvPr>
+          <p:cNvSpPr txBox="1"/>
+          <p:nvPr/>
+        </p:nvSpPr>
+        <p:spPr>
+          <a:xfrm rot="1253343">
+            <a:off x="3837825" y="3580968"/>
+            <a:ext cx="2757869" cy="369332"/>
+          </a:xfrm>
+          <a:prstGeom prst="rect">
+            <a:avLst/>
+          </a:prstGeom>
+          <a:noFill/>
+        </p:spPr>
+        <p:txBody>
+          <a:bodyPr wrap="square" rtlCol="0">
+            <a:spAutoFit/>
+          </a:bodyPr>
+          <a:lstStyle/>
+          <a:p>
+            <a:r>
+              <a:rPr lang="en-US" altLang="ko-KR">
+                <a:latin typeface="Arial" panose="020B0604020202020204" pitchFamily="34" charset="0"/>
+                <a:cs typeface="Arial" panose="020B0604020202020204" pitchFamily="34" charset="0"/>
+              </a:rPr>
+              <a:t>Act / Send / Receive</a:t>
+            </a:r>
+            <a:endParaRPr lang="ko-KR" altLang="en-US">
+              <a:latin typeface="Arial" panose="020B0604020202020204" pitchFamily="34" charset="0"/>
+              <a:cs typeface="Arial" panose="020B0604020202020204" pitchFamily="34" charset="0"/>
+            </a:endParaRPr>
+          </a:p>
+        </p:txBody>
+      </p:sp>
+      <p:sp>
+        <p:nvSpPr>
+          <p:cNvPr id="13" name="TextBox 12">
+            <a:extLst>
+              <a:ext uri="{FF2B5EF4-FFF2-40B4-BE49-F238E27FC236}">
+                <a16:creationId xmlns:a16="http://schemas.microsoft.com/office/drawing/2014/main" id="{12BD5A96-80F9-4B8F-AF00-A8438988AD4B}"/>
+              </a:ext>
+            </a:extLst>
+          </p:cNvPr>
+          <p:cNvSpPr txBox="1"/>
+          <p:nvPr/>
+        </p:nvSpPr>
+        <p:spPr>
+          <a:xfrm>
+            <a:off x="1757948" y="2814714"/>
+            <a:ext cx="998289" cy="523220"/>
+          </a:xfrm>
+          <a:prstGeom prst="rect">
+            <a:avLst/>
+          </a:prstGeom>
+          <a:noFill/>
+        </p:spPr>
+        <p:txBody>
+          <a:bodyPr wrap="square" rtlCol="0">
+            <a:spAutoFit/>
+          </a:bodyPr>
+          <a:lstStyle/>
+          <a:p>
+            <a:r>
+              <a:rPr lang="en-US" altLang="ko-KR" sz="1400">
+                <a:latin typeface="Arial" panose="020B0604020202020204" pitchFamily="34" charset="0"/>
+                <a:cs typeface="Arial" panose="020B0604020202020204" pitchFamily="34" charset="0"/>
+              </a:rPr>
+              <a:t>: name</a:t>
+            </a:r>
+          </a:p>
+          <a:p>
+            <a:r>
+              <a:rPr lang="en-US" altLang="ko-KR" sz="1400">
+                <a:latin typeface="Arial" panose="020B0604020202020204" pitchFamily="34" charset="0"/>
+                <a:cs typeface="Arial" panose="020B0604020202020204" pitchFamily="34" charset="0"/>
+              </a:rPr>
+              <a:t>: date </a:t>
+            </a:r>
+            <a:endParaRPr lang="ko-KR" altLang="en-US" sz="1400">
+              <a:latin typeface="Arial" panose="020B0604020202020204" pitchFamily="34" charset="0"/>
+              <a:cs typeface="Arial" panose="020B0604020202020204" pitchFamily="34" charset="0"/>
+            </a:endParaRPr>
+          </a:p>
+        </p:txBody>
+      </p:sp>
+      <p:sp>
+        <p:nvSpPr>
+          <p:cNvPr id="14" name="TextBox 13">
+            <a:extLst>
+              <a:ext uri="{FF2B5EF4-FFF2-40B4-BE49-F238E27FC236}">
+                <a16:creationId xmlns:a16="http://schemas.microsoft.com/office/drawing/2014/main" id="{2C438A6C-5AAA-4C31-9F46-E42A8041ED18}"/>
+              </a:ext>
+            </a:extLst>
+          </p:cNvPr>
+          <p:cNvSpPr txBox="1"/>
+          <p:nvPr/>
+        </p:nvSpPr>
+        <p:spPr>
+          <a:xfrm>
+            <a:off x="7503746" y="3577074"/>
+            <a:ext cx="998289" cy="523220"/>
+          </a:xfrm>
+          <a:prstGeom prst="rect">
+            <a:avLst/>
+          </a:prstGeom>
+          <a:noFill/>
+        </p:spPr>
+        <p:txBody>
+          <a:bodyPr wrap="square" rtlCol="0">
+            <a:spAutoFit/>
+          </a:bodyPr>
+          <a:lstStyle/>
+          <a:p>
+            <a:r>
+              <a:rPr lang="en-US" altLang="ko-KR" sz="1400">
+                <a:latin typeface="Arial" panose="020B0604020202020204" pitchFamily="34" charset="0"/>
+                <a:cs typeface="Arial" panose="020B0604020202020204" pitchFamily="34" charset="0"/>
+              </a:rPr>
+              <a:t>: name</a:t>
+            </a:r>
+          </a:p>
+          <a:p>
+            <a:r>
+              <a:rPr lang="en-US" altLang="ko-KR" sz="1400">
+                <a:latin typeface="Arial" panose="020B0604020202020204" pitchFamily="34" charset="0"/>
+                <a:cs typeface="Arial" panose="020B0604020202020204" pitchFamily="34" charset="0"/>
+              </a:rPr>
+              <a:t>: affiliation </a:t>
+            </a:r>
+            <a:endParaRPr lang="ko-KR" altLang="en-US" sz="1400">
+              <a:latin typeface="Arial" panose="020B0604020202020204" pitchFamily="34" charset="0"/>
+              <a:cs typeface="Arial" panose="020B0604020202020204" pitchFamily="34" charset="0"/>
+            </a:endParaRPr>
+          </a:p>
+        </p:txBody>
+      </p:sp>
+      <p:sp>
+        <p:nvSpPr>
+          <p:cNvPr id="16" name="TextBox 15">
+            <a:extLst>
+              <a:ext uri="{FF2B5EF4-FFF2-40B4-BE49-F238E27FC236}">
+                <a16:creationId xmlns:a16="http://schemas.microsoft.com/office/drawing/2014/main" id="{96C68945-FC83-4FDC-9CD8-1527305C2E5F}"/>
+              </a:ext>
+            </a:extLst>
+          </p:cNvPr>
+          <p:cNvSpPr txBox="1"/>
+          <p:nvPr/>
+        </p:nvSpPr>
+        <p:spPr>
+          <a:xfrm>
+            <a:off x="7550544" y="2023517"/>
+            <a:ext cx="904694" cy="523220"/>
+          </a:xfrm>
+          <a:prstGeom prst="rect">
+            <a:avLst/>
+          </a:prstGeom>
+          <a:noFill/>
+        </p:spPr>
+        <p:txBody>
+          <a:bodyPr wrap="square" rtlCol="0">
+            <a:spAutoFit/>
+          </a:bodyPr>
+          <a:lstStyle/>
+          <a:p>
+            <a:r>
+              <a:rPr lang="en-US" altLang="ko-KR" sz="1400">
+                <a:latin typeface="Arial" panose="020B0604020202020204" pitchFamily="34" charset="0"/>
+                <a:cs typeface="Arial" panose="020B0604020202020204" pitchFamily="34" charset="0"/>
+              </a:rPr>
+              <a:t>: name</a:t>
+            </a:r>
+          </a:p>
+          <a:p>
+            <a:r>
+              <a:rPr lang="en-US" altLang="ko-KR" sz="1400">
+                <a:latin typeface="Arial" panose="020B0604020202020204" pitchFamily="34" charset="0"/>
+                <a:cs typeface="Arial" panose="020B0604020202020204" pitchFamily="34" charset="0"/>
+              </a:rPr>
+              <a:t>: price</a:t>
+            </a:r>
+          </a:p>
+        </p:txBody>
+      </p:sp>
+      <p:sp>
+        <p:nvSpPr>
+          <p:cNvPr id="19" name="TextBox 18">
+            <a:extLst>
+              <a:ext uri="{FF2B5EF4-FFF2-40B4-BE49-F238E27FC236}">
+                <a16:creationId xmlns:a16="http://schemas.microsoft.com/office/drawing/2014/main" id="{6EAC8319-C906-4572-8090-EDD7CA747694}"/>
+              </a:ext>
+            </a:extLst>
+          </p:cNvPr>
+          <p:cNvSpPr txBox="1"/>
+          <p:nvPr/>
+        </p:nvSpPr>
+        <p:spPr>
+          <a:xfrm>
+            <a:off x="8363459" y="2023517"/>
+            <a:ext cx="1279029" cy="523220"/>
+          </a:xfrm>
+          <a:prstGeom prst="rect">
+            <a:avLst/>
+          </a:prstGeom>
+          <a:noFill/>
+        </p:spPr>
+        <p:txBody>
+          <a:bodyPr wrap="square" rtlCol="0">
+            <a:spAutoFit/>
+          </a:bodyPr>
+          <a:lstStyle/>
+          <a:p>
+            <a:r>
+              <a:rPr lang="en-US" altLang="ko-KR" sz="1400">
+                <a:latin typeface="Arial" panose="020B0604020202020204" pitchFamily="34" charset="0"/>
+                <a:cs typeface="Arial" panose="020B0604020202020204" pitchFamily="34" charset="0"/>
+              </a:rPr>
+              <a:t>: d_type</a:t>
+            </a:r>
+          </a:p>
+          <a:p>
+            <a:r>
+              <a:rPr lang="en-US" altLang="ko-KR" sz="1400">
+                <a:latin typeface="Arial" panose="020B0604020202020204" pitchFamily="34" charset="0"/>
+                <a:cs typeface="Arial" panose="020B0604020202020204" pitchFamily="34" charset="0"/>
+              </a:rPr>
+              <a:t>: device</a:t>
+            </a:r>
+          </a:p>
+        </p:txBody>
+      </p:sp>
+    </p:spTree>
+    <p:extLst>
+      <p:ext uri="{BB962C8B-B14F-4D97-AF65-F5344CB8AC3E}">
+        <p14:creationId xmlns:p14="http://schemas.microsoft.com/office/powerpoint/2010/main" val="19794660"/>
+      </p:ext>
+    </p:extLst>
+  </p:cSld>
+  <p:clrMapOvr>
+    <a:masterClrMapping/>
+  </p:clrMapOvr>
+</p:sld>
+</file>
+
+<file path=ppt/slides/slide16.xml><?xml version="1.0" encoding="utf-8"?>
+<p:sld xmlns:a="http://schemas.openxmlformats.org/drawingml/2006/main" xmlns:r="http://schemas.openxmlformats.org/officeDocument/2006/relationships" xmlns:p="http://schemas.openxmlformats.org/presentationml/2006/main">
+  <p:cSld>
+    <p:spTree>
+      <p:nvGrpSpPr>
+        <p:cNvPr id="1" name=""/>
+        <p:cNvGrpSpPr/>
+        <p:nvPr/>
+      </p:nvGrpSpPr>
+      <p:grpSpPr>
+        <a:xfrm>
+          <a:off x="0" y="0"/>
+          <a:ext cx="0" cy="0"/>
+          <a:chOff x="0" y="0"/>
+          <a:chExt cx="0" cy="0"/>
+        </a:xfrm>
+      </p:grpSpPr>
+      <p:sp>
+        <p:nvSpPr>
+          <p:cNvPr id="4" name="화살표: 오각형 3">
+            <a:extLst>
+              <a:ext uri="{FF2B5EF4-FFF2-40B4-BE49-F238E27FC236}">
+                <a16:creationId xmlns:a16="http://schemas.microsoft.com/office/drawing/2014/main" id="{B15A06DF-DFFD-4319-AE40-E07BE51C3A98}"/>
+              </a:ext>
+            </a:extLst>
+          </p:cNvPr>
+          <p:cNvSpPr/>
+          <p:nvPr/>
+        </p:nvSpPr>
+        <p:spPr>
+          <a:xfrm rot="16200000">
+            <a:off x="3584689" y="3787781"/>
+            <a:ext cx="806172" cy="1265067"/>
+          </a:xfrm>
+          <a:prstGeom prst="homePlate">
+            <a:avLst>
+              <a:gd name="adj" fmla="val 39700"/>
+            </a:avLst>
+          </a:prstGeom>
+          <a:solidFill>
+            <a:srgbClr val="E5E57F"/>
+          </a:solidFill>
+          <a:ln w="19050">
+            <a:solidFill>
+              <a:schemeClr val="tx1"/>
+            </a:solidFill>
+          </a:ln>
+        </p:spPr>
+        <p:style>
+          <a:lnRef idx="2">
+            <a:schemeClr val="accent1">
+              <a:shade val="50000"/>
+            </a:schemeClr>
+          </a:lnRef>
+          <a:fillRef idx="1">
+            <a:schemeClr val="accent1"/>
+          </a:fillRef>
+          <a:effectRef idx="0">
+            <a:schemeClr val="accent1"/>
+          </a:effectRef>
+          <a:fontRef idx="minor">
+            <a:schemeClr val="lt1"/>
+          </a:fontRef>
+        </p:style>
+        <p:txBody>
+          <a:bodyPr vert="eaVert" rtlCol="0" anchor="ctr"/>
+          <a:lstStyle/>
+          <a:p>
+            <a:pPr algn="ctr"/>
+            <a:r>
+              <a:rPr lang="en-US" altLang="ko-KR" sz="2000">
+                <a:solidFill>
+                  <a:schemeClr val="tx1"/>
+                </a:solidFill>
+                <a:latin typeface="Arial" panose="020B0604020202020204" pitchFamily="34" charset="0"/>
+                <a:cs typeface="Arial" panose="020B0604020202020204" pitchFamily="34" charset="0"/>
+              </a:rPr>
+              <a:t>Person</a:t>
+            </a:r>
+            <a:endParaRPr lang="ko-KR" altLang="en-US" sz="2000">
+              <a:solidFill>
+                <a:schemeClr val="tx1"/>
+              </a:solidFill>
+              <a:latin typeface="Arial" panose="020B0604020202020204" pitchFamily="34" charset="0"/>
+              <a:cs typeface="Arial" panose="020B0604020202020204" pitchFamily="34" charset="0"/>
+            </a:endParaRPr>
+          </a:p>
+        </p:txBody>
+      </p:sp>
+      <p:sp>
+        <p:nvSpPr>
+          <p:cNvPr id="5" name="사각형: 둥근 모서리 4">
+            <a:extLst>
+              <a:ext uri="{FF2B5EF4-FFF2-40B4-BE49-F238E27FC236}">
+                <a16:creationId xmlns:a16="http://schemas.microsoft.com/office/drawing/2014/main" id="{B4B428D1-38E3-4D33-8F92-C2F8B0E41A96}"/>
+              </a:ext>
+            </a:extLst>
+          </p:cNvPr>
+          <p:cNvSpPr/>
+          <p:nvPr/>
+        </p:nvSpPr>
+        <p:spPr>
+          <a:xfrm>
+            <a:off x="6321636" y="2574934"/>
+            <a:ext cx="1344596" cy="706624"/>
+          </a:xfrm>
+          <a:prstGeom prst="roundRect">
+            <a:avLst>
+              <a:gd name="adj" fmla="val 42223"/>
+            </a:avLst>
+          </a:prstGeom>
+          <a:solidFill>
+            <a:srgbClr val="FFF2CC"/>
+          </a:solidFill>
+          <a:ln w="19050">
+            <a:solidFill>
+              <a:schemeClr val="tx1"/>
+            </a:solidFill>
+          </a:ln>
+        </p:spPr>
+        <p:style>
+          <a:lnRef idx="2">
+            <a:schemeClr val="accent1">
+              <a:shade val="50000"/>
+            </a:schemeClr>
+          </a:lnRef>
+          <a:fillRef idx="1">
+            <a:schemeClr val="accent1"/>
+          </a:fillRef>
+          <a:effectRef idx="0">
+            <a:schemeClr val="accent1"/>
+          </a:effectRef>
+          <a:fontRef idx="minor">
+            <a:schemeClr val="lt1"/>
+          </a:fontRef>
+        </p:style>
+        <p:txBody>
+          <a:bodyPr rtlCol="0" anchor="ctr"/>
+          <a:lstStyle/>
+          <a:p>
+            <a:pPr algn="ctr"/>
+            <a:r>
+              <a:rPr lang="en-US" altLang="ko-KR" sz="2000">
+                <a:solidFill>
+                  <a:schemeClr val="tx1"/>
+                </a:solidFill>
+                <a:latin typeface="Arial" panose="020B0604020202020204" pitchFamily="34" charset="0"/>
+                <a:cs typeface="Arial" panose="020B0604020202020204" pitchFamily="34" charset="0"/>
+              </a:rPr>
+              <a:t>Data</a:t>
+            </a:r>
+            <a:endParaRPr lang="ko-KR" altLang="en-US" sz="2000">
+              <a:solidFill>
+                <a:schemeClr val="tx1"/>
+              </a:solidFill>
+              <a:latin typeface="Arial" panose="020B0604020202020204" pitchFamily="34" charset="0"/>
+              <a:cs typeface="Arial" panose="020B0604020202020204" pitchFamily="34" charset="0"/>
+            </a:endParaRPr>
+          </a:p>
+        </p:txBody>
+      </p:sp>
+      <p:sp>
+        <p:nvSpPr>
+          <p:cNvPr id="6" name="직사각형 5">
+            <a:extLst>
+              <a:ext uri="{FF2B5EF4-FFF2-40B4-BE49-F238E27FC236}">
+                <a16:creationId xmlns:a16="http://schemas.microsoft.com/office/drawing/2014/main" id="{EA2FFA64-2CF1-4540-B9DE-6A7F1ADD087B}"/>
+              </a:ext>
+            </a:extLst>
+          </p:cNvPr>
+          <p:cNvSpPr/>
+          <p:nvPr/>
+        </p:nvSpPr>
+        <p:spPr>
+          <a:xfrm>
+            <a:off x="3323107" y="2592966"/>
+            <a:ext cx="1329337" cy="670560"/>
+          </a:xfrm>
+          <a:prstGeom prst="rect">
+            <a:avLst/>
+          </a:prstGeom>
+          <a:solidFill>
+            <a:srgbClr val="CCCCFF"/>
+          </a:solidFill>
+          <a:ln w="19050">
+            <a:solidFill>
+              <a:schemeClr val="tx1"/>
+            </a:solidFill>
+          </a:ln>
+        </p:spPr>
+        <p:style>
+          <a:lnRef idx="2">
+            <a:schemeClr val="accent1">
+              <a:shade val="50000"/>
+            </a:schemeClr>
+          </a:lnRef>
+          <a:fillRef idx="1">
+            <a:schemeClr val="accent1"/>
+          </a:fillRef>
+          <a:effectRef idx="0">
+            <a:schemeClr val="accent1"/>
+          </a:effectRef>
+          <a:fontRef idx="minor">
+            <a:schemeClr val="lt1"/>
+          </a:fontRef>
+        </p:style>
+        <p:txBody>
+          <a:bodyPr rot="0" spcFirstLastPara="0" vertOverflow="overflow" horzOverflow="overflow" vert="horz" wrap="square" lIns="91440" tIns="45720" rIns="91440" bIns="45720" numCol="1" spcCol="0" rtlCol="0" fromWordArt="0" anchor="ctr" anchorCtr="0" forceAA="0" compatLnSpc="1">
+            <a:prstTxWarp prst="textNoShape">
+              <a:avLst/>
+            </a:prstTxWarp>
+            <a:noAutofit/>
+          </a:bodyPr>
+          <a:lstStyle/>
+          <a:p>
+            <a:pPr algn="ctr"/>
+            <a:r>
+              <a:rPr lang="ko-KR" altLang="en-US" sz="2000">
+                <a:solidFill>
+                  <a:schemeClr val="tx1"/>
+                </a:solidFill>
+                <a:latin typeface="Arial" panose="020B0604020202020204" pitchFamily="34" charset="0"/>
+                <a:cs typeface="Arial" panose="020B0604020202020204" pitchFamily="34" charset="0"/>
+              </a:rPr>
+              <a:t>생성</a:t>
+            </a:r>
+            <a:endParaRPr lang="ko-KR" altLang="en-US" sz="2000" dirty="0">
+              <a:solidFill>
+                <a:schemeClr val="tx1"/>
+              </a:solidFill>
+              <a:latin typeface="Arial" panose="020B0604020202020204" pitchFamily="34" charset="0"/>
+              <a:cs typeface="Arial" panose="020B0604020202020204" pitchFamily="34" charset="0"/>
+            </a:endParaRPr>
+          </a:p>
+        </p:txBody>
+      </p:sp>
+      <p:cxnSp>
+        <p:nvCxnSpPr>
+          <p:cNvPr id="8" name="직선 화살표 연결선 7">
+            <a:extLst>
+              <a:ext uri="{FF2B5EF4-FFF2-40B4-BE49-F238E27FC236}">
+                <a16:creationId xmlns:a16="http://schemas.microsoft.com/office/drawing/2014/main" id="{3DCD5011-E537-4943-8AE9-A8D80FE3D872}"/>
+              </a:ext>
+            </a:extLst>
+          </p:cNvPr>
+          <p:cNvCxnSpPr>
+            <a:cxnSpLocks/>
+            <a:stCxn id="4" idx="3"/>
+            <a:endCxn id="6" idx="2"/>
+          </p:cNvCxnSpPr>
+          <p:nvPr/>
+        </p:nvCxnSpPr>
+        <p:spPr>
+          <a:xfrm flipV="1">
+            <a:off x="3987776" y="3263526"/>
+            <a:ext cx="0" cy="753703"/>
+          </a:xfrm>
+          <a:prstGeom prst="straightConnector1">
+            <a:avLst/>
+          </a:prstGeom>
+          <a:ln w="19050">
+            <a:solidFill>
+              <a:schemeClr val="tx1"/>
+            </a:solidFill>
+            <a:headEnd type="triangle" w="lg" len="lg"/>
+            <a:tailEnd type="none"/>
+          </a:ln>
+        </p:spPr>
+        <p:style>
+          <a:lnRef idx="1">
+            <a:schemeClr val="accent1"/>
+          </a:lnRef>
+          <a:fillRef idx="0">
+            <a:schemeClr val="accent1"/>
+          </a:fillRef>
+          <a:effectRef idx="0">
+            <a:schemeClr val="accent1"/>
+          </a:effectRef>
+          <a:fontRef idx="minor">
+            <a:schemeClr val="tx1"/>
+          </a:fontRef>
+        </p:style>
+      </p:cxnSp>
+      <p:cxnSp>
+        <p:nvCxnSpPr>
+          <p:cNvPr id="9" name="직선 화살표 연결선 8">
+            <a:extLst>
+              <a:ext uri="{FF2B5EF4-FFF2-40B4-BE49-F238E27FC236}">
+                <a16:creationId xmlns:a16="http://schemas.microsoft.com/office/drawing/2014/main" id="{CE66ADBD-302D-4B82-940F-C4D611AB9A3E}"/>
+              </a:ext>
+            </a:extLst>
+          </p:cNvPr>
+          <p:cNvCxnSpPr>
+            <a:cxnSpLocks/>
+            <a:stCxn id="5" idx="1"/>
+            <a:endCxn id="6" idx="3"/>
+          </p:cNvCxnSpPr>
+          <p:nvPr/>
+        </p:nvCxnSpPr>
+        <p:spPr>
+          <a:xfrm flipH="1">
+            <a:off x="4652444" y="2928246"/>
+            <a:ext cx="1669192" cy="0"/>
+          </a:xfrm>
+          <a:prstGeom prst="straightConnector1">
+            <a:avLst/>
+          </a:prstGeom>
+          <a:ln w="19050">
+            <a:solidFill>
+              <a:schemeClr val="tx1"/>
+            </a:solidFill>
+            <a:headEnd type="none" w="lg" len="lg"/>
+            <a:tailEnd type="triangle" w="lg" len="lg"/>
+          </a:ln>
+        </p:spPr>
+        <p:style>
+          <a:lnRef idx="1">
+            <a:schemeClr val="accent1"/>
+          </a:lnRef>
+          <a:fillRef idx="0">
+            <a:schemeClr val="accent1"/>
+          </a:fillRef>
+          <a:effectRef idx="0">
+            <a:schemeClr val="accent1"/>
+          </a:effectRef>
+          <a:fontRef idx="minor">
+            <a:schemeClr val="tx1"/>
+          </a:fontRef>
+        </p:style>
+      </p:cxnSp>
+      <p:sp>
+        <p:nvSpPr>
+          <p:cNvPr id="10" name="TextBox 9">
+            <a:extLst>
+              <a:ext uri="{FF2B5EF4-FFF2-40B4-BE49-F238E27FC236}">
+                <a16:creationId xmlns:a16="http://schemas.microsoft.com/office/drawing/2014/main" id="{8719ED7C-2E5D-405E-BE76-A35E1E4D3B87}"/>
+              </a:ext>
+            </a:extLst>
+          </p:cNvPr>
+          <p:cNvSpPr txBox="1"/>
+          <p:nvPr/>
+        </p:nvSpPr>
+        <p:spPr>
+          <a:xfrm>
+            <a:off x="5029321" y="2592966"/>
+            <a:ext cx="1682088" cy="377641"/>
+          </a:xfrm>
+          <a:prstGeom prst="rect">
+            <a:avLst/>
+          </a:prstGeom>
+          <a:noFill/>
+        </p:spPr>
+        <p:txBody>
+          <a:bodyPr wrap="square" rtlCol="0">
+            <a:spAutoFit/>
+          </a:bodyPr>
+          <a:lstStyle/>
+          <a:p>
+            <a:r>
+              <a:rPr lang="en-US" altLang="ko-KR">
+                <a:latin typeface="Arial" panose="020B0604020202020204" pitchFamily="34" charset="0"/>
+                <a:cs typeface="Arial" panose="020B0604020202020204" pitchFamily="34" charset="0"/>
+              </a:rPr>
+              <a:t>Generate</a:t>
+            </a:r>
+            <a:endParaRPr lang="ko-KR" altLang="en-US">
+              <a:latin typeface="Arial" panose="020B0604020202020204" pitchFamily="34" charset="0"/>
+              <a:cs typeface="Arial" panose="020B0604020202020204" pitchFamily="34" charset="0"/>
+            </a:endParaRPr>
+          </a:p>
+        </p:txBody>
+      </p:sp>
+      <p:sp>
+        <p:nvSpPr>
+          <p:cNvPr id="12" name="TextBox 11">
+            <a:extLst>
+              <a:ext uri="{FF2B5EF4-FFF2-40B4-BE49-F238E27FC236}">
+                <a16:creationId xmlns:a16="http://schemas.microsoft.com/office/drawing/2014/main" id="{4A8E83A3-AE12-4CBB-981E-E7D0DB152B2A}"/>
+              </a:ext>
+            </a:extLst>
+          </p:cNvPr>
+          <p:cNvSpPr txBox="1"/>
+          <p:nvPr/>
+        </p:nvSpPr>
+        <p:spPr>
+          <a:xfrm>
+            <a:off x="3987775" y="3455711"/>
+            <a:ext cx="2757869" cy="369332"/>
+          </a:xfrm>
+          <a:prstGeom prst="rect">
+            <a:avLst/>
+          </a:prstGeom>
+          <a:noFill/>
+        </p:spPr>
+        <p:txBody>
+          <a:bodyPr wrap="square" rtlCol="0">
+            <a:spAutoFit/>
+          </a:bodyPr>
+          <a:lstStyle/>
+          <a:p>
+            <a:r>
+              <a:rPr lang="en-US" altLang="ko-KR">
+                <a:latin typeface="Arial" panose="020B0604020202020204" pitchFamily="34" charset="0"/>
+                <a:cs typeface="Arial" panose="020B0604020202020204" pitchFamily="34" charset="0"/>
+              </a:rPr>
+              <a:t>Act</a:t>
+            </a:r>
+            <a:endParaRPr lang="ko-KR" altLang="en-US">
+              <a:latin typeface="Arial" panose="020B0604020202020204" pitchFamily="34" charset="0"/>
+              <a:cs typeface="Arial" panose="020B0604020202020204" pitchFamily="34" charset="0"/>
+            </a:endParaRPr>
+          </a:p>
+        </p:txBody>
+      </p:sp>
+    </p:spTree>
+    <p:extLst>
+      <p:ext uri="{BB962C8B-B14F-4D97-AF65-F5344CB8AC3E}">
+        <p14:creationId xmlns:p14="http://schemas.microsoft.com/office/powerpoint/2010/main" val="2456710672"/>
+      </p:ext>
+    </p:extLst>
+  </p:cSld>
+  <p:clrMapOvr>
+    <a:masterClrMapping/>
+  </p:clrMapOvr>
+</p:sld>
+</file>
+
+<file path=ppt/slides/slide17.xml><?xml version="1.0" encoding="utf-8"?>
+<p:sld xmlns:a="http://schemas.openxmlformats.org/drawingml/2006/main" xmlns:r="http://schemas.openxmlformats.org/officeDocument/2006/relationships" xmlns:p="http://schemas.openxmlformats.org/presentationml/2006/main">
+  <p:cSld>
+    <p:spTree>
+      <p:nvGrpSpPr>
+        <p:cNvPr id="1" name=""/>
+        <p:cNvGrpSpPr/>
+        <p:nvPr/>
+      </p:nvGrpSpPr>
+      <p:grpSpPr>
+        <a:xfrm>
+          <a:off x="0" y="0"/>
+          <a:ext cx="0" cy="0"/>
+          <a:chOff x="0" y="0"/>
+          <a:chExt cx="0" cy="0"/>
+        </a:xfrm>
+      </p:grpSpPr>
+      <p:sp>
+        <p:nvSpPr>
+          <p:cNvPr id="4" name="화살표: 오각형 3">
+            <a:extLst>
+              <a:ext uri="{FF2B5EF4-FFF2-40B4-BE49-F238E27FC236}">
+                <a16:creationId xmlns:a16="http://schemas.microsoft.com/office/drawing/2014/main" id="{B15A06DF-DFFD-4319-AE40-E07BE51C3A98}"/>
+              </a:ext>
+            </a:extLst>
+          </p:cNvPr>
+          <p:cNvSpPr/>
+          <p:nvPr/>
+        </p:nvSpPr>
+        <p:spPr>
+          <a:xfrm rot="16200000">
+            <a:off x="5366836" y="3761070"/>
+            <a:ext cx="806172" cy="1265067"/>
+          </a:xfrm>
+          <a:prstGeom prst="homePlate">
+            <a:avLst>
+              <a:gd name="adj" fmla="val 39700"/>
+            </a:avLst>
+          </a:prstGeom>
+          <a:solidFill>
+            <a:srgbClr val="E5E57F"/>
+          </a:solidFill>
+          <a:ln w="19050">
+            <a:solidFill>
+              <a:schemeClr val="tx1"/>
+            </a:solidFill>
+          </a:ln>
+        </p:spPr>
+        <p:style>
+          <a:lnRef idx="2">
+            <a:schemeClr val="accent1">
+              <a:shade val="50000"/>
+            </a:schemeClr>
+          </a:lnRef>
+          <a:fillRef idx="1">
+            <a:schemeClr val="accent1"/>
+          </a:fillRef>
+          <a:effectRef idx="0">
+            <a:schemeClr val="accent1"/>
+          </a:effectRef>
+          <a:fontRef idx="minor">
+            <a:schemeClr val="lt1"/>
+          </a:fontRef>
+        </p:style>
+        <p:txBody>
+          <a:bodyPr vert="eaVert" rtlCol="0" anchor="ctr"/>
+          <a:lstStyle/>
+          <a:p>
+            <a:pPr algn="ctr"/>
+            <a:r>
+              <a:rPr lang="en-US" altLang="ko-KR" sz="2000">
+                <a:solidFill>
+                  <a:schemeClr val="tx1"/>
+                </a:solidFill>
+                <a:latin typeface="Arial" panose="020B0604020202020204" pitchFamily="34" charset="0"/>
+                <a:cs typeface="Arial" panose="020B0604020202020204" pitchFamily="34" charset="0"/>
+              </a:rPr>
+              <a:t>Person</a:t>
+            </a:r>
+            <a:endParaRPr lang="ko-KR" altLang="en-US" sz="2000">
+              <a:solidFill>
+                <a:schemeClr val="tx1"/>
+              </a:solidFill>
+              <a:latin typeface="Arial" panose="020B0604020202020204" pitchFamily="34" charset="0"/>
+              <a:cs typeface="Arial" panose="020B0604020202020204" pitchFamily="34" charset="0"/>
+            </a:endParaRPr>
+          </a:p>
+        </p:txBody>
+      </p:sp>
+      <p:sp>
+        <p:nvSpPr>
+          <p:cNvPr id="5" name="사각형: 둥근 모서리 4">
+            <a:extLst>
+              <a:ext uri="{FF2B5EF4-FFF2-40B4-BE49-F238E27FC236}">
+                <a16:creationId xmlns:a16="http://schemas.microsoft.com/office/drawing/2014/main" id="{B4B428D1-38E3-4D33-8F92-C2F8B0E41A96}"/>
+              </a:ext>
+            </a:extLst>
+          </p:cNvPr>
+          <p:cNvSpPr/>
+          <p:nvPr/>
+        </p:nvSpPr>
+        <p:spPr>
+          <a:xfrm>
+            <a:off x="8103783" y="2548223"/>
+            <a:ext cx="1344596" cy="706624"/>
+          </a:xfrm>
+          <a:prstGeom prst="roundRect">
+            <a:avLst>
+              <a:gd name="adj" fmla="val 42223"/>
+            </a:avLst>
+          </a:prstGeom>
+          <a:solidFill>
+            <a:srgbClr val="FFF2CC"/>
+          </a:solidFill>
+          <a:ln w="19050">
+            <a:solidFill>
+              <a:schemeClr val="tx1"/>
+            </a:solidFill>
+          </a:ln>
+        </p:spPr>
+        <p:style>
+          <a:lnRef idx="2">
+            <a:schemeClr val="accent1">
+              <a:shade val="50000"/>
+            </a:schemeClr>
+          </a:lnRef>
+          <a:fillRef idx="1">
+            <a:schemeClr val="accent1"/>
+          </a:fillRef>
+          <a:effectRef idx="0">
+            <a:schemeClr val="accent1"/>
+          </a:effectRef>
+          <a:fontRef idx="minor">
+            <a:schemeClr val="lt1"/>
+          </a:fontRef>
+        </p:style>
+        <p:txBody>
+          <a:bodyPr rtlCol="0" anchor="ctr"/>
+          <a:lstStyle/>
+          <a:p>
+            <a:pPr algn="ctr"/>
+            <a:r>
+              <a:rPr lang="en-US" altLang="ko-KR" sz="2000">
+                <a:solidFill>
+                  <a:schemeClr val="tx1"/>
+                </a:solidFill>
+                <a:latin typeface="Arial" panose="020B0604020202020204" pitchFamily="34" charset="0"/>
+                <a:cs typeface="Arial" panose="020B0604020202020204" pitchFamily="34" charset="0"/>
+              </a:rPr>
+              <a:t>Data2</a:t>
+            </a:r>
+            <a:endParaRPr lang="ko-KR" altLang="en-US" sz="2000">
+              <a:solidFill>
+                <a:schemeClr val="tx1"/>
+              </a:solidFill>
+              <a:latin typeface="Arial" panose="020B0604020202020204" pitchFamily="34" charset="0"/>
+              <a:cs typeface="Arial" panose="020B0604020202020204" pitchFamily="34" charset="0"/>
+            </a:endParaRPr>
+          </a:p>
+        </p:txBody>
+      </p:sp>
+      <p:sp>
+        <p:nvSpPr>
+          <p:cNvPr id="6" name="직사각형 5">
+            <a:extLst>
+              <a:ext uri="{FF2B5EF4-FFF2-40B4-BE49-F238E27FC236}">
+                <a16:creationId xmlns:a16="http://schemas.microsoft.com/office/drawing/2014/main" id="{EA2FFA64-2CF1-4540-B9DE-6A7F1ADD087B}"/>
+              </a:ext>
+            </a:extLst>
+          </p:cNvPr>
+          <p:cNvSpPr/>
+          <p:nvPr/>
+        </p:nvSpPr>
+        <p:spPr>
+          <a:xfrm>
+            <a:off x="5105254" y="2566255"/>
+            <a:ext cx="1329337" cy="670560"/>
+          </a:xfrm>
+          <a:prstGeom prst="rect">
+            <a:avLst/>
+          </a:prstGeom>
+          <a:solidFill>
+            <a:srgbClr val="CCCCFF"/>
+          </a:solidFill>
+          <a:ln w="19050">
+            <a:solidFill>
+              <a:schemeClr val="tx1"/>
+            </a:solidFill>
+          </a:ln>
+        </p:spPr>
+        <p:style>
+          <a:lnRef idx="2">
+            <a:schemeClr val="accent1">
+              <a:shade val="50000"/>
+            </a:schemeClr>
+          </a:lnRef>
+          <a:fillRef idx="1">
+            <a:schemeClr val="accent1"/>
+          </a:fillRef>
+          <a:effectRef idx="0">
+            <a:schemeClr val="accent1"/>
+          </a:effectRef>
+          <a:fontRef idx="minor">
+            <a:schemeClr val="lt1"/>
+          </a:fontRef>
+        </p:style>
+        <p:txBody>
+          <a:bodyPr rot="0" spcFirstLastPara="0" vertOverflow="overflow" horzOverflow="overflow" vert="horz" wrap="square" lIns="91440" tIns="45720" rIns="91440" bIns="45720" numCol="1" spcCol="0" rtlCol="0" fromWordArt="0" anchor="ctr" anchorCtr="0" forceAA="0" compatLnSpc="1">
+            <a:prstTxWarp prst="textNoShape">
+              <a:avLst/>
+            </a:prstTxWarp>
+            <a:noAutofit/>
+          </a:bodyPr>
+          <a:lstStyle/>
+          <a:p>
+            <a:pPr algn="ctr"/>
+            <a:r>
+              <a:rPr lang="ko-KR" altLang="en-US" sz="2000">
+                <a:solidFill>
+                  <a:schemeClr val="tx1"/>
+                </a:solidFill>
+                <a:latin typeface="Arial" panose="020B0604020202020204" pitchFamily="34" charset="0"/>
+                <a:cs typeface="Arial" panose="020B0604020202020204" pitchFamily="34" charset="0"/>
+              </a:rPr>
+              <a:t>가공</a:t>
+            </a:r>
+            <a:r>
+              <a:rPr lang="en-US" altLang="ko-KR" sz="2000">
+                <a:solidFill>
+                  <a:schemeClr val="tx1"/>
+                </a:solidFill>
+                <a:latin typeface="Arial" panose="020B0604020202020204" pitchFamily="34" charset="0"/>
+                <a:cs typeface="Arial" panose="020B0604020202020204" pitchFamily="34" charset="0"/>
+              </a:rPr>
+              <a:t>/</a:t>
+            </a:r>
+            <a:r>
+              <a:rPr lang="ko-KR" altLang="en-US" sz="2000">
+                <a:solidFill>
+                  <a:schemeClr val="tx1"/>
+                </a:solidFill>
+                <a:latin typeface="Arial" panose="020B0604020202020204" pitchFamily="34" charset="0"/>
+                <a:cs typeface="Arial" panose="020B0604020202020204" pitchFamily="34" charset="0"/>
+              </a:rPr>
+              <a:t>변환</a:t>
+            </a:r>
+            <a:endParaRPr lang="ko-KR" altLang="en-US" sz="2000" dirty="0">
+              <a:solidFill>
+                <a:schemeClr val="tx1"/>
+              </a:solidFill>
+              <a:latin typeface="Arial" panose="020B0604020202020204" pitchFamily="34" charset="0"/>
+              <a:cs typeface="Arial" panose="020B0604020202020204" pitchFamily="34" charset="0"/>
+            </a:endParaRPr>
+          </a:p>
+        </p:txBody>
+      </p:sp>
+      <p:cxnSp>
+        <p:nvCxnSpPr>
+          <p:cNvPr id="8" name="직선 화살표 연결선 7">
+            <a:extLst>
+              <a:ext uri="{FF2B5EF4-FFF2-40B4-BE49-F238E27FC236}">
+                <a16:creationId xmlns:a16="http://schemas.microsoft.com/office/drawing/2014/main" id="{3DCD5011-E537-4943-8AE9-A8D80FE3D872}"/>
+              </a:ext>
+            </a:extLst>
+          </p:cNvPr>
+          <p:cNvCxnSpPr>
+            <a:cxnSpLocks/>
+            <a:stCxn id="4" idx="3"/>
+            <a:endCxn id="6" idx="2"/>
+          </p:cNvCxnSpPr>
+          <p:nvPr/>
+        </p:nvCxnSpPr>
+        <p:spPr>
+          <a:xfrm flipV="1">
+            <a:off x="5769923" y="3236815"/>
+            <a:ext cx="0" cy="753703"/>
+          </a:xfrm>
+          <a:prstGeom prst="straightConnector1">
+            <a:avLst/>
+          </a:prstGeom>
+          <a:ln w="19050">
+            <a:solidFill>
+              <a:schemeClr val="tx1"/>
+            </a:solidFill>
+            <a:headEnd type="triangle" w="lg" len="lg"/>
+            <a:tailEnd type="none"/>
+          </a:ln>
+        </p:spPr>
+        <p:style>
+          <a:lnRef idx="1">
+            <a:schemeClr val="accent1"/>
+          </a:lnRef>
+          <a:fillRef idx="0">
+            <a:schemeClr val="accent1"/>
+          </a:fillRef>
+          <a:effectRef idx="0">
+            <a:schemeClr val="accent1"/>
+          </a:effectRef>
+          <a:fontRef idx="minor">
+            <a:schemeClr val="tx1"/>
+          </a:fontRef>
+        </p:style>
+      </p:cxnSp>
+      <p:cxnSp>
+        <p:nvCxnSpPr>
+          <p:cNvPr id="9" name="직선 화살표 연결선 8">
+            <a:extLst>
+              <a:ext uri="{FF2B5EF4-FFF2-40B4-BE49-F238E27FC236}">
+                <a16:creationId xmlns:a16="http://schemas.microsoft.com/office/drawing/2014/main" id="{CE66ADBD-302D-4B82-940F-C4D611AB9A3E}"/>
+              </a:ext>
+            </a:extLst>
+          </p:cNvPr>
+          <p:cNvCxnSpPr>
+            <a:cxnSpLocks/>
+            <a:stCxn id="5" idx="1"/>
+            <a:endCxn id="6" idx="3"/>
+          </p:cNvCxnSpPr>
+          <p:nvPr/>
+        </p:nvCxnSpPr>
+        <p:spPr>
+          <a:xfrm flipH="1">
+            <a:off x="6434591" y="2901535"/>
+            <a:ext cx="1669192" cy="0"/>
+          </a:xfrm>
+          <a:prstGeom prst="straightConnector1">
+            <a:avLst/>
+          </a:prstGeom>
+          <a:ln w="19050">
+            <a:solidFill>
+              <a:schemeClr val="tx1"/>
+            </a:solidFill>
+            <a:headEnd type="none" w="lg" len="lg"/>
+            <a:tailEnd type="triangle" w="lg" len="lg"/>
+          </a:ln>
+        </p:spPr>
+        <p:style>
+          <a:lnRef idx="1">
+            <a:schemeClr val="accent1"/>
+          </a:lnRef>
+          <a:fillRef idx="0">
+            <a:schemeClr val="accent1"/>
+          </a:fillRef>
+          <a:effectRef idx="0">
+            <a:schemeClr val="accent1"/>
+          </a:effectRef>
+          <a:fontRef idx="minor">
+            <a:schemeClr val="tx1"/>
+          </a:fontRef>
+        </p:style>
+      </p:cxnSp>
+      <p:sp>
+        <p:nvSpPr>
+          <p:cNvPr id="10" name="TextBox 9">
+            <a:extLst>
+              <a:ext uri="{FF2B5EF4-FFF2-40B4-BE49-F238E27FC236}">
+                <a16:creationId xmlns:a16="http://schemas.microsoft.com/office/drawing/2014/main" id="{8719ED7C-2E5D-405E-BE76-A35E1E4D3B87}"/>
+              </a:ext>
+            </a:extLst>
+          </p:cNvPr>
+          <p:cNvSpPr txBox="1"/>
+          <p:nvPr/>
+        </p:nvSpPr>
+        <p:spPr>
+          <a:xfrm>
+            <a:off x="6811468" y="2566255"/>
+            <a:ext cx="1682088" cy="377641"/>
+          </a:xfrm>
+          <a:prstGeom prst="rect">
+            <a:avLst/>
+          </a:prstGeom>
+          <a:noFill/>
+        </p:spPr>
+        <p:txBody>
+          <a:bodyPr wrap="square" rtlCol="0">
+            <a:spAutoFit/>
+          </a:bodyPr>
+          <a:lstStyle/>
+          <a:p>
+            <a:r>
+              <a:rPr lang="en-US" altLang="ko-KR">
+                <a:latin typeface="Arial" panose="020B0604020202020204" pitchFamily="34" charset="0"/>
+                <a:cs typeface="Arial" panose="020B0604020202020204" pitchFamily="34" charset="0"/>
+              </a:rPr>
+              <a:t>Generate</a:t>
+            </a:r>
+            <a:endParaRPr lang="ko-KR" altLang="en-US">
+              <a:latin typeface="Arial" panose="020B0604020202020204" pitchFamily="34" charset="0"/>
+              <a:cs typeface="Arial" panose="020B0604020202020204" pitchFamily="34" charset="0"/>
+            </a:endParaRPr>
+          </a:p>
+        </p:txBody>
+      </p:sp>
+      <p:sp>
+        <p:nvSpPr>
+          <p:cNvPr id="12" name="TextBox 11">
+            <a:extLst>
+              <a:ext uri="{FF2B5EF4-FFF2-40B4-BE49-F238E27FC236}">
+                <a16:creationId xmlns:a16="http://schemas.microsoft.com/office/drawing/2014/main" id="{4A8E83A3-AE12-4CBB-981E-E7D0DB152B2A}"/>
+              </a:ext>
+            </a:extLst>
+          </p:cNvPr>
+          <p:cNvSpPr txBox="1"/>
+          <p:nvPr/>
+        </p:nvSpPr>
+        <p:spPr>
+          <a:xfrm>
+            <a:off x="5769922" y="3429000"/>
+            <a:ext cx="2757869" cy="369332"/>
+          </a:xfrm>
+          <a:prstGeom prst="rect">
+            <a:avLst/>
+          </a:prstGeom>
+          <a:noFill/>
+        </p:spPr>
+        <p:txBody>
+          <a:bodyPr wrap="square" rtlCol="0">
+            <a:spAutoFit/>
+          </a:bodyPr>
+          <a:lstStyle/>
+          <a:p>
+            <a:r>
+              <a:rPr lang="en-US" altLang="ko-KR">
+                <a:latin typeface="Arial" panose="020B0604020202020204" pitchFamily="34" charset="0"/>
+                <a:cs typeface="Arial" panose="020B0604020202020204" pitchFamily="34" charset="0"/>
+              </a:rPr>
+              <a:t>Act</a:t>
+            </a:r>
+            <a:endParaRPr lang="ko-KR" altLang="en-US">
+              <a:latin typeface="Arial" panose="020B0604020202020204" pitchFamily="34" charset="0"/>
+              <a:cs typeface="Arial" panose="020B0604020202020204" pitchFamily="34" charset="0"/>
+            </a:endParaRPr>
+          </a:p>
+        </p:txBody>
+      </p:sp>
+      <p:cxnSp>
+        <p:nvCxnSpPr>
+          <p:cNvPr id="11" name="직선 화살표 연결선 10">
+            <a:extLst>
+              <a:ext uri="{FF2B5EF4-FFF2-40B4-BE49-F238E27FC236}">
+                <a16:creationId xmlns:a16="http://schemas.microsoft.com/office/drawing/2014/main" id="{9F8A394D-5119-43B8-84FB-7B867A17B103}"/>
+              </a:ext>
+            </a:extLst>
+          </p:cNvPr>
+          <p:cNvCxnSpPr>
+            <a:cxnSpLocks/>
+            <a:endCxn id="14" idx="3"/>
+          </p:cNvCxnSpPr>
+          <p:nvPr/>
+        </p:nvCxnSpPr>
+        <p:spPr>
+          <a:xfrm flipH="1">
+            <a:off x="3420803" y="2898781"/>
+            <a:ext cx="1669192" cy="0"/>
+          </a:xfrm>
+          <a:prstGeom prst="straightConnector1">
+            <a:avLst/>
+          </a:prstGeom>
+          <a:ln w="19050">
+            <a:solidFill>
+              <a:schemeClr val="tx1"/>
+            </a:solidFill>
+            <a:headEnd type="none" w="lg" len="lg"/>
+            <a:tailEnd type="triangle" w="lg" len="lg"/>
+          </a:ln>
+        </p:spPr>
+        <p:style>
+          <a:lnRef idx="1">
+            <a:schemeClr val="accent1"/>
+          </a:lnRef>
+          <a:fillRef idx="0">
+            <a:schemeClr val="accent1"/>
+          </a:fillRef>
+          <a:effectRef idx="0">
+            <a:schemeClr val="accent1"/>
+          </a:effectRef>
+          <a:fontRef idx="minor">
+            <a:schemeClr val="tx1"/>
+          </a:fontRef>
+        </p:style>
+      </p:cxnSp>
+      <p:sp>
+        <p:nvSpPr>
+          <p:cNvPr id="13" name="TextBox 12">
+            <a:extLst>
+              <a:ext uri="{FF2B5EF4-FFF2-40B4-BE49-F238E27FC236}">
+                <a16:creationId xmlns:a16="http://schemas.microsoft.com/office/drawing/2014/main" id="{0125AF9E-5BAF-4D60-A2F0-B1C44E536CCE}"/>
+              </a:ext>
+            </a:extLst>
+          </p:cNvPr>
+          <p:cNvSpPr txBox="1"/>
+          <p:nvPr/>
+        </p:nvSpPr>
+        <p:spPr>
+          <a:xfrm>
+            <a:off x="3760356" y="2567228"/>
+            <a:ext cx="1682088" cy="377641"/>
+          </a:xfrm>
+          <a:prstGeom prst="rect">
+            <a:avLst/>
+          </a:prstGeom>
+          <a:noFill/>
+        </p:spPr>
+        <p:txBody>
+          <a:bodyPr wrap="square" rtlCol="0">
+            <a:spAutoFit/>
+          </a:bodyPr>
+          <a:lstStyle/>
+          <a:p>
+            <a:r>
+              <a:rPr lang="en-US" altLang="ko-KR">
+                <a:latin typeface="Arial" panose="020B0604020202020204" pitchFamily="34" charset="0"/>
+                <a:cs typeface="Arial" panose="020B0604020202020204" pitchFamily="34" charset="0"/>
+              </a:rPr>
+              <a:t>Generate</a:t>
+            </a:r>
+            <a:endParaRPr lang="ko-KR" altLang="en-US">
+              <a:latin typeface="Arial" panose="020B0604020202020204" pitchFamily="34" charset="0"/>
+              <a:cs typeface="Arial" panose="020B0604020202020204" pitchFamily="34" charset="0"/>
+            </a:endParaRPr>
+          </a:p>
+        </p:txBody>
+      </p:sp>
+      <p:sp>
+        <p:nvSpPr>
+          <p:cNvPr id="14" name="사각형: 둥근 모서리 13">
+            <a:extLst>
+              <a:ext uri="{FF2B5EF4-FFF2-40B4-BE49-F238E27FC236}">
+                <a16:creationId xmlns:a16="http://schemas.microsoft.com/office/drawing/2014/main" id="{ACD82F50-442F-4D64-82E5-8502360E350C}"/>
+              </a:ext>
+            </a:extLst>
+          </p:cNvPr>
+          <p:cNvSpPr/>
+          <p:nvPr/>
+        </p:nvSpPr>
+        <p:spPr>
+          <a:xfrm>
+            <a:off x="2076207" y="2545469"/>
+            <a:ext cx="1344596" cy="706624"/>
+          </a:xfrm>
+          <a:prstGeom prst="roundRect">
+            <a:avLst>
+              <a:gd name="adj" fmla="val 42223"/>
+            </a:avLst>
+          </a:prstGeom>
+          <a:solidFill>
+            <a:srgbClr val="FFF2CC"/>
+          </a:solidFill>
+          <a:ln w="19050">
+            <a:solidFill>
+              <a:schemeClr val="tx1"/>
+            </a:solidFill>
+          </a:ln>
+        </p:spPr>
+        <p:style>
+          <a:lnRef idx="2">
+            <a:schemeClr val="accent1">
+              <a:shade val="50000"/>
+            </a:schemeClr>
+          </a:lnRef>
+          <a:fillRef idx="1">
+            <a:schemeClr val="accent1"/>
+          </a:fillRef>
+          <a:effectRef idx="0">
+            <a:schemeClr val="accent1"/>
+          </a:effectRef>
+          <a:fontRef idx="minor">
+            <a:schemeClr val="lt1"/>
+          </a:fontRef>
+        </p:style>
+        <p:txBody>
+          <a:bodyPr rtlCol="0" anchor="ctr"/>
+          <a:lstStyle/>
+          <a:p>
+            <a:pPr algn="ctr"/>
+            <a:r>
+              <a:rPr lang="en-US" altLang="ko-KR" sz="2000">
+                <a:solidFill>
+                  <a:schemeClr val="tx1"/>
+                </a:solidFill>
+                <a:latin typeface="Arial" panose="020B0604020202020204" pitchFamily="34" charset="0"/>
+                <a:cs typeface="Arial" panose="020B0604020202020204" pitchFamily="34" charset="0"/>
+              </a:rPr>
+              <a:t>Data1</a:t>
+            </a:r>
+            <a:endParaRPr lang="ko-KR" altLang="en-US" sz="2000">
+              <a:solidFill>
+                <a:schemeClr val="tx1"/>
+              </a:solidFill>
+              <a:latin typeface="Arial" panose="020B0604020202020204" pitchFamily="34" charset="0"/>
+              <a:cs typeface="Arial" panose="020B0604020202020204" pitchFamily="34" charset="0"/>
+            </a:endParaRPr>
+          </a:p>
+        </p:txBody>
+      </p:sp>
+    </p:spTree>
+    <p:extLst>
+      <p:ext uri="{BB962C8B-B14F-4D97-AF65-F5344CB8AC3E}">
+        <p14:creationId xmlns:p14="http://schemas.microsoft.com/office/powerpoint/2010/main" val="388848676"/>
+      </p:ext>
+    </p:extLst>
+  </p:cSld>
+  <p:clrMapOvr>
+    <a:masterClrMapping/>
+  </p:clrMapOvr>
+</p:sld>
+</file>
+
+<file path=ppt/slides/slide18.xml><?xml version="1.0" encoding="utf-8"?>
+<p:sld xmlns:a="http://schemas.openxmlformats.org/drawingml/2006/main" xmlns:r="http://schemas.openxmlformats.org/officeDocument/2006/relationships" xmlns:p="http://schemas.openxmlformats.org/presentationml/2006/main">
+  <p:cSld>
+    <p:spTree>
+      <p:nvGrpSpPr>
+        <p:cNvPr id="1" name=""/>
+        <p:cNvGrpSpPr/>
+        <p:nvPr/>
+      </p:nvGrpSpPr>
+      <p:grpSpPr>
+        <a:xfrm>
+          <a:off x="0" y="0"/>
+          <a:ext cx="0" cy="0"/>
+          <a:chOff x="0" y="0"/>
+          <a:chExt cx="0" cy="0"/>
+        </a:xfrm>
+      </p:grpSpPr>
+      <p:sp>
+        <p:nvSpPr>
+          <p:cNvPr id="4" name="화살표: 오각형 3">
+            <a:extLst>
+              <a:ext uri="{FF2B5EF4-FFF2-40B4-BE49-F238E27FC236}">
+                <a16:creationId xmlns:a16="http://schemas.microsoft.com/office/drawing/2014/main" id="{B15A06DF-DFFD-4319-AE40-E07BE51C3A98}"/>
+              </a:ext>
+            </a:extLst>
+          </p:cNvPr>
+          <p:cNvSpPr/>
+          <p:nvPr/>
+        </p:nvSpPr>
+        <p:spPr>
+          <a:xfrm rot="16200000">
+            <a:off x="4446233" y="3773232"/>
+            <a:ext cx="806172" cy="1265067"/>
+          </a:xfrm>
+          <a:prstGeom prst="homePlate">
+            <a:avLst>
+              <a:gd name="adj" fmla="val 39700"/>
+            </a:avLst>
+          </a:prstGeom>
+          <a:solidFill>
+            <a:srgbClr val="E5E57F"/>
+          </a:solidFill>
+          <a:ln w="19050">
+            <a:solidFill>
+              <a:schemeClr val="tx1"/>
+            </a:solidFill>
+          </a:ln>
+        </p:spPr>
+        <p:style>
+          <a:lnRef idx="2">
+            <a:schemeClr val="accent1">
+              <a:shade val="50000"/>
+            </a:schemeClr>
+          </a:lnRef>
+          <a:fillRef idx="1">
+            <a:schemeClr val="accent1"/>
+          </a:fillRef>
+          <a:effectRef idx="0">
+            <a:schemeClr val="accent1"/>
+          </a:effectRef>
+          <a:fontRef idx="minor">
+            <a:schemeClr val="lt1"/>
+          </a:fontRef>
+        </p:style>
+        <p:txBody>
+          <a:bodyPr vert="eaVert" rtlCol="0" anchor="ctr"/>
+          <a:lstStyle/>
+          <a:p>
+            <a:pPr algn="ctr"/>
+            <a:r>
+              <a:rPr lang="en-US" altLang="ko-KR" sz="2000">
+                <a:solidFill>
+                  <a:schemeClr val="tx1"/>
+                </a:solidFill>
+                <a:latin typeface="Arial" panose="020B0604020202020204" pitchFamily="34" charset="0"/>
+                <a:cs typeface="Arial" panose="020B0604020202020204" pitchFamily="34" charset="0"/>
+              </a:rPr>
+              <a:t>Person1</a:t>
+            </a:r>
+            <a:endParaRPr lang="ko-KR" altLang="en-US" sz="2000">
+              <a:solidFill>
+                <a:schemeClr val="tx1"/>
+              </a:solidFill>
+              <a:latin typeface="Arial" panose="020B0604020202020204" pitchFamily="34" charset="0"/>
+              <a:cs typeface="Arial" panose="020B0604020202020204" pitchFamily="34" charset="0"/>
+            </a:endParaRPr>
+          </a:p>
+        </p:txBody>
+      </p:sp>
+      <p:sp>
+        <p:nvSpPr>
+          <p:cNvPr id="5" name="사각형: 둥근 모서리 4">
+            <a:extLst>
+              <a:ext uri="{FF2B5EF4-FFF2-40B4-BE49-F238E27FC236}">
+                <a16:creationId xmlns:a16="http://schemas.microsoft.com/office/drawing/2014/main" id="{B4B428D1-38E3-4D33-8F92-C2F8B0E41A96}"/>
+              </a:ext>
+            </a:extLst>
+          </p:cNvPr>
+          <p:cNvSpPr/>
+          <p:nvPr/>
+        </p:nvSpPr>
+        <p:spPr>
+          <a:xfrm>
+            <a:off x="8103783" y="2548223"/>
+            <a:ext cx="1344596" cy="706624"/>
+          </a:xfrm>
+          <a:prstGeom prst="roundRect">
+            <a:avLst>
+              <a:gd name="adj" fmla="val 42223"/>
+            </a:avLst>
+          </a:prstGeom>
+          <a:solidFill>
+            <a:srgbClr val="FFF2CC"/>
+          </a:solidFill>
+          <a:ln w="19050">
+            <a:solidFill>
+              <a:schemeClr val="tx1"/>
+            </a:solidFill>
+          </a:ln>
+        </p:spPr>
+        <p:style>
+          <a:lnRef idx="2">
+            <a:schemeClr val="accent1">
+              <a:shade val="50000"/>
+            </a:schemeClr>
+          </a:lnRef>
+          <a:fillRef idx="1">
+            <a:schemeClr val="accent1"/>
+          </a:fillRef>
+          <a:effectRef idx="0">
+            <a:schemeClr val="accent1"/>
+          </a:effectRef>
+          <a:fontRef idx="minor">
+            <a:schemeClr val="lt1"/>
+          </a:fontRef>
+        </p:style>
+        <p:txBody>
+          <a:bodyPr rtlCol="0" anchor="ctr"/>
+          <a:lstStyle/>
+          <a:p>
+            <a:pPr algn="ctr"/>
+            <a:r>
+              <a:rPr lang="en-US" altLang="ko-KR" sz="2000">
+                <a:solidFill>
+                  <a:schemeClr val="tx1"/>
+                </a:solidFill>
+                <a:latin typeface="Arial" panose="020B0604020202020204" pitchFamily="34" charset="0"/>
+                <a:cs typeface="Arial" panose="020B0604020202020204" pitchFamily="34" charset="0"/>
+              </a:rPr>
+              <a:t>Data1</a:t>
+            </a:r>
+            <a:endParaRPr lang="ko-KR" altLang="en-US" sz="2000">
+              <a:solidFill>
+                <a:schemeClr val="tx1"/>
+              </a:solidFill>
+              <a:latin typeface="Arial" panose="020B0604020202020204" pitchFamily="34" charset="0"/>
+              <a:cs typeface="Arial" panose="020B0604020202020204" pitchFamily="34" charset="0"/>
+            </a:endParaRPr>
+          </a:p>
+        </p:txBody>
+      </p:sp>
+      <p:sp>
+        <p:nvSpPr>
+          <p:cNvPr id="6" name="직사각형 5">
+            <a:extLst>
+              <a:ext uri="{FF2B5EF4-FFF2-40B4-BE49-F238E27FC236}">
+                <a16:creationId xmlns:a16="http://schemas.microsoft.com/office/drawing/2014/main" id="{EA2FFA64-2CF1-4540-B9DE-6A7F1ADD087B}"/>
+              </a:ext>
+            </a:extLst>
+          </p:cNvPr>
+          <p:cNvSpPr/>
+          <p:nvPr/>
+        </p:nvSpPr>
+        <p:spPr>
+          <a:xfrm>
+            <a:off x="5105254" y="2566255"/>
+            <a:ext cx="1329337" cy="670560"/>
+          </a:xfrm>
+          <a:prstGeom prst="rect">
+            <a:avLst/>
+          </a:prstGeom>
+          <a:solidFill>
+            <a:srgbClr val="CCCCFF"/>
+          </a:solidFill>
+          <a:ln w="19050">
+            <a:solidFill>
+              <a:schemeClr val="tx1"/>
+            </a:solidFill>
+          </a:ln>
+        </p:spPr>
+        <p:style>
+          <a:lnRef idx="2">
+            <a:schemeClr val="accent1">
+              <a:shade val="50000"/>
+            </a:schemeClr>
+          </a:lnRef>
+          <a:fillRef idx="1">
+            <a:schemeClr val="accent1"/>
+          </a:fillRef>
+          <a:effectRef idx="0">
+            <a:schemeClr val="accent1"/>
+          </a:effectRef>
+          <a:fontRef idx="minor">
+            <a:schemeClr val="lt1"/>
+          </a:fontRef>
+        </p:style>
+        <p:txBody>
+          <a:bodyPr rot="0" spcFirstLastPara="0" vertOverflow="overflow" horzOverflow="overflow" vert="horz" wrap="square" lIns="91440" tIns="45720" rIns="91440" bIns="45720" numCol="1" spcCol="0" rtlCol="0" fromWordArt="0" anchor="ctr" anchorCtr="0" forceAA="0" compatLnSpc="1">
+            <a:prstTxWarp prst="textNoShape">
+              <a:avLst/>
+            </a:prstTxWarp>
+            <a:noAutofit/>
+          </a:bodyPr>
+          <a:lstStyle/>
+          <a:p>
+            <a:pPr algn="ctr"/>
+            <a:r>
+              <a:rPr lang="ko-KR" altLang="en-US" sz="2000">
+                <a:solidFill>
+                  <a:schemeClr val="tx1"/>
+                </a:solidFill>
+                <a:latin typeface="Arial" panose="020B0604020202020204" pitchFamily="34" charset="0"/>
+                <a:cs typeface="Arial" panose="020B0604020202020204" pitchFamily="34" charset="0"/>
+              </a:rPr>
+              <a:t>배포</a:t>
+            </a:r>
+            <a:r>
+              <a:rPr lang="en-US" altLang="ko-KR" sz="2000">
+                <a:solidFill>
+                  <a:schemeClr val="tx1"/>
+                </a:solidFill>
+                <a:latin typeface="Arial" panose="020B0604020202020204" pitchFamily="34" charset="0"/>
+                <a:cs typeface="Arial" panose="020B0604020202020204" pitchFamily="34" charset="0"/>
+              </a:rPr>
+              <a:t>/</a:t>
+            </a:r>
+            <a:r>
+              <a:rPr lang="ko-KR" altLang="en-US" sz="2000">
+                <a:solidFill>
+                  <a:schemeClr val="tx1"/>
+                </a:solidFill>
+                <a:latin typeface="Arial" panose="020B0604020202020204" pitchFamily="34" charset="0"/>
+                <a:cs typeface="Arial" panose="020B0604020202020204" pitchFamily="34" charset="0"/>
+              </a:rPr>
+              <a:t>판매</a:t>
+            </a:r>
+            <a:endParaRPr lang="ko-KR" altLang="en-US" sz="2000" dirty="0">
+              <a:solidFill>
+                <a:schemeClr val="tx1"/>
+              </a:solidFill>
+              <a:latin typeface="Arial" panose="020B0604020202020204" pitchFamily="34" charset="0"/>
+              <a:cs typeface="Arial" panose="020B0604020202020204" pitchFamily="34" charset="0"/>
+            </a:endParaRPr>
+          </a:p>
+        </p:txBody>
+      </p:sp>
+      <p:cxnSp>
+        <p:nvCxnSpPr>
+          <p:cNvPr id="8" name="직선 화살표 연결선 7">
+            <a:extLst>
+              <a:ext uri="{FF2B5EF4-FFF2-40B4-BE49-F238E27FC236}">
+                <a16:creationId xmlns:a16="http://schemas.microsoft.com/office/drawing/2014/main" id="{3DCD5011-E537-4943-8AE9-A8D80FE3D872}"/>
+              </a:ext>
+            </a:extLst>
+          </p:cNvPr>
+          <p:cNvCxnSpPr>
+            <a:cxnSpLocks/>
+            <a:stCxn id="4" idx="3"/>
+            <a:endCxn id="6" idx="2"/>
+          </p:cNvCxnSpPr>
+          <p:nvPr/>
+        </p:nvCxnSpPr>
+        <p:spPr>
+          <a:xfrm flipV="1">
+            <a:off x="4849320" y="3236815"/>
+            <a:ext cx="920603" cy="765865"/>
+          </a:xfrm>
+          <a:prstGeom prst="straightConnector1">
+            <a:avLst/>
+          </a:prstGeom>
+          <a:ln w="19050">
+            <a:solidFill>
+              <a:schemeClr val="tx1"/>
+            </a:solidFill>
+            <a:headEnd type="triangle" w="lg" len="lg"/>
+            <a:tailEnd type="none"/>
+          </a:ln>
+        </p:spPr>
+        <p:style>
+          <a:lnRef idx="1">
+            <a:schemeClr val="accent1"/>
+          </a:lnRef>
+          <a:fillRef idx="0">
+            <a:schemeClr val="accent1"/>
+          </a:fillRef>
+          <a:effectRef idx="0">
+            <a:schemeClr val="accent1"/>
+          </a:effectRef>
+          <a:fontRef idx="minor">
+            <a:schemeClr val="tx1"/>
+          </a:fontRef>
+        </p:style>
+      </p:cxnSp>
+      <p:cxnSp>
+        <p:nvCxnSpPr>
+          <p:cNvPr id="9" name="직선 화살표 연결선 8">
+            <a:extLst>
+              <a:ext uri="{FF2B5EF4-FFF2-40B4-BE49-F238E27FC236}">
+                <a16:creationId xmlns:a16="http://schemas.microsoft.com/office/drawing/2014/main" id="{CE66ADBD-302D-4B82-940F-C4D611AB9A3E}"/>
+              </a:ext>
+            </a:extLst>
+          </p:cNvPr>
+          <p:cNvCxnSpPr>
+            <a:cxnSpLocks/>
+            <a:stCxn id="5" idx="1"/>
+            <a:endCxn id="6" idx="3"/>
+          </p:cNvCxnSpPr>
+          <p:nvPr/>
+        </p:nvCxnSpPr>
+        <p:spPr>
+          <a:xfrm flipH="1">
+            <a:off x="6434591" y="2901535"/>
+            <a:ext cx="1669192" cy="0"/>
+          </a:xfrm>
+          <a:prstGeom prst="straightConnector1">
+            <a:avLst/>
+          </a:prstGeom>
+          <a:ln w="19050">
+            <a:solidFill>
+              <a:schemeClr val="tx1"/>
+            </a:solidFill>
+            <a:headEnd type="none" w="lg" len="lg"/>
+            <a:tailEnd type="triangle" w="lg" len="lg"/>
+          </a:ln>
+        </p:spPr>
+        <p:style>
+          <a:lnRef idx="1">
+            <a:schemeClr val="accent1"/>
+          </a:lnRef>
+          <a:fillRef idx="0">
+            <a:schemeClr val="accent1"/>
+          </a:fillRef>
+          <a:effectRef idx="0">
+            <a:schemeClr val="accent1"/>
+          </a:effectRef>
+          <a:fontRef idx="minor">
+            <a:schemeClr val="tx1"/>
+          </a:fontRef>
+        </p:style>
+      </p:cxnSp>
+      <p:sp>
+        <p:nvSpPr>
+          <p:cNvPr id="10" name="TextBox 9">
+            <a:extLst>
+              <a:ext uri="{FF2B5EF4-FFF2-40B4-BE49-F238E27FC236}">
+                <a16:creationId xmlns:a16="http://schemas.microsoft.com/office/drawing/2014/main" id="{8719ED7C-2E5D-405E-BE76-A35E1E4D3B87}"/>
+              </a:ext>
+            </a:extLst>
+          </p:cNvPr>
+          <p:cNvSpPr txBox="1"/>
+          <p:nvPr/>
+        </p:nvSpPr>
+        <p:spPr>
+          <a:xfrm>
+            <a:off x="6811468" y="2566255"/>
+            <a:ext cx="1682088" cy="377641"/>
+          </a:xfrm>
+          <a:prstGeom prst="rect">
+            <a:avLst/>
+          </a:prstGeom>
+          <a:noFill/>
+        </p:spPr>
+        <p:txBody>
+          <a:bodyPr wrap="square" rtlCol="0">
+            <a:spAutoFit/>
+          </a:bodyPr>
+          <a:lstStyle/>
+          <a:p>
+            <a:r>
+              <a:rPr lang="en-US" altLang="ko-KR">
+                <a:latin typeface="Arial" panose="020B0604020202020204" pitchFamily="34" charset="0"/>
+                <a:cs typeface="Arial" panose="020B0604020202020204" pitchFamily="34" charset="0"/>
+              </a:rPr>
+              <a:t>Generate</a:t>
+            </a:r>
+            <a:endParaRPr lang="ko-KR" altLang="en-US">
+              <a:latin typeface="Arial" panose="020B0604020202020204" pitchFamily="34" charset="0"/>
+              <a:cs typeface="Arial" panose="020B0604020202020204" pitchFamily="34" charset="0"/>
+            </a:endParaRPr>
+          </a:p>
+        </p:txBody>
+      </p:sp>
+      <p:sp>
+        <p:nvSpPr>
+          <p:cNvPr id="12" name="TextBox 11">
+            <a:extLst>
+              <a:ext uri="{FF2B5EF4-FFF2-40B4-BE49-F238E27FC236}">
+                <a16:creationId xmlns:a16="http://schemas.microsoft.com/office/drawing/2014/main" id="{4A8E83A3-AE12-4CBB-981E-E7D0DB152B2A}"/>
+              </a:ext>
+            </a:extLst>
+          </p:cNvPr>
+          <p:cNvSpPr txBox="1"/>
+          <p:nvPr/>
+        </p:nvSpPr>
+        <p:spPr>
+          <a:xfrm>
+            <a:off x="4539578" y="3387428"/>
+            <a:ext cx="766484" cy="369332"/>
+          </a:xfrm>
+          <a:prstGeom prst="rect">
+            <a:avLst/>
+          </a:prstGeom>
+          <a:noFill/>
+        </p:spPr>
+        <p:txBody>
+          <a:bodyPr wrap="square" rtlCol="0">
+            <a:spAutoFit/>
+          </a:bodyPr>
+          <a:lstStyle/>
+          <a:p>
+            <a:r>
+              <a:rPr lang="en-US" altLang="ko-KR">
+                <a:latin typeface="Arial" panose="020B0604020202020204" pitchFamily="34" charset="0"/>
+                <a:cs typeface="Arial" panose="020B0604020202020204" pitchFamily="34" charset="0"/>
+              </a:rPr>
+              <a:t>Send</a:t>
+            </a:r>
+            <a:endParaRPr lang="ko-KR" altLang="en-US">
+              <a:latin typeface="Arial" panose="020B0604020202020204" pitchFamily="34" charset="0"/>
+              <a:cs typeface="Arial" panose="020B0604020202020204" pitchFamily="34" charset="0"/>
+            </a:endParaRPr>
+          </a:p>
+        </p:txBody>
+      </p:sp>
+      <p:sp>
+        <p:nvSpPr>
+          <p:cNvPr id="15" name="화살표: 오각형 14">
+            <a:extLst>
+              <a:ext uri="{FF2B5EF4-FFF2-40B4-BE49-F238E27FC236}">
+                <a16:creationId xmlns:a16="http://schemas.microsoft.com/office/drawing/2014/main" id="{93794B9C-FE39-4AA9-B0DE-671C18626363}"/>
+              </a:ext>
+            </a:extLst>
+          </p:cNvPr>
+          <p:cNvSpPr/>
+          <p:nvPr/>
+        </p:nvSpPr>
+        <p:spPr>
+          <a:xfrm rot="16200000">
+            <a:off x="6343836" y="3773231"/>
+            <a:ext cx="806172" cy="1265067"/>
+          </a:xfrm>
+          <a:prstGeom prst="homePlate">
+            <a:avLst>
+              <a:gd name="adj" fmla="val 39700"/>
+            </a:avLst>
+          </a:prstGeom>
+          <a:solidFill>
+            <a:srgbClr val="E5E57F"/>
+          </a:solidFill>
+          <a:ln w="19050">
+            <a:solidFill>
+              <a:schemeClr val="tx1"/>
+            </a:solidFill>
+          </a:ln>
+        </p:spPr>
+        <p:style>
+          <a:lnRef idx="2">
+            <a:schemeClr val="accent1">
+              <a:shade val="50000"/>
+            </a:schemeClr>
+          </a:lnRef>
+          <a:fillRef idx="1">
+            <a:schemeClr val="accent1"/>
+          </a:fillRef>
+          <a:effectRef idx="0">
+            <a:schemeClr val="accent1"/>
+          </a:effectRef>
+          <a:fontRef idx="minor">
+            <a:schemeClr val="lt1"/>
+          </a:fontRef>
+        </p:style>
+        <p:txBody>
+          <a:bodyPr vert="eaVert" rtlCol="0" anchor="ctr"/>
+          <a:lstStyle/>
+          <a:p>
+            <a:pPr algn="ctr"/>
+            <a:r>
+              <a:rPr lang="en-US" altLang="ko-KR" sz="2000">
+                <a:solidFill>
+                  <a:schemeClr val="tx1"/>
+                </a:solidFill>
+                <a:latin typeface="Arial" panose="020B0604020202020204" pitchFamily="34" charset="0"/>
+                <a:cs typeface="Arial" panose="020B0604020202020204" pitchFamily="34" charset="0"/>
+              </a:rPr>
+              <a:t>Person2</a:t>
+            </a:r>
+            <a:endParaRPr lang="ko-KR" altLang="en-US" sz="2000">
+              <a:solidFill>
+                <a:schemeClr val="tx1"/>
+              </a:solidFill>
+              <a:latin typeface="Arial" panose="020B0604020202020204" pitchFamily="34" charset="0"/>
+              <a:cs typeface="Arial" panose="020B0604020202020204" pitchFamily="34" charset="0"/>
+            </a:endParaRPr>
+          </a:p>
+        </p:txBody>
+      </p:sp>
+      <p:cxnSp>
+        <p:nvCxnSpPr>
+          <p:cNvPr id="16" name="직선 화살표 연결선 15">
+            <a:extLst>
+              <a:ext uri="{FF2B5EF4-FFF2-40B4-BE49-F238E27FC236}">
+                <a16:creationId xmlns:a16="http://schemas.microsoft.com/office/drawing/2014/main" id="{985550B4-3B5E-4AF1-AA6A-07A1E30477F8}"/>
+              </a:ext>
+            </a:extLst>
+          </p:cNvPr>
+          <p:cNvCxnSpPr>
+            <a:cxnSpLocks/>
+            <a:stCxn id="15" idx="3"/>
+            <a:endCxn id="6" idx="2"/>
+          </p:cNvCxnSpPr>
+          <p:nvPr/>
+        </p:nvCxnSpPr>
+        <p:spPr>
+          <a:xfrm flipH="1" flipV="1">
+            <a:off x="5769923" y="3236815"/>
+            <a:ext cx="977000" cy="765864"/>
+          </a:xfrm>
+          <a:prstGeom prst="straightConnector1">
+            <a:avLst/>
+          </a:prstGeom>
+          <a:ln w="19050">
+            <a:solidFill>
+              <a:schemeClr val="tx1"/>
+            </a:solidFill>
+            <a:headEnd type="triangle" w="lg" len="lg"/>
+            <a:tailEnd type="none"/>
+          </a:ln>
+        </p:spPr>
+        <p:style>
+          <a:lnRef idx="1">
+            <a:schemeClr val="accent1"/>
+          </a:lnRef>
+          <a:fillRef idx="0">
+            <a:schemeClr val="accent1"/>
+          </a:fillRef>
+          <a:effectRef idx="0">
+            <a:schemeClr val="accent1"/>
+          </a:effectRef>
+          <a:fontRef idx="minor">
+            <a:schemeClr val="tx1"/>
+          </a:fontRef>
+        </p:style>
+      </p:cxnSp>
+      <p:sp>
+        <p:nvSpPr>
+          <p:cNvPr id="17" name="TextBox 16">
+            <a:extLst>
+              <a:ext uri="{FF2B5EF4-FFF2-40B4-BE49-F238E27FC236}">
+                <a16:creationId xmlns:a16="http://schemas.microsoft.com/office/drawing/2014/main" id="{B2548EAD-E824-4753-97C1-3DAC752884BC}"/>
+              </a:ext>
+            </a:extLst>
+          </p:cNvPr>
+          <p:cNvSpPr txBox="1"/>
+          <p:nvPr/>
+        </p:nvSpPr>
+        <p:spPr>
+          <a:xfrm>
+            <a:off x="6288591" y="3387428"/>
+            <a:ext cx="2757869" cy="369332"/>
+          </a:xfrm>
+          <a:prstGeom prst="rect">
+            <a:avLst/>
+          </a:prstGeom>
+          <a:noFill/>
+        </p:spPr>
+        <p:txBody>
+          <a:bodyPr wrap="square" rtlCol="0">
+            <a:spAutoFit/>
+          </a:bodyPr>
+          <a:lstStyle/>
+          <a:p>
+            <a:r>
+              <a:rPr lang="en-US" altLang="ko-KR">
+                <a:latin typeface="Arial" panose="020B0604020202020204" pitchFamily="34" charset="0"/>
+                <a:cs typeface="Arial" panose="020B0604020202020204" pitchFamily="34" charset="0"/>
+              </a:rPr>
+              <a:t>Receive</a:t>
+            </a:r>
+            <a:endParaRPr lang="ko-KR" altLang="en-US">
+              <a:latin typeface="Arial" panose="020B0604020202020204" pitchFamily="34" charset="0"/>
+              <a:cs typeface="Arial" panose="020B0604020202020204" pitchFamily="34" charset="0"/>
+            </a:endParaRPr>
+          </a:p>
+        </p:txBody>
+      </p:sp>
+    </p:spTree>
+    <p:extLst>
+      <p:ext uri="{BB962C8B-B14F-4D97-AF65-F5344CB8AC3E}">
+        <p14:creationId xmlns:p14="http://schemas.microsoft.com/office/powerpoint/2010/main" val="2161994729"/>
+      </p:ext>
+    </p:extLst>
+  </p:cSld>
+  <p:clrMapOvr>
+    <a:masterClrMapping/>
+  </p:clrMapOvr>
+</p:sld>
+</file>
+
 <file path=ppt/slides/slide2.xml><?xml version="1.0" encoding="utf-8"?>
 <p:sld xmlns:a="http://schemas.openxmlformats.org/drawingml/2006/main" xmlns:r="http://schemas.openxmlformats.org/officeDocument/2006/relationships" xmlns:p="http://schemas.openxmlformats.org/presentationml/2006/main">
   <p:cSld>
@@ -25546,6 +28472,40 @@
           </a:p>
         </p:txBody>
       </p:sp>
+      <p:sp>
+        <p:nvSpPr>
+          <p:cNvPr id="17" name="제목 1">
+            <a:extLst>
+              <a:ext uri="{FF2B5EF4-FFF2-40B4-BE49-F238E27FC236}">
+                <a16:creationId xmlns:a16="http://schemas.microsoft.com/office/drawing/2014/main" id="{51DCDD7D-F028-4062-8BD1-792B89D86504}"/>
+              </a:ext>
+            </a:extLst>
+          </p:cNvPr>
+          <p:cNvSpPr>
+            <a:spLocks noGrp="1"/>
+          </p:cNvSpPr>
+          <p:nvPr>
+            <p:ph type="title"/>
+          </p:nvPr>
+        </p:nvSpPr>
+        <p:spPr>
+          <a:xfrm>
+            <a:off x="838200" y="365125"/>
+            <a:ext cx="10515600" cy="1325563"/>
+          </a:xfrm>
+        </p:spPr>
+        <p:txBody>
+          <a:bodyPr/>
+          <a:lstStyle/>
+          <a:p>
+            <a:r>
+              <a:rPr lang="en-US" altLang="ko-KR"/>
+              <a:t>Version 1.0</a:t>
+            </a:r>
+            <a:endParaRPr lang="ko-KR" altLang="en-US"/>
+          </a:p>
+        </p:txBody>
+      </p:sp>
     </p:spTree>
     <p:extLst>
       <p:ext uri="{BB962C8B-B14F-4D97-AF65-F5344CB8AC3E}">
